--- a/Manual_Usuario/presentacion/BrainLingua NLP.pptx
+++ b/Manual_Usuario/presentacion/BrainLingua NLP.pptx
@@ -5,7 +5,7 @@
     <p:sldMasterId id="2147483648" r:id="rId1"/>
   </p:sldMasterIdLst>
   <p:notesMasterIdLst>
-    <p:notesMasterId r:id="rId11"/>
+    <p:notesMasterId r:id="rId13"/>
   </p:notesMasterIdLst>
   <p:sldIdLst>
     <p:sldId id="256" r:id="rId2"/>
@@ -13,10 +13,12 @@
     <p:sldId id="258" r:id="rId4"/>
     <p:sldId id="259" r:id="rId5"/>
     <p:sldId id="260" r:id="rId6"/>
-    <p:sldId id="261" r:id="rId7"/>
-    <p:sldId id="264" r:id="rId8"/>
-    <p:sldId id="262" r:id="rId9"/>
-    <p:sldId id="263" r:id="rId10"/>
+    <p:sldId id="265" r:id="rId7"/>
+    <p:sldId id="266" r:id="rId8"/>
+    <p:sldId id="267" r:id="rId9"/>
+    <p:sldId id="264" r:id="rId10"/>
+    <p:sldId id="262" r:id="rId11"/>
+    <p:sldId id="263" r:id="rId12"/>
   </p:sldIdLst>
   <p:sldSz cx="12192000" cy="6858000"/>
   <p:notesSz cx="6858000" cy="9144000"/>
@@ -127,1065 +129,57 @@
 <pc:chgInfo xmlns:a="http://schemas.openxmlformats.org/drawingml/2006/main" xmlns:r="http://schemas.openxmlformats.org/officeDocument/2006/relationships" xmlns:ac="http://schemas.microsoft.com/office/drawing/2013/main/command" xmlns:pc="http://schemas.microsoft.com/office/powerpoint/2013/main/command">
   <pc:docChgLst>
     <pc:chgData name="Fernandez Planas, Pablo" userId="6e321e55-3b63-4a42-bd8e-f086caa5e917" providerId="ADAL" clId="{BC435EE4-79B0-4B59-B49A-DDB57861B726}"/>
-    <pc:docChg chg="undo custSel addSld modSld">
-      <pc:chgData name="Fernandez Planas, Pablo" userId="6e321e55-3b63-4a42-bd8e-f086caa5e917" providerId="ADAL" clId="{BC435EE4-79B0-4B59-B49A-DDB57861B726}" dt="2024-06-14T10:44:55.353" v="1381" actId="20577"/>
+    <pc:docChg chg="custSel modSld">
+      <pc:chgData name="Fernandez Planas, Pablo" userId="6e321e55-3b63-4a42-bd8e-f086caa5e917" providerId="ADAL" clId="{BC435EE4-79B0-4B59-B49A-DDB57861B726}" dt="2024-06-18T10:34:27.922" v="427" actId="1076"/>
       <pc:docMkLst>
         <pc:docMk/>
       </pc:docMkLst>
-      <pc:sldChg chg="addSp delSp modSp new mod setBg">
-        <pc:chgData name="Fernandez Planas, Pablo" userId="6e321e55-3b63-4a42-bd8e-f086caa5e917" providerId="ADAL" clId="{BC435EE4-79B0-4B59-B49A-DDB57861B726}" dt="2024-06-14T10:44:55.353" v="1381" actId="20577"/>
-        <pc:sldMkLst>
-          <pc:docMk/>
-          <pc:sldMk cId="3700840463" sldId="256"/>
-        </pc:sldMkLst>
-        <pc:spChg chg="del mod">
-          <ac:chgData name="Fernandez Planas, Pablo" userId="6e321e55-3b63-4a42-bd8e-f086caa5e917" providerId="ADAL" clId="{BC435EE4-79B0-4B59-B49A-DDB57861B726}" dt="2024-06-14T10:43:50.208" v="1304" actId="478"/>
-          <ac:spMkLst>
-            <pc:docMk/>
-            <pc:sldMk cId="3700840463" sldId="256"/>
-            <ac:spMk id="2" creationId="{C08B3920-07B7-E32E-1029-BE9DA06C361E}"/>
-          </ac:spMkLst>
-        </pc:spChg>
-        <pc:spChg chg="mod">
-          <ac:chgData name="Fernandez Planas, Pablo" userId="6e321e55-3b63-4a42-bd8e-f086caa5e917" providerId="ADAL" clId="{BC435EE4-79B0-4B59-B49A-DDB57861B726}" dt="2024-06-10T10:59:45.904" v="81" actId="20577"/>
-          <ac:spMkLst>
-            <pc:docMk/>
-            <pc:sldMk cId="3700840463" sldId="256"/>
-            <ac:spMk id="3" creationId="{68CA502E-E12E-1406-3A4C-447A288D6D43}"/>
-          </ac:spMkLst>
-        </pc:spChg>
-        <pc:spChg chg="add mod">
-          <ac:chgData name="Fernandez Planas, Pablo" userId="6e321e55-3b63-4a42-bd8e-f086caa5e917" providerId="ADAL" clId="{BC435EE4-79B0-4B59-B49A-DDB57861B726}" dt="2024-06-14T10:44:55.353" v="1381" actId="20577"/>
-          <ac:spMkLst>
-            <pc:docMk/>
-            <pc:sldMk cId="3700840463" sldId="256"/>
-            <ac:spMk id="4" creationId="{215D83A4-EEDF-61AD-FFB2-C4D6C1CBEB73}"/>
-          </ac:spMkLst>
-        </pc:spChg>
-        <pc:spChg chg="add mod">
-          <ac:chgData name="Fernandez Planas, Pablo" userId="6e321e55-3b63-4a42-bd8e-f086caa5e917" providerId="ADAL" clId="{BC435EE4-79B0-4B59-B49A-DDB57861B726}" dt="2024-06-10T11:00:40.594" v="111" actId="1076"/>
-          <ac:spMkLst>
-            <pc:docMk/>
-            <pc:sldMk cId="3700840463" sldId="256"/>
-            <ac:spMk id="6" creationId="{7E952ED3-C951-BEB2-5382-A18F8463DD24}"/>
-          </ac:spMkLst>
-        </pc:spChg>
-        <pc:spChg chg="add">
-          <ac:chgData name="Fernandez Planas, Pablo" userId="6e321e55-3b63-4a42-bd8e-f086caa5e917" providerId="ADAL" clId="{BC435EE4-79B0-4B59-B49A-DDB57861B726}" dt="2024-06-10T10:57:56.325" v="4" actId="26606"/>
-          <ac:spMkLst>
-            <pc:docMk/>
-            <pc:sldMk cId="3700840463" sldId="256"/>
-            <ac:spMk id="10" creationId="{9B7AD9F6-8CE7-4299-8FC6-328F4DCD3FF9}"/>
-          </ac:spMkLst>
-        </pc:spChg>
-        <pc:spChg chg="add">
-          <ac:chgData name="Fernandez Planas, Pablo" userId="6e321e55-3b63-4a42-bd8e-f086caa5e917" providerId="ADAL" clId="{BC435EE4-79B0-4B59-B49A-DDB57861B726}" dt="2024-06-10T10:57:56.325" v="4" actId="26606"/>
-          <ac:spMkLst>
-            <pc:docMk/>
-            <pc:sldMk cId="3700840463" sldId="256"/>
-            <ac:spMk id="12" creationId="{F49775AF-8896-43EE-92C6-83497D6DC56F}"/>
-          </ac:spMkLst>
-        </pc:spChg>
-        <pc:picChg chg="add mod">
-          <ac:chgData name="Fernandez Planas, Pablo" userId="6e321e55-3b63-4a42-bd8e-f086caa5e917" providerId="ADAL" clId="{BC435EE4-79B0-4B59-B49A-DDB57861B726}" dt="2024-06-10T10:57:56.325" v="4" actId="26606"/>
-          <ac:picMkLst>
-            <pc:docMk/>
-            <pc:sldMk cId="3700840463" sldId="256"/>
-            <ac:picMk id="5" creationId="{1AB54AF8-2C67-A500-3048-E4749525341A}"/>
-          </ac:picMkLst>
-        </pc:picChg>
-        <pc:picChg chg="add mod">
-          <ac:chgData name="Fernandez Planas, Pablo" userId="6e321e55-3b63-4a42-bd8e-f086caa5e917" providerId="ADAL" clId="{BC435EE4-79B0-4B59-B49A-DDB57861B726}" dt="2024-06-14T10:44:06.072" v="1308" actId="1076"/>
-          <ac:picMkLst>
-            <pc:docMk/>
-            <pc:sldMk cId="3700840463" sldId="256"/>
-            <ac:picMk id="2050" creationId="{7A52C319-DCEA-4109-4FEF-EA25AE9A1FE5}"/>
-          </ac:picMkLst>
-        </pc:picChg>
-      </pc:sldChg>
-      <pc:sldChg chg="addSp delSp modSp new mod setBg">
-        <pc:chgData name="Fernandez Planas, Pablo" userId="6e321e55-3b63-4a42-bd8e-f086caa5e917" providerId="ADAL" clId="{BC435EE4-79B0-4B59-B49A-DDB57861B726}" dt="2024-06-10T11:31:52.261" v="608" actId="207"/>
-        <pc:sldMkLst>
-          <pc:docMk/>
-          <pc:sldMk cId="2402156876" sldId="257"/>
-        </pc:sldMkLst>
-        <pc:spChg chg="mod">
-          <ac:chgData name="Fernandez Planas, Pablo" userId="6e321e55-3b63-4a42-bd8e-f086caa5e917" providerId="ADAL" clId="{BC435EE4-79B0-4B59-B49A-DDB57861B726}" dt="2024-06-10T11:07:31.070" v="418" actId="26606"/>
-          <ac:spMkLst>
-            <pc:docMk/>
-            <pc:sldMk cId="2402156876" sldId="257"/>
-            <ac:spMk id="2" creationId="{F039C824-4AB5-3465-B108-3D156EDB52B8}"/>
-          </ac:spMkLst>
-        </pc:spChg>
-        <pc:spChg chg="mod">
-          <ac:chgData name="Fernandez Planas, Pablo" userId="6e321e55-3b63-4a42-bd8e-f086caa5e917" providerId="ADAL" clId="{BC435EE4-79B0-4B59-B49A-DDB57861B726}" dt="2024-06-10T11:07:31.070" v="418" actId="26606"/>
-          <ac:spMkLst>
-            <pc:docMk/>
-            <pc:sldMk cId="2402156876" sldId="257"/>
-            <ac:spMk id="3" creationId="{F5822A55-0234-A4AC-B876-8F22D6E41469}"/>
-          </ac:spMkLst>
-        </pc:spChg>
-        <pc:spChg chg="add mod ord">
-          <ac:chgData name="Fernandez Planas, Pablo" userId="6e321e55-3b63-4a42-bd8e-f086caa5e917" providerId="ADAL" clId="{BC435EE4-79B0-4B59-B49A-DDB57861B726}" dt="2024-06-10T11:31:52.261" v="608" actId="207"/>
-          <ac:spMkLst>
-            <pc:docMk/>
-            <pc:sldMk cId="2402156876" sldId="257"/>
-            <ac:spMk id="4" creationId="{54233489-1F66-E73F-4D10-845F14400C1A}"/>
-          </ac:spMkLst>
-        </pc:spChg>
-        <pc:spChg chg="add del">
-          <ac:chgData name="Fernandez Planas, Pablo" userId="6e321e55-3b63-4a42-bd8e-f086caa5e917" providerId="ADAL" clId="{BC435EE4-79B0-4B59-B49A-DDB57861B726}" dt="2024-06-10T11:07:53.924" v="419" actId="26606"/>
-          <ac:spMkLst>
-            <pc:docMk/>
-            <pc:sldMk cId="2402156876" sldId="257"/>
-            <ac:spMk id="8" creationId="{907EF6B7-1338-4443-8C46-6A318D952DFD}"/>
-          </ac:spMkLst>
-        </pc:spChg>
-        <pc:spChg chg="add del">
-          <ac:chgData name="Fernandez Planas, Pablo" userId="6e321e55-3b63-4a42-bd8e-f086caa5e917" providerId="ADAL" clId="{BC435EE4-79B0-4B59-B49A-DDB57861B726}" dt="2024-06-10T11:07:53.924" v="419" actId="26606"/>
-          <ac:spMkLst>
-            <pc:docMk/>
-            <pc:sldMk cId="2402156876" sldId="257"/>
-            <ac:spMk id="10" creationId="{DAAE4CDD-124C-4DCF-9584-B6033B545DD5}"/>
-          </ac:spMkLst>
-        </pc:spChg>
-        <pc:spChg chg="add del">
-          <ac:chgData name="Fernandez Planas, Pablo" userId="6e321e55-3b63-4a42-bd8e-f086caa5e917" providerId="ADAL" clId="{BC435EE4-79B0-4B59-B49A-DDB57861B726}" dt="2024-06-10T11:07:53.924" v="419" actId="26606"/>
-          <ac:spMkLst>
-            <pc:docMk/>
-            <pc:sldMk cId="2402156876" sldId="257"/>
-            <ac:spMk id="12" creationId="{081E4A58-353D-44AE-B2FC-2A74E2E400F7}"/>
-          </ac:spMkLst>
-        </pc:spChg>
-        <pc:spChg chg="add">
-          <ac:chgData name="Fernandez Planas, Pablo" userId="6e321e55-3b63-4a42-bd8e-f086caa5e917" providerId="ADAL" clId="{BC435EE4-79B0-4B59-B49A-DDB57861B726}" dt="2024-06-10T11:07:53.924" v="419" actId="26606"/>
-          <ac:spMkLst>
-            <pc:docMk/>
-            <pc:sldMk cId="2402156876" sldId="257"/>
-            <ac:spMk id="17" creationId="{907EF6B7-1338-4443-8C46-6A318D952DFD}"/>
-          </ac:spMkLst>
-        </pc:spChg>
-        <pc:spChg chg="add">
-          <ac:chgData name="Fernandez Planas, Pablo" userId="6e321e55-3b63-4a42-bd8e-f086caa5e917" providerId="ADAL" clId="{BC435EE4-79B0-4B59-B49A-DDB57861B726}" dt="2024-06-10T11:07:53.924" v="419" actId="26606"/>
-          <ac:spMkLst>
-            <pc:docMk/>
-            <pc:sldMk cId="2402156876" sldId="257"/>
-            <ac:spMk id="19" creationId="{DAAE4CDD-124C-4DCF-9584-B6033B545DD5}"/>
-          </ac:spMkLst>
-        </pc:spChg>
-        <pc:spChg chg="add">
-          <ac:chgData name="Fernandez Planas, Pablo" userId="6e321e55-3b63-4a42-bd8e-f086caa5e917" providerId="ADAL" clId="{BC435EE4-79B0-4B59-B49A-DDB57861B726}" dt="2024-06-10T11:07:53.924" v="419" actId="26606"/>
-          <ac:spMkLst>
-            <pc:docMk/>
-            <pc:sldMk cId="2402156876" sldId="257"/>
-            <ac:spMk id="21" creationId="{081E4A58-353D-44AE-B2FC-2A74E2E400F7}"/>
-          </ac:spMkLst>
-        </pc:spChg>
-      </pc:sldChg>
-      <pc:sldChg chg="modSp new mod">
-        <pc:chgData name="Fernandez Planas, Pablo" userId="6e321e55-3b63-4a42-bd8e-f086caa5e917" providerId="ADAL" clId="{BC435EE4-79B0-4B59-B49A-DDB57861B726}" dt="2024-06-10T11:10:36.599" v="448" actId="20577"/>
-        <pc:sldMkLst>
-          <pc:docMk/>
-          <pc:sldMk cId="4045963739" sldId="258"/>
-        </pc:sldMkLst>
-        <pc:spChg chg="mod">
-          <ac:chgData name="Fernandez Planas, Pablo" userId="6e321e55-3b63-4a42-bd8e-f086caa5e917" providerId="ADAL" clId="{BC435EE4-79B0-4B59-B49A-DDB57861B726}" dt="2024-06-10T11:10:36.599" v="448" actId="20577"/>
-          <ac:spMkLst>
-            <pc:docMk/>
-            <pc:sldMk cId="4045963739" sldId="258"/>
-            <ac:spMk id="2" creationId="{193A5FA5-EEE3-630D-6C3A-0000F157FB58}"/>
-          </ac:spMkLst>
-        </pc:spChg>
-      </pc:sldChg>
-      <pc:sldChg chg="addSp delSp modSp new mod setBg">
-        <pc:chgData name="Fernandez Planas, Pablo" userId="6e321e55-3b63-4a42-bd8e-f086caa5e917" providerId="ADAL" clId="{BC435EE4-79B0-4B59-B49A-DDB57861B726}" dt="2024-06-10T11:17:41.107" v="576" actId="26606"/>
-        <pc:sldMkLst>
-          <pc:docMk/>
-          <pc:sldMk cId="3251681170" sldId="259"/>
-        </pc:sldMkLst>
-        <pc:spChg chg="mod">
-          <ac:chgData name="Fernandez Planas, Pablo" userId="6e321e55-3b63-4a42-bd8e-f086caa5e917" providerId="ADAL" clId="{BC435EE4-79B0-4B59-B49A-DDB57861B726}" dt="2024-06-10T11:17:41.107" v="576" actId="26606"/>
-          <ac:spMkLst>
-            <pc:docMk/>
-            <pc:sldMk cId="3251681170" sldId="259"/>
-            <ac:spMk id="2" creationId="{B56E4DE7-5BA1-0569-DD96-F2348C74E4F0}"/>
-          </ac:spMkLst>
-        </pc:spChg>
-        <pc:spChg chg="del">
-          <ac:chgData name="Fernandez Planas, Pablo" userId="6e321e55-3b63-4a42-bd8e-f086caa5e917" providerId="ADAL" clId="{BC435EE4-79B0-4B59-B49A-DDB57861B726}" dt="2024-06-10T11:11:23.849" v="471"/>
-          <ac:spMkLst>
-            <pc:docMk/>
-            <pc:sldMk cId="3251681170" sldId="259"/>
-            <ac:spMk id="3" creationId="{CEBF41DD-DFFD-16A7-CD08-822C4ADFE27C}"/>
-          </ac:spMkLst>
-        </pc:spChg>
-        <pc:spChg chg="add del">
-          <ac:chgData name="Fernandez Planas, Pablo" userId="6e321e55-3b63-4a42-bd8e-f086caa5e917" providerId="ADAL" clId="{BC435EE4-79B0-4B59-B49A-DDB57861B726}" dt="2024-06-10T11:17:27.445" v="573"/>
-          <ac:spMkLst>
-            <pc:docMk/>
-            <pc:sldMk cId="3251681170" sldId="259"/>
-            <ac:spMk id="9" creationId="{CB2E6671-BDC8-514C-A892-188A019E9FA2}"/>
-          </ac:spMkLst>
-        </pc:spChg>
-        <pc:spChg chg="add del">
-          <ac:chgData name="Fernandez Planas, Pablo" userId="6e321e55-3b63-4a42-bd8e-f086caa5e917" providerId="ADAL" clId="{BC435EE4-79B0-4B59-B49A-DDB57861B726}" dt="2024-06-10T11:17:41.107" v="576" actId="26606"/>
-          <ac:spMkLst>
-            <pc:docMk/>
-            <pc:sldMk cId="3251681170" sldId="259"/>
-            <ac:spMk id="12" creationId="{45D37F4E-DDB4-456B-97E0-9937730A039F}"/>
-          </ac:spMkLst>
-        </pc:spChg>
-        <pc:spChg chg="add del">
-          <ac:chgData name="Fernandez Planas, Pablo" userId="6e321e55-3b63-4a42-bd8e-f086caa5e917" providerId="ADAL" clId="{BC435EE4-79B0-4B59-B49A-DDB57861B726}" dt="2024-06-10T11:17:41.107" v="576" actId="26606"/>
-          <ac:spMkLst>
-            <pc:docMk/>
-            <pc:sldMk cId="3251681170" sldId="259"/>
-            <ac:spMk id="14" creationId="{B2DD41CD-8F47-4F56-AD12-4E2FF7696987}"/>
-          </ac:spMkLst>
-        </pc:spChg>
-        <pc:spChg chg="add">
-          <ac:chgData name="Fernandez Planas, Pablo" userId="6e321e55-3b63-4a42-bd8e-f086caa5e917" providerId="ADAL" clId="{BC435EE4-79B0-4B59-B49A-DDB57861B726}" dt="2024-06-10T11:17:41.107" v="576" actId="26606"/>
-          <ac:spMkLst>
-            <pc:docMk/>
-            <pc:sldMk cId="3251681170" sldId="259"/>
-            <ac:spMk id="18" creationId="{F0FC2288-367F-85BB-F42F-F83962B44D28}"/>
-          </ac:spMkLst>
-        </pc:spChg>
-        <pc:spChg chg="add">
-          <ac:chgData name="Fernandez Planas, Pablo" userId="6e321e55-3b63-4a42-bd8e-f086caa5e917" providerId="ADAL" clId="{BC435EE4-79B0-4B59-B49A-DDB57861B726}" dt="2024-06-10T11:17:41.107" v="576" actId="26606"/>
-          <ac:spMkLst>
-            <pc:docMk/>
-            <pc:sldMk cId="3251681170" sldId="259"/>
-            <ac:spMk id="21" creationId="{21AC6A30-4F22-4C0F-B278-19C5B8A80C55}"/>
-          </ac:spMkLst>
-        </pc:spChg>
-        <pc:spChg chg="add">
-          <ac:chgData name="Fernandez Planas, Pablo" userId="6e321e55-3b63-4a42-bd8e-f086caa5e917" providerId="ADAL" clId="{BC435EE4-79B0-4B59-B49A-DDB57861B726}" dt="2024-06-10T11:17:41.107" v="576" actId="26606"/>
-          <ac:spMkLst>
-            <pc:docMk/>
-            <pc:sldMk cId="3251681170" sldId="259"/>
-            <ac:spMk id="23" creationId="{BB4335AD-65B1-44E4-90AF-264024FE4BD2}"/>
-          </ac:spMkLst>
-        </pc:spChg>
-        <pc:picChg chg="add mod">
-          <ac:chgData name="Fernandez Planas, Pablo" userId="6e321e55-3b63-4a42-bd8e-f086caa5e917" providerId="ADAL" clId="{BC435EE4-79B0-4B59-B49A-DDB57861B726}" dt="2024-06-10T11:17:41.107" v="576" actId="26606"/>
-          <ac:picMkLst>
-            <pc:docMk/>
-            <pc:sldMk cId="3251681170" sldId="259"/>
-            <ac:picMk id="5" creationId="{06038A6F-F4F0-E265-3FAF-186EF802973B}"/>
-          </ac:picMkLst>
-        </pc:picChg>
-        <pc:picChg chg="add del mod">
-          <ac:chgData name="Fernandez Planas, Pablo" userId="6e321e55-3b63-4a42-bd8e-f086caa5e917" providerId="ADAL" clId="{BC435EE4-79B0-4B59-B49A-DDB57861B726}" dt="2024-06-10T11:17:18.014" v="572"/>
-          <ac:picMkLst>
-            <pc:docMk/>
-            <pc:sldMk cId="3251681170" sldId="259"/>
-            <ac:picMk id="7" creationId="{8F6BF158-DE10-CAA1-33C9-A3CE7E0E723E}"/>
-          </ac:picMkLst>
-        </pc:picChg>
-        <pc:picChg chg="add mod">
-          <ac:chgData name="Fernandez Planas, Pablo" userId="6e321e55-3b63-4a42-bd8e-f086caa5e917" providerId="ADAL" clId="{BC435EE4-79B0-4B59-B49A-DDB57861B726}" dt="2024-06-10T11:17:41.107" v="576" actId="26606"/>
-          <ac:picMkLst>
-            <pc:docMk/>
-            <pc:sldMk cId="3251681170" sldId="259"/>
-            <ac:picMk id="10" creationId="{07727A2B-B68B-1B57-EA8F-C99F7BF464FC}"/>
-          </ac:picMkLst>
-        </pc:picChg>
-      </pc:sldChg>
-      <pc:sldChg chg="addSp delSp modSp new mod setBg">
-        <pc:chgData name="Fernandez Planas, Pablo" userId="6e321e55-3b63-4a42-bd8e-f086caa5e917" providerId="ADAL" clId="{BC435EE4-79B0-4B59-B49A-DDB57861B726}" dt="2024-06-10T11:26:29.834" v="605" actId="478"/>
-        <pc:sldMkLst>
-          <pc:docMk/>
-          <pc:sldMk cId="2382567662" sldId="260"/>
-        </pc:sldMkLst>
-        <pc:spChg chg="mod">
-          <ac:chgData name="Fernandez Planas, Pablo" userId="6e321e55-3b63-4a42-bd8e-f086caa5e917" providerId="ADAL" clId="{BC435EE4-79B0-4B59-B49A-DDB57861B726}" dt="2024-06-10T11:22:18.152" v="586" actId="26606"/>
-          <ac:spMkLst>
-            <pc:docMk/>
-            <pc:sldMk cId="2382567662" sldId="260"/>
-            <ac:spMk id="2" creationId="{6230A1A7-E0BF-66C2-8CD7-5973AB00502D}"/>
-          </ac:spMkLst>
-        </pc:spChg>
-        <pc:spChg chg="mod">
-          <ac:chgData name="Fernandez Planas, Pablo" userId="6e321e55-3b63-4a42-bd8e-f086caa5e917" providerId="ADAL" clId="{BC435EE4-79B0-4B59-B49A-DDB57861B726}" dt="2024-06-10T11:25:23.711" v="599" actId="123"/>
-          <ac:spMkLst>
-            <pc:docMk/>
-            <pc:sldMk cId="2382567662" sldId="260"/>
-            <ac:spMk id="3" creationId="{34D09EC4-7126-0C55-6B28-3B499E1E691A}"/>
-          </ac:spMkLst>
-        </pc:spChg>
-        <pc:spChg chg="add del mod ord">
-          <ac:chgData name="Fernandez Planas, Pablo" userId="6e321e55-3b63-4a42-bd8e-f086caa5e917" providerId="ADAL" clId="{BC435EE4-79B0-4B59-B49A-DDB57861B726}" dt="2024-06-10T11:26:29.834" v="605" actId="478"/>
-          <ac:spMkLst>
-            <pc:docMk/>
-            <pc:sldMk cId="2382567662" sldId="260"/>
-            <ac:spMk id="6" creationId="{63D4B378-5C6D-DDC5-0C8A-6DA62FB5744B}"/>
-          </ac:spMkLst>
-        </pc:spChg>
-        <pc:spChg chg="add del">
-          <ac:chgData name="Fernandez Planas, Pablo" userId="6e321e55-3b63-4a42-bd8e-f086caa5e917" providerId="ADAL" clId="{BC435EE4-79B0-4B59-B49A-DDB57861B726}" dt="2024-06-10T11:19:40.973" v="578" actId="26606"/>
-          <ac:spMkLst>
-            <pc:docMk/>
-            <pc:sldMk cId="2382567662" sldId="260"/>
-            <ac:spMk id="1031" creationId="{743AA782-23D1-4521-8CAD-47662984AA08}"/>
-          </ac:spMkLst>
-        </pc:spChg>
-        <pc:spChg chg="add del">
-          <ac:chgData name="Fernandez Planas, Pablo" userId="6e321e55-3b63-4a42-bd8e-f086caa5e917" providerId="ADAL" clId="{BC435EE4-79B0-4B59-B49A-DDB57861B726}" dt="2024-06-10T11:19:40.973" v="578" actId="26606"/>
-          <ac:spMkLst>
-            <pc:docMk/>
-            <pc:sldMk cId="2382567662" sldId="260"/>
-            <ac:spMk id="1033" creationId="{71877DBC-BB60-40F0-AC93-2ACDBAAE60CE}"/>
-          </ac:spMkLst>
-        </pc:spChg>
-        <pc:spChg chg="add del">
-          <ac:chgData name="Fernandez Planas, Pablo" userId="6e321e55-3b63-4a42-bd8e-f086caa5e917" providerId="ADAL" clId="{BC435EE4-79B0-4B59-B49A-DDB57861B726}" dt="2024-06-10T11:22:18.152" v="586" actId="26606"/>
-          <ac:spMkLst>
-            <pc:docMk/>
-            <pc:sldMk cId="2382567662" sldId="260"/>
-            <ac:spMk id="1038" creationId="{99F1FFA9-D672-408C-9220-ADEEC6ABDD09}"/>
-          </ac:spMkLst>
-        </pc:spChg>
-        <pc:spChg chg="add">
-          <ac:chgData name="Fernandez Planas, Pablo" userId="6e321e55-3b63-4a42-bd8e-f086caa5e917" providerId="ADAL" clId="{BC435EE4-79B0-4B59-B49A-DDB57861B726}" dt="2024-06-10T11:22:18.152" v="586" actId="26606"/>
-          <ac:spMkLst>
-            <pc:docMk/>
-            <pc:sldMk cId="2382567662" sldId="260"/>
-            <ac:spMk id="1043" creationId="{394842B0-684D-44CC-B4BC-D13331CFD290}"/>
-          </ac:spMkLst>
-        </pc:spChg>
-        <pc:spChg chg="add">
-          <ac:chgData name="Fernandez Planas, Pablo" userId="6e321e55-3b63-4a42-bd8e-f086caa5e917" providerId="ADAL" clId="{BC435EE4-79B0-4B59-B49A-DDB57861B726}" dt="2024-06-10T11:22:18.152" v="586" actId="26606"/>
-          <ac:spMkLst>
-            <pc:docMk/>
-            <pc:sldMk cId="2382567662" sldId="260"/>
-            <ac:spMk id="1045" creationId="{4C2A3DC3-F495-4B99-9FF3-3FB30D63235E}"/>
-          </ac:spMkLst>
-        </pc:spChg>
-        <pc:picChg chg="add mod">
-          <ac:chgData name="Fernandez Planas, Pablo" userId="6e321e55-3b63-4a42-bd8e-f086caa5e917" providerId="ADAL" clId="{BC435EE4-79B0-4B59-B49A-DDB57861B726}" dt="2024-06-10T11:22:50.187" v="589" actId="1076"/>
-          <ac:picMkLst>
-            <pc:docMk/>
-            <pc:sldMk cId="2382567662" sldId="260"/>
-            <ac:picMk id="5" creationId="{427CECA7-CB19-EF79-5E9B-5CF36CA2C9D8}"/>
-          </ac:picMkLst>
-        </pc:picChg>
-        <pc:picChg chg="add del mod">
-          <ac:chgData name="Fernandez Planas, Pablo" userId="6e321e55-3b63-4a42-bd8e-f086caa5e917" providerId="ADAL" clId="{BC435EE4-79B0-4B59-B49A-DDB57861B726}" dt="2024-06-10T11:22:09.543" v="584" actId="478"/>
-          <ac:picMkLst>
-            <pc:docMk/>
-            <pc:sldMk cId="2382567662" sldId="260"/>
-            <ac:picMk id="1026" creationId="{72FF2115-15D5-A2DF-D393-0223BF0D7C2F}"/>
-          </ac:picMkLst>
-        </pc:picChg>
-        <pc:picChg chg="add mod ord">
-          <ac:chgData name="Fernandez Planas, Pablo" userId="6e321e55-3b63-4a42-bd8e-f086caa5e917" providerId="ADAL" clId="{BC435EE4-79B0-4B59-B49A-DDB57861B726}" dt="2024-06-10T11:26:22.777" v="604" actId="14100"/>
-          <ac:picMkLst>
-            <pc:docMk/>
-            <pc:sldMk cId="2382567662" sldId="260"/>
-            <ac:picMk id="1028" creationId="{35C20D2F-F5DC-AB7D-A016-E316B6E5DBFE}"/>
-          </ac:picMkLst>
-        </pc:picChg>
-      </pc:sldChg>
-      <pc:sldChg chg="modSp new mod">
-        <pc:chgData name="Fernandez Planas, Pablo" userId="6e321e55-3b63-4a42-bd8e-f086caa5e917" providerId="ADAL" clId="{BC435EE4-79B0-4B59-B49A-DDB57861B726}" dt="2024-06-10T11:14:21.221" v="510" actId="20577"/>
-        <pc:sldMkLst>
-          <pc:docMk/>
-          <pc:sldMk cId="3330236163" sldId="261"/>
-        </pc:sldMkLst>
-        <pc:spChg chg="mod">
-          <ac:chgData name="Fernandez Planas, Pablo" userId="6e321e55-3b63-4a42-bd8e-f086caa5e917" providerId="ADAL" clId="{BC435EE4-79B0-4B59-B49A-DDB57861B726}" dt="2024-06-10T11:14:21.221" v="510" actId="20577"/>
-          <ac:spMkLst>
-            <pc:docMk/>
-            <pc:sldMk cId="3330236163" sldId="261"/>
-            <ac:spMk id="2" creationId="{1873D5D2-663B-BBE8-7124-6DF2636FE8C9}"/>
-          </ac:spMkLst>
-        </pc:spChg>
-      </pc:sldChg>
-      <pc:sldChg chg="addSp delSp modSp new mod">
-        <pc:chgData name="Fernandez Planas, Pablo" userId="6e321e55-3b63-4a42-bd8e-f086caa5e917" providerId="ADAL" clId="{BC435EE4-79B0-4B59-B49A-DDB57861B726}" dt="2024-06-14T08:25:03.456" v="1299" actId="1076"/>
-        <pc:sldMkLst>
-          <pc:docMk/>
-          <pc:sldMk cId="2978876714" sldId="262"/>
-        </pc:sldMkLst>
-        <pc:spChg chg="mod">
-          <ac:chgData name="Fernandez Planas, Pablo" userId="6e321e55-3b63-4a42-bd8e-f086caa5e917" providerId="ADAL" clId="{BC435EE4-79B0-4B59-B49A-DDB57861B726}" dt="2024-06-10T11:14:31.236" v="526" actId="20577"/>
-          <ac:spMkLst>
-            <pc:docMk/>
-            <pc:sldMk cId="2978876714" sldId="262"/>
-            <ac:spMk id="2" creationId="{0D3464D9-FCD2-8036-0326-25781CA0B809}"/>
-          </ac:spMkLst>
-        </pc:spChg>
-        <pc:spChg chg="mod">
-          <ac:chgData name="Fernandez Planas, Pablo" userId="6e321e55-3b63-4a42-bd8e-f086caa5e917" providerId="ADAL" clId="{BC435EE4-79B0-4B59-B49A-DDB57861B726}" dt="2024-06-10T11:32:29.456" v="624" actId="20577"/>
-          <ac:spMkLst>
-            <pc:docMk/>
-            <pc:sldMk cId="2978876714" sldId="262"/>
-            <ac:spMk id="3" creationId="{F35865B3-44E2-AB93-4EE8-C4AA8DFE35A4}"/>
-          </ac:spMkLst>
-        </pc:spChg>
-        <pc:spChg chg="add mod ord">
-          <ac:chgData name="Fernandez Planas, Pablo" userId="6e321e55-3b63-4a42-bd8e-f086caa5e917" providerId="ADAL" clId="{BC435EE4-79B0-4B59-B49A-DDB57861B726}" dt="2024-06-14T08:20:54.078" v="1116" actId="20577"/>
-          <ac:spMkLst>
-            <pc:docMk/>
-            <pc:sldMk cId="2978876714" sldId="262"/>
-            <ac:spMk id="6" creationId="{C8DBE96A-D504-D274-8895-959D3BE9FDD3}"/>
-          </ac:spMkLst>
-        </pc:spChg>
-        <pc:spChg chg="add mod">
-          <ac:chgData name="Fernandez Planas, Pablo" userId="6e321e55-3b63-4a42-bd8e-f086caa5e917" providerId="ADAL" clId="{BC435EE4-79B0-4B59-B49A-DDB57861B726}" dt="2024-06-14T08:05:41.104" v="1081" actId="1037"/>
-          <ac:spMkLst>
-            <pc:docMk/>
-            <pc:sldMk cId="2978876714" sldId="262"/>
-            <ac:spMk id="7" creationId="{AFAE38F4-452E-4D97-3AFC-325A6C0FA24A}"/>
-          </ac:spMkLst>
-        </pc:spChg>
-        <pc:spChg chg="add mod">
-          <ac:chgData name="Fernandez Planas, Pablo" userId="6e321e55-3b63-4a42-bd8e-f086caa5e917" providerId="ADAL" clId="{BC435EE4-79B0-4B59-B49A-DDB57861B726}" dt="2024-06-14T08:06:02.639" v="1086" actId="14100"/>
-          <ac:spMkLst>
-            <pc:docMk/>
-            <pc:sldMk cId="2978876714" sldId="262"/>
-            <ac:spMk id="8" creationId="{9F1431C2-7A57-2CC8-F620-23516143AA57}"/>
-          </ac:spMkLst>
-        </pc:spChg>
-        <pc:spChg chg="add mod">
-          <ac:chgData name="Fernandez Planas, Pablo" userId="6e321e55-3b63-4a42-bd8e-f086caa5e917" providerId="ADAL" clId="{BC435EE4-79B0-4B59-B49A-DDB57861B726}" dt="2024-06-14T08:14:36.458" v="1090" actId="14100"/>
-          <ac:spMkLst>
-            <pc:docMk/>
-            <pc:sldMk cId="2978876714" sldId="262"/>
-            <ac:spMk id="9" creationId="{CF02AEB3-367B-1862-945D-29C32195D977}"/>
-          </ac:spMkLst>
-        </pc:spChg>
-        <pc:spChg chg="add mod">
-          <ac:chgData name="Fernandez Planas, Pablo" userId="6e321e55-3b63-4a42-bd8e-f086caa5e917" providerId="ADAL" clId="{BC435EE4-79B0-4B59-B49A-DDB57861B726}" dt="2024-06-14T08:23:10.183" v="1226" actId="1076"/>
-          <ac:spMkLst>
-            <pc:docMk/>
-            <pc:sldMk cId="2978876714" sldId="262"/>
-            <ac:spMk id="23" creationId="{EDA52AE0-4BB0-84A9-6E58-63BF1A68C4C4}"/>
-          </ac:spMkLst>
-        </pc:spChg>
-        <pc:spChg chg="add mod">
-          <ac:chgData name="Fernandez Planas, Pablo" userId="6e321e55-3b63-4a42-bd8e-f086caa5e917" providerId="ADAL" clId="{BC435EE4-79B0-4B59-B49A-DDB57861B726}" dt="2024-06-14T08:22:44.058" v="1222" actId="122"/>
-          <ac:spMkLst>
-            <pc:docMk/>
-            <pc:sldMk cId="2978876714" sldId="262"/>
-            <ac:spMk id="24" creationId="{694B64F4-B2DE-9D14-1D7A-AD918B5E4B83}"/>
-          </ac:spMkLst>
-        </pc:spChg>
-        <pc:spChg chg="add mod">
-          <ac:chgData name="Fernandez Planas, Pablo" userId="6e321e55-3b63-4a42-bd8e-f086caa5e917" providerId="ADAL" clId="{BC435EE4-79B0-4B59-B49A-DDB57861B726}" dt="2024-06-14T08:21:59.951" v="1168" actId="20577"/>
-          <ac:spMkLst>
-            <pc:docMk/>
-            <pc:sldMk cId="2978876714" sldId="262"/>
-            <ac:spMk id="25" creationId="{BCD87479-2302-05D4-AE11-408C1C32DE3B}"/>
-          </ac:spMkLst>
-        </pc:spChg>
-        <pc:spChg chg="add mod">
-          <ac:chgData name="Fernandez Planas, Pablo" userId="6e321e55-3b63-4a42-bd8e-f086caa5e917" providerId="ADAL" clId="{BC435EE4-79B0-4B59-B49A-DDB57861B726}" dt="2024-06-14T08:22:50.723" v="1223" actId="122"/>
-          <ac:spMkLst>
-            <pc:docMk/>
-            <pc:sldMk cId="2978876714" sldId="262"/>
-            <ac:spMk id="26" creationId="{39AD820D-9CF5-975E-C88F-5FF86C4FB47D}"/>
-          </ac:spMkLst>
-        </pc:spChg>
-        <pc:spChg chg="add mod">
-          <ac:chgData name="Fernandez Planas, Pablo" userId="6e321e55-3b63-4a42-bd8e-f086caa5e917" providerId="ADAL" clId="{BC435EE4-79B0-4B59-B49A-DDB57861B726}" dt="2024-06-14T08:24:30.305" v="1250" actId="1076"/>
-          <ac:spMkLst>
-            <pc:docMk/>
-            <pc:sldMk cId="2978876714" sldId="262"/>
-            <ac:spMk id="28" creationId="{AB043088-662C-8451-11A7-041396DFBA85}"/>
-          </ac:spMkLst>
-        </pc:spChg>
-        <pc:spChg chg="add mod">
-          <ac:chgData name="Fernandez Planas, Pablo" userId="6e321e55-3b63-4a42-bd8e-f086caa5e917" providerId="ADAL" clId="{BC435EE4-79B0-4B59-B49A-DDB57861B726}" dt="2024-06-14T08:25:03.456" v="1299" actId="1076"/>
-          <ac:spMkLst>
-            <pc:docMk/>
-            <pc:sldMk cId="2978876714" sldId="262"/>
-            <ac:spMk id="29" creationId="{2AE26305-E7EE-A462-49F0-5F2119FB9686}"/>
-          </ac:spMkLst>
-        </pc:spChg>
-        <pc:picChg chg="add del mod">
-          <ac:chgData name="Fernandez Planas, Pablo" userId="6e321e55-3b63-4a42-bd8e-f086caa5e917" providerId="ADAL" clId="{BC435EE4-79B0-4B59-B49A-DDB57861B726}" dt="2024-06-14T08:01:31.430" v="1038" actId="478"/>
-          <ac:picMkLst>
-            <pc:docMk/>
-            <pc:sldMk cId="2978876714" sldId="262"/>
-            <ac:picMk id="5" creationId="{C59BFC16-1CA2-409A-7812-94F9FEE73AA1}"/>
-          </ac:picMkLst>
-        </pc:picChg>
-        <pc:picChg chg="add mod">
-          <ac:chgData name="Fernandez Planas, Pablo" userId="6e321e55-3b63-4a42-bd8e-f086caa5e917" providerId="ADAL" clId="{BC435EE4-79B0-4B59-B49A-DDB57861B726}" dt="2024-06-14T08:03:08.703" v="1057" actId="14100"/>
-          <ac:picMkLst>
-            <pc:docMk/>
-            <pc:sldMk cId="2978876714" sldId="262"/>
-            <ac:picMk id="1026" creationId="{82B94BE7-4AF4-A6A3-4DF1-8BDDF3EE1044}"/>
-          </ac:picMkLst>
-        </pc:picChg>
-        <pc:picChg chg="add mod">
-          <ac:chgData name="Fernandez Planas, Pablo" userId="6e321e55-3b63-4a42-bd8e-f086caa5e917" providerId="ADAL" clId="{BC435EE4-79B0-4B59-B49A-DDB57861B726}" dt="2024-06-14T08:03:14.642" v="1059" actId="14100"/>
-          <ac:picMkLst>
-            <pc:docMk/>
-            <pc:sldMk cId="2978876714" sldId="262"/>
-            <ac:picMk id="1028" creationId="{99DD9E3F-28B8-8671-C73C-0469E21411F0}"/>
-          </ac:picMkLst>
-        </pc:picChg>
-        <pc:picChg chg="add mod">
-          <ac:chgData name="Fernandez Planas, Pablo" userId="6e321e55-3b63-4a42-bd8e-f086caa5e917" providerId="ADAL" clId="{BC435EE4-79B0-4B59-B49A-DDB57861B726}" dt="2024-06-14T08:04:57.984" v="1071" actId="1076"/>
-          <ac:picMkLst>
-            <pc:docMk/>
-            <pc:sldMk cId="2978876714" sldId="262"/>
-            <ac:picMk id="1030" creationId="{58B0F2AC-2607-6FAF-55F6-F0892A50D732}"/>
-          </ac:picMkLst>
-        </pc:picChg>
-        <pc:cxnChg chg="add mod">
-          <ac:chgData name="Fernandez Planas, Pablo" userId="6e321e55-3b63-4a42-bd8e-f086caa5e917" providerId="ADAL" clId="{BC435EE4-79B0-4B59-B49A-DDB57861B726}" dt="2024-06-14T08:15:39.090" v="1098" actId="1076"/>
-          <ac:cxnSpMkLst>
-            <pc:docMk/>
-            <pc:sldMk cId="2978876714" sldId="262"/>
-            <ac:cxnSpMk id="11" creationId="{1F5B9DF1-31EA-F059-B7B7-690C41714F01}"/>
-          </ac:cxnSpMkLst>
-        </pc:cxnChg>
-        <pc:cxnChg chg="add mod">
-          <ac:chgData name="Fernandez Planas, Pablo" userId="6e321e55-3b63-4a42-bd8e-f086caa5e917" providerId="ADAL" clId="{BC435EE4-79B0-4B59-B49A-DDB57861B726}" dt="2024-06-14T08:15:50.313" v="1102" actId="14100"/>
-          <ac:cxnSpMkLst>
-            <pc:docMk/>
-            <pc:sldMk cId="2978876714" sldId="262"/>
-            <ac:cxnSpMk id="13" creationId="{0CA88DC5-5670-AA81-65C7-FDF93C3AB46E}"/>
-          </ac:cxnSpMkLst>
-        </pc:cxnChg>
-        <pc:cxnChg chg="add mod">
-          <ac:chgData name="Fernandez Planas, Pablo" userId="6e321e55-3b63-4a42-bd8e-f086caa5e917" providerId="ADAL" clId="{BC435EE4-79B0-4B59-B49A-DDB57861B726}" dt="2024-06-14T08:15:58.352" v="1105" actId="14100"/>
-          <ac:cxnSpMkLst>
-            <pc:docMk/>
-            <pc:sldMk cId="2978876714" sldId="262"/>
-            <ac:cxnSpMk id="16" creationId="{52624062-27F3-A9A5-F415-F65E8968860C}"/>
-          </ac:cxnSpMkLst>
-        </pc:cxnChg>
-        <pc:cxnChg chg="add mod">
-          <ac:chgData name="Fernandez Planas, Pablo" userId="6e321e55-3b63-4a42-bd8e-f086caa5e917" providerId="ADAL" clId="{BC435EE4-79B0-4B59-B49A-DDB57861B726}" dt="2024-06-14T08:24:57.453" v="1298" actId="14100"/>
-          <ac:cxnSpMkLst>
-            <pc:docMk/>
-            <pc:sldMk cId="2978876714" sldId="262"/>
-            <ac:cxnSpMk id="18" creationId="{BB210E7F-D4DA-2906-1E5F-5F4E0D0381D6}"/>
-          </ac:cxnSpMkLst>
-        </pc:cxnChg>
-        <pc:cxnChg chg="add mod">
-          <ac:chgData name="Fernandez Planas, Pablo" userId="6e321e55-3b63-4a42-bd8e-f086caa5e917" providerId="ADAL" clId="{BC435EE4-79B0-4B59-B49A-DDB57861B726}" dt="2024-06-14T08:19:05.928" v="1111" actId="14100"/>
-          <ac:cxnSpMkLst>
-            <pc:docMk/>
-            <pc:sldMk cId="2978876714" sldId="262"/>
-            <ac:cxnSpMk id="20" creationId="{E236D409-6854-3448-4955-D0A46D6F944A}"/>
-          </ac:cxnSpMkLst>
-        </pc:cxnChg>
-        <pc:cxnChg chg="add mod">
-          <ac:chgData name="Fernandez Planas, Pablo" userId="6e321e55-3b63-4a42-bd8e-f086caa5e917" providerId="ADAL" clId="{BC435EE4-79B0-4B59-B49A-DDB57861B726}" dt="2024-06-14T08:23:10.183" v="1226" actId="1076"/>
-          <ac:cxnSpMkLst>
-            <pc:docMk/>
-            <pc:sldMk cId="2978876714" sldId="262"/>
-            <ac:cxnSpMk id="22" creationId="{BF53EC40-4619-C6BC-D2BD-1035B90A9382}"/>
-          </ac:cxnSpMkLst>
-        </pc:cxnChg>
-      </pc:sldChg>
-      <pc:sldChg chg="modSp new mod">
-        <pc:chgData name="Fernandez Planas, Pablo" userId="6e321e55-3b63-4a42-bd8e-f086caa5e917" providerId="ADAL" clId="{BC435EE4-79B0-4B59-B49A-DDB57861B726}" dt="2024-06-10T11:14:56.681" v="567" actId="20577"/>
+      <pc:sldChg chg="addSp delSp modSp mod">
+        <pc:chgData name="Fernandez Planas, Pablo" userId="6e321e55-3b63-4a42-bd8e-f086caa5e917" providerId="ADAL" clId="{BC435EE4-79B0-4B59-B49A-DDB57861B726}" dt="2024-06-18T10:34:27.922" v="427" actId="1076"/>
         <pc:sldMkLst>
           <pc:docMk/>
           <pc:sldMk cId="248316401" sldId="263"/>
         </pc:sldMkLst>
-        <pc:spChg chg="mod">
-          <ac:chgData name="Fernandez Planas, Pablo" userId="6e321e55-3b63-4a42-bd8e-f086caa5e917" providerId="ADAL" clId="{BC435EE4-79B0-4B59-B49A-DDB57861B726}" dt="2024-06-10T11:14:56.681" v="567" actId="20577"/>
+        <pc:spChg chg="del mod">
+          <ac:chgData name="Fernandez Planas, Pablo" userId="6e321e55-3b63-4a42-bd8e-f086caa5e917" providerId="ADAL" clId="{BC435EE4-79B0-4B59-B49A-DDB57861B726}" dt="2024-06-18T10:34:00.816" v="420" actId="478"/>
           <ac:spMkLst>
             <pc:docMk/>
             <pc:sldMk cId="248316401" sldId="263"/>
-            <ac:spMk id="2" creationId="{D7C643A9-A482-0DE3-8C58-7434985114FC}"/>
-          </ac:spMkLst>
-        </pc:spChg>
-      </pc:sldChg>
-      <pc:sldChg chg="addSp delSp modSp new mod setBg">
-        <pc:chgData name="Fernandez Planas, Pablo" userId="6e321e55-3b63-4a42-bd8e-f086caa5e917" providerId="ADAL" clId="{BC435EE4-79B0-4B59-B49A-DDB57861B726}" dt="2024-06-14T07:56:43.677" v="1029" actId="1076"/>
-        <pc:sldMkLst>
-          <pc:docMk/>
-          <pc:sldMk cId="996176950" sldId="264"/>
-        </pc:sldMkLst>
-        <pc:spChg chg="add mod">
-          <ac:chgData name="Fernandez Planas, Pablo" userId="6e321e55-3b63-4a42-bd8e-f086caa5e917" providerId="ADAL" clId="{BC435EE4-79B0-4B59-B49A-DDB57861B726}" dt="2024-06-14T07:54:38.660" v="998" actId="14100"/>
-          <ac:spMkLst>
-            <pc:docMk/>
-            <pc:sldMk cId="996176950" sldId="264"/>
-            <ac:spMk id="2" creationId="{8FEB053E-6D13-291D-BE47-8507FDC42FD1}"/>
-          </ac:spMkLst>
-        </pc:spChg>
-        <pc:spChg chg="del">
-          <ac:chgData name="Fernandez Planas, Pablo" userId="6e321e55-3b63-4a42-bd8e-f086caa5e917" providerId="ADAL" clId="{BC435EE4-79B0-4B59-B49A-DDB57861B726}" dt="2024-06-10T11:34:13.463" v="631" actId="478"/>
-          <ac:spMkLst>
-            <pc:docMk/>
-            <pc:sldMk cId="996176950" sldId="264"/>
-            <ac:spMk id="2" creationId="{AB565494-C2BC-39DE-E419-D09E695EAA24}"/>
-          </ac:spMkLst>
-        </pc:spChg>
-        <pc:spChg chg="del">
-          <ac:chgData name="Fernandez Planas, Pablo" userId="6e321e55-3b63-4a42-bd8e-f086caa5e917" providerId="ADAL" clId="{BC435EE4-79B0-4B59-B49A-DDB57861B726}" dt="2024-06-10T11:34:11.967" v="628" actId="478"/>
-          <ac:spMkLst>
-            <pc:docMk/>
-            <pc:sldMk cId="996176950" sldId="264"/>
-            <ac:spMk id="3" creationId="{7C771966-50C0-BEDB-2328-6851B6FF4333}"/>
+            <ac:spMk id="3" creationId="{B3CB392A-F9F2-1581-67B4-5181C2451B01}"/>
           </ac:spMkLst>
         </pc:spChg>
         <pc:spChg chg="add mod">
-          <ac:chgData name="Fernandez Planas, Pablo" userId="6e321e55-3b63-4a42-bd8e-f086caa5e917" providerId="ADAL" clId="{BC435EE4-79B0-4B59-B49A-DDB57861B726}" dt="2024-06-14T07:54:53.113" v="1001" actId="14100"/>
+          <ac:chgData name="Fernandez Planas, Pablo" userId="6e321e55-3b63-4a42-bd8e-f086caa5e917" providerId="ADAL" clId="{BC435EE4-79B0-4B59-B49A-DDB57861B726}" dt="2024-06-18T10:26:41.644" v="72" actId="1076"/>
           <ac:spMkLst>
             <pc:docMk/>
-            <pc:sldMk cId="996176950" sldId="264"/>
-            <ac:spMk id="3" creationId="{A3611ABB-FFE2-AE97-85BB-6F9299418A2C}"/>
+            <pc:sldMk cId="248316401" sldId="263"/>
+            <ac:spMk id="5" creationId="{6D150F72-B443-6C23-AB20-9E2AB7D46EB8}"/>
+          </ac:spMkLst>
+        </pc:spChg>
+        <pc:spChg chg="add mod">
+          <ac:chgData name="Fernandez Planas, Pablo" userId="6e321e55-3b63-4a42-bd8e-f086caa5e917" providerId="ADAL" clId="{BC435EE4-79B0-4B59-B49A-DDB57861B726}" dt="2024-06-18T10:34:27.922" v="427" actId="1076"/>
+          <ac:spMkLst>
+            <pc:docMk/>
+            <pc:sldMk cId="248316401" sldId="263"/>
+            <ac:spMk id="6" creationId="{9685B645-89E7-3BC5-C3B7-CDBC6F2F1FCD}"/>
           </ac:spMkLst>
         </pc:spChg>
         <pc:spChg chg="add del mod">
-          <ac:chgData name="Fernandez Planas, Pablo" userId="6e321e55-3b63-4a42-bd8e-f086caa5e917" providerId="ADAL" clId="{BC435EE4-79B0-4B59-B49A-DDB57861B726}" dt="2024-06-10T11:34:11.985" v="630"/>
+          <ac:chgData name="Fernandez Planas, Pablo" userId="6e321e55-3b63-4a42-bd8e-f086caa5e917" providerId="ADAL" clId="{BC435EE4-79B0-4B59-B49A-DDB57861B726}" dt="2024-06-18T10:34:24.137" v="425" actId="478"/>
           <ac:spMkLst>
             <pc:docMk/>
-            <pc:sldMk cId="996176950" sldId="264"/>
-            <ac:spMk id="4" creationId="{18597223-BC2C-E8EA-A11B-E985297BDB49}"/>
-          </ac:spMkLst>
-        </pc:spChg>
-        <pc:spChg chg="add mod">
-          <ac:chgData name="Fernandez Planas, Pablo" userId="6e321e55-3b63-4a42-bd8e-f086caa5e917" providerId="ADAL" clId="{BC435EE4-79B0-4B59-B49A-DDB57861B726}" dt="2024-06-14T07:55:32.953" v="1014" actId="207"/>
-          <ac:spMkLst>
-            <pc:docMk/>
-            <pc:sldMk cId="996176950" sldId="264"/>
-            <ac:spMk id="4" creationId="{2152C70C-F0CD-994C-69E0-84A7D8D4F343}"/>
-          </ac:spMkLst>
-        </pc:spChg>
-        <pc:spChg chg="add mod">
-          <ac:chgData name="Fernandez Planas, Pablo" userId="6e321e55-3b63-4a42-bd8e-f086caa5e917" providerId="ADAL" clId="{BC435EE4-79B0-4B59-B49A-DDB57861B726}" dt="2024-06-14T07:56:43.677" v="1029" actId="1076"/>
-          <ac:spMkLst>
-            <pc:docMk/>
-            <pc:sldMk cId="996176950" sldId="264"/>
-            <ac:spMk id="5" creationId="{404DDCD1-5603-7ABC-2C4D-26E997BB74EC}"/>
+            <pc:sldMk cId="248316401" sldId="263"/>
+            <ac:spMk id="8" creationId="{56D9BEE3-B7ED-535D-6198-C48FC6028422}"/>
           </ac:spMkLst>
         </pc:spChg>
         <pc:spChg chg="add del mod">
-          <ac:chgData name="Fernandez Planas, Pablo" userId="6e321e55-3b63-4a42-bd8e-f086caa5e917" providerId="ADAL" clId="{BC435EE4-79B0-4B59-B49A-DDB57861B726}" dt="2024-06-10T11:42:27.320" v="797" actId="478"/>
+          <ac:chgData name="Fernandez Planas, Pablo" userId="6e321e55-3b63-4a42-bd8e-f086caa5e917" providerId="ADAL" clId="{BC435EE4-79B0-4B59-B49A-DDB57861B726}" dt="2024-06-18T10:34:26" v="426" actId="478"/>
           <ac:spMkLst>
             <pc:docMk/>
-            <pc:sldMk cId="996176950" sldId="264"/>
-            <ac:spMk id="5" creationId="{698F6AA6-3160-0D9D-4319-3FC31188BE4B}"/>
+            <pc:sldMk cId="248316401" sldId="263"/>
+            <ac:spMk id="10" creationId="{68249E7F-351F-89F7-DA11-EFD0436EE3D9}"/>
           </ac:spMkLst>
         </pc:spChg>
-        <pc:spChg chg="add del mod">
-          <ac:chgData name="Fernandez Planas, Pablo" userId="6e321e55-3b63-4a42-bd8e-f086caa5e917" providerId="ADAL" clId="{BC435EE4-79B0-4B59-B49A-DDB57861B726}" dt="2024-06-10T11:43:21.541" v="817" actId="478"/>
-          <ac:spMkLst>
-            <pc:docMk/>
-            <pc:sldMk cId="996176950" sldId="264"/>
-            <ac:spMk id="6" creationId="{B622294D-5B0B-B1EC-E509-6C32991DF82F}"/>
-          </ac:spMkLst>
-        </pc:spChg>
-        <pc:spChg chg="add del mod">
-          <ac:chgData name="Fernandez Planas, Pablo" userId="6e321e55-3b63-4a42-bd8e-f086caa5e917" providerId="ADAL" clId="{BC435EE4-79B0-4B59-B49A-DDB57861B726}" dt="2024-06-10T11:43:47.945" v="821" actId="478"/>
-          <ac:spMkLst>
-            <pc:docMk/>
-            <pc:sldMk cId="996176950" sldId="264"/>
-            <ac:spMk id="7" creationId="{20B27BB5-BC06-AB8E-5619-7A5DEDBADC12}"/>
-          </ac:spMkLst>
-        </pc:spChg>
-        <pc:spChg chg="add del mod">
-          <ac:chgData name="Fernandez Planas, Pablo" userId="6e321e55-3b63-4a42-bd8e-f086caa5e917" providerId="ADAL" clId="{BC435EE4-79B0-4B59-B49A-DDB57861B726}" dt="2024-06-10T11:43:59.694" v="825" actId="478"/>
-          <ac:spMkLst>
-            <pc:docMk/>
-            <pc:sldMk cId="996176950" sldId="264"/>
-            <ac:spMk id="8" creationId="{EC3D2336-ECE3-887D-7DB3-AD64F343B57B}"/>
-          </ac:spMkLst>
-        </pc:spChg>
-        <pc:spChg chg="add del mod">
-          <ac:chgData name="Fernandez Planas, Pablo" userId="6e321e55-3b63-4a42-bd8e-f086caa5e917" providerId="ADAL" clId="{BC435EE4-79B0-4B59-B49A-DDB57861B726}" dt="2024-06-10T11:44:48.004" v="840" actId="478"/>
-          <ac:spMkLst>
-            <pc:docMk/>
-            <pc:sldMk cId="996176950" sldId="264"/>
-            <ac:spMk id="9" creationId="{88A7BE01-3D6F-70A0-5FE6-662F2E829547}"/>
-          </ac:spMkLst>
-        </pc:spChg>
-        <pc:spChg chg="add del mod">
-          <ac:chgData name="Fernandez Planas, Pablo" userId="6e321e55-3b63-4a42-bd8e-f086caa5e917" providerId="ADAL" clId="{BC435EE4-79B0-4B59-B49A-DDB57861B726}" dt="2024-06-10T11:44:46.529" v="839" actId="478"/>
-          <ac:spMkLst>
-            <pc:docMk/>
-            <pc:sldMk cId="996176950" sldId="264"/>
-            <ac:spMk id="10" creationId="{3084DD7C-A723-8A3B-EA3C-BADFDBBD5818}"/>
-          </ac:spMkLst>
-        </pc:spChg>
-        <pc:spChg chg="add del mod">
-          <ac:chgData name="Fernandez Planas, Pablo" userId="6e321e55-3b63-4a42-bd8e-f086caa5e917" providerId="ADAL" clId="{BC435EE4-79B0-4B59-B49A-DDB57861B726}" dt="2024-06-10T11:45:11.396" v="845" actId="478"/>
-          <ac:spMkLst>
-            <pc:docMk/>
-            <pc:sldMk cId="996176950" sldId="264"/>
-            <ac:spMk id="11" creationId="{45C17AC5-6775-0CB4-AFEC-0E6319759382}"/>
-          </ac:spMkLst>
-        </pc:spChg>
-        <pc:spChg chg="add del mod">
-          <ac:chgData name="Fernandez Planas, Pablo" userId="6e321e55-3b63-4a42-bd8e-f086caa5e917" providerId="ADAL" clId="{BC435EE4-79B0-4B59-B49A-DDB57861B726}" dt="2024-06-10T11:45:23.560" v="853" actId="478"/>
-          <ac:spMkLst>
-            <pc:docMk/>
-            <pc:sldMk cId="996176950" sldId="264"/>
-            <ac:spMk id="12" creationId="{DE106E8F-0904-08DC-4F1B-4F4A4343FE19}"/>
-          </ac:spMkLst>
-        </pc:spChg>
-        <pc:spChg chg="add del mod">
-          <ac:chgData name="Fernandez Planas, Pablo" userId="6e321e55-3b63-4a42-bd8e-f086caa5e917" providerId="ADAL" clId="{BC435EE4-79B0-4B59-B49A-DDB57861B726}" dt="2024-06-10T11:45:53.496" v="860" actId="478"/>
-          <ac:spMkLst>
-            <pc:docMk/>
-            <pc:sldMk cId="996176950" sldId="264"/>
-            <ac:spMk id="13" creationId="{5D00B0B4-53FB-AA04-7399-2264125AC613}"/>
-          </ac:spMkLst>
-        </pc:spChg>
-        <pc:spChg chg="add del mod">
-          <ac:chgData name="Fernandez Planas, Pablo" userId="6e321e55-3b63-4a42-bd8e-f086caa5e917" providerId="ADAL" clId="{BC435EE4-79B0-4B59-B49A-DDB57861B726}" dt="2024-06-10T11:46:04.234" v="866" actId="478"/>
-          <ac:spMkLst>
-            <pc:docMk/>
-            <pc:sldMk cId="996176950" sldId="264"/>
-            <ac:spMk id="14" creationId="{899AEC41-83B3-F3C1-A3E0-589A1069EFB5}"/>
-          </ac:spMkLst>
-        </pc:spChg>
-        <pc:spChg chg="add del mod">
-          <ac:chgData name="Fernandez Planas, Pablo" userId="6e321e55-3b63-4a42-bd8e-f086caa5e917" providerId="ADAL" clId="{BC435EE4-79B0-4B59-B49A-DDB57861B726}" dt="2024-06-10T11:46:42.579" v="904" actId="478"/>
-          <ac:spMkLst>
-            <pc:docMk/>
-            <pc:sldMk cId="996176950" sldId="264"/>
-            <ac:spMk id="15" creationId="{CD236E54-EAA6-8F8A-3FA2-896DAF394DAA}"/>
-          </ac:spMkLst>
-        </pc:spChg>
-        <pc:spChg chg="add del mod">
-          <ac:chgData name="Fernandez Planas, Pablo" userId="6e321e55-3b63-4a42-bd8e-f086caa5e917" providerId="ADAL" clId="{BC435EE4-79B0-4B59-B49A-DDB57861B726}" dt="2024-06-10T11:46:54.141" v="911" actId="478"/>
-          <ac:spMkLst>
-            <pc:docMk/>
-            <pc:sldMk cId="996176950" sldId="264"/>
-            <ac:spMk id="16" creationId="{E23A2574-A25E-C275-82A7-E4D2A64AB822}"/>
-          </ac:spMkLst>
-        </pc:spChg>
-        <pc:spChg chg="add del mod">
-          <ac:chgData name="Fernandez Planas, Pablo" userId="6e321e55-3b63-4a42-bd8e-f086caa5e917" providerId="ADAL" clId="{BC435EE4-79B0-4B59-B49A-DDB57861B726}" dt="2024-06-10T11:47:25.495" v="919" actId="478"/>
-          <ac:spMkLst>
-            <pc:docMk/>
-            <pc:sldMk cId="996176950" sldId="264"/>
-            <ac:spMk id="17" creationId="{E4162273-2E52-8EAD-85BC-A64AA452084D}"/>
-          </ac:spMkLst>
-        </pc:spChg>
-        <pc:spChg chg="add del mod">
-          <ac:chgData name="Fernandez Planas, Pablo" userId="6e321e55-3b63-4a42-bd8e-f086caa5e917" providerId="ADAL" clId="{BC435EE4-79B0-4B59-B49A-DDB57861B726}" dt="2024-06-10T11:47:39.858" v="927" actId="478"/>
-          <ac:spMkLst>
-            <pc:docMk/>
-            <pc:sldMk cId="996176950" sldId="264"/>
-            <ac:spMk id="18" creationId="{361C78D6-ED78-9F6F-6EDD-9FA6D26CAB11}"/>
-          </ac:spMkLst>
-        </pc:spChg>
-        <pc:spChg chg="add del mod">
-          <ac:chgData name="Fernandez Planas, Pablo" userId="6e321e55-3b63-4a42-bd8e-f086caa5e917" providerId="ADAL" clId="{BC435EE4-79B0-4B59-B49A-DDB57861B726}" dt="2024-06-10T11:47:56.182" v="935" actId="478"/>
-          <ac:spMkLst>
-            <pc:docMk/>
-            <pc:sldMk cId="996176950" sldId="264"/>
-            <ac:spMk id="19" creationId="{5B7F3D98-E43C-DEB4-3A58-761E7BB6415C}"/>
-          </ac:spMkLst>
-        </pc:spChg>
-        <pc:spChg chg="add del mod">
-          <ac:chgData name="Fernandez Planas, Pablo" userId="6e321e55-3b63-4a42-bd8e-f086caa5e917" providerId="ADAL" clId="{BC435EE4-79B0-4B59-B49A-DDB57861B726}" dt="2024-06-10T11:48:30.714" v="947" actId="478"/>
-          <ac:spMkLst>
-            <pc:docMk/>
-            <pc:sldMk cId="996176950" sldId="264"/>
-            <ac:spMk id="20" creationId="{A8EA983D-AC3F-0604-990D-035D7035E5BB}"/>
-          </ac:spMkLst>
-        </pc:spChg>
-        <pc:spChg chg="add del mod">
-          <ac:chgData name="Fernandez Planas, Pablo" userId="6e321e55-3b63-4a42-bd8e-f086caa5e917" providerId="ADAL" clId="{BC435EE4-79B0-4B59-B49A-DDB57861B726}" dt="2024-06-10T11:48:30.714" v="947" actId="478"/>
-          <ac:spMkLst>
-            <pc:docMk/>
-            <pc:sldMk cId="996176950" sldId="264"/>
-            <ac:spMk id="21" creationId="{CD884B0E-BE9B-4F5A-AF9D-E90C0DA18B6D}"/>
-          </ac:spMkLst>
-        </pc:spChg>
-        <pc:spChg chg="add del mod">
-          <ac:chgData name="Fernandez Planas, Pablo" userId="6e321e55-3b63-4a42-bd8e-f086caa5e917" providerId="ADAL" clId="{BC435EE4-79B0-4B59-B49A-DDB57861B726}" dt="2024-06-10T11:48:39.950" v="951" actId="478"/>
-          <ac:spMkLst>
-            <pc:docMk/>
-            <pc:sldMk cId="996176950" sldId="264"/>
-            <ac:spMk id="22" creationId="{E027ADB0-9965-C7B3-6EE6-36F2E18D2F10}"/>
-          </ac:spMkLst>
-        </pc:spChg>
-        <pc:spChg chg="add del mod">
-          <ac:chgData name="Fernandez Planas, Pablo" userId="6e321e55-3b63-4a42-bd8e-f086caa5e917" providerId="ADAL" clId="{BC435EE4-79B0-4B59-B49A-DDB57861B726}" dt="2024-06-10T11:49:23.187" v="962" actId="478"/>
-          <ac:spMkLst>
-            <pc:docMk/>
-            <pc:sldMk cId="996176950" sldId="264"/>
-            <ac:spMk id="24" creationId="{847B3DF5-43A3-0CC2-3176-F47C50E10951}"/>
-          </ac:spMkLst>
-        </pc:spChg>
-        <pc:spChg chg="add del mod">
-          <ac:chgData name="Fernandez Planas, Pablo" userId="6e321e55-3b63-4a42-bd8e-f086caa5e917" providerId="ADAL" clId="{BC435EE4-79B0-4B59-B49A-DDB57861B726}" dt="2024-06-10T11:49:24.770" v="963" actId="478"/>
-          <ac:spMkLst>
-            <pc:docMk/>
-            <pc:sldMk cId="996176950" sldId="264"/>
-            <ac:spMk id="26" creationId="{2CD347B3-4906-D031-BE00-F34660462D5A}"/>
-          </ac:spMkLst>
-        </pc:spChg>
-        <pc:spChg chg="add del mod">
-          <ac:chgData name="Fernandez Planas, Pablo" userId="6e321e55-3b63-4a42-bd8e-f086caa5e917" providerId="ADAL" clId="{BC435EE4-79B0-4B59-B49A-DDB57861B726}" dt="2024-06-10T11:50:12.983" v="968" actId="478"/>
-          <ac:spMkLst>
-            <pc:docMk/>
-            <pc:sldMk cId="996176950" sldId="264"/>
-            <ac:spMk id="28" creationId="{B06C0AE4-8FF7-5B28-B96F-A814123E2BC6}"/>
-          </ac:spMkLst>
-        </pc:spChg>
-        <pc:spChg chg="add del mod">
-          <ac:chgData name="Fernandez Planas, Pablo" userId="6e321e55-3b63-4a42-bd8e-f086caa5e917" providerId="ADAL" clId="{BC435EE4-79B0-4B59-B49A-DDB57861B726}" dt="2024-06-10T11:50:25.304" v="973" actId="478"/>
-          <ac:spMkLst>
-            <pc:docMk/>
-            <pc:sldMk cId="996176950" sldId="264"/>
-            <ac:spMk id="30" creationId="{88F3FD76-218E-FDB8-4A71-76341BB3C3E3}"/>
-          </ac:spMkLst>
-        </pc:spChg>
-        <pc:spChg chg="add del mod">
-          <ac:chgData name="Fernandez Planas, Pablo" userId="6e321e55-3b63-4a42-bd8e-f086caa5e917" providerId="ADAL" clId="{BC435EE4-79B0-4B59-B49A-DDB57861B726}" dt="2024-06-10T11:50:37.777" v="978" actId="478"/>
-          <ac:spMkLst>
-            <pc:docMk/>
-            <pc:sldMk cId="996176950" sldId="264"/>
-            <ac:spMk id="32" creationId="{8E61E8C3-80B3-ADF4-A2D3-8B81CFD26417}"/>
-          </ac:spMkLst>
-        </pc:spChg>
-        <pc:spChg chg="add del">
-          <ac:chgData name="Fernandez Planas, Pablo" userId="6e321e55-3b63-4a42-bd8e-f086caa5e917" providerId="ADAL" clId="{BC435EE4-79B0-4B59-B49A-DDB57861B726}" dt="2024-06-10T11:41:59.512" v="789" actId="478"/>
-          <ac:spMkLst>
-            <pc:docMk/>
-            <pc:sldMk cId="996176950" sldId="264"/>
-            <ac:spMk id="33" creationId="{6F7AAE1E-3B3E-98E1-A788-08BB6A8A8C7B}"/>
-          </ac:spMkLst>
-        </pc:spChg>
-        <pc:spChg chg="add mod">
-          <ac:chgData name="Fernandez Planas, Pablo" userId="6e321e55-3b63-4a42-bd8e-f086caa5e917" providerId="ADAL" clId="{BC435EE4-79B0-4B59-B49A-DDB57861B726}" dt="2024-06-10T11:53:44.460" v="988" actId="26606"/>
-          <ac:spMkLst>
-            <pc:docMk/>
-            <pc:sldMk cId="996176950" sldId="264"/>
-            <ac:spMk id="34" creationId="{7B6AE519-6A6E-65AE-396B-4E6C6AC63B2F}"/>
-          </ac:spMkLst>
-        </pc:spChg>
-        <pc:spChg chg="add del mod">
-          <ac:chgData name="Fernandez Planas, Pablo" userId="6e321e55-3b63-4a42-bd8e-f086caa5e917" providerId="ADAL" clId="{BC435EE4-79B0-4B59-B49A-DDB57861B726}" dt="2024-06-10T11:42:17.500" v="794" actId="478"/>
-          <ac:spMkLst>
-            <pc:docMk/>
-            <pc:sldMk cId="996176950" sldId="264"/>
-            <ac:spMk id="35" creationId="{5A6C087B-CEBB-A942-CBB5-172BF9736F05}"/>
-          </ac:spMkLst>
-        </pc:spChg>
-        <pc:spChg chg="add mod">
-          <ac:chgData name="Fernandez Planas, Pablo" userId="6e321e55-3b63-4a42-bd8e-f086caa5e917" providerId="ADAL" clId="{BC435EE4-79B0-4B59-B49A-DDB57861B726}" dt="2024-06-10T11:53:44.460" v="988" actId="26606"/>
-          <ac:spMkLst>
-            <pc:docMk/>
-            <pc:sldMk cId="996176950" sldId="264"/>
-            <ac:spMk id="36" creationId="{E5323FF5-AC48-EB9B-BB7C-E1BFB551A88A}"/>
-          </ac:spMkLst>
-        </pc:spChg>
-        <pc:spChg chg="add mod">
-          <ac:chgData name="Fernandez Planas, Pablo" userId="6e321e55-3b63-4a42-bd8e-f086caa5e917" providerId="ADAL" clId="{BC435EE4-79B0-4B59-B49A-DDB57861B726}" dt="2024-06-10T11:53:44.460" v="988" actId="26606"/>
-          <ac:spMkLst>
-            <pc:docMk/>
-            <pc:sldMk cId="996176950" sldId="264"/>
-            <ac:spMk id="37" creationId="{B9A6562D-7474-2705-F643-CEE96E575B20}"/>
-          </ac:spMkLst>
-        </pc:spChg>
-        <pc:spChg chg="add mod">
-          <ac:chgData name="Fernandez Planas, Pablo" userId="6e321e55-3b63-4a42-bd8e-f086caa5e917" providerId="ADAL" clId="{BC435EE4-79B0-4B59-B49A-DDB57861B726}" dt="2024-06-10T11:53:44.460" v="988" actId="26606"/>
-          <ac:spMkLst>
-            <pc:docMk/>
-            <pc:sldMk cId="996176950" sldId="264"/>
-            <ac:spMk id="38" creationId="{54614356-A994-5BCE-3346-39A499068888}"/>
-          </ac:spMkLst>
-        </pc:spChg>
-        <pc:spChg chg="add mod">
-          <ac:chgData name="Fernandez Planas, Pablo" userId="6e321e55-3b63-4a42-bd8e-f086caa5e917" providerId="ADAL" clId="{BC435EE4-79B0-4B59-B49A-DDB57861B726}" dt="2024-06-10T11:53:44.460" v="988" actId="26606"/>
-          <ac:spMkLst>
-            <pc:docMk/>
-            <pc:sldMk cId="996176950" sldId="264"/>
-            <ac:spMk id="39" creationId="{1BE22945-5602-33D3-4CED-6375629E5D2B}"/>
-          </ac:spMkLst>
-        </pc:spChg>
-        <pc:spChg chg="add mod">
-          <ac:chgData name="Fernandez Planas, Pablo" userId="6e321e55-3b63-4a42-bd8e-f086caa5e917" providerId="ADAL" clId="{BC435EE4-79B0-4B59-B49A-DDB57861B726}" dt="2024-06-10T11:53:44.460" v="988" actId="26606"/>
-          <ac:spMkLst>
-            <pc:docMk/>
-            <pc:sldMk cId="996176950" sldId="264"/>
-            <ac:spMk id="40" creationId="{9C907C62-447F-6131-2A4C-B913DA7AEA5C}"/>
-          </ac:spMkLst>
-        </pc:spChg>
-        <pc:spChg chg="add mod">
-          <ac:chgData name="Fernandez Planas, Pablo" userId="6e321e55-3b63-4a42-bd8e-f086caa5e917" providerId="ADAL" clId="{BC435EE4-79B0-4B59-B49A-DDB57861B726}" dt="2024-06-10T11:53:44.460" v="988" actId="26606"/>
-          <ac:spMkLst>
-            <pc:docMk/>
-            <pc:sldMk cId="996176950" sldId="264"/>
-            <ac:spMk id="41" creationId="{CFBBD854-E985-7086-EA92-57E006F789D0}"/>
-          </ac:spMkLst>
-        </pc:spChg>
-        <pc:spChg chg="add mod">
-          <ac:chgData name="Fernandez Planas, Pablo" userId="6e321e55-3b63-4a42-bd8e-f086caa5e917" providerId="ADAL" clId="{BC435EE4-79B0-4B59-B49A-DDB57861B726}" dt="2024-06-10T11:53:44.460" v="988" actId="26606"/>
-          <ac:spMkLst>
-            <pc:docMk/>
-            <pc:sldMk cId="996176950" sldId="264"/>
-            <ac:spMk id="42" creationId="{2DC318B7-617C-E5ED-73A0-20BC79750B29}"/>
-          </ac:spMkLst>
-        </pc:spChg>
-        <pc:spChg chg="add mod">
-          <ac:chgData name="Fernandez Planas, Pablo" userId="6e321e55-3b63-4a42-bd8e-f086caa5e917" providerId="ADAL" clId="{BC435EE4-79B0-4B59-B49A-DDB57861B726}" dt="2024-06-10T11:53:44.460" v="988" actId="26606"/>
-          <ac:spMkLst>
-            <pc:docMk/>
-            <pc:sldMk cId="996176950" sldId="264"/>
-            <ac:spMk id="43" creationId="{1827275D-7723-3E45-D27F-E63AA168D7E8}"/>
-          </ac:spMkLst>
-        </pc:spChg>
-        <pc:spChg chg="add mod">
-          <ac:chgData name="Fernandez Planas, Pablo" userId="6e321e55-3b63-4a42-bd8e-f086caa5e917" providerId="ADAL" clId="{BC435EE4-79B0-4B59-B49A-DDB57861B726}" dt="2024-06-10T11:53:44.460" v="988" actId="26606"/>
-          <ac:spMkLst>
-            <pc:docMk/>
-            <pc:sldMk cId="996176950" sldId="264"/>
-            <ac:spMk id="44" creationId="{A8969B7A-DABC-0575-3082-3DEFA97B22C5}"/>
-          </ac:spMkLst>
-        </pc:spChg>
-        <pc:spChg chg="add mod">
-          <ac:chgData name="Fernandez Planas, Pablo" userId="6e321e55-3b63-4a42-bd8e-f086caa5e917" providerId="ADAL" clId="{BC435EE4-79B0-4B59-B49A-DDB57861B726}" dt="2024-06-10T11:53:44.460" v="988" actId="26606"/>
-          <ac:spMkLst>
-            <pc:docMk/>
-            <pc:sldMk cId="996176950" sldId="264"/>
-            <ac:spMk id="45" creationId="{8A508A65-6EDC-E3F9-BC2D-A8E7F4D0E16E}"/>
-          </ac:spMkLst>
-        </pc:spChg>
-        <pc:spChg chg="add mod">
-          <ac:chgData name="Fernandez Planas, Pablo" userId="6e321e55-3b63-4a42-bd8e-f086caa5e917" providerId="ADAL" clId="{BC435EE4-79B0-4B59-B49A-DDB57861B726}" dt="2024-06-10T11:53:44.460" v="988" actId="26606"/>
-          <ac:spMkLst>
-            <pc:docMk/>
-            <pc:sldMk cId="996176950" sldId="264"/>
-            <ac:spMk id="46" creationId="{FB92F57F-30E0-D885-9103-B89CFB926810}"/>
-          </ac:spMkLst>
-        </pc:spChg>
-        <pc:spChg chg="add mod">
-          <ac:chgData name="Fernandez Planas, Pablo" userId="6e321e55-3b63-4a42-bd8e-f086caa5e917" providerId="ADAL" clId="{BC435EE4-79B0-4B59-B49A-DDB57861B726}" dt="2024-06-10T11:53:44.460" v="988" actId="26606"/>
-          <ac:spMkLst>
-            <pc:docMk/>
-            <pc:sldMk cId="996176950" sldId="264"/>
-            <ac:spMk id="47" creationId="{BAC185A7-7D43-49D9-3AE6-8E3AAA4CD1EC}"/>
-          </ac:spMkLst>
-        </pc:spChg>
-        <pc:spChg chg="add mod">
-          <ac:chgData name="Fernandez Planas, Pablo" userId="6e321e55-3b63-4a42-bd8e-f086caa5e917" providerId="ADAL" clId="{BC435EE4-79B0-4B59-B49A-DDB57861B726}" dt="2024-06-14T07:54:30.714" v="996" actId="1076"/>
-          <ac:spMkLst>
-            <pc:docMk/>
-            <pc:sldMk cId="996176950" sldId="264"/>
-            <ac:spMk id="48" creationId="{9018F1D3-6BE4-D390-AFAC-5CFC0EA88EE3}"/>
-          </ac:spMkLst>
-        </pc:spChg>
-        <pc:spChg chg="add mod">
-          <ac:chgData name="Fernandez Planas, Pablo" userId="6e321e55-3b63-4a42-bd8e-f086caa5e917" providerId="ADAL" clId="{BC435EE4-79B0-4B59-B49A-DDB57861B726}" dt="2024-06-10T11:53:44.460" v="988" actId="26606"/>
-          <ac:spMkLst>
-            <pc:docMk/>
-            <pc:sldMk cId="996176950" sldId="264"/>
-            <ac:spMk id="49" creationId="{17CA717D-4FCC-D934-30EB-F4A7796A76DD}"/>
-          </ac:spMkLst>
-        </pc:spChg>
-        <pc:spChg chg="add mod">
-          <ac:chgData name="Fernandez Planas, Pablo" userId="6e321e55-3b63-4a42-bd8e-f086caa5e917" providerId="ADAL" clId="{BC435EE4-79B0-4B59-B49A-DDB57861B726}" dt="2024-06-10T11:53:44.460" v="988" actId="26606"/>
-          <ac:spMkLst>
-            <pc:docMk/>
-            <pc:sldMk cId="996176950" sldId="264"/>
-            <ac:spMk id="50" creationId="{DE898B37-0009-2FAE-8857-B1D67F6A58D8}"/>
-          </ac:spMkLst>
-        </pc:spChg>
-        <pc:spChg chg="add mod">
-          <ac:chgData name="Fernandez Planas, Pablo" userId="6e321e55-3b63-4a42-bd8e-f086caa5e917" providerId="ADAL" clId="{BC435EE4-79B0-4B59-B49A-DDB57861B726}" dt="2024-06-10T11:53:44.460" v="988" actId="26606"/>
-          <ac:spMkLst>
-            <pc:docMk/>
-            <pc:sldMk cId="996176950" sldId="264"/>
-            <ac:spMk id="51" creationId="{60B2558A-D4FB-26DF-05A8-0F69245FDBC6}"/>
-          </ac:spMkLst>
-        </pc:spChg>
-        <pc:spChg chg="add mod">
-          <ac:chgData name="Fernandez Planas, Pablo" userId="6e321e55-3b63-4a42-bd8e-f086caa5e917" providerId="ADAL" clId="{BC435EE4-79B0-4B59-B49A-DDB57861B726}" dt="2024-06-10T11:53:44.460" v="988" actId="26606"/>
-          <ac:spMkLst>
-            <pc:docMk/>
-            <pc:sldMk cId="996176950" sldId="264"/>
-            <ac:spMk id="52" creationId="{1C495F1F-2DC4-6F9A-559F-BD9D14E0EEC6}"/>
-          </ac:spMkLst>
-        </pc:spChg>
-        <pc:spChg chg="add mod">
-          <ac:chgData name="Fernandez Planas, Pablo" userId="6e321e55-3b63-4a42-bd8e-f086caa5e917" providerId="ADAL" clId="{BC435EE4-79B0-4B59-B49A-DDB57861B726}" dt="2024-06-10T11:53:44.460" v="988" actId="26606"/>
-          <ac:spMkLst>
-            <pc:docMk/>
-            <pc:sldMk cId="996176950" sldId="264"/>
-            <ac:spMk id="53" creationId="{143E3D2E-AE90-A970-B754-A3BC0E7578F0}"/>
-          </ac:spMkLst>
-        </pc:spChg>
-        <pc:spChg chg="add mod">
-          <ac:chgData name="Fernandez Planas, Pablo" userId="6e321e55-3b63-4a42-bd8e-f086caa5e917" providerId="ADAL" clId="{BC435EE4-79B0-4B59-B49A-DDB57861B726}" dt="2024-06-10T11:53:44.460" v="988" actId="26606"/>
-          <ac:spMkLst>
-            <pc:docMk/>
-            <pc:sldMk cId="996176950" sldId="264"/>
-            <ac:spMk id="54" creationId="{517764C7-97ED-E9E4-1B93-9D84DDFD8872}"/>
-          </ac:spMkLst>
-        </pc:spChg>
-        <pc:spChg chg="add mod">
-          <ac:chgData name="Fernandez Planas, Pablo" userId="6e321e55-3b63-4a42-bd8e-f086caa5e917" providerId="ADAL" clId="{BC435EE4-79B0-4B59-B49A-DDB57861B726}" dt="2024-06-10T11:53:44.460" v="988" actId="26606"/>
-          <ac:spMkLst>
-            <pc:docMk/>
-            <pc:sldMk cId="996176950" sldId="264"/>
-            <ac:spMk id="55" creationId="{EA117C7D-131E-1BC9-57B1-DD76F3EA423B}"/>
-          </ac:spMkLst>
-        </pc:spChg>
-        <pc:spChg chg="add mod">
-          <ac:chgData name="Fernandez Planas, Pablo" userId="6e321e55-3b63-4a42-bd8e-f086caa5e917" providerId="ADAL" clId="{BC435EE4-79B0-4B59-B49A-DDB57861B726}" dt="2024-06-10T11:53:44.460" v="988" actId="26606"/>
-          <ac:spMkLst>
-            <pc:docMk/>
-            <pc:sldMk cId="996176950" sldId="264"/>
-            <ac:spMk id="56" creationId="{525EB9E2-E3B8-2131-56C4-AE6A28A324F3}"/>
-          </ac:spMkLst>
-        </pc:spChg>
-        <pc:spChg chg="add mod">
-          <ac:chgData name="Fernandez Planas, Pablo" userId="6e321e55-3b63-4a42-bd8e-f086caa5e917" providerId="ADAL" clId="{BC435EE4-79B0-4B59-B49A-DDB57861B726}" dt="2024-06-10T11:53:44.460" v="988" actId="26606"/>
-          <ac:spMkLst>
-            <pc:docMk/>
-            <pc:sldMk cId="996176950" sldId="264"/>
-            <ac:spMk id="57" creationId="{0787687F-EEA0-9E3F-74F7-7DE07A53EA25}"/>
-          </ac:spMkLst>
-        </pc:spChg>
-        <pc:spChg chg="add del">
-          <ac:chgData name="Fernandez Planas, Pablo" userId="6e321e55-3b63-4a42-bd8e-f086caa5e917" providerId="ADAL" clId="{BC435EE4-79B0-4B59-B49A-DDB57861B726}" dt="2024-06-10T11:53:44.444" v="987" actId="26606"/>
-          <ac:spMkLst>
-            <pc:docMk/>
-            <pc:sldMk cId="996176950" sldId="264"/>
-            <ac:spMk id="64" creationId="{86FF76B9-219D-4469-AF87-0236D29032F1}"/>
-          </ac:spMkLst>
-        </pc:spChg>
-        <pc:spChg chg="add del">
-          <ac:chgData name="Fernandez Planas, Pablo" userId="6e321e55-3b63-4a42-bd8e-f086caa5e917" providerId="ADAL" clId="{BC435EE4-79B0-4B59-B49A-DDB57861B726}" dt="2024-06-10T11:53:44.444" v="987" actId="26606"/>
-          <ac:spMkLst>
-            <pc:docMk/>
-            <pc:sldMk cId="996176950" sldId="264"/>
-            <ac:spMk id="70" creationId="{2E80C965-DB6D-4F81-9E9E-B027384D0BD6}"/>
-          </ac:spMkLst>
-        </pc:spChg>
-        <pc:spChg chg="add del">
-          <ac:chgData name="Fernandez Planas, Pablo" userId="6e321e55-3b63-4a42-bd8e-f086caa5e917" providerId="ADAL" clId="{BC435EE4-79B0-4B59-B49A-DDB57861B726}" dt="2024-06-10T11:53:44.444" v="987" actId="26606"/>
-          <ac:spMkLst>
-            <pc:docMk/>
-            <pc:sldMk cId="996176950" sldId="264"/>
-            <ac:spMk id="72" creationId="{633C5E46-DAC5-4661-9C87-22B08E2A512F}"/>
-          </ac:spMkLst>
-        </pc:spChg>
-        <pc:grpChg chg="add del">
-          <ac:chgData name="Fernandez Planas, Pablo" userId="6e321e55-3b63-4a42-bd8e-f086caa5e917" providerId="ADAL" clId="{BC435EE4-79B0-4B59-B49A-DDB57861B726}" dt="2024-06-10T11:53:44.444" v="987" actId="26606"/>
-          <ac:grpSpMkLst>
-            <pc:docMk/>
-            <pc:sldMk cId="996176950" sldId="264"/>
-            <ac:grpSpMk id="66" creationId="{DB88BD78-87E1-424D-B479-C37D8E41B12E}"/>
-          </ac:grpSpMkLst>
-        </pc:grpChg>
-        <pc:picChg chg="add mod">
-          <ac:chgData name="Fernandez Planas, Pablo" userId="6e321e55-3b63-4a42-bd8e-f086caa5e917" providerId="ADAL" clId="{BC435EE4-79B0-4B59-B49A-DDB57861B726}" dt="2024-06-10T11:53:44.460" v="988" actId="26606"/>
-          <ac:picMkLst>
-            <pc:docMk/>
-            <pc:sldMk cId="996176950" sldId="264"/>
-            <ac:picMk id="59" creationId="{FBAD4581-2E9D-5C58-387E-395F96E8C852}"/>
-          </ac:picMkLst>
-        </pc:picChg>
       </pc:sldChg>
     </pc:docChg>
   </pc:docChgLst>
@@ -1274,7 +268,7 @@
           <a:p>
             <a:fld id="{048661F1-3712-4A17-8B31-0B86FF731FAC}" type="datetimeFigureOut">
               <a:rPr lang="es-ES" smtClean="0"/>
-              <a:t>14/06/2024</a:t>
+              <a:t>18/06/2024</a:t>
             </a:fld>
             <a:endParaRPr lang="es-ES"/>
           </a:p>
@@ -1561,6 +555,174 @@
       </p:grpSpPr>
       <p:sp>
         <p:nvSpPr>
+          <p:cNvPr id="2" name="Marcador de imagen de diapositiva 1"/>
+          <p:cNvSpPr>
+            <a:spLocks noGrp="1" noRot="1" noChangeAspect="1"/>
+          </p:cNvSpPr>
+          <p:nvPr>
+            <p:ph type="sldImg"/>
+          </p:nvPr>
+        </p:nvSpPr>
+        <p:spPr/>
+      </p:sp>
+      <p:sp>
+        <p:nvSpPr>
+          <p:cNvPr id="3" name="Marcador de notas 2"/>
+          <p:cNvSpPr>
+            <a:spLocks noGrp="1"/>
+          </p:cNvSpPr>
+          <p:nvPr>
+            <p:ph type="body" idx="1"/>
+          </p:nvPr>
+        </p:nvSpPr>
+        <p:spPr/>
+        <p:txBody>
+          <a:bodyPr/>
+          <a:lstStyle/>
+          <a:p>
+            <a:endParaRPr lang="es-ES" dirty="0"/>
+          </a:p>
+        </p:txBody>
+      </p:sp>
+      <p:sp>
+        <p:nvSpPr>
+          <p:cNvPr id="4" name="Marcador de número de diapositiva 3"/>
+          <p:cNvSpPr>
+            <a:spLocks noGrp="1"/>
+          </p:cNvSpPr>
+          <p:nvPr>
+            <p:ph type="sldNum" sz="quarter" idx="5"/>
+          </p:nvPr>
+        </p:nvSpPr>
+        <p:spPr/>
+        <p:txBody>
+          <a:bodyPr/>
+          <a:lstStyle/>
+          <a:p>
+            <a:fld id="{9DC831C2-BFAB-4A8A-BAA2-20B5D5678A65}" type="slidenum">
+              <a:rPr lang="es-ES" smtClean="0"/>
+              <a:t>3</a:t>
+            </a:fld>
+            <a:endParaRPr lang="es-ES"/>
+          </a:p>
+        </p:txBody>
+      </p:sp>
+    </p:spTree>
+    <p:extLst>
+      <p:ext uri="{BB962C8B-B14F-4D97-AF65-F5344CB8AC3E}">
+        <p14:creationId xmlns:p14="http://schemas.microsoft.com/office/powerpoint/2010/main" val="1564284463"/>
+      </p:ext>
+    </p:extLst>
+  </p:cSld>
+  <p:clrMapOvr>
+    <a:masterClrMapping/>
+  </p:clrMapOvr>
+</p:notes>
+</file>
+
+<file path=ppt/notesSlides/notesSlide2.xml><?xml version="1.0" encoding="utf-8"?>
+<p:notes xmlns:a="http://schemas.openxmlformats.org/drawingml/2006/main" xmlns:r="http://schemas.openxmlformats.org/officeDocument/2006/relationships" xmlns:p="http://schemas.openxmlformats.org/presentationml/2006/main">
+  <p:cSld>
+    <p:spTree>
+      <p:nvGrpSpPr>
+        <p:cNvPr id="1" name=""/>
+        <p:cNvGrpSpPr/>
+        <p:nvPr/>
+      </p:nvGrpSpPr>
+      <p:grpSpPr>
+        <a:xfrm>
+          <a:off x="0" y="0"/>
+          <a:ext cx="0" cy="0"/>
+          <a:chOff x="0" y="0"/>
+          <a:chExt cx="0" cy="0"/>
+        </a:xfrm>
+      </p:grpSpPr>
+      <p:sp>
+        <p:nvSpPr>
+          <p:cNvPr id="2" name="Marcador de imagen de diapositiva 1"/>
+          <p:cNvSpPr>
+            <a:spLocks noGrp="1" noRot="1" noChangeAspect="1"/>
+          </p:cNvSpPr>
+          <p:nvPr>
+            <p:ph type="sldImg"/>
+          </p:nvPr>
+        </p:nvSpPr>
+        <p:spPr/>
+      </p:sp>
+      <p:sp>
+        <p:nvSpPr>
+          <p:cNvPr id="3" name="Marcador de notas 2"/>
+          <p:cNvSpPr>
+            <a:spLocks noGrp="1"/>
+          </p:cNvSpPr>
+          <p:nvPr>
+            <p:ph type="body" idx="1"/>
+          </p:nvPr>
+        </p:nvSpPr>
+        <p:spPr/>
+        <p:txBody>
+          <a:bodyPr/>
+          <a:lstStyle/>
+          <a:p>
+            <a:endParaRPr lang="es-ES" dirty="0"/>
+          </a:p>
+        </p:txBody>
+      </p:sp>
+      <p:sp>
+        <p:nvSpPr>
+          <p:cNvPr id="4" name="Marcador de número de diapositiva 3"/>
+          <p:cNvSpPr>
+            <a:spLocks noGrp="1"/>
+          </p:cNvSpPr>
+          <p:nvPr>
+            <p:ph type="sldNum" sz="quarter" idx="5"/>
+          </p:nvPr>
+        </p:nvSpPr>
+        <p:spPr/>
+        <p:txBody>
+          <a:bodyPr/>
+          <a:lstStyle/>
+          <a:p>
+            <a:fld id="{9DC831C2-BFAB-4A8A-BAA2-20B5D5678A65}" type="slidenum">
+              <a:rPr lang="es-ES" smtClean="0"/>
+              <a:t>4</a:t>
+            </a:fld>
+            <a:endParaRPr lang="es-ES"/>
+          </a:p>
+        </p:txBody>
+      </p:sp>
+    </p:spTree>
+    <p:extLst>
+      <p:ext uri="{BB962C8B-B14F-4D97-AF65-F5344CB8AC3E}">
+        <p14:creationId xmlns:p14="http://schemas.microsoft.com/office/powerpoint/2010/main" val="1372119540"/>
+      </p:ext>
+    </p:extLst>
+  </p:cSld>
+  <p:clrMapOvr>
+    <a:masterClrMapping/>
+  </p:clrMapOvr>
+</p:notes>
+</file>
+
+<file path=ppt/notesSlides/notesSlide3.xml><?xml version="1.0" encoding="utf-8"?>
+<p:notes xmlns:a="http://schemas.openxmlformats.org/drawingml/2006/main" xmlns:r="http://schemas.openxmlformats.org/officeDocument/2006/relationships" xmlns:p="http://schemas.openxmlformats.org/presentationml/2006/main">
+  <p:cSld>
+    <p:spTree>
+      <p:nvGrpSpPr>
+        <p:cNvPr id="1" name=""/>
+        <p:cNvGrpSpPr/>
+        <p:nvPr/>
+      </p:nvGrpSpPr>
+      <p:grpSpPr>
+        <a:xfrm>
+          <a:off x="0" y="0"/>
+          <a:ext cx="0" cy="0"/>
+          <a:chOff x="0" y="0"/>
+          <a:chExt cx="0" cy="0"/>
+        </a:xfrm>
+      </p:grpSpPr>
+      <p:sp>
+        <p:nvSpPr>
           <p:cNvPr id="2" name="Slide Image Placeholder 1"/>
           <p:cNvSpPr>
             <a:spLocks noGrp="1" noRot="1" noChangeAspect="1"/>
@@ -1607,7 +769,7 @@
           <a:p>
             <a:fld id="{9DC831C2-BFAB-4A8A-BAA2-20B5D5678A65}" type="slidenum">
               <a:rPr lang="es-ES" smtClean="0"/>
-              <a:t>8</a:t>
+              <a:t>10</a:t>
             </a:fld>
             <a:endParaRPr lang="es-ES"/>
           </a:p>
@@ -1775,7 +937,7 @@
           <a:p>
             <a:fld id="{59DD7D50-2735-43DB-B1F2-CA42BB73C10A}" type="datetimeFigureOut">
               <a:rPr lang="es-ES" smtClean="0"/>
-              <a:t>14/06/2024</a:t>
+              <a:t>18/06/2024</a:t>
             </a:fld>
             <a:endParaRPr lang="es-ES"/>
           </a:p>
@@ -1975,7 +1137,7 @@
           <a:p>
             <a:fld id="{59DD7D50-2735-43DB-B1F2-CA42BB73C10A}" type="datetimeFigureOut">
               <a:rPr lang="es-ES" smtClean="0"/>
-              <a:t>14/06/2024</a:t>
+              <a:t>18/06/2024</a:t>
             </a:fld>
             <a:endParaRPr lang="es-ES"/>
           </a:p>
@@ -2185,7 +1347,7 @@
           <a:p>
             <a:fld id="{59DD7D50-2735-43DB-B1F2-CA42BB73C10A}" type="datetimeFigureOut">
               <a:rPr lang="es-ES" smtClean="0"/>
-              <a:t>14/06/2024</a:t>
+              <a:t>18/06/2024</a:t>
             </a:fld>
             <a:endParaRPr lang="es-ES"/>
           </a:p>
@@ -2385,7 +1547,7 @@
           <a:p>
             <a:fld id="{59DD7D50-2735-43DB-B1F2-CA42BB73C10A}" type="datetimeFigureOut">
               <a:rPr lang="es-ES" smtClean="0"/>
-              <a:t>14/06/2024</a:t>
+              <a:t>18/06/2024</a:t>
             </a:fld>
             <a:endParaRPr lang="es-ES"/>
           </a:p>
@@ -2661,7 +1823,7 @@
           <a:p>
             <a:fld id="{59DD7D50-2735-43DB-B1F2-CA42BB73C10A}" type="datetimeFigureOut">
               <a:rPr lang="es-ES" smtClean="0"/>
-              <a:t>14/06/2024</a:t>
+              <a:t>18/06/2024</a:t>
             </a:fld>
             <a:endParaRPr lang="es-ES"/>
           </a:p>
@@ -2929,7 +2091,7 @@
           <a:p>
             <a:fld id="{59DD7D50-2735-43DB-B1F2-CA42BB73C10A}" type="datetimeFigureOut">
               <a:rPr lang="es-ES" smtClean="0"/>
-              <a:t>14/06/2024</a:t>
+              <a:t>18/06/2024</a:t>
             </a:fld>
             <a:endParaRPr lang="es-ES"/>
           </a:p>
@@ -3344,7 +2506,7 @@
           <a:p>
             <a:fld id="{59DD7D50-2735-43DB-B1F2-CA42BB73C10A}" type="datetimeFigureOut">
               <a:rPr lang="es-ES" smtClean="0"/>
-              <a:t>14/06/2024</a:t>
+              <a:t>18/06/2024</a:t>
             </a:fld>
             <a:endParaRPr lang="es-ES"/>
           </a:p>
@@ -3486,7 +2648,7 @@
           <a:p>
             <a:fld id="{59DD7D50-2735-43DB-B1F2-CA42BB73C10A}" type="datetimeFigureOut">
               <a:rPr lang="es-ES" smtClean="0"/>
-              <a:t>14/06/2024</a:t>
+              <a:t>18/06/2024</a:t>
             </a:fld>
             <a:endParaRPr lang="es-ES"/>
           </a:p>
@@ -3599,7 +2761,7 @@
           <a:p>
             <a:fld id="{59DD7D50-2735-43DB-B1F2-CA42BB73C10A}" type="datetimeFigureOut">
               <a:rPr lang="es-ES" smtClean="0"/>
-              <a:t>14/06/2024</a:t>
+              <a:t>18/06/2024</a:t>
             </a:fld>
             <a:endParaRPr lang="es-ES"/>
           </a:p>
@@ -3912,7 +3074,7 @@
           <a:p>
             <a:fld id="{59DD7D50-2735-43DB-B1F2-CA42BB73C10A}" type="datetimeFigureOut">
               <a:rPr lang="es-ES" smtClean="0"/>
-              <a:t>14/06/2024</a:t>
+              <a:t>18/06/2024</a:t>
             </a:fld>
             <a:endParaRPr lang="es-ES"/>
           </a:p>
@@ -4201,7 +3363,7 @@
           <a:p>
             <a:fld id="{59DD7D50-2735-43DB-B1F2-CA42BB73C10A}" type="datetimeFigureOut">
               <a:rPr lang="es-ES" smtClean="0"/>
-              <a:t>14/06/2024</a:t>
+              <a:t>18/06/2024</a:t>
             </a:fld>
             <a:endParaRPr lang="es-ES"/>
           </a:p>
@@ -4444,7 +3606,7 @@
           <a:p>
             <a:fld id="{59DD7D50-2735-43DB-B1F2-CA42BB73C10A}" type="datetimeFigureOut">
               <a:rPr lang="es-ES" smtClean="0"/>
-              <a:t>14/06/2024</a:t>
+              <a:t>18/06/2024</a:t>
             </a:fld>
             <a:endParaRPr lang="es-ES"/>
           </a:p>
@@ -4959,7 +4121,9 @@
           <a:p>
             <a:pPr algn="l"/>
             <a:r>
-              <a:rPr lang="es-ES" sz="1800" dirty="0"/>
+              <a:rPr lang="es-ES" sz="1800" dirty="0">
+                <a:latin typeface="Bahnschrift SemiLight Condensed" panose="020B0502040204020203" pitchFamily="34" charset="0"/>
+              </a:rPr>
               <a:t>La psicología detrás de las palabras</a:t>
             </a:r>
           </a:p>
@@ -5484,7 +4648,9 @@
           <a:lstStyle/>
           <a:p>
             <a:r>
-              <a:rPr lang="es-ES" dirty="0"/>
+              <a:rPr lang="es-ES" dirty="0">
+                <a:latin typeface="+mj-lt"/>
+              </a:rPr>
               <a:t>Pablo Fernández Planas</a:t>
             </a:r>
           </a:p>
@@ -5519,8 +4685,8 @@
         </p:blipFill>
         <p:spPr bwMode="auto">
           <a:xfrm>
-            <a:off x="4852729" y="2828714"/>
-            <a:ext cx="5363854" cy="1598841"/>
+            <a:off x="5132796" y="2847002"/>
+            <a:ext cx="4803722" cy="1431879"/>
           </a:xfrm>
           <a:prstGeom prst="rect">
             <a:avLst/>
@@ -5731,14 +4897,18 @@
           <a:p>
             <a:pPr algn="r"/>
             <a:r>
-              <a:rPr lang="es-ES" sz="1800" dirty="0"/>
+              <a:rPr lang="es-ES" sz="1800" dirty="0">
+                <a:latin typeface="+mj-lt"/>
+              </a:rPr>
               <a:t>Trabajo Final de Grado</a:t>
             </a:r>
           </a:p>
           <a:p>
             <a:pPr algn="r"/>
             <a:r>
-              <a:rPr lang="es-ES" sz="1800" dirty="0"/>
+              <a:rPr lang="es-ES" sz="1800" dirty="0">
+                <a:latin typeface="+mj-lt"/>
+              </a:rPr>
               <a:t>DESARROLLO DE APLICACIONES MULTIPLATAFORMA</a:t>
             </a:r>
           </a:p>
@@ -5748,6 +4918,1370 @@
     <p:extLst>
       <p:ext uri="{BB962C8B-B14F-4D97-AF65-F5344CB8AC3E}">
         <p14:creationId xmlns:p14="http://schemas.microsoft.com/office/powerpoint/2010/main" val="3700840463"/>
+      </p:ext>
+    </p:extLst>
+  </p:cSld>
+  <p:clrMapOvr>
+    <a:masterClrMapping/>
+  </p:clrMapOvr>
+</p:sld>
+</file>
+
+<file path=ppt/slides/slide10.xml><?xml version="1.0" encoding="utf-8"?>
+<p:sld xmlns:a="http://schemas.openxmlformats.org/drawingml/2006/main" xmlns:r="http://schemas.openxmlformats.org/officeDocument/2006/relationships" xmlns:p="http://schemas.openxmlformats.org/presentationml/2006/main">
+  <p:cSld>
+    <p:spTree>
+      <p:nvGrpSpPr>
+        <p:cNvPr id="1" name=""/>
+        <p:cNvGrpSpPr/>
+        <p:nvPr/>
+      </p:nvGrpSpPr>
+      <p:grpSpPr>
+        <a:xfrm>
+          <a:off x="0" y="0"/>
+          <a:ext cx="0" cy="0"/>
+          <a:chOff x="0" y="0"/>
+          <a:chExt cx="0" cy="0"/>
+        </a:xfrm>
+      </p:grpSpPr>
+      <p:sp>
+        <p:nvSpPr>
+          <p:cNvPr id="4" name="Rectángulo 3">
+            <a:extLst>
+              <a:ext uri="{FF2B5EF4-FFF2-40B4-BE49-F238E27FC236}">
+                <a16:creationId xmlns:a16="http://schemas.microsoft.com/office/drawing/2014/main" id="{1C9E8A97-A0FA-8946-1A74-FC32373820C2}"/>
+              </a:ext>
+            </a:extLst>
+          </p:cNvPr>
+          <p:cNvSpPr/>
+          <p:nvPr/>
+        </p:nvSpPr>
+        <p:spPr>
+          <a:xfrm>
+            <a:off x="-71020" y="294101"/>
+            <a:ext cx="5503742" cy="1325563"/>
+          </a:xfrm>
+          <a:prstGeom prst="rect">
+            <a:avLst/>
+          </a:prstGeom>
+          <a:solidFill>
+            <a:srgbClr val="1691A2"/>
+          </a:solidFill>
+          <a:ln>
+            <a:noFill/>
+          </a:ln>
+        </p:spPr>
+        <p:style>
+          <a:lnRef idx="2">
+            <a:schemeClr val="accent1">
+              <a:shade val="15000"/>
+            </a:schemeClr>
+          </a:lnRef>
+          <a:fillRef idx="1">
+            <a:schemeClr val="accent1"/>
+          </a:fillRef>
+          <a:effectRef idx="0">
+            <a:schemeClr val="accent1"/>
+          </a:effectRef>
+          <a:fontRef idx="minor">
+            <a:schemeClr val="lt1"/>
+          </a:fontRef>
+        </p:style>
+        <p:txBody>
+          <a:bodyPr rtlCol="0" anchor="ctr"/>
+          <a:lstStyle/>
+          <a:p>
+            <a:pPr algn="ctr"/>
+            <a:endParaRPr lang="es-ES"/>
+          </a:p>
+        </p:txBody>
+      </p:sp>
+      <p:sp>
+        <p:nvSpPr>
+          <p:cNvPr id="2" name="Title 1">
+            <a:extLst>
+              <a:ext uri="{FF2B5EF4-FFF2-40B4-BE49-F238E27FC236}">
+                <a16:creationId xmlns:a16="http://schemas.microsoft.com/office/drawing/2014/main" id="{0D3464D9-FCD2-8036-0326-25781CA0B809}"/>
+              </a:ext>
+            </a:extLst>
+          </p:cNvPr>
+          <p:cNvSpPr>
+            <a:spLocks noGrp="1"/>
+          </p:cNvSpPr>
+          <p:nvPr>
+            <p:ph type="title"/>
+          </p:nvPr>
+        </p:nvSpPr>
+        <p:spPr>
+          <a:xfrm>
+            <a:off x="530871" y="365125"/>
+            <a:ext cx="10515600" cy="1325563"/>
+          </a:xfrm>
+        </p:spPr>
+        <p:txBody>
+          <a:bodyPr/>
+          <a:lstStyle/>
+          <a:p>
+            <a:r>
+              <a:rPr lang="es-ES" dirty="0">
+                <a:solidFill>
+                  <a:schemeClr val="bg1"/>
+                </a:solidFill>
+                <a:latin typeface="Bahnschrift" panose="020B0502040204020203" pitchFamily="34" charset="0"/>
+              </a:rPr>
+              <a:t>GUÍA DE USUARIO</a:t>
+            </a:r>
+          </a:p>
+        </p:txBody>
+      </p:sp>
+      <p:sp>
+        <p:nvSpPr>
+          <p:cNvPr id="3" name="Content Placeholder 2">
+            <a:extLst>
+              <a:ext uri="{FF2B5EF4-FFF2-40B4-BE49-F238E27FC236}">
+                <a16:creationId xmlns:a16="http://schemas.microsoft.com/office/drawing/2014/main" id="{F35865B3-44E2-AB93-4EE8-C4AA8DFE35A4}"/>
+              </a:ext>
+            </a:extLst>
+          </p:cNvPr>
+          <p:cNvSpPr>
+            <a:spLocks noGrp="1"/>
+          </p:cNvSpPr>
+          <p:nvPr>
+            <p:ph idx="1"/>
+          </p:nvPr>
+        </p:nvSpPr>
+        <p:spPr/>
+        <p:txBody>
+          <a:bodyPr/>
+          <a:lstStyle/>
+          <a:p>
+            <a:r>
+              <a:rPr lang="es-ES" dirty="0"/>
+              <a:t>Diseño de la app</a:t>
+            </a:r>
+          </a:p>
+        </p:txBody>
+      </p:sp>
+      <p:pic>
+        <p:nvPicPr>
+          <p:cNvPr id="1026" name="Picture 2">
+            <a:extLst>
+              <a:ext uri="{FF2B5EF4-FFF2-40B4-BE49-F238E27FC236}">
+                <a16:creationId xmlns:a16="http://schemas.microsoft.com/office/drawing/2014/main" id="{82B94BE7-4AF4-A6A3-4DF1-8BDDF3EE1044}"/>
+              </a:ext>
+            </a:extLst>
+          </p:cNvPr>
+          <p:cNvPicPr>
+            <a:picLocks noChangeAspect="1" noChangeArrowheads="1"/>
+          </p:cNvPicPr>
+          <p:nvPr/>
+        </p:nvPicPr>
+        <p:blipFill>
+          <a:blip r:embed="rId3">
+            <a:extLst>
+              <a:ext uri="{28A0092B-C50C-407E-A947-70E740481C1C}">
+                <a14:useLocalDpi xmlns:a14="http://schemas.microsoft.com/office/drawing/2010/main" val="0"/>
+              </a:ext>
+            </a:extLst>
+          </a:blip>
+          <a:srcRect/>
+          <a:stretch>
+            <a:fillRect/>
+          </a:stretch>
+        </p:blipFill>
+        <p:spPr bwMode="auto">
+          <a:xfrm>
+            <a:off x="5651150" y="367348"/>
+            <a:ext cx="2893368" cy="1999054"/>
+          </a:xfrm>
+          <a:prstGeom prst="rect">
+            <a:avLst/>
+          </a:prstGeom>
+          <a:noFill/>
+          <a:extLst>
+            <a:ext uri="{909E8E84-426E-40DD-AFC4-6F175D3DCCD1}">
+              <a14:hiddenFill xmlns:a14="http://schemas.microsoft.com/office/drawing/2010/main">
+                <a:solidFill>
+                  <a:srgbClr val="FFFFFF"/>
+                </a:solidFill>
+              </a14:hiddenFill>
+            </a:ext>
+          </a:extLst>
+        </p:spPr>
+      </p:pic>
+      <p:pic>
+        <p:nvPicPr>
+          <p:cNvPr id="1028" name="Picture 4">
+            <a:extLst>
+              <a:ext uri="{FF2B5EF4-FFF2-40B4-BE49-F238E27FC236}">
+                <a16:creationId xmlns:a16="http://schemas.microsoft.com/office/drawing/2014/main" id="{99DD9E3F-28B8-8671-C73C-0469E21411F0}"/>
+              </a:ext>
+            </a:extLst>
+          </p:cNvPr>
+          <p:cNvPicPr>
+            <a:picLocks noChangeAspect="1" noChangeArrowheads="1"/>
+          </p:cNvPicPr>
+          <p:nvPr/>
+        </p:nvPicPr>
+        <p:blipFill>
+          <a:blip r:embed="rId4">
+            <a:extLst>
+              <a:ext uri="{28A0092B-C50C-407E-A947-70E740481C1C}">
+                <a14:useLocalDpi xmlns:a14="http://schemas.microsoft.com/office/drawing/2010/main" val="0"/>
+              </a:ext>
+            </a:extLst>
+          </a:blip>
+          <a:srcRect/>
+          <a:stretch>
+            <a:fillRect/>
+          </a:stretch>
+        </p:blipFill>
+        <p:spPr bwMode="auto">
+          <a:xfrm>
+            <a:off x="8762947" y="371285"/>
+            <a:ext cx="3265087" cy="1996093"/>
+          </a:xfrm>
+          <a:prstGeom prst="rect">
+            <a:avLst/>
+          </a:prstGeom>
+          <a:noFill/>
+          <a:extLst>
+            <a:ext uri="{909E8E84-426E-40DD-AFC4-6F175D3DCCD1}">
+              <a14:hiddenFill xmlns:a14="http://schemas.microsoft.com/office/drawing/2010/main">
+                <a:solidFill>
+                  <a:srgbClr val="FFFFFF"/>
+                </a:solidFill>
+              </a14:hiddenFill>
+            </a:ext>
+          </a:extLst>
+        </p:spPr>
+      </p:pic>
+      <p:sp>
+        <p:nvSpPr>
+          <p:cNvPr id="6" name="Rectangle 5">
+            <a:extLst>
+              <a:ext uri="{FF2B5EF4-FFF2-40B4-BE49-F238E27FC236}">
+                <a16:creationId xmlns:a16="http://schemas.microsoft.com/office/drawing/2014/main" id="{C8DBE96A-D504-D274-8895-959D3BE9FDD3}"/>
+              </a:ext>
+            </a:extLst>
+          </p:cNvPr>
+          <p:cNvSpPr/>
+          <p:nvPr/>
+        </p:nvSpPr>
+        <p:spPr>
+          <a:xfrm>
+            <a:off x="0" y="2645546"/>
+            <a:ext cx="12192000" cy="4212454"/>
+          </a:xfrm>
+          <a:prstGeom prst="rect">
+            <a:avLst/>
+          </a:prstGeom>
+          <a:solidFill>
+            <a:srgbClr val="1691A2"/>
+          </a:solidFill>
+          <a:ln>
+            <a:solidFill>
+              <a:srgbClr val="1691A2"/>
+            </a:solidFill>
+          </a:ln>
+        </p:spPr>
+        <p:style>
+          <a:lnRef idx="2">
+            <a:schemeClr val="accent1">
+              <a:shade val="50000"/>
+            </a:schemeClr>
+          </a:lnRef>
+          <a:fillRef idx="1">
+            <a:schemeClr val="accent1"/>
+          </a:fillRef>
+          <a:effectRef idx="0">
+            <a:schemeClr val="accent1"/>
+          </a:effectRef>
+          <a:fontRef idx="minor">
+            <a:schemeClr val="lt1"/>
+          </a:fontRef>
+        </p:style>
+        <p:txBody>
+          <a:bodyPr rtlCol="0" anchor="ctr"/>
+          <a:lstStyle/>
+          <a:p>
+            <a:pPr algn="ctr"/>
+            <a:endParaRPr lang="es-ES" dirty="0"/>
+          </a:p>
+        </p:txBody>
+      </p:sp>
+      <p:pic>
+        <p:nvPicPr>
+          <p:cNvPr id="1030" name="Picture 6">
+            <a:extLst>
+              <a:ext uri="{FF2B5EF4-FFF2-40B4-BE49-F238E27FC236}">
+                <a16:creationId xmlns:a16="http://schemas.microsoft.com/office/drawing/2014/main" id="{58B0F2AC-2607-6FAF-55F6-F0892A50D732}"/>
+              </a:ext>
+            </a:extLst>
+          </p:cNvPr>
+          <p:cNvPicPr>
+            <a:picLocks noChangeAspect="1" noChangeArrowheads="1"/>
+          </p:cNvPicPr>
+          <p:nvPr/>
+        </p:nvPicPr>
+        <p:blipFill>
+          <a:blip r:embed="rId5">
+            <a:extLst>
+              <a:ext uri="{28A0092B-C50C-407E-A947-70E740481C1C}">
+                <a14:useLocalDpi xmlns:a14="http://schemas.microsoft.com/office/drawing/2010/main" val="0"/>
+              </a:ext>
+            </a:extLst>
+          </a:blip>
+          <a:srcRect/>
+          <a:stretch>
+            <a:fillRect/>
+          </a:stretch>
+        </p:blipFill>
+        <p:spPr bwMode="auto">
+          <a:xfrm>
+            <a:off x="2644164" y="2761224"/>
+            <a:ext cx="6903671" cy="3756257"/>
+          </a:xfrm>
+          <a:prstGeom prst="rect">
+            <a:avLst/>
+          </a:prstGeom>
+          <a:noFill/>
+          <a:extLst>
+            <a:ext uri="{909E8E84-426E-40DD-AFC4-6F175D3DCCD1}">
+              <a14:hiddenFill xmlns:a14="http://schemas.microsoft.com/office/drawing/2010/main">
+                <a:solidFill>
+                  <a:srgbClr val="FFFFFF"/>
+                </a:solidFill>
+              </a14:hiddenFill>
+            </a:ext>
+          </a:extLst>
+        </p:spPr>
+      </p:pic>
+      <p:sp>
+        <p:nvSpPr>
+          <p:cNvPr id="7" name="Rectangle 6">
+            <a:extLst>
+              <a:ext uri="{FF2B5EF4-FFF2-40B4-BE49-F238E27FC236}">
+                <a16:creationId xmlns:a16="http://schemas.microsoft.com/office/drawing/2014/main" id="{AFAE38F4-452E-4D97-3AFC-325A6C0FA24A}"/>
+              </a:ext>
+            </a:extLst>
+          </p:cNvPr>
+          <p:cNvSpPr/>
+          <p:nvPr/>
+        </p:nvSpPr>
+        <p:spPr>
+          <a:xfrm>
+            <a:off x="2920753" y="3284739"/>
+            <a:ext cx="1207362" cy="1438181"/>
+          </a:xfrm>
+          <a:prstGeom prst="rect">
+            <a:avLst/>
+          </a:prstGeom>
+          <a:noFill/>
+          <a:ln w="19050">
+            <a:solidFill>
+              <a:srgbClr val="FF0000"/>
+            </a:solidFill>
+            <a:prstDash val="sysDash"/>
+          </a:ln>
+        </p:spPr>
+        <p:style>
+          <a:lnRef idx="2">
+            <a:schemeClr val="accent1">
+              <a:shade val="50000"/>
+            </a:schemeClr>
+          </a:lnRef>
+          <a:fillRef idx="1">
+            <a:schemeClr val="accent1"/>
+          </a:fillRef>
+          <a:effectRef idx="0">
+            <a:schemeClr val="accent1"/>
+          </a:effectRef>
+          <a:fontRef idx="minor">
+            <a:schemeClr val="lt1"/>
+          </a:fontRef>
+        </p:style>
+        <p:txBody>
+          <a:bodyPr rtlCol="0" anchor="ctr"/>
+          <a:lstStyle/>
+          <a:p>
+            <a:pPr algn="ctr"/>
+            <a:endParaRPr lang="es-ES"/>
+          </a:p>
+        </p:txBody>
+      </p:sp>
+      <p:sp>
+        <p:nvSpPr>
+          <p:cNvPr id="8" name="Rectangle 7">
+            <a:extLst>
+              <a:ext uri="{FF2B5EF4-FFF2-40B4-BE49-F238E27FC236}">
+                <a16:creationId xmlns:a16="http://schemas.microsoft.com/office/drawing/2014/main" id="{9F1431C2-7A57-2CC8-F620-23516143AA57}"/>
+              </a:ext>
+            </a:extLst>
+          </p:cNvPr>
+          <p:cNvSpPr/>
+          <p:nvPr/>
+        </p:nvSpPr>
+        <p:spPr>
+          <a:xfrm>
+            <a:off x="2644164" y="2944220"/>
+            <a:ext cx="684962" cy="233986"/>
+          </a:xfrm>
+          <a:prstGeom prst="rect">
+            <a:avLst/>
+          </a:prstGeom>
+          <a:noFill/>
+          <a:ln w="19050">
+            <a:solidFill>
+              <a:srgbClr val="FF0000"/>
+            </a:solidFill>
+            <a:prstDash val="sysDash"/>
+          </a:ln>
+        </p:spPr>
+        <p:style>
+          <a:lnRef idx="2">
+            <a:schemeClr val="accent1">
+              <a:shade val="50000"/>
+            </a:schemeClr>
+          </a:lnRef>
+          <a:fillRef idx="1">
+            <a:schemeClr val="accent1"/>
+          </a:fillRef>
+          <a:effectRef idx="0">
+            <a:schemeClr val="accent1"/>
+          </a:effectRef>
+          <a:fontRef idx="minor">
+            <a:schemeClr val="lt1"/>
+          </a:fontRef>
+        </p:style>
+        <p:txBody>
+          <a:bodyPr rtlCol="0" anchor="ctr"/>
+          <a:lstStyle/>
+          <a:p>
+            <a:pPr algn="ctr"/>
+            <a:endParaRPr lang="es-ES"/>
+          </a:p>
+        </p:txBody>
+      </p:sp>
+      <p:sp>
+        <p:nvSpPr>
+          <p:cNvPr id="9" name="Rectangle 8">
+            <a:extLst>
+              <a:ext uri="{FF2B5EF4-FFF2-40B4-BE49-F238E27FC236}">
+                <a16:creationId xmlns:a16="http://schemas.microsoft.com/office/drawing/2014/main" id="{CF02AEB3-367B-1862-945D-29C32195D977}"/>
+              </a:ext>
+            </a:extLst>
+          </p:cNvPr>
+          <p:cNvSpPr/>
+          <p:nvPr/>
+        </p:nvSpPr>
+        <p:spPr>
+          <a:xfrm>
+            <a:off x="4296835" y="3201171"/>
+            <a:ext cx="5250999" cy="3291704"/>
+          </a:xfrm>
+          <a:prstGeom prst="rect">
+            <a:avLst/>
+          </a:prstGeom>
+          <a:noFill/>
+          <a:ln w="19050">
+            <a:solidFill>
+              <a:srgbClr val="FF0000"/>
+            </a:solidFill>
+            <a:prstDash val="sysDash"/>
+          </a:ln>
+        </p:spPr>
+        <p:style>
+          <a:lnRef idx="2">
+            <a:schemeClr val="accent1">
+              <a:shade val="50000"/>
+            </a:schemeClr>
+          </a:lnRef>
+          <a:fillRef idx="1">
+            <a:schemeClr val="accent1"/>
+          </a:fillRef>
+          <a:effectRef idx="0">
+            <a:schemeClr val="accent1"/>
+          </a:effectRef>
+          <a:fontRef idx="minor">
+            <a:schemeClr val="lt1"/>
+          </a:fontRef>
+        </p:style>
+        <p:txBody>
+          <a:bodyPr rtlCol="0" anchor="ctr"/>
+          <a:lstStyle/>
+          <a:p>
+            <a:pPr algn="ctr"/>
+            <a:endParaRPr lang="es-ES"/>
+          </a:p>
+        </p:txBody>
+      </p:sp>
+      <p:cxnSp>
+        <p:nvCxnSpPr>
+          <p:cNvPr id="11" name="Straight Connector 10">
+            <a:extLst>
+              <a:ext uri="{FF2B5EF4-FFF2-40B4-BE49-F238E27FC236}">
+                <a16:creationId xmlns:a16="http://schemas.microsoft.com/office/drawing/2014/main" id="{1F5B9DF1-31EA-F059-B7B7-690C41714F01}"/>
+              </a:ext>
+            </a:extLst>
+          </p:cNvPr>
+          <p:cNvCxnSpPr>
+            <a:cxnSpLocks/>
+          </p:cNvCxnSpPr>
+          <p:nvPr/>
+        </p:nvCxnSpPr>
+        <p:spPr>
+          <a:xfrm flipV="1">
+            <a:off x="7814803" y="2957667"/>
+            <a:ext cx="2436518" cy="534130"/>
+          </a:xfrm>
+          <a:prstGeom prst="line">
+            <a:avLst/>
+          </a:prstGeom>
+          <a:ln w="19050">
+            <a:solidFill>
+              <a:srgbClr val="FF0000"/>
+            </a:solidFill>
+            <a:prstDash val="sysDot"/>
+          </a:ln>
+        </p:spPr>
+        <p:style>
+          <a:lnRef idx="1">
+            <a:schemeClr val="accent1"/>
+          </a:lnRef>
+          <a:fillRef idx="0">
+            <a:schemeClr val="accent1"/>
+          </a:fillRef>
+          <a:effectRef idx="0">
+            <a:schemeClr val="accent1"/>
+          </a:effectRef>
+          <a:fontRef idx="minor">
+            <a:schemeClr val="tx1"/>
+          </a:fontRef>
+        </p:style>
+      </p:cxnSp>
+      <p:cxnSp>
+        <p:nvCxnSpPr>
+          <p:cNvPr id="13" name="Straight Connector 12">
+            <a:extLst>
+              <a:ext uri="{FF2B5EF4-FFF2-40B4-BE49-F238E27FC236}">
+                <a16:creationId xmlns:a16="http://schemas.microsoft.com/office/drawing/2014/main" id="{0CA88DC5-5670-AA81-65C7-FDF93C3AB46E}"/>
+              </a:ext>
+            </a:extLst>
+          </p:cNvPr>
+          <p:cNvCxnSpPr>
+            <a:cxnSpLocks/>
+          </p:cNvCxnSpPr>
+          <p:nvPr/>
+        </p:nvCxnSpPr>
+        <p:spPr>
+          <a:xfrm>
+            <a:off x="9232559" y="3882683"/>
+            <a:ext cx="591865" cy="153827"/>
+          </a:xfrm>
+          <a:prstGeom prst="line">
+            <a:avLst/>
+          </a:prstGeom>
+          <a:ln w="19050">
+            <a:solidFill>
+              <a:srgbClr val="FF0000"/>
+            </a:solidFill>
+            <a:prstDash val="sysDot"/>
+          </a:ln>
+        </p:spPr>
+        <p:style>
+          <a:lnRef idx="1">
+            <a:schemeClr val="accent1"/>
+          </a:lnRef>
+          <a:fillRef idx="0">
+            <a:schemeClr val="accent1"/>
+          </a:fillRef>
+          <a:effectRef idx="0">
+            <a:schemeClr val="accent1"/>
+          </a:effectRef>
+          <a:fontRef idx="minor">
+            <a:schemeClr val="tx1"/>
+          </a:fontRef>
+        </p:style>
+      </p:cxnSp>
+      <p:cxnSp>
+        <p:nvCxnSpPr>
+          <p:cNvPr id="16" name="Straight Connector 15">
+            <a:extLst>
+              <a:ext uri="{FF2B5EF4-FFF2-40B4-BE49-F238E27FC236}">
+                <a16:creationId xmlns:a16="http://schemas.microsoft.com/office/drawing/2014/main" id="{52624062-27F3-A9A5-F415-F65E8968860C}"/>
+              </a:ext>
+            </a:extLst>
+          </p:cNvPr>
+          <p:cNvCxnSpPr>
+            <a:cxnSpLocks/>
+          </p:cNvCxnSpPr>
+          <p:nvPr/>
+        </p:nvCxnSpPr>
+        <p:spPr>
+          <a:xfrm flipV="1">
+            <a:off x="8544518" y="5116606"/>
+            <a:ext cx="1480264" cy="189224"/>
+          </a:xfrm>
+          <a:prstGeom prst="line">
+            <a:avLst/>
+          </a:prstGeom>
+          <a:ln w="19050">
+            <a:solidFill>
+              <a:srgbClr val="FF0000"/>
+            </a:solidFill>
+            <a:prstDash val="sysDot"/>
+          </a:ln>
+        </p:spPr>
+        <p:style>
+          <a:lnRef idx="1">
+            <a:schemeClr val="accent1"/>
+          </a:lnRef>
+          <a:fillRef idx="0">
+            <a:schemeClr val="accent1"/>
+          </a:fillRef>
+          <a:effectRef idx="0">
+            <a:schemeClr val="accent1"/>
+          </a:effectRef>
+          <a:fontRef idx="minor">
+            <a:schemeClr val="tx1"/>
+          </a:fontRef>
+        </p:style>
+      </p:cxnSp>
+      <p:cxnSp>
+        <p:nvCxnSpPr>
+          <p:cNvPr id="18" name="Straight Connector 17">
+            <a:extLst>
+              <a:ext uri="{FF2B5EF4-FFF2-40B4-BE49-F238E27FC236}">
+                <a16:creationId xmlns:a16="http://schemas.microsoft.com/office/drawing/2014/main" id="{BB210E7F-D4DA-2906-1E5F-5F4E0D0381D6}"/>
+              </a:ext>
+            </a:extLst>
+          </p:cNvPr>
+          <p:cNvCxnSpPr>
+            <a:cxnSpLocks/>
+          </p:cNvCxnSpPr>
+          <p:nvPr/>
+        </p:nvCxnSpPr>
+        <p:spPr>
+          <a:xfrm flipV="1">
+            <a:off x="9389653" y="6279411"/>
+            <a:ext cx="563162" cy="55508"/>
+          </a:xfrm>
+          <a:prstGeom prst="line">
+            <a:avLst/>
+          </a:prstGeom>
+          <a:ln w="19050">
+            <a:solidFill>
+              <a:srgbClr val="FF0000"/>
+            </a:solidFill>
+            <a:prstDash val="sysDot"/>
+          </a:ln>
+        </p:spPr>
+        <p:style>
+          <a:lnRef idx="1">
+            <a:schemeClr val="accent1"/>
+          </a:lnRef>
+          <a:fillRef idx="0">
+            <a:schemeClr val="accent1"/>
+          </a:fillRef>
+          <a:effectRef idx="0">
+            <a:schemeClr val="accent1"/>
+          </a:effectRef>
+          <a:fontRef idx="minor">
+            <a:schemeClr val="tx1"/>
+          </a:fontRef>
+        </p:style>
+      </p:cxnSp>
+      <p:cxnSp>
+        <p:nvCxnSpPr>
+          <p:cNvPr id="20" name="Straight Connector 19">
+            <a:extLst>
+              <a:ext uri="{FF2B5EF4-FFF2-40B4-BE49-F238E27FC236}">
+                <a16:creationId xmlns:a16="http://schemas.microsoft.com/office/drawing/2014/main" id="{E236D409-6854-3448-4955-D0A46D6F944A}"/>
+              </a:ext>
+            </a:extLst>
+          </p:cNvPr>
+          <p:cNvCxnSpPr>
+            <a:cxnSpLocks/>
+          </p:cNvCxnSpPr>
+          <p:nvPr/>
+        </p:nvCxnSpPr>
+        <p:spPr>
+          <a:xfrm flipV="1">
+            <a:off x="2167217" y="4597179"/>
+            <a:ext cx="780141" cy="943009"/>
+          </a:xfrm>
+          <a:prstGeom prst="line">
+            <a:avLst/>
+          </a:prstGeom>
+          <a:ln w="19050">
+            <a:solidFill>
+              <a:srgbClr val="FF0000"/>
+            </a:solidFill>
+            <a:prstDash val="sysDot"/>
+          </a:ln>
+        </p:spPr>
+        <p:style>
+          <a:lnRef idx="1">
+            <a:schemeClr val="accent1"/>
+          </a:lnRef>
+          <a:fillRef idx="0">
+            <a:schemeClr val="accent1"/>
+          </a:fillRef>
+          <a:effectRef idx="0">
+            <a:schemeClr val="accent1"/>
+          </a:effectRef>
+          <a:fontRef idx="minor">
+            <a:schemeClr val="tx1"/>
+          </a:fontRef>
+        </p:style>
+      </p:cxnSp>
+      <p:cxnSp>
+        <p:nvCxnSpPr>
+          <p:cNvPr id="22" name="Straight Connector 21">
+            <a:extLst>
+              <a:ext uri="{FF2B5EF4-FFF2-40B4-BE49-F238E27FC236}">
+                <a16:creationId xmlns:a16="http://schemas.microsoft.com/office/drawing/2014/main" id="{BF53EC40-4619-C6BC-D2BD-1035B90A9382}"/>
+              </a:ext>
+            </a:extLst>
+          </p:cNvPr>
+          <p:cNvCxnSpPr>
+            <a:cxnSpLocks/>
+            <a:stCxn id="23" idx="3"/>
+          </p:cNvCxnSpPr>
+          <p:nvPr/>
+        </p:nvCxnSpPr>
+        <p:spPr>
+          <a:xfrm flipV="1">
+            <a:off x="2158118" y="3074660"/>
+            <a:ext cx="492135" cy="123111"/>
+          </a:xfrm>
+          <a:prstGeom prst="line">
+            <a:avLst/>
+          </a:prstGeom>
+          <a:ln w="19050">
+            <a:solidFill>
+              <a:srgbClr val="FF0000"/>
+            </a:solidFill>
+            <a:prstDash val="sysDot"/>
+          </a:ln>
+        </p:spPr>
+        <p:style>
+          <a:lnRef idx="1">
+            <a:schemeClr val="accent1"/>
+          </a:lnRef>
+          <a:fillRef idx="0">
+            <a:schemeClr val="accent1"/>
+          </a:fillRef>
+          <a:effectRef idx="0">
+            <a:schemeClr val="accent1"/>
+          </a:effectRef>
+          <a:fontRef idx="minor">
+            <a:schemeClr val="tx1"/>
+          </a:fontRef>
+        </p:style>
+      </p:cxnSp>
+      <p:sp>
+        <p:nvSpPr>
+          <p:cNvPr id="23" name="TextBox 22">
+            <a:extLst>
+              <a:ext uri="{FF2B5EF4-FFF2-40B4-BE49-F238E27FC236}">
+                <a16:creationId xmlns:a16="http://schemas.microsoft.com/office/drawing/2014/main" id="{EDA52AE0-4BB0-84A9-6E58-63BF1A68C4C4}"/>
+              </a:ext>
+            </a:extLst>
+          </p:cNvPr>
+          <p:cNvSpPr txBox="1"/>
+          <p:nvPr/>
+        </p:nvSpPr>
+        <p:spPr>
+          <a:xfrm>
+            <a:off x="1516596" y="3074660"/>
+            <a:ext cx="641522" cy="246221"/>
+          </a:xfrm>
+          <a:prstGeom prst="rect">
+            <a:avLst/>
+          </a:prstGeom>
+          <a:noFill/>
+        </p:spPr>
+        <p:txBody>
+          <a:bodyPr wrap="none" rtlCol="0">
+            <a:spAutoFit/>
+          </a:bodyPr>
+          <a:lstStyle/>
+          <a:p>
+            <a:r>
+              <a:rPr lang="es-ES" sz="1000" dirty="0">
+                <a:solidFill>
+                  <a:srgbClr val="FF0000"/>
+                </a:solidFill>
+              </a:rPr>
+              <a:t>Logotipo</a:t>
+            </a:r>
+          </a:p>
+        </p:txBody>
+      </p:sp>
+      <p:sp>
+        <p:nvSpPr>
+          <p:cNvPr id="24" name="TextBox 23">
+            <a:extLst>
+              <a:ext uri="{FF2B5EF4-FFF2-40B4-BE49-F238E27FC236}">
+                <a16:creationId xmlns:a16="http://schemas.microsoft.com/office/drawing/2014/main" id="{694B64F4-B2DE-9D14-1D7A-AD918B5E4B83}"/>
+              </a:ext>
+            </a:extLst>
+          </p:cNvPr>
+          <p:cNvSpPr txBox="1"/>
+          <p:nvPr/>
+        </p:nvSpPr>
+        <p:spPr>
+          <a:xfrm>
+            <a:off x="1521440" y="5511375"/>
+            <a:ext cx="986436" cy="400110"/>
+          </a:xfrm>
+          <a:prstGeom prst="rect">
+            <a:avLst/>
+          </a:prstGeom>
+          <a:noFill/>
+        </p:spPr>
+        <p:txBody>
+          <a:bodyPr wrap="square" rtlCol="0">
+            <a:spAutoFit/>
+          </a:bodyPr>
+          <a:lstStyle/>
+          <a:p>
+            <a:pPr algn="ctr"/>
+            <a:r>
+              <a:rPr lang="es-ES" sz="1000" dirty="0">
+                <a:solidFill>
+                  <a:srgbClr val="FF0000"/>
+                </a:solidFill>
+              </a:rPr>
+              <a:t>Botones de</a:t>
+            </a:r>
+          </a:p>
+          <a:p>
+            <a:pPr algn="ctr"/>
+            <a:r>
+              <a:rPr lang="es-ES" sz="1000" dirty="0">
+                <a:solidFill>
+                  <a:srgbClr val="FF0000"/>
+                </a:solidFill>
+              </a:rPr>
+              <a:t>funcionalidad</a:t>
+            </a:r>
+          </a:p>
+        </p:txBody>
+      </p:sp>
+      <p:sp>
+        <p:nvSpPr>
+          <p:cNvPr id="25" name="TextBox 24">
+            <a:extLst>
+              <a:ext uri="{FF2B5EF4-FFF2-40B4-BE49-F238E27FC236}">
+                <a16:creationId xmlns:a16="http://schemas.microsoft.com/office/drawing/2014/main" id="{BCD87479-2302-05D4-AE11-408C1C32DE3B}"/>
+              </a:ext>
+            </a:extLst>
+          </p:cNvPr>
+          <p:cNvSpPr txBox="1"/>
+          <p:nvPr/>
+        </p:nvSpPr>
+        <p:spPr>
+          <a:xfrm>
+            <a:off x="10251321" y="2828439"/>
+            <a:ext cx="633507" cy="246221"/>
+          </a:xfrm>
+          <a:prstGeom prst="rect">
+            <a:avLst/>
+          </a:prstGeom>
+          <a:noFill/>
+        </p:spPr>
+        <p:txBody>
+          <a:bodyPr wrap="none" rtlCol="0">
+            <a:spAutoFit/>
+          </a:bodyPr>
+          <a:lstStyle/>
+          <a:p>
+            <a:r>
+              <a:rPr lang="es-ES" sz="1000" dirty="0">
+                <a:solidFill>
+                  <a:srgbClr val="FF0000"/>
+                </a:solidFill>
+              </a:rPr>
+              <a:t>Text Box</a:t>
+            </a:r>
+          </a:p>
+        </p:txBody>
+      </p:sp>
+      <p:sp>
+        <p:nvSpPr>
+          <p:cNvPr id="26" name="TextBox 25">
+            <a:extLst>
+              <a:ext uri="{FF2B5EF4-FFF2-40B4-BE49-F238E27FC236}">
+                <a16:creationId xmlns:a16="http://schemas.microsoft.com/office/drawing/2014/main" id="{39AD820D-9CF5-975E-C88F-5FF86C4FB47D}"/>
+              </a:ext>
+            </a:extLst>
+          </p:cNvPr>
+          <p:cNvSpPr txBox="1"/>
+          <p:nvPr/>
+        </p:nvSpPr>
+        <p:spPr>
+          <a:xfrm>
+            <a:off x="9744512" y="3999252"/>
+            <a:ext cx="1301959" cy="400110"/>
+          </a:xfrm>
+          <a:prstGeom prst="rect">
+            <a:avLst/>
+          </a:prstGeom>
+          <a:noFill/>
+        </p:spPr>
+        <p:txBody>
+          <a:bodyPr wrap="none" rtlCol="0">
+            <a:spAutoFit/>
+          </a:bodyPr>
+          <a:lstStyle/>
+          <a:p>
+            <a:pPr algn="ctr"/>
+            <a:r>
+              <a:rPr lang="es-ES" sz="1000" dirty="0">
+                <a:solidFill>
+                  <a:srgbClr val="FF0000"/>
+                </a:solidFill>
+              </a:rPr>
+              <a:t>Botones de ejecución</a:t>
+            </a:r>
+          </a:p>
+          <a:p>
+            <a:pPr algn="ctr"/>
+            <a:r>
+              <a:rPr lang="es-ES" sz="1000" dirty="0">
+                <a:solidFill>
+                  <a:srgbClr val="FF0000"/>
+                </a:solidFill>
+              </a:rPr>
+              <a:t>Y borrado</a:t>
+            </a:r>
+          </a:p>
+        </p:txBody>
+      </p:sp>
+      <p:sp>
+        <p:nvSpPr>
+          <p:cNvPr id="28" name="TextBox 27">
+            <a:extLst>
+              <a:ext uri="{FF2B5EF4-FFF2-40B4-BE49-F238E27FC236}">
+                <a16:creationId xmlns:a16="http://schemas.microsoft.com/office/drawing/2014/main" id="{AB043088-662C-8451-11A7-041396DFBA85}"/>
+              </a:ext>
+            </a:extLst>
+          </p:cNvPr>
+          <p:cNvSpPr txBox="1"/>
+          <p:nvPr/>
+        </p:nvSpPr>
+        <p:spPr>
+          <a:xfrm>
+            <a:off x="10067817" y="4888052"/>
+            <a:ext cx="752130" cy="400110"/>
+          </a:xfrm>
+          <a:prstGeom prst="rect">
+            <a:avLst/>
+          </a:prstGeom>
+          <a:noFill/>
+        </p:spPr>
+        <p:txBody>
+          <a:bodyPr wrap="none" rtlCol="0">
+            <a:spAutoFit/>
+          </a:bodyPr>
+          <a:lstStyle/>
+          <a:p>
+            <a:pPr algn="ctr"/>
+            <a:r>
+              <a:rPr lang="es-ES" sz="1000" dirty="0">
+                <a:solidFill>
+                  <a:srgbClr val="FF0000"/>
+                </a:solidFill>
+              </a:rPr>
+              <a:t>Caja de</a:t>
+            </a:r>
+          </a:p>
+          <a:p>
+            <a:pPr algn="ctr"/>
+            <a:r>
+              <a:rPr lang="es-ES" sz="1000" dirty="0">
+                <a:solidFill>
+                  <a:srgbClr val="FF0000"/>
+                </a:solidFill>
+              </a:rPr>
+              <a:t>Resultados</a:t>
+            </a:r>
+          </a:p>
+        </p:txBody>
+      </p:sp>
+      <p:sp>
+        <p:nvSpPr>
+          <p:cNvPr id="29" name="TextBox 28">
+            <a:extLst>
+              <a:ext uri="{FF2B5EF4-FFF2-40B4-BE49-F238E27FC236}">
+                <a16:creationId xmlns:a16="http://schemas.microsoft.com/office/drawing/2014/main" id="{2AE26305-E7EE-A462-49F0-5F2119FB9686}"/>
+              </a:ext>
+            </a:extLst>
+          </p:cNvPr>
+          <p:cNvSpPr txBox="1"/>
+          <p:nvPr/>
+        </p:nvSpPr>
+        <p:spPr>
+          <a:xfrm>
+            <a:off x="9909596" y="5968148"/>
+            <a:ext cx="1156086" cy="400110"/>
+          </a:xfrm>
+          <a:prstGeom prst="rect">
+            <a:avLst/>
+          </a:prstGeom>
+          <a:noFill/>
+        </p:spPr>
+        <p:txBody>
+          <a:bodyPr wrap="none" rtlCol="0">
+            <a:spAutoFit/>
+          </a:bodyPr>
+          <a:lstStyle/>
+          <a:p>
+            <a:pPr algn="ctr"/>
+            <a:r>
+              <a:rPr lang="es-ES" sz="1000" dirty="0">
+                <a:solidFill>
+                  <a:srgbClr val="FF0000"/>
+                </a:solidFill>
+              </a:rPr>
+              <a:t>Botón de</a:t>
+            </a:r>
+          </a:p>
+          <a:p>
+            <a:pPr algn="ctr"/>
+            <a:r>
+              <a:rPr lang="es-ES" sz="1000" dirty="0">
+                <a:solidFill>
+                  <a:srgbClr val="FF0000"/>
+                </a:solidFill>
+              </a:rPr>
+              <a:t>Guardado en Excel</a:t>
+            </a:r>
+          </a:p>
+        </p:txBody>
+      </p:sp>
+    </p:spTree>
+    <p:extLst>
+      <p:ext uri="{BB962C8B-B14F-4D97-AF65-F5344CB8AC3E}">
+        <p14:creationId xmlns:p14="http://schemas.microsoft.com/office/powerpoint/2010/main" val="2978876714"/>
+      </p:ext>
+    </p:extLst>
+  </p:cSld>
+  <p:clrMapOvr>
+    <a:masterClrMapping/>
+  </p:clrMapOvr>
+</p:sld>
+</file>
+
+<file path=ppt/slides/slide11.xml><?xml version="1.0" encoding="utf-8"?>
+<p:sld xmlns:a="http://schemas.openxmlformats.org/drawingml/2006/main" xmlns:r="http://schemas.openxmlformats.org/officeDocument/2006/relationships" xmlns:p="http://schemas.openxmlformats.org/presentationml/2006/main">
+  <p:cSld>
+    <p:spTree>
+      <p:nvGrpSpPr>
+        <p:cNvPr id="1" name=""/>
+        <p:cNvGrpSpPr/>
+        <p:nvPr/>
+      </p:nvGrpSpPr>
+      <p:grpSpPr>
+        <a:xfrm>
+          <a:off x="0" y="0"/>
+          <a:ext cx="0" cy="0"/>
+          <a:chOff x="0" y="0"/>
+          <a:chExt cx="0" cy="0"/>
+        </a:xfrm>
+      </p:grpSpPr>
+      <p:sp>
+        <p:nvSpPr>
+          <p:cNvPr id="4" name="Rectángulo 3">
+            <a:extLst>
+              <a:ext uri="{FF2B5EF4-FFF2-40B4-BE49-F238E27FC236}">
+                <a16:creationId xmlns:a16="http://schemas.microsoft.com/office/drawing/2014/main" id="{8CB708CE-DA13-5342-65EC-D70EC97BE794}"/>
+              </a:ext>
+            </a:extLst>
+          </p:cNvPr>
+          <p:cNvSpPr/>
+          <p:nvPr/>
+        </p:nvSpPr>
+        <p:spPr>
+          <a:xfrm>
+            <a:off x="-71021" y="294101"/>
+            <a:ext cx="9738804" cy="1396587"/>
+          </a:xfrm>
+          <a:prstGeom prst="rect">
+            <a:avLst/>
+          </a:prstGeom>
+          <a:solidFill>
+            <a:srgbClr val="1691A2"/>
+          </a:solidFill>
+          <a:ln>
+            <a:noFill/>
+          </a:ln>
+        </p:spPr>
+        <p:style>
+          <a:lnRef idx="2">
+            <a:schemeClr val="accent1">
+              <a:shade val="15000"/>
+            </a:schemeClr>
+          </a:lnRef>
+          <a:fillRef idx="1">
+            <a:schemeClr val="accent1"/>
+          </a:fillRef>
+          <a:effectRef idx="0">
+            <a:schemeClr val="accent1"/>
+          </a:effectRef>
+          <a:fontRef idx="minor">
+            <a:schemeClr val="lt1"/>
+          </a:fontRef>
+        </p:style>
+        <p:txBody>
+          <a:bodyPr rtlCol="0" anchor="ctr"/>
+          <a:lstStyle/>
+          <a:p>
+            <a:pPr algn="ctr"/>
+            <a:endParaRPr lang="es-ES"/>
+          </a:p>
+        </p:txBody>
+      </p:sp>
+      <p:sp>
+        <p:nvSpPr>
+          <p:cNvPr id="2" name="Title 1">
+            <a:extLst>
+              <a:ext uri="{FF2B5EF4-FFF2-40B4-BE49-F238E27FC236}">
+                <a16:creationId xmlns:a16="http://schemas.microsoft.com/office/drawing/2014/main" id="{D7C643A9-A482-0DE3-8C58-7434985114FC}"/>
+              </a:ext>
+            </a:extLst>
+          </p:cNvPr>
+          <p:cNvSpPr>
+            <a:spLocks noGrp="1"/>
+          </p:cNvSpPr>
+          <p:nvPr>
+            <p:ph type="title"/>
+          </p:nvPr>
+        </p:nvSpPr>
+        <p:spPr/>
+        <p:txBody>
+          <a:bodyPr/>
+          <a:lstStyle/>
+          <a:p>
+            <a:r>
+              <a:rPr lang="es-ES" dirty="0">
+                <a:solidFill>
+                  <a:schemeClr val="bg1"/>
+                </a:solidFill>
+                <a:latin typeface="Bahnschrift" panose="020B0502040204020203" pitchFamily="34" charset="0"/>
+              </a:rPr>
+              <a:t>CONCLUSIONES Y DESARROLLOS FUTUROS</a:t>
+            </a:r>
+          </a:p>
+        </p:txBody>
+      </p:sp>
+      <p:sp>
+        <p:nvSpPr>
+          <p:cNvPr id="5" name="Rectangle: Rounded Corners 4">
+            <a:extLst>
+              <a:ext uri="{FF2B5EF4-FFF2-40B4-BE49-F238E27FC236}">
+                <a16:creationId xmlns:a16="http://schemas.microsoft.com/office/drawing/2014/main" id="{6D150F72-B443-6C23-AB20-9E2AB7D46EB8}"/>
+              </a:ext>
+            </a:extLst>
+          </p:cNvPr>
+          <p:cNvSpPr/>
+          <p:nvPr/>
+        </p:nvSpPr>
+        <p:spPr>
+          <a:xfrm>
+            <a:off x="492550" y="1900539"/>
+            <a:ext cx="2694534" cy="534763"/>
+          </a:xfrm>
+          <a:prstGeom prst="roundRect">
+            <a:avLst/>
+          </a:prstGeom>
+          <a:solidFill>
+            <a:schemeClr val="accent2"/>
+          </a:solidFill>
+          <a:ln>
+            <a:noFill/>
+          </a:ln>
+        </p:spPr>
+        <p:style>
+          <a:lnRef idx="2">
+            <a:schemeClr val="accent1">
+              <a:shade val="50000"/>
+            </a:schemeClr>
+          </a:lnRef>
+          <a:fillRef idx="1">
+            <a:schemeClr val="accent1"/>
+          </a:fillRef>
+          <a:effectRef idx="0">
+            <a:schemeClr val="accent1"/>
+          </a:effectRef>
+          <a:fontRef idx="minor">
+            <a:schemeClr val="lt1"/>
+          </a:fontRef>
+        </p:style>
+        <p:txBody>
+          <a:bodyPr rtlCol="0" anchor="ctr"/>
+          <a:lstStyle/>
+          <a:p>
+            <a:pPr algn="ctr" defTabSz="868680">
+              <a:spcAft>
+                <a:spcPts val="600"/>
+              </a:spcAft>
+            </a:pPr>
+            <a:r>
+              <a:rPr lang="es-ES" sz="1710" dirty="0"/>
+              <a:t>Funcionalidades Futuras</a:t>
+            </a:r>
+            <a:endParaRPr lang="es-ES" dirty="0"/>
+          </a:p>
+        </p:txBody>
+      </p:sp>
+      <p:sp>
+        <p:nvSpPr>
+          <p:cNvPr id="6" name="TextBox 5">
+            <a:extLst>
+              <a:ext uri="{FF2B5EF4-FFF2-40B4-BE49-F238E27FC236}">
+                <a16:creationId xmlns:a16="http://schemas.microsoft.com/office/drawing/2014/main" id="{9685B645-89E7-3BC5-C3B7-CDBC6F2F1FCD}"/>
+              </a:ext>
+            </a:extLst>
+          </p:cNvPr>
+          <p:cNvSpPr txBox="1"/>
+          <p:nvPr/>
+        </p:nvSpPr>
+        <p:spPr>
+          <a:xfrm>
+            <a:off x="905522" y="2743200"/>
+            <a:ext cx="5781583" cy="3139321"/>
+          </a:xfrm>
+          <a:prstGeom prst="rect">
+            <a:avLst/>
+          </a:prstGeom>
+          <a:noFill/>
+        </p:spPr>
+        <p:txBody>
+          <a:bodyPr wrap="none" rtlCol="0">
+            <a:spAutoFit/>
+          </a:bodyPr>
+          <a:lstStyle/>
+          <a:p>
+            <a:pPr marL="285750" indent="-285750">
+              <a:buFont typeface="Arial" panose="020B0604020202020204" pitchFamily="34" charset="0"/>
+              <a:buChar char="•"/>
+            </a:pPr>
+            <a:r>
+              <a:rPr lang="es-ES" dirty="0"/>
+              <a:t>Análisis de estado de ánimo</a:t>
+            </a:r>
+          </a:p>
+          <a:p>
+            <a:pPr marL="285750" indent="-285750">
+              <a:buFont typeface="Arial" panose="020B0604020202020204" pitchFamily="34" charset="0"/>
+              <a:buChar char="•"/>
+            </a:pPr>
+            <a:r>
+              <a:rPr lang="es-ES" dirty="0"/>
+              <a:t>Conteo del Tiempo Verbal (PRESENTE/PASADO/FUTURO)</a:t>
+            </a:r>
+          </a:p>
+          <a:p>
+            <a:pPr marL="285750" indent="-285750">
+              <a:buFont typeface="Arial" panose="020B0604020202020204" pitchFamily="34" charset="0"/>
+              <a:buChar char="•"/>
+            </a:pPr>
+            <a:r>
+              <a:rPr lang="es-ES" dirty="0"/>
+              <a:t>Transcripción de Audio en tiempo real</a:t>
+            </a:r>
+          </a:p>
+          <a:p>
+            <a:pPr marL="285750" indent="-285750">
+              <a:buFont typeface="Arial" panose="020B0604020202020204" pitchFamily="34" charset="0"/>
+              <a:buChar char="•"/>
+            </a:pPr>
+            <a:r>
+              <a:rPr lang="es-ES" dirty="0"/>
+              <a:t>Mejora de la exportación de datos</a:t>
+            </a:r>
+          </a:p>
+          <a:p>
+            <a:pPr marL="285750" indent="-285750">
+              <a:buFont typeface="Arial" panose="020B0604020202020204" pitchFamily="34" charset="0"/>
+              <a:buChar char="•"/>
+            </a:pPr>
+            <a:r>
+              <a:rPr lang="es-ES" dirty="0"/>
+              <a:t>Aumentar el catálogo de filtros avanzados</a:t>
+            </a:r>
+          </a:p>
+          <a:p>
+            <a:pPr marL="285750" indent="-285750">
+              <a:buFont typeface="Arial" panose="020B0604020202020204" pitchFamily="34" charset="0"/>
+              <a:buChar char="•"/>
+            </a:pPr>
+            <a:r>
+              <a:rPr lang="es-ES" dirty="0"/>
+              <a:t>Mayor diversidad de formatos de gráficos</a:t>
+            </a:r>
+          </a:p>
+          <a:p>
+            <a:pPr marL="285750" indent="-285750">
+              <a:buFont typeface="Arial" panose="020B0604020202020204" pitchFamily="34" charset="0"/>
+              <a:buChar char="•"/>
+            </a:pPr>
+            <a:r>
+              <a:rPr lang="es-ES" dirty="0"/>
+              <a:t>Implementación de </a:t>
+            </a:r>
+            <a:r>
+              <a:rPr lang="es-ES" dirty="0" err="1"/>
+              <a:t>testing</a:t>
+            </a:r>
+            <a:r>
+              <a:rPr lang="es-ES" dirty="0"/>
+              <a:t> mediante </a:t>
+            </a:r>
+            <a:r>
+              <a:rPr lang="es-ES" dirty="0" err="1"/>
+              <a:t>pytest</a:t>
+            </a:r>
+            <a:endParaRPr lang="es-ES" dirty="0"/>
+          </a:p>
+          <a:p>
+            <a:pPr marL="285750" indent="-285750">
+              <a:buFont typeface="Arial" panose="020B0604020202020204" pitchFamily="34" charset="0"/>
+              <a:buChar char="•"/>
+            </a:pPr>
+            <a:endParaRPr lang="es-ES" dirty="0"/>
+          </a:p>
+          <a:p>
+            <a:pPr marL="285750" indent="-285750">
+              <a:buFont typeface="Arial" panose="020B0604020202020204" pitchFamily="34" charset="0"/>
+              <a:buChar char="•"/>
+            </a:pPr>
+            <a:endParaRPr lang="es-ES" dirty="0"/>
+          </a:p>
+          <a:p>
+            <a:pPr marL="285750" indent="-285750">
+              <a:buFont typeface="Arial" panose="020B0604020202020204" pitchFamily="34" charset="0"/>
+              <a:buChar char="•"/>
+            </a:pPr>
+            <a:endParaRPr lang="es-ES" dirty="0"/>
+          </a:p>
+          <a:p>
+            <a:pPr marL="285750" indent="-285750">
+              <a:buFont typeface="Arial" panose="020B0604020202020204" pitchFamily="34" charset="0"/>
+              <a:buChar char="•"/>
+            </a:pPr>
+            <a:endParaRPr lang="es-ES" dirty="0"/>
+          </a:p>
+        </p:txBody>
+      </p:sp>
+    </p:spTree>
+    <p:extLst>
+      <p:ext uri="{BB962C8B-B14F-4D97-AF65-F5344CB8AC3E}">
+        <p14:creationId xmlns:p14="http://schemas.microsoft.com/office/powerpoint/2010/main" val="248316401"/>
       </p:ext>
     </p:extLst>
   </p:cSld>
@@ -6061,8 +6595,9 @@
                 <a:solidFill>
                   <a:srgbClr val="FFFFFF"/>
                 </a:solidFill>
+                <a:latin typeface="Bahnschrift" panose="020B0502040204020203" pitchFamily="34" charset="0"/>
               </a:rPr>
-              <a:t>INDICE</a:t>
+              <a:t>ÍNDICE</a:t>
             </a:r>
           </a:p>
         </p:txBody>
@@ -6225,6 +6760,113 @@
       </p:grpSpPr>
       <p:sp>
         <p:nvSpPr>
+          <p:cNvPr id="10" name="Rectángulo 9">
+            <a:extLst>
+              <a:ext uri="{FF2B5EF4-FFF2-40B4-BE49-F238E27FC236}">
+                <a16:creationId xmlns:a16="http://schemas.microsoft.com/office/drawing/2014/main" id="{B7247529-571F-5EA1-E20A-1F4C259A5573}"/>
+              </a:ext>
+            </a:extLst>
+          </p:cNvPr>
+          <p:cNvSpPr/>
+          <p:nvPr/>
+        </p:nvSpPr>
+        <p:spPr>
+          <a:xfrm>
+            <a:off x="8522563" y="2263806"/>
+            <a:ext cx="2362993" cy="2663301"/>
+          </a:xfrm>
+          <a:prstGeom prst="rect">
+            <a:avLst/>
+          </a:prstGeom>
+          <a:solidFill>
+            <a:schemeClr val="accent2">
+              <a:lumMod val="60000"/>
+              <a:lumOff val="40000"/>
+            </a:schemeClr>
+          </a:solidFill>
+          <a:ln>
+            <a:noFill/>
+          </a:ln>
+        </p:spPr>
+        <p:style>
+          <a:lnRef idx="2">
+            <a:schemeClr val="accent1">
+              <a:shade val="15000"/>
+            </a:schemeClr>
+          </a:lnRef>
+          <a:fillRef idx="1">
+            <a:schemeClr val="accent1"/>
+          </a:fillRef>
+          <a:effectRef idx="0">
+            <a:schemeClr val="accent1"/>
+          </a:effectRef>
+          <a:fontRef idx="minor">
+            <a:schemeClr val="lt1"/>
+          </a:fontRef>
+        </p:style>
+        <p:txBody>
+          <a:bodyPr rtlCol="0" anchor="ctr"/>
+          <a:lstStyle/>
+          <a:p>
+            <a:pPr algn="ctr"/>
+            <a:endParaRPr lang="es-ES"/>
+          </a:p>
+        </p:txBody>
+      </p:sp>
+      <p:sp>
+        <p:nvSpPr>
+          <p:cNvPr id="6" name="Rectángulo 5">
+            <a:extLst>
+              <a:ext uri="{FF2B5EF4-FFF2-40B4-BE49-F238E27FC236}">
+                <a16:creationId xmlns:a16="http://schemas.microsoft.com/office/drawing/2014/main" id="{555251D4-4E10-4DA4-CF6A-A6366B90B380}"/>
+              </a:ext>
+            </a:extLst>
+          </p:cNvPr>
+          <p:cNvSpPr/>
+          <p:nvPr/>
+        </p:nvSpPr>
+        <p:spPr>
+          <a:xfrm>
+            <a:off x="-97654" y="365125"/>
+            <a:ext cx="4856085" cy="1325563"/>
+          </a:xfrm>
+          <a:prstGeom prst="rect">
+            <a:avLst/>
+          </a:prstGeom>
+          <a:solidFill>
+            <a:srgbClr val="1691A2"/>
+          </a:solidFill>
+          <a:ln>
+            <a:noFill/>
+          </a:ln>
+        </p:spPr>
+        <p:style>
+          <a:lnRef idx="2">
+            <a:schemeClr val="accent1">
+              <a:shade val="15000"/>
+            </a:schemeClr>
+          </a:lnRef>
+          <a:fillRef idx="1">
+            <a:schemeClr val="accent1"/>
+          </a:fillRef>
+          <a:effectRef idx="0">
+            <a:schemeClr val="accent1"/>
+          </a:effectRef>
+          <a:fontRef idx="minor">
+            <a:schemeClr val="lt1"/>
+          </a:fontRef>
+        </p:style>
+        <p:txBody>
+          <a:bodyPr rtlCol="0" anchor="ctr"/>
+          <a:lstStyle/>
+          <a:p>
+            <a:pPr algn="ctr"/>
+            <a:endParaRPr lang="es-ES"/>
+          </a:p>
+        </p:txBody>
+      </p:sp>
+      <p:sp>
+        <p:nvSpPr>
           <p:cNvPr id="2" name="Title 1">
             <a:extLst>
               <a:ext uri="{FF2B5EF4-FFF2-40B4-BE49-F238E27FC236}">
@@ -6245,7 +6887,12 @@
           <a:lstStyle/>
           <a:p>
             <a:r>
-              <a:rPr lang="es-ES" dirty="0"/>
+              <a:rPr lang="es-ES" dirty="0">
+                <a:solidFill>
+                  <a:schemeClr val="bg1"/>
+                </a:solidFill>
+                <a:latin typeface="Bahnschrift" panose="020B0502040204020203" pitchFamily="34" charset="0"/>
+              </a:rPr>
               <a:t>Introducción</a:t>
             </a:r>
           </a:p>
@@ -6267,12 +6914,574 @@
             <p:ph idx="1"/>
           </p:nvPr>
         </p:nvSpPr>
-        <p:spPr/>
+        <p:spPr>
+          <a:xfrm>
+            <a:off x="1897232" y="2263807"/>
+            <a:ext cx="5722398" cy="3462290"/>
+          </a:xfrm>
+        </p:spPr>
         <p:txBody>
-          <a:bodyPr/>
+          <a:bodyPr>
+            <a:normAutofit/>
+          </a:bodyPr>
           <a:lstStyle/>
           <a:p>
+            <a:r>
+              <a:rPr lang="es-ES" dirty="0">
+                <a:latin typeface="+mj-lt"/>
+              </a:rPr>
+              <a:t>¿Qué es </a:t>
+            </a:r>
+            <a:r>
+              <a:rPr lang="es-ES" dirty="0" err="1">
+                <a:latin typeface="+mj-lt"/>
+              </a:rPr>
+              <a:t>BrainLingua</a:t>
+            </a:r>
+            <a:r>
+              <a:rPr lang="es-ES" dirty="0">
+                <a:latin typeface="+mj-lt"/>
+              </a:rPr>
+              <a:t> NLP?</a:t>
+            </a:r>
+          </a:p>
+          <a:p>
+            <a:pPr marL="0" indent="0">
+              <a:buNone/>
+            </a:pPr>
             <a:endParaRPr lang="es-ES" dirty="0"/>
+          </a:p>
+          <a:p>
+            <a:pPr marL="0" indent="0">
+              <a:buNone/>
+            </a:pPr>
+            <a:endParaRPr lang="es-ES" dirty="0"/>
+          </a:p>
+          <a:p>
+            <a:pPr marL="0" indent="0">
+              <a:buNone/>
+            </a:pPr>
+            <a:endParaRPr lang="es-ES" dirty="0"/>
+          </a:p>
+          <a:p>
+            <a:pPr marL="0" indent="0">
+              <a:buNone/>
+            </a:pPr>
+            <a:endParaRPr lang="es-ES" dirty="0"/>
+          </a:p>
+          <a:p>
+            <a:r>
+              <a:rPr lang="es-ES" dirty="0">
+                <a:latin typeface="+mj-lt"/>
+              </a:rPr>
+              <a:t>¿Para qué sirve?</a:t>
+            </a:r>
+          </a:p>
+        </p:txBody>
+      </p:sp>
+      <p:pic>
+        <p:nvPicPr>
+          <p:cNvPr id="7" name="Picture 2">
+            <a:extLst>
+              <a:ext uri="{FF2B5EF4-FFF2-40B4-BE49-F238E27FC236}">
+                <a16:creationId xmlns:a16="http://schemas.microsoft.com/office/drawing/2014/main" id="{0A1562A4-6CB5-2951-EBF9-9E738EE38F37}"/>
+              </a:ext>
+            </a:extLst>
+          </p:cNvPr>
+          <p:cNvPicPr>
+            <a:picLocks noChangeAspect="1" noChangeArrowheads="1"/>
+          </p:cNvPicPr>
+          <p:nvPr/>
+        </p:nvPicPr>
+        <p:blipFill>
+          <a:blip r:embed="rId3">
+            <a:extLst>
+              <a:ext uri="{28A0092B-C50C-407E-A947-70E740481C1C}">
+                <a14:useLocalDpi xmlns:a14="http://schemas.microsoft.com/office/drawing/2010/main" val="0"/>
+              </a:ext>
+            </a:extLst>
+          </a:blip>
+          <a:srcRect/>
+          <a:stretch>
+            <a:fillRect/>
+          </a:stretch>
+        </p:blipFill>
+        <p:spPr bwMode="auto">
+          <a:xfrm>
+            <a:off x="9215021" y="258809"/>
+            <a:ext cx="2798872" cy="834279"/>
+          </a:xfrm>
+          <a:prstGeom prst="rect">
+            <a:avLst/>
+          </a:prstGeom>
+          <a:noFill/>
+          <a:extLst>
+            <a:ext uri="{909E8E84-426E-40DD-AFC4-6F175D3DCCD1}">
+              <a14:hiddenFill xmlns:a14="http://schemas.microsoft.com/office/drawing/2010/main">
+                <a:solidFill>
+                  <a:srgbClr val="FFFFFF"/>
+                </a:solidFill>
+              </a14:hiddenFill>
+            </a:ext>
+          </a:extLst>
+        </p:spPr>
+      </p:pic>
+      <p:pic>
+        <p:nvPicPr>
+          <p:cNvPr id="9" name="Imagen 8">
+            <a:extLst>
+              <a:ext uri="{FF2B5EF4-FFF2-40B4-BE49-F238E27FC236}">
+                <a16:creationId xmlns:a16="http://schemas.microsoft.com/office/drawing/2014/main" id="{1262AC2C-FFED-69A6-1F14-2EC88098E363}"/>
+              </a:ext>
+            </a:extLst>
+          </p:cNvPr>
+          <p:cNvPicPr>
+            <a:picLocks noChangeAspect="1"/>
+          </p:cNvPicPr>
+          <p:nvPr/>
+        </p:nvPicPr>
+        <p:blipFill>
+          <a:blip r:embed="rId4">
+            <a:extLst>
+              <a:ext uri="{28A0092B-C50C-407E-A947-70E740481C1C}">
+                <a14:useLocalDpi xmlns:a14="http://schemas.microsoft.com/office/drawing/2010/main" val="0"/>
+              </a:ext>
+            </a:extLst>
+          </a:blip>
+          <a:stretch>
+            <a:fillRect/>
+          </a:stretch>
+        </p:blipFill>
+        <p:spPr>
+          <a:xfrm>
+            <a:off x="8251464" y="2681057"/>
+            <a:ext cx="2362993" cy="2362993"/>
+          </a:xfrm>
+          <a:prstGeom prst="rect">
+            <a:avLst/>
+          </a:prstGeom>
+        </p:spPr>
+      </p:pic>
+      <p:sp>
+        <p:nvSpPr>
+          <p:cNvPr id="11" name="Rectángulo 10">
+            <a:extLst>
+              <a:ext uri="{FF2B5EF4-FFF2-40B4-BE49-F238E27FC236}">
+                <a16:creationId xmlns:a16="http://schemas.microsoft.com/office/drawing/2014/main" id="{D13DD3ED-224D-3822-CA26-971CFFD54340}"/>
+              </a:ext>
+            </a:extLst>
+          </p:cNvPr>
+          <p:cNvSpPr/>
+          <p:nvPr/>
+        </p:nvSpPr>
+        <p:spPr>
+          <a:xfrm>
+            <a:off x="1500326" y="2840853"/>
+            <a:ext cx="1222436" cy="588147"/>
+          </a:xfrm>
+          <a:prstGeom prst="rect">
+            <a:avLst/>
+          </a:prstGeom>
+          <a:solidFill>
+            <a:schemeClr val="bg1"/>
+          </a:solidFill>
+          <a:ln>
+            <a:solidFill>
+              <a:srgbClr val="1691A2"/>
+            </a:solidFill>
+          </a:ln>
+        </p:spPr>
+        <p:style>
+          <a:lnRef idx="2">
+            <a:schemeClr val="accent1">
+              <a:shade val="15000"/>
+            </a:schemeClr>
+          </a:lnRef>
+          <a:fillRef idx="1">
+            <a:schemeClr val="accent1"/>
+          </a:fillRef>
+          <a:effectRef idx="0">
+            <a:schemeClr val="accent1"/>
+          </a:effectRef>
+          <a:fontRef idx="minor">
+            <a:schemeClr val="lt1"/>
+          </a:fontRef>
+        </p:style>
+        <p:txBody>
+          <a:bodyPr rtlCol="0" anchor="ctr"/>
+          <a:lstStyle/>
+          <a:p>
+            <a:pPr algn="ctr"/>
+            <a:r>
+              <a:rPr lang="es-ES" sz="1200" dirty="0">
+                <a:solidFill>
+                  <a:schemeClr val="tx1"/>
+                </a:solidFill>
+              </a:rPr>
+              <a:t>Aplicación de escritorio</a:t>
+            </a:r>
+          </a:p>
+        </p:txBody>
+      </p:sp>
+      <p:sp>
+        <p:nvSpPr>
+          <p:cNvPr id="12" name="Rectángulo 11">
+            <a:extLst>
+              <a:ext uri="{FF2B5EF4-FFF2-40B4-BE49-F238E27FC236}">
+                <a16:creationId xmlns:a16="http://schemas.microsoft.com/office/drawing/2014/main" id="{A5A0D172-9E3E-C95E-CD3B-23DE42913C8E}"/>
+              </a:ext>
+            </a:extLst>
+          </p:cNvPr>
+          <p:cNvSpPr/>
+          <p:nvPr/>
+        </p:nvSpPr>
+        <p:spPr>
+          <a:xfrm>
+            <a:off x="2868967" y="2840852"/>
+            <a:ext cx="1222436" cy="588147"/>
+          </a:xfrm>
+          <a:prstGeom prst="rect">
+            <a:avLst/>
+          </a:prstGeom>
+          <a:solidFill>
+            <a:schemeClr val="bg1"/>
+          </a:solidFill>
+          <a:ln>
+            <a:solidFill>
+              <a:srgbClr val="1691A2"/>
+            </a:solidFill>
+          </a:ln>
+        </p:spPr>
+        <p:style>
+          <a:lnRef idx="2">
+            <a:schemeClr val="accent1">
+              <a:shade val="15000"/>
+            </a:schemeClr>
+          </a:lnRef>
+          <a:fillRef idx="1">
+            <a:schemeClr val="accent1"/>
+          </a:fillRef>
+          <a:effectRef idx="0">
+            <a:schemeClr val="accent1"/>
+          </a:effectRef>
+          <a:fontRef idx="minor">
+            <a:schemeClr val="lt1"/>
+          </a:fontRef>
+        </p:style>
+        <p:txBody>
+          <a:bodyPr rtlCol="0" anchor="ctr"/>
+          <a:lstStyle/>
+          <a:p>
+            <a:pPr algn="ctr"/>
+            <a:r>
+              <a:rPr lang="es-ES" sz="1200" dirty="0">
+                <a:solidFill>
+                  <a:schemeClr val="tx1"/>
+                </a:solidFill>
+              </a:rPr>
+              <a:t>Análisis de Texto y Audio</a:t>
+            </a:r>
+          </a:p>
+        </p:txBody>
+      </p:sp>
+      <p:sp>
+        <p:nvSpPr>
+          <p:cNvPr id="13" name="Rectángulo 12">
+            <a:extLst>
+              <a:ext uri="{FF2B5EF4-FFF2-40B4-BE49-F238E27FC236}">
+                <a16:creationId xmlns:a16="http://schemas.microsoft.com/office/drawing/2014/main" id="{46B84F5F-10BB-129D-720B-C9C75D77F1BF}"/>
+              </a:ext>
+            </a:extLst>
+          </p:cNvPr>
+          <p:cNvSpPr/>
+          <p:nvPr/>
+        </p:nvSpPr>
+        <p:spPr>
+          <a:xfrm>
+            <a:off x="4237608" y="2840852"/>
+            <a:ext cx="1222436" cy="588147"/>
+          </a:xfrm>
+          <a:prstGeom prst="rect">
+            <a:avLst/>
+          </a:prstGeom>
+          <a:solidFill>
+            <a:schemeClr val="bg1"/>
+          </a:solidFill>
+          <a:ln>
+            <a:solidFill>
+              <a:srgbClr val="1691A2"/>
+            </a:solidFill>
+          </a:ln>
+        </p:spPr>
+        <p:style>
+          <a:lnRef idx="2">
+            <a:schemeClr val="accent1">
+              <a:shade val="15000"/>
+            </a:schemeClr>
+          </a:lnRef>
+          <a:fillRef idx="1">
+            <a:schemeClr val="accent1"/>
+          </a:fillRef>
+          <a:effectRef idx="0">
+            <a:schemeClr val="accent1"/>
+          </a:effectRef>
+          <a:fontRef idx="minor">
+            <a:schemeClr val="lt1"/>
+          </a:fontRef>
+        </p:style>
+        <p:txBody>
+          <a:bodyPr rtlCol="0" anchor="ctr"/>
+          <a:lstStyle/>
+          <a:p>
+            <a:pPr algn="ctr"/>
+            <a:r>
+              <a:rPr lang="es-ES" sz="1200" dirty="0">
+                <a:solidFill>
+                  <a:schemeClr val="tx1"/>
+                </a:solidFill>
+              </a:rPr>
+              <a:t>NLP</a:t>
+            </a:r>
+          </a:p>
+        </p:txBody>
+      </p:sp>
+      <p:sp>
+        <p:nvSpPr>
+          <p:cNvPr id="14" name="Rectángulo 13">
+            <a:extLst>
+              <a:ext uri="{FF2B5EF4-FFF2-40B4-BE49-F238E27FC236}">
+                <a16:creationId xmlns:a16="http://schemas.microsoft.com/office/drawing/2014/main" id="{B6E879D4-6FEA-0D6E-EC55-6C55537BFA96}"/>
+              </a:ext>
+            </a:extLst>
+          </p:cNvPr>
+          <p:cNvSpPr/>
+          <p:nvPr/>
+        </p:nvSpPr>
+        <p:spPr>
+          <a:xfrm>
+            <a:off x="5606249" y="2840851"/>
+            <a:ext cx="1222436" cy="588147"/>
+          </a:xfrm>
+          <a:prstGeom prst="rect">
+            <a:avLst/>
+          </a:prstGeom>
+          <a:solidFill>
+            <a:schemeClr val="bg1"/>
+          </a:solidFill>
+          <a:ln>
+            <a:solidFill>
+              <a:srgbClr val="1691A2"/>
+            </a:solidFill>
+          </a:ln>
+        </p:spPr>
+        <p:style>
+          <a:lnRef idx="2">
+            <a:schemeClr val="accent1">
+              <a:shade val="15000"/>
+            </a:schemeClr>
+          </a:lnRef>
+          <a:fillRef idx="1">
+            <a:schemeClr val="accent1"/>
+          </a:fillRef>
+          <a:effectRef idx="0">
+            <a:schemeClr val="accent1"/>
+          </a:effectRef>
+          <a:fontRef idx="minor">
+            <a:schemeClr val="lt1"/>
+          </a:fontRef>
+        </p:style>
+        <p:txBody>
+          <a:bodyPr rtlCol="0" anchor="ctr"/>
+          <a:lstStyle/>
+          <a:p>
+            <a:pPr algn="ctr"/>
+            <a:r>
+              <a:rPr lang="es-ES" sz="1200" dirty="0">
+                <a:solidFill>
+                  <a:schemeClr val="tx1"/>
+                </a:solidFill>
+              </a:rPr>
+              <a:t>Comprensión Psicológica </a:t>
+            </a:r>
+          </a:p>
+        </p:txBody>
+      </p:sp>
+      <p:pic>
+        <p:nvPicPr>
+          <p:cNvPr id="16" name="Imagen 15">
+            <a:extLst>
+              <a:ext uri="{FF2B5EF4-FFF2-40B4-BE49-F238E27FC236}">
+                <a16:creationId xmlns:a16="http://schemas.microsoft.com/office/drawing/2014/main" id="{0D9D691E-5D11-7795-A86D-1C94540F678C}"/>
+              </a:ext>
+            </a:extLst>
+          </p:cNvPr>
+          <p:cNvPicPr>
+            <a:picLocks noChangeAspect="1"/>
+          </p:cNvPicPr>
+          <p:nvPr/>
+        </p:nvPicPr>
+        <p:blipFill>
+          <a:blip r:embed="rId5">
+            <a:extLst>
+              <a:ext uri="{28A0092B-C50C-407E-A947-70E740481C1C}">
+                <a14:useLocalDpi xmlns:a14="http://schemas.microsoft.com/office/drawing/2010/main" val="0"/>
+              </a:ext>
+            </a:extLst>
+          </a:blip>
+          <a:stretch>
+            <a:fillRect/>
+          </a:stretch>
+        </p:blipFill>
+        <p:spPr>
+          <a:xfrm>
+            <a:off x="1626133" y="3505502"/>
+            <a:ext cx="978900" cy="978900"/>
+          </a:xfrm>
+          <a:prstGeom prst="rect">
+            <a:avLst/>
+          </a:prstGeom>
+        </p:spPr>
+      </p:pic>
+      <p:pic>
+        <p:nvPicPr>
+          <p:cNvPr id="18" name="Imagen 17">
+            <a:extLst>
+              <a:ext uri="{FF2B5EF4-FFF2-40B4-BE49-F238E27FC236}">
+                <a16:creationId xmlns:a16="http://schemas.microsoft.com/office/drawing/2014/main" id="{B672AA93-522E-04ED-3074-0C0D2176CE28}"/>
+              </a:ext>
+            </a:extLst>
+          </p:cNvPr>
+          <p:cNvPicPr>
+            <a:picLocks noChangeAspect="1"/>
+          </p:cNvPicPr>
+          <p:nvPr/>
+        </p:nvPicPr>
+        <p:blipFill>
+          <a:blip r:embed="rId6">
+            <a:extLst>
+              <a:ext uri="{28A0092B-C50C-407E-A947-70E740481C1C}">
+                <a14:useLocalDpi xmlns:a14="http://schemas.microsoft.com/office/drawing/2010/main" val="0"/>
+              </a:ext>
+            </a:extLst>
+          </a:blip>
+          <a:stretch>
+            <a:fillRect/>
+          </a:stretch>
+        </p:blipFill>
+        <p:spPr>
+          <a:xfrm>
+            <a:off x="3030914" y="3530299"/>
+            <a:ext cx="954103" cy="954103"/>
+          </a:xfrm>
+          <a:prstGeom prst="rect">
+            <a:avLst/>
+          </a:prstGeom>
+        </p:spPr>
+      </p:pic>
+      <p:pic>
+        <p:nvPicPr>
+          <p:cNvPr id="20" name="Imagen 19">
+            <a:extLst>
+              <a:ext uri="{FF2B5EF4-FFF2-40B4-BE49-F238E27FC236}">
+                <a16:creationId xmlns:a16="http://schemas.microsoft.com/office/drawing/2014/main" id="{39C05AA6-50B3-D067-8B79-6C4225761FB9}"/>
+              </a:ext>
+            </a:extLst>
+          </p:cNvPr>
+          <p:cNvPicPr>
+            <a:picLocks noChangeAspect="1"/>
+          </p:cNvPicPr>
+          <p:nvPr/>
+        </p:nvPicPr>
+        <p:blipFill>
+          <a:blip r:embed="rId7">
+            <a:extLst>
+              <a:ext uri="{28A0092B-C50C-407E-A947-70E740481C1C}">
+                <a14:useLocalDpi xmlns:a14="http://schemas.microsoft.com/office/drawing/2010/main" val="0"/>
+              </a:ext>
+            </a:extLst>
+          </a:blip>
+          <a:stretch>
+            <a:fillRect/>
+          </a:stretch>
+        </p:blipFill>
+        <p:spPr>
+          <a:xfrm>
+            <a:off x="4378564" y="3530299"/>
+            <a:ext cx="940524" cy="978900"/>
+          </a:xfrm>
+          <a:prstGeom prst="rect">
+            <a:avLst/>
+          </a:prstGeom>
+        </p:spPr>
+      </p:pic>
+      <p:pic>
+        <p:nvPicPr>
+          <p:cNvPr id="22" name="Imagen 21">
+            <a:extLst>
+              <a:ext uri="{FF2B5EF4-FFF2-40B4-BE49-F238E27FC236}">
+                <a16:creationId xmlns:a16="http://schemas.microsoft.com/office/drawing/2014/main" id="{51BEC475-9A0C-FE16-767C-0B88ACC7136C}"/>
+              </a:ext>
+            </a:extLst>
+          </p:cNvPr>
+          <p:cNvPicPr>
+            <a:picLocks noChangeAspect="1"/>
+          </p:cNvPicPr>
+          <p:nvPr/>
+        </p:nvPicPr>
+        <p:blipFill>
+          <a:blip>
+            <a:extLst>
+              <a:ext uri="{28A0092B-C50C-407E-A947-70E740481C1C}">
+                <a14:useLocalDpi xmlns:a14="http://schemas.microsoft.com/office/drawing/2010/main" val="0"/>
+              </a:ext>
+            </a:extLst>
+          </a:blip>
+          <a:stretch>
+            <a:fillRect/>
+          </a:stretch>
+        </p:blipFill>
+        <p:spPr>
+          <a:xfrm>
+            <a:off x="5622455" y="3530299"/>
+            <a:ext cx="1190023" cy="971447"/>
+          </a:xfrm>
+          <a:prstGeom prst="rect">
+            <a:avLst/>
+          </a:prstGeom>
+        </p:spPr>
+      </p:pic>
+      <p:sp>
+        <p:nvSpPr>
+          <p:cNvPr id="23" name="CuadroTexto 22">
+            <a:extLst>
+              <a:ext uri="{FF2B5EF4-FFF2-40B4-BE49-F238E27FC236}">
+                <a16:creationId xmlns:a16="http://schemas.microsoft.com/office/drawing/2014/main" id="{86370EFD-BA7F-3875-6F57-0168C86F37DB}"/>
+              </a:ext>
+            </a:extLst>
+          </p:cNvPr>
+          <p:cNvSpPr txBox="1"/>
+          <p:nvPr/>
+        </p:nvSpPr>
+        <p:spPr>
+          <a:xfrm>
+            <a:off x="1341949" y="5387543"/>
+            <a:ext cx="5531899" cy="307777"/>
+          </a:xfrm>
+          <a:prstGeom prst="rect">
+            <a:avLst/>
+          </a:prstGeom>
+          <a:noFill/>
+        </p:spPr>
+        <p:txBody>
+          <a:bodyPr wrap="none" rtlCol="0">
+            <a:spAutoFit/>
+          </a:bodyPr>
+          <a:lstStyle/>
+          <a:p>
+            <a:r>
+              <a:rPr lang="es-ES" sz="1400" dirty="0"/>
+              <a:t>Permite cuantificar diferentes categorías gramaticales y métricas de texto</a:t>
+            </a:r>
           </a:p>
         </p:txBody>
       </p:sp>
@@ -6286,6 +7495,862 @@
   <p:clrMapOvr>
     <a:masterClrMapping/>
   </p:clrMapOvr>
+  <p:timing>
+    <p:tnLst>
+      <p:par>
+        <p:cTn id="1" dur="indefinite" restart="never" nodeType="tmRoot">
+          <p:childTnLst>
+            <p:seq concurrent="1" nextAc="seek">
+              <p:cTn id="2" dur="indefinite" nodeType="mainSeq">
+                <p:childTnLst>
+                  <p:par>
+                    <p:cTn id="3" fill="hold">
+                      <p:stCondLst>
+                        <p:cond delay="indefinite"/>
+                      </p:stCondLst>
+                      <p:childTnLst>
+                        <p:par>
+                          <p:cTn id="4" fill="hold">
+                            <p:stCondLst>
+                              <p:cond delay="0"/>
+                            </p:stCondLst>
+                            <p:childTnLst>
+                              <p:par>
+                                <p:cTn id="5" presetID="42" presetClass="entr" presetSubtype="0" fill="hold" grpId="0" nodeType="clickEffect">
+                                  <p:stCondLst>
+                                    <p:cond delay="0"/>
+                                  </p:stCondLst>
+                                  <p:childTnLst>
+                                    <p:set>
+                                      <p:cBhvr>
+                                        <p:cTn id="6" dur="1" fill="hold">
+                                          <p:stCondLst>
+                                            <p:cond delay="0"/>
+                                          </p:stCondLst>
+                                        </p:cTn>
+                                        <p:tgtEl>
+                                          <p:spTgt spid="11"/>
+                                        </p:tgtEl>
+                                        <p:attrNameLst>
+                                          <p:attrName>style.visibility</p:attrName>
+                                        </p:attrNameLst>
+                                      </p:cBhvr>
+                                      <p:to>
+                                        <p:strVal val="visible"/>
+                                      </p:to>
+                                    </p:set>
+                                    <p:animEffect transition="in" filter="fade">
+                                      <p:cBhvr>
+                                        <p:cTn id="7" dur="1000"/>
+                                        <p:tgtEl>
+                                          <p:spTgt spid="11"/>
+                                        </p:tgtEl>
+                                      </p:cBhvr>
+                                    </p:animEffect>
+                                    <p:anim calcmode="lin" valueType="num">
+                                      <p:cBhvr>
+                                        <p:cTn id="8" dur="1000" fill="hold"/>
+                                        <p:tgtEl>
+                                          <p:spTgt spid="11"/>
+                                        </p:tgtEl>
+                                        <p:attrNameLst>
+                                          <p:attrName>ppt_x</p:attrName>
+                                        </p:attrNameLst>
+                                      </p:cBhvr>
+                                      <p:tavLst>
+                                        <p:tav tm="0">
+                                          <p:val>
+                                            <p:strVal val="#ppt_x"/>
+                                          </p:val>
+                                        </p:tav>
+                                        <p:tav tm="100000">
+                                          <p:val>
+                                            <p:strVal val="#ppt_x"/>
+                                          </p:val>
+                                        </p:tav>
+                                      </p:tavLst>
+                                    </p:anim>
+                                    <p:anim calcmode="lin" valueType="num">
+                                      <p:cBhvr>
+                                        <p:cTn id="9" dur="1000" fill="hold"/>
+                                        <p:tgtEl>
+                                          <p:spTgt spid="11"/>
+                                        </p:tgtEl>
+                                        <p:attrNameLst>
+                                          <p:attrName>ppt_y</p:attrName>
+                                        </p:attrNameLst>
+                                      </p:cBhvr>
+                                      <p:tavLst>
+                                        <p:tav tm="0">
+                                          <p:val>
+                                            <p:strVal val="#ppt_y+.1"/>
+                                          </p:val>
+                                        </p:tav>
+                                        <p:tav tm="100000">
+                                          <p:val>
+                                            <p:strVal val="#ppt_y"/>
+                                          </p:val>
+                                        </p:tav>
+                                      </p:tavLst>
+                                    </p:anim>
+                                  </p:childTnLst>
+                                </p:cTn>
+                              </p:par>
+                              <p:par>
+                                <p:cTn id="10" presetID="42" presetClass="entr" presetSubtype="0" fill="hold" nodeType="withEffect">
+                                  <p:stCondLst>
+                                    <p:cond delay="0"/>
+                                  </p:stCondLst>
+                                  <p:childTnLst>
+                                    <p:set>
+                                      <p:cBhvr>
+                                        <p:cTn id="11" dur="1" fill="hold">
+                                          <p:stCondLst>
+                                            <p:cond delay="0"/>
+                                          </p:stCondLst>
+                                        </p:cTn>
+                                        <p:tgtEl>
+                                          <p:spTgt spid="16"/>
+                                        </p:tgtEl>
+                                        <p:attrNameLst>
+                                          <p:attrName>style.visibility</p:attrName>
+                                        </p:attrNameLst>
+                                      </p:cBhvr>
+                                      <p:to>
+                                        <p:strVal val="visible"/>
+                                      </p:to>
+                                    </p:set>
+                                    <p:animEffect transition="in" filter="fade">
+                                      <p:cBhvr>
+                                        <p:cTn id="12" dur="1000"/>
+                                        <p:tgtEl>
+                                          <p:spTgt spid="16"/>
+                                        </p:tgtEl>
+                                      </p:cBhvr>
+                                    </p:animEffect>
+                                    <p:anim calcmode="lin" valueType="num">
+                                      <p:cBhvr>
+                                        <p:cTn id="13" dur="1000" fill="hold"/>
+                                        <p:tgtEl>
+                                          <p:spTgt spid="16"/>
+                                        </p:tgtEl>
+                                        <p:attrNameLst>
+                                          <p:attrName>ppt_x</p:attrName>
+                                        </p:attrNameLst>
+                                      </p:cBhvr>
+                                      <p:tavLst>
+                                        <p:tav tm="0">
+                                          <p:val>
+                                            <p:strVal val="#ppt_x"/>
+                                          </p:val>
+                                        </p:tav>
+                                        <p:tav tm="100000">
+                                          <p:val>
+                                            <p:strVal val="#ppt_x"/>
+                                          </p:val>
+                                        </p:tav>
+                                      </p:tavLst>
+                                    </p:anim>
+                                    <p:anim calcmode="lin" valueType="num">
+                                      <p:cBhvr>
+                                        <p:cTn id="14" dur="1000" fill="hold"/>
+                                        <p:tgtEl>
+                                          <p:spTgt spid="16"/>
+                                        </p:tgtEl>
+                                        <p:attrNameLst>
+                                          <p:attrName>ppt_y</p:attrName>
+                                        </p:attrNameLst>
+                                      </p:cBhvr>
+                                      <p:tavLst>
+                                        <p:tav tm="0">
+                                          <p:val>
+                                            <p:strVal val="#ppt_y+.1"/>
+                                          </p:val>
+                                        </p:tav>
+                                        <p:tav tm="100000">
+                                          <p:val>
+                                            <p:strVal val="#ppt_y"/>
+                                          </p:val>
+                                        </p:tav>
+                                      </p:tavLst>
+                                    </p:anim>
+                                  </p:childTnLst>
+                                </p:cTn>
+                              </p:par>
+                            </p:childTnLst>
+                          </p:cTn>
+                        </p:par>
+                      </p:childTnLst>
+                    </p:cTn>
+                  </p:par>
+                  <p:par>
+                    <p:cTn id="15" fill="hold">
+                      <p:stCondLst>
+                        <p:cond delay="indefinite"/>
+                      </p:stCondLst>
+                      <p:childTnLst>
+                        <p:par>
+                          <p:cTn id="16" fill="hold">
+                            <p:stCondLst>
+                              <p:cond delay="0"/>
+                            </p:stCondLst>
+                            <p:childTnLst>
+                              <p:par>
+                                <p:cTn id="17" presetID="42" presetClass="entr" presetSubtype="0" fill="hold" grpId="0" nodeType="clickEffect">
+                                  <p:stCondLst>
+                                    <p:cond delay="0"/>
+                                  </p:stCondLst>
+                                  <p:childTnLst>
+                                    <p:set>
+                                      <p:cBhvr>
+                                        <p:cTn id="18" dur="1" fill="hold">
+                                          <p:stCondLst>
+                                            <p:cond delay="0"/>
+                                          </p:stCondLst>
+                                        </p:cTn>
+                                        <p:tgtEl>
+                                          <p:spTgt spid="12"/>
+                                        </p:tgtEl>
+                                        <p:attrNameLst>
+                                          <p:attrName>style.visibility</p:attrName>
+                                        </p:attrNameLst>
+                                      </p:cBhvr>
+                                      <p:to>
+                                        <p:strVal val="visible"/>
+                                      </p:to>
+                                    </p:set>
+                                    <p:animEffect transition="in" filter="fade">
+                                      <p:cBhvr>
+                                        <p:cTn id="19" dur="1000"/>
+                                        <p:tgtEl>
+                                          <p:spTgt spid="12"/>
+                                        </p:tgtEl>
+                                      </p:cBhvr>
+                                    </p:animEffect>
+                                    <p:anim calcmode="lin" valueType="num">
+                                      <p:cBhvr>
+                                        <p:cTn id="20" dur="1000" fill="hold"/>
+                                        <p:tgtEl>
+                                          <p:spTgt spid="12"/>
+                                        </p:tgtEl>
+                                        <p:attrNameLst>
+                                          <p:attrName>ppt_x</p:attrName>
+                                        </p:attrNameLst>
+                                      </p:cBhvr>
+                                      <p:tavLst>
+                                        <p:tav tm="0">
+                                          <p:val>
+                                            <p:strVal val="#ppt_x"/>
+                                          </p:val>
+                                        </p:tav>
+                                        <p:tav tm="100000">
+                                          <p:val>
+                                            <p:strVal val="#ppt_x"/>
+                                          </p:val>
+                                        </p:tav>
+                                      </p:tavLst>
+                                    </p:anim>
+                                    <p:anim calcmode="lin" valueType="num">
+                                      <p:cBhvr>
+                                        <p:cTn id="21" dur="1000" fill="hold"/>
+                                        <p:tgtEl>
+                                          <p:spTgt spid="12"/>
+                                        </p:tgtEl>
+                                        <p:attrNameLst>
+                                          <p:attrName>ppt_y</p:attrName>
+                                        </p:attrNameLst>
+                                      </p:cBhvr>
+                                      <p:tavLst>
+                                        <p:tav tm="0">
+                                          <p:val>
+                                            <p:strVal val="#ppt_y+.1"/>
+                                          </p:val>
+                                        </p:tav>
+                                        <p:tav tm="100000">
+                                          <p:val>
+                                            <p:strVal val="#ppt_y"/>
+                                          </p:val>
+                                        </p:tav>
+                                      </p:tavLst>
+                                    </p:anim>
+                                  </p:childTnLst>
+                                </p:cTn>
+                              </p:par>
+                              <p:par>
+                                <p:cTn id="22" presetID="42" presetClass="entr" presetSubtype="0" fill="hold" nodeType="withEffect">
+                                  <p:stCondLst>
+                                    <p:cond delay="0"/>
+                                  </p:stCondLst>
+                                  <p:childTnLst>
+                                    <p:set>
+                                      <p:cBhvr>
+                                        <p:cTn id="23" dur="1" fill="hold">
+                                          <p:stCondLst>
+                                            <p:cond delay="0"/>
+                                          </p:stCondLst>
+                                        </p:cTn>
+                                        <p:tgtEl>
+                                          <p:spTgt spid="18"/>
+                                        </p:tgtEl>
+                                        <p:attrNameLst>
+                                          <p:attrName>style.visibility</p:attrName>
+                                        </p:attrNameLst>
+                                      </p:cBhvr>
+                                      <p:to>
+                                        <p:strVal val="visible"/>
+                                      </p:to>
+                                    </p:set>
+                                    <p:animEffect transition="in" filter="fade">
+                                      <p:cBhvr>
+                                        <p:cTn id="24" dur="1000"/>
+                                        <p:tgtEl>
+                                          <p:spTgt spid="18"/>
+                                        </p:tgtEl>
+                                      </p:cBhvr>
+                                    </p:animEffect>
+                                    <p:anim calcmode="lin" valueType="num">
+                                      <p:cBhvr>
+                                        <p:cTn id="25" dur="1000" fill="hold"/>
+                                        <p:tgtEl>
+                                          <p:spTgt spid="18"/>
+                                        </p:tgtEl>
+                                        <p:attrNameLst>
+                                          <p:attrName>ppt_x</p:attrName>
+                                        </p:attrNameLst>
+                                      </p:cBhvr>
+                                      <p:tavLst>
+                                        <p:tav tm="0">
+                                          <p:val>
+                                            <p:strVal val="#ppt_x"/>
+                                          </p:val>
+                                        </p:tav>
+                                        <p:tav tm="100000">
+                                          <p:val>
+                                            <p:strVal val="#ppt_x"/>
+                                          </p:val>
+                                        </p:tav>
+                                      </p:tavLst>
+                                    </p:anim>
+                                    <p:anim calcmode="lin" valueType="num">
+                                      <p:cBhvr>
+                                        <p:cTn id="26" dur="1000" fill="hold"/>
+                                        <p:tgtEl>
+                                          <p:spTgt spid="18"/>
+                                        </p:tgtEl>
+                                        <p:attrNameLst>
+                                          <p:attrName>ppt_y</p:attrName>
+                                        </p:attrNameLst>
+                                      </p:cBhvr>
+                                      <p:tavLst>
+                                        <p:tav tm="0">
+                                          <p:val>
+                                            <p:strVal val="#ppt_y+.1"/>
+                                          </p:val>
+                                        </p:tav>
+                                        <p:tav tm="100000">
+                                          <p:val>
+                                            <p:strVal val="#ppt_y"/>
+                                          </p:val>
+                                        </p:tav>
+                                      </p:tavLst>
+                                    </p:anim>
+                                  </p:childTnLst>
+                                </p:cTn>
+                              </p:par>
+                            </p:childTnLst>
+                          </p:cTn>
+                        </p:par>
+                      </p:childTnLst>
+                    </p:cTn>
+                  </p:par>
+                  <p:par>
+                    <p:cTn id="27" fill="hold">
+                      <p:stCondLst>
+                        <p:cond delay="indefinite"/>
+                      </p:stCondLst>
+                      <p:childTnLst>
+                        <p:par>
+                          <p:cTn id="28" fill="hold">
+                            <p:stCondLst>
+                              <p:cond delay="0"/>
+                            </p:stCondLst>
+                            <p:childTnLst>
+                              <p:par>
+                                <p:cTn id="29" presetID="42" presetClass="entr" presetSubtype="0" fill="hold" nodeType="clickEffect">
+                                  <p:stCondLst>
+                                    <p:cond delay="0"/>
+                                  </p:stCondLst>
+                                  <p:childTnLst>
+                                    <p:set>
+                                      <p:cBhvr>
+                                        <p:cTn id="30" dur="1" fill="hold">
+                                          <p:stCondLst>
+                                            <p:cond delay="0"/>
+                                          </p:stCondLst>
+                                        </p:cTn>
+                                        <p:tgtEl>
+                                          <p:spTgt spid="20"/>
+                                        </p:tgtEl>
+                                        <p:attrNameLst>
+                                          <p:attrName>style.visibility</p:attrName>
+                                        </p:attrNameLst>
+                                      </p:cBhvr>
+                                      <p:to>
+                                        <p:strVal val="visible"/>
+                                      </p:to>
+                                    </p:set>
+                                    <p:animEffect transition="in" filter="fade">
+                                      <p:cBhvr>
+                                        <p:cTn id="31" dur="1000"/>
+                                        <p:tgtEl>
+                                          <p:spTgt spid="20"/>
+                                        </p:tgtEl>
+                                      </p:cBhvr>
+                                    </p:animEffect>
+                                    <p:anim calcmode="lin" valueType="num">
+                                      <p:cBhvr>
+                                        <p:cTn id="32" dur="1000" fill="hold"/>
+                                        <p:tgtEl>
+                                          <p:spTgt spid="20"/>
+                                        </p:tgtEl>
+                                        <p:attrNameLst>
+                                          <p:attrName>ppt_x</p:attrName>
+                                        </p:attrNameLst>
+                                      </p:cBhvr>
+                                      <p:tavLst>
+                                        <p:tav tm="0">
+                                          <p:val>
+                                            <p:strVal val="#ppt_x"/>
+                                          </p:val>
+                                        </p:tav>
+                                        <p:tav tm="100000">
+                                          <p:val>
+                                            <p:strVal val="#ppt_x"/>
+                                          </p:val>
+                                        </p:tav>
+                                      </p:tavLst>
+                                    </p:anim>
+                                    <p:anim calcmode="lin" valueType="num">
+                                      <p:cBhvr>
+                                        <p:cTn id="33" dur="1000" fill="hold"/>
+                                        <p:tgtEl>
+                                          <p:spTgt spid="20"/>
+                                        </p:tgtEl>
+                                        <p:attrNameLst>
+                                          <p:attrName>ppt_y</p:attrName>
+                                        </p:attrNameLst>
+                                      </p:cBhvr>
+                                      <p:tavLst>
+                                        <p:tav tm="0">
+                                          <p:val>
+                                            <p:strVal val="#ppt_y+.1"/>
+                                          </p:val>
+                                        </p:tav>
+                                        <p:tav tm="100000">
+                                          <p:val>
+                                            <p:strVal val="#ppt_y"/>
+                                          </p:val>
+                                        </p:tav>
+                                      </p:tavLst>
+                                    </p:anim>
+                                  </p:childTnLst>
+                                </p:cTn>
+                              </p:par>
+                              <p:par>
+                                <p:cTn id="34" presetID="42" presetClass="entr" presetSubtype="0" fill="hold" grpId="0" nodeType="withEffect">
+                                  <p:stCondLst>
+                                    <p:cond delay="0"/>
+                                  </p:stCondLst>
+                                  <p:childTnLst>
+                                    <p:set>
+                                      <p:cBhvr>
+                                        <p:cTn id="35" dur="1" fill="hold">
+                                          <p:stCondLst>
+                                            <p:cond delay="0"/>
+                                          </p:stCondLst>
+                                        </p:cTn>
+                                        <p:tgtEl>
+                                          <p:spTgt spid="13"/>
+                                        </p:tgtEl>
+                                        <p:attrNameLst>
+                                          <p:attrName>style.visibility</p:attrName>
+                                        </p:attrNameLst>
+                                      </p:cBhvr>
+                                      <p:to>
+                                        <p:strVal val="visible"/>
+                                      </p:to>
+                                    </p:set>
+                                    <p:animEffect transition="in" filter="fade">
+                                      <p:cBhvr>
+                                        <p:cTn id="36" dur="1000"/>
+                                        <p:tgtEl>
+                                          <p:spTgt spid="13"/>
+                                        </p:tgtEl>
+                                      </p:cBhvr>
+                                    </p:animEffect>
+                                    <p:anim calcmode="lin" valueType="num">
+                                      <p:cBhvr>
+                                        <p:cTn id="37" dur="1000" fill="hold"/>
+                                        <p:tgtEl>
+                                          <p:spTgt spid="13"/>
+                                        </p:tgtEl>
+                                        <p:attrNameLst>
+                                          <p:attrName>ppt_x</p:attrName>
+                                        </p:attrNameLst>
+                                      </p:cBhvr>
+                                      <p:tavLst>
+                                        <p:tav tm="0">
+                                          <p:val>
+                                            <p:strVal val="#ppt_x"/>
+                                          </p:val>
+                                        </p:tav>
+                                        <p:tav tm="100000">
+                                          <p:val>
+                                            <p:strVal val="#ppt_x"/>
+                                          </p:val>
+                                        </p:tav>
+                                      </p:tavLst>
+                                    </p:anim>
+                                    <p:anim calcmode="lin" valueType="num">
+                                      <p:cBhvr>
+                                        <p:cTn id="38" dur="1000" fill="hold"/>
+                                        <p:tgtEl>
+                                          <p:spTgt spid="13"/>
+                                        </p:tgtEl>
+                                        <p:attrNameLst>
+                                          <p:attrName>ppt_y</p:attrName>
+                                        </p:attrNameLst>
+                                      </p:cBhvr>
+                                      <p:tavLst>
+                                        <p:tav tm="0">
+                                          <p:val>
+                                            <p:strVal val="#ppt_y+.1"/>
+                                          </p:val>
+                                        </p:tav>
+                                        <p:tav tm="100000">
+                                          <p:val>
+                                            <p:strVal val="#ppt_y"/>
+                                          </p:val>
+                                        </p:tav>
+                                      </p:tavLst>
+                                    </p:anim>
+                                  </p:childTnLst>
+                                </p:cTn>
+                              </p:par>
+                            </p:childTnLst>
+                          </p:cTn>
+                        </p:par>
+                      </p:childTnLst>
+                    </p:cTn>
+                  </p:par>
+                  <p:par>
+                    <p:cTn id="39" fill="hold">
+                      <p:stCondLst>
+                        <p:cond delay="indefinite"/>
+                      </p:stCondLst>
+                      <p:childTnLst>
+                        <p:par>
+                          <p:cTn id="40" fill="hold">
+                            <p:stCondLst>
+                              <p:cond delay="0"/>
+                            </p:stCondLst>
+                            <p:childTnLst>
+                              <p:par>
+                                <p:cTn id="41" presetID="42" presetClass="entr" presetSubtype="0" fill="hold" grpId="0" nodeType="clickEffect">
+                                  <p:stCondLst>
+                                    <p:cond delay="0"/>
+                                  </p:stCondLst>
+                                  <p:childTnLst>
+                                    <p:set>
+                                      <p:cBhvr>
+                                        <p:cTn id="42" dur="1" fill="hold">
+                                          <p:stCondLst>
+                                            <p:cond delay="0"/>
+                                          </p:stCondLst>
+                                        </p:cTn>
+                                        <p:tgtEl>
+                                          <p:spTgt spid="14"/>
+                                        </p:tgtEl>
+                                        <p:attrNameLst>
+                                          <p:attrName>style.visibility</p:attrName>
+                                        </p:attrNameLst>
+                                      </p:cBhvr>
+                                      <p:to>
+                                        <p:strVal val="visible"/>
+                                      </p:to>
+                                    </p:set>
+                                    <p:animEffect transition="in" filter="fade">
+                                      <p:cBhvr>
+                                        <p:cTn id="43" dur="1000"/>
+                                        <p:tgtEl>
+                                          <p:spTgt spid="14"/>
+                                        </p:tgtEl>
+                                      </p:cBhvr>
+                                    </p:animEffect>
+                                    <p:anim calcmode="lin" valueType="num">
+                                      <p:cBhvr>
+                                        <p:cTn id="44" dur="1000" fill="hold"/>
+                                        <p:tgtEl>
+                                          <p:spTgt spid="14"/>
+                                        </p:tgtEl>
+                                        <p:attrNameLst>
+                                          <p:attrName>ppt_x</p:attrName>
+                                        </p:attrNameLst>
+                                      </p:cBhvr>
+                                      <p:tavLst>
+                                        <p:tav tm="0">
+                                          <p:val>
+                                            <p:strVal val="#ppt_x"/>
+                                          </p:val>
+                                        </p:tav>
+                                        <p:tav tm="100000">
+                                          <p:val>
+                                            <p:strVal val="#ppt_x"/>
+                                          </p:val>
+                                        </p:tav>
+                                      </p:tavLst>
+                                    </p:anim>
+                                    <p:anim calcmode="lin" valueType="num">
+                                      <p:cBhvr>
+                                        <p:cTn id="45" dur="1000" fill="hold"/>
+                                        <p:tgtEl>
+                                          <p:spTgt spid="14"/>
+                                        </p:tgtEl>
+                                        <p:attrNameLst>
+                                          <p:attrName>ppt_y</p:attrName>
+                                        </p:attrNameLst>
+                                      </p:cBhvr>
+                                      <p:tavLst>
+                                        <p:tav tm="0">
+                                          <p:val>
+                                            <p:strVal val="#ppt_y+.1"/>
+                                          </p:val>
+                                        </p:tav>
+                                        <p:tav tm="100000">
+                                          <p:val>
+                                            <p:strVal val="#ppt_y"/>
+                                          </p:val>
+                                        </p:tav>
+                                      </p:tavLst>
+                                    </p:anim>
+                                  </p:childTnLst>
+                                </p:cTn>
+                              </p:par>
+                              <p:par>
+                                <p:cTn id="46" presetID="42" presetClass="entr" presetSubtype="0" fill="hold" nodeType="withEffect">
+                                  <p:stCondLst>
+                                    <p:cond delay="0"/>
+                                  </p:stCondLst>
+                                  <p:childTnLst>
+                                    <p:set>
+                                      <p:cBhvr>
+                                        <p:cTn id="47" dur="1" fill="hold">
+                                          <p:stCondLst>
+                                            <p:cond delay="0"/>
+                                          </p:stCondLst>
+                                        </p:cTn>
+                                        <p:tgtEl>
+                                          <p:spTgt spid="22"/>
+                                        </p:tgtEl>
+                                        <p:attrNameLst>
+                                          <p:attrName>style.visibility</p:attrName>
+                                        </p:attrNameLst>
+                                      </p:cBhvr>
+                                      <p:to>
+                                        <p:strVal val="visible"/>
+                                      </p:to>
+                                    </p:set>
+                                    <p:animEffect transition="in" filter="fade">
+                                      <p:cBhvr>
+                                        <p:cTn id="48" dur="1000"/>
+                                        <p:tgtEl>
+                                          <p:spTgt spid="22"/>
+                                        </p:tgtEl>
+                                      </p:cBhvr>
+                                    </p:animEffect>
+                                    <p:anim calcmode="lin" valueType="num">
+                                      <p:cBhvr>
+                                        <p:cTn id="49" dur="1000" fill="hold"/>
+                                        <p:tgtEl>
+                                          <p:spTgt spid="22"/>
+                                        </p:tgtEl>
+                                        <p:attrNameLst>
+                                          <p:attrName>ppt_x</p:attrName>
+                                        </p:attrNameLst>
+                                      </p:cBhvr>
+                                      <p:tavLst>
+                                        <p:tav tm="0">
+                                          <p:val>
+                                            <p:strVal val="#ppt_x"/>
+                                          </p:val>
+                                        </p:tav>
+                                        <p:tav tm="100000">
+                                          <p:val>
+                                            <p:strVal val="#ppt_x"/>
+                                          </p:val>
+                                        </p:tav>
+                                      </p:tavLst>
+                                    </p:anim>
+                                    <p:anim calcmode="lin" valueType="num">
+                                      <p:cBhvr>
+                                        <p:cTn id="50" dur="1000" fill="hold"/>
+                                        <p:tgtEl>
+                                          <p:spTgt spid="22"/>
+                                        </p:tgtEl>
+                                        <p:attrNameLst>
+                                          <p:attrName>ppt_y</p:attrName>
+                                        </p:attrNameLst>
+                                      </p:cBhvr>
+                                      <p:tavLst>
+                                        <p:tav tm="0">
+                                          <p:val>
+                                            <p:strVal val="#ppt_y+.1"/>
+                                          </p:val>
+                                        </p:tav>
+                                        <p:tav tm="100000">
+                                          <p:val>
+                                            <p:strVal val="#ppt_y"/>
+                                          </p:val>
+                                        </p:tav>
+                                      </p:tavLst>
+                                    </p:anim>
+                                  </p:childTnLst>
+                                </p:cTn>
+                              </p:par>
+                            </p:childTnLst>
+                          </p:cTn>
+                        </p:par>
+                      </p:childTnLst>
+                    </p:cTn>
+                  </p:par>
+                  <p:par>
+                    <p:cTn id="51" fill="hold">
+                      <p:stCondLst>
+                        <p:cond delay="indefinite"/>
+                      </p:stCondLst>
+                      <p:childTnLst>
+                        <p:par>
+                          <p:cTn id="52" fill="hold">
+                            <p:stCondLst>
+                              <p:cond delay="0"/>
+                            </p:stCondLst>
+                            <p:childTnLst>
+                              <p:par>
+                                <p:cTn id="53" presetID="42" presetClass="entr" presetSubtype="0" fill="hold" grpId="0" nodeType="clickEffect">
+                                  <p:stCondLst>
+                                    <p:cond delay="0"/>
+                                  </p:stCondLst>
+                                  <p:childTnLst>
+                                    <p:set>
+                                      <p:cBhvr>
+                                        <p:cTn id="54" dur="1" fill="hold">
+                                          <p:stCondLst>
+                                            <p:cond delay="0"/>
+                                          </p:stCondLst>
+                                        </p:cTn>
+                                        <p:tgtEl>
+                                          <p:spTgt spid="23"/>
+                                        </p:tgtEl>
+                                        <p:attrNameLst>
+                                          <p:attrName>style.visibility</p:attrName>
+                                        </p:attrNameLst>
+                                      </p:cBhvr>
+                                      <p:to>
+                                        <p:strVal val="visible"/>
+                                      </p:to>
+                                    </p:set>
+                                    <p:animEffect transition="in" filter="fade">
+                                      <p:cBhvr>
+                                        <p:cTn id="55" dur="1000"/>
+                                        <p:tgtEl>
+                                          <p:spTgt spid="23"/>
+                                        </p:tgtEl>
+                                      </p:cBhvr>
+                                    </p:animEffect>
+                                    <p:anim calcmode="lin" valueType="num">
+                                      <p:cBhvr>
+                                        <p:cTn id="56" dur="1000" fill="hold"/>
+                                        <p:tgtEl>
+                                          <p:spTgt spid="23"/>
+                                        </p:tgtEl>
+                                        <p:attrNameLst>
+                                          <p:attrName>ppt_x</p:attrName>
+                                        </p:attrNameLst>
+                                      </p:cBhvr>
+                                      <p:tavLst>
+                                        <p:tav tm="0">
+                                          <p:val>
+                                            <p:strVal val="#ppt_x"/>
+                                          </p:val>
+                                        </p:tav>
+                                        <p:tav tm="100000">
+                                          <p:val>
+                                            <p:strVal val="#ppt_x"/>
+                                          </p:val>
+                                        </p:tav>
+                                      </p:tavLst>
+                                    </p:anim>
+                                    <p:anim calcmode="lin" valueType="num">
+                                      <p:cBhvr>
+                                        <p:cTn id="57" dur="1000" fill="hold"/>
+                                        <p:tgtEl>
+                                          <p:spTgt spid="23"/>
+                                        </p:tgtEl>
+                                        <p:attrNameLst>
+                                          <p:attrName>ppt_y</p:attrName>
+                                        </p:attrNameLst>
+                                      </p:cBhvr>
+                                      <p:tavLst>
+                                        <p:tav tm="0">
+                                          <p:val>
+                                            <p:strVal val="#ppt_y+.1"/>
+                                          </p:val>
+                                        </p:tav>
+                                        <p:tav tm="100000">
+                                          <p:val>
+                                            <p:strVal val="#ppt_y"/>
+                                          </p:val>
+                                        </p:tav>
+                                      </p:tavLst>
+                                    </p:anim>
+                                  </p:childTnLst>
+                                </p:cTn>
+                              </p:par>
+                            </p:childTnLst>
+                          </p:cTn>
+                        </p:par>
+                      </p:childTnLst>
+                    </p:cTn>
+                  </p:par>
+                </p:childTnLst>
+              </p:cTn>
+              <p:prevCondLst>
+                <p:cond evt="onPrev" delay="0">
+                  <p:tgtEl>
+                    <p:sldTgt/>
+                  </p:tgtEl>
+                </p:cond>
+              </p:prevCondLst>
+              <p:nextCondLst>
+                <p:cond evt="onNext" delay="0">
+                  <p:tgtEl>
+                    <p:sldTgt/>
+                  </p:tgtEl>
+                </p:cond>
+              </p:nextCondLst>
+            </p:seq>
+          </p:childTnLst>
+        </p:cTn>
+      </p:par>
+    </p:tnLst>
+    <p:bldLst>
+      <p:bldP spid="11" grpId="0" animBg="1"/>
+      <p:bldP spid="12" grpId="0" animBg="1"/>
+      <p:bldP spid="13" grpId="0" animBg="1"/>
+      <p:bldP spid="14" grpId="0" animBg="1"/>
+      <p:bldP spid="23" grpId="0"/>
+    </p:bldLst>
+  </p:timing>
 </p:sld>
 </file>
 
@@ -6392,6 +8457,58 @@
       </p:sp>
       <p:sp>
         <p:nvSpPr>
+          <p:cNvPr id="3" name="Rectángulo 2">
+            <a:extLst>
+              <a:ext uri="{FF2B5EF4-FFF2-40B4-BE49-F238E27FC236}">
+                <a16:creationId xmlns:a16="http://schemas.microsoft.com/office/drawing/2014/main" id="{77C7E518-296B-6B92-56EE-98DD5D1F7809}"/>
+              </a:ext>
+            </a:extLst>
+          </p:cNvPr>
+          <p:cNvSpPr/>
+          <p:nvPr/>
+        </p:nvSpPr>
+        <p:spPr>
+          <a:xfrm>
+            <a:off x="4559965" y="-71020"/>
+            <a:ext cx="3057076" cy="2130640"/>
+          </a:xfrm>
+          <a:prstGeom prst="rect">
+            <a:avLst/>
+          </a:prstGeom>
+          <a:solidFill>
+            <a:srgbClr val="1691A2"/>
+          </a:solidFill>
+          <a:ln>
+            <a:noFill/>
+          </a:ln>
+        </p:spPr>
+        <p:style>
+          <a:lnRef idx="2">
+            <a:schemeClr val="accent1">
+              <a:shade val="15000"/>
+            </a:schemeClr>
+          </a:lnRef>
+          <a:fillRef idx="1">
+            <a:schemeClr val="accent1"/>
+          </a:fillRef>
+          <a:effectRef idx="0">
+            <a:schemeClr val="accent1"/>
+          </a:effectRef>
+          <a:fontRef idx="minor">
+            <a:schemeClr val="lt1"/>
+          </a:fontRef>
+        </p:style>
+        <p:txBody>
+          <a:bodyPr rtlCol="0" anchor="ctr"/>
+          <a:lstStyle/>
+          <a:p>
+            <a:pPr algn="ctr"/>
+            <a:endParaRPr lang="es-ES"/>
+          </a:p>
+        </p:txBody>
+      </p:sp>
+      <p:sp>
+        <p:nvSpPr>
           <p:cNvPr id="23" name="Rectangle 22">
             <a:extLst>
               <a:ext uri="{FF2B5EF4-FFF2-40B4-BE49-F238E27FC236}">
@@ -6460,6 +8577,60 @@
       </p:sp>
       <p:sp>
         <p:nvSpPr>
+          <p:cNvPr id="14" name="Rectángulo 13">
+            <a:extLst>
+              <a:ext uri="{FF2B5EF4-FFF2-40B4-BE49-F238E27FC236}">
+                <a16:creationId xmlns:a16="http://schemas.microsoft.com/office/drawing/2014/main" id="{D1661242-8447-DCFD-BEDC-F3FED2F41FA5}"/>
+              </a:ext>
+            </a:extLst>
+          </p:cNvPr>
+          <p:cNvSpPr/>
+          <p:nvPr/>
+        </p:nvSpPr>
+        <p:spPr>
+          <a:xfrm>
+            <a:off x="3799642" y="3928947"/>
+            <a:ext cx="4267201" cy="2928758"/>
+          </a:xfrm>
+          <a:prstGeom prst="rect">
+            <a:avLst/>
+          </a:prstGeom>
+          <a:solidFill>
+            <a:schemeClr val="bg1"/>
+          </a:solidFill>
+          <a:ln>
+            <a:solidFill>
+              <a:schemeClr val="bg1"/>
+            </a:solidFill>
+          </a:ln>
+        </p:spPr>
+        <p:style>
+          <a:lnRef idx="2">
+            <a:schemeClr val="accent1">
+              <a:shade val="15000"/>
+            </a:schemeClr>
+          </a:lnRef>
+          <a:fillRef idx="1">
+            <a:schemeClr val="accent1"/>
+          </a:fillRef>
+          <a:effectRef idx="0">
+            <a:schemeClr val="accent1"/>
+          </a:effectRef>
+          <a:fontRef idx="minor">
+            <a:schemeClr val="lt1"/>
+          </a:fontRef>
+        </p:style>
+        <p:txBody>
+          <a:bodyPr rtlCol="0" anchor="ctr"/>
+          <a:lstStyle/>
+          <a:p>
+            <a:pPr algn="ctr"/>
+            <a:endParaRPr lang="es-ES" dirty="0"/>
+          </a:p>
+        </p:txBody>
+      </p:sp>
+      <p:sp>
+        <p:nvSpPr>
           <p:cNvPr id="2" name="Title 1">
             <a:extLst>
               <a:ext uri="{FF2B5EF4-FFF2-40B4-BE49-F238E27FC236}">
@@ -6488,13 +8659,11 @@
           <a:p>
             <a:pPr algn="ctr"/>
             <a:r>
-              <a:rPr lang="es-ES">
+              <a:rPr lang="es-ES" dirty="0">
                 <a:solidFill>
-                  <a:schemeClr val="tx1">
-                    <a:lumMod val="85000"/>
-                    <a:lumOff val="15000"/>
-                  </a:schemeClr>
+                  <a:schemeClr val="bg1"/>
                 </a:solidFill>
+                <a:latin typeface="Bahnschrift" panose="020B0502040204020203" pitchFamily="34" charset="0"/>
               </a:rPr>
               <a:t>Origen y Contexto</a:t>
             </a:r>
@@ -6516,7 +8685,7 @@
           <p:nvPr/>
         </p:nvPicPr>
         <p:blipFill rotWithShape="1">
-          <a:blip r:embed="rId2">
+          <a:blip r:embed="rId3">
             <a:extLst>
               <a:ext uri="{28A0092B-C50C-407E-A947-70E740481C1C}">
                 <a14:useLocalDpi xmlns:a14="http://schemas.microsoft.com/office/drawing/2010/main" val="0"/>
@@ -7171,45 +9340,6 @@
           </a:custGeom>
         </p:spPr>
       </p:pic>
-      <p:sp>
-        <p:nvSpPr>
-          <p:cNvPr id="18" name="Content Placeholder 17">
-            <a:extLst>
-              <a:ext uri="{FF2B5EF4-FFF2-40B4-BE49-F238E27FC236}">
-                <a16:creationId xmlns:a16="http://schemas.microsoft.com/office/drawing/2014/main" id="{F0FC2288-367F-85BB-F42F-F83962B44D28}"/>
-              </a:ext>
-            </a:extLst>
-          </p:cNvPr>
-          <p:cNvSpPr>
-            <a:spLocks noGrp="1"/>
-          </p:cNvSpPr>
-          <p:nvPr>
-            <p:ph idx="1"/>
-          </p:nvPr>
-        </p:nvSpPr>
-        <p:spPr>
-          <a:xfrm>
-            <a:off x="4198966" y="2147357"/>
-            <a:ext cx="3810000" cy="4101042"/>
-          </a:xfrm>
-        </p:spPr>
-        <p:txBody>
-          <a:bodyPr>
-            <a:normAutofit/>
-          </a:bodyPr>
-          <a:lstStyle/>
-          <a:p>
-            <a:endParaRPr lang="en-US" sz="2000" dirty="0">
-              <a:solidFill>
-                <a:schemeClr val="tx1">
-                  <a:lumMod val="85000"/>
-                  <a:lumOff val="15000"/>
-                </a:schemeClr>
-              </a:solidFill>
-            </a:endParaRPr>
-          </a:p>
-        </p:txBody>
-      </p:sp>
       <p:pic>
         <p:nvPicPr>
           <p:cNvPr id="5" name="Content Placeholder 4" descr="A group of people in lab coats looking at a puzzle&#10;&#10;Description automatically generated">
@@ -7225,7 +9355,7 @@
           <p:nvPr/>
         </p:nvPicPr>
         <p:blipFill rotWithShape="1">
-          <a:blip r:embed="rId3">
+          <a:blip r:embed="rId4">
             <a:extLst>
               <a:ext uri="{28A0092B-C50C-407E-A947-70E740481C1C}">
                 <a14:useLocalDpi xmlns:a14="http://schemas.microsoft.com/office/drawing/2010/main" val="0"/>
@@ -7705,6 +9835,702 @@
           </a:custGeom>
         </p:spPr>
       </p:pic>
+      <p:sp>
+        <p:nvSpPr>
+          <p:cNvPr id="4" name="CuadroTexto 3">
+            <a:extLst>
+              <a:ext uri="{FF2B5EF4-FFF2-40B4-BE49-F238E27FC236}">
+                <a16:creationId xmlns:a16="http://schemas.microsoft.com/office/drawing/2014/main" id="{DAB9696B-3AC6-3CFC-BE0B-879E81EE24B8}"/>
+              </a:ext>
+            </a:extLst>
+          </p:cNvPr>
+          <p:cNvSpPr txBox="1"/>
+          <p:nvPr/>
+        </p:nvSpPr>
+        <p:spPr>
+          <a:xfrm>
+            <a:off x="4183430" y="2624827"/>
+            <a:ext cx="2349618" cy="369332"/>
+          </a:xfrm>
+          <a:prstGeom prst="rect">
+            <a:avLst/>
+          </a:prstGeom>
+          <a:noFill/>
+        </p:spPr>
+        <p:txBody>
+          <a:bodyPr wrap="none" rtlCol="0">
+            <a:spAutoFit/>
+          </a:bodyPr>
+          <a:lstStyle/>
+          <a:p>
+            <a:r>
+              <a:rPr lang="es-ES" dirty="0"/>
+              <a:t>Psicología del Lenguaje</a:t>
+            </a:r>
+          </a:p>
+        </p:txBody>
+      </p:sp>
+      <p:pic>
+        <p:nvPicPr>
+          <p:cNvPr id="7" name="Imagen 6">
+            <a:extLst>
+              <a:ext uri="{FF2B5EF4-FFF2-40B4-BE49-F238E27FC236}">
+                <a16:creationId xmlns:a16="http://schemas.microsoft.com/office/drawing/2014/main" id="{AD0D69AA-6A7E-FFDD-1F6E-83B1FE303E3B}"/>
+              </a:ext>
+            </a:extLst>
+          </p:cNvPr>
+          <p:cNvPicPr>
+            <a:picLocks noChangeAspect="1"/>
+          </p:cNvPicPr>
+          <p:nvPr/>
+        </p:nvPicPr>
+        <p:blipFill>
+          <a:blip r:embed="rId5">
+            <a:extLst>
+              <a:ext uri="{28A0092B-C50C-407E-A947-70E740481C1C}">
+                <a14:useLocalDpi xmlns:a14="http://schemas.microsoft.com/office/drawing/2010/main" val="0"/>
+              </a:ext>
+            </a:extLst>
+          </a:blip>
+          <a:stretch>
+            <a:fillRect/>
+          </a:stretch>
+        </p:blipFill>
+        <p:spPr>
+          <a:xfrm>
+            <a:off x="6605581" y="2138335"/>
+            <a:ext cx="1011460" cy="1249532"/>
+          </a:xfrm>
+          <a:prstGeom prst="rect">
+            <a:avLst/>
+          </a:prstGeom>
+        </p:spPr>
+      </p:pic>
+      <p:pic>
+        <p:nvPicPr>
+          <p:cNvPr id="9" name="Imagen 8">
+            <a:extLst>
+              <a:ext uri="{FF2B5EF4-FFF2-40B4-BE49-F238E27FC236}">
+                <a16:creationId xmlns:a16="http://schemas.microsoft.com/office/drawing/2014/main" id="{6AEF8FD9-9703-D1FA-8AD3-4F14134AC1B9}"/>
+              </a:ext>
+            </a:extLst>
+          </p:cNvPr>
+          <p:cNvPicPr>
+            <a:picLocks noChangeAspect="1"/>
+          </p:cNvPicPr>
+          <p:nvPr/>
+        </p:nvPicPr>
+        <p:blipFill>
+          <a:blip r:embed="rId6">
+            <a:extLst>
+              <a:ext uri="{28A0092B-C50C-407E-A947-70E740481C1C}">
+                <a14:useLocalDpi xmlns:a14="http://schemas.microsoft.com/office/drawing/2010/main" val="0"/>
+              </a:ext>
+            </a:extLst>
+          </a:blip>
+          <a:stretch>
+            <a:fillRect/>
+          </a:stretch>
+        </p:blipFill>
+        <p:spPr>
+          <a:xfrm>
+            <a:off x="5406138" y="5772393"/>
+            <a:ext cx="952014" cy="952014"/>
+          </a:xfrm>
+          <a:prstGeom prst="rect">
+            <a:avLst/>
+          </a:prstGeom>
+        </p:spPr>
+      </p:pic>
+      <p:pic>
+        <p:nvPicPr>
+          <p:cNvPr id="1026" name="Picture 2">
+            <a:extLst>
+              <a:ext uri="{FF2B5EF4-FFF2-40B4-BE49-F238E27FC236}">
+                <a16:creationId xmlns:a16="http://schemas.microsoft.com/office/drawing/2014/main" id="{9BDF6513-641D-2462-40BC-A3688EE0861F}"/>
+              </a:ext>
+            </a:extLst>
+          </p:cNvPr>
+          <p:cNvPicPr>
+            <a:picLocks noChangeAspect="1" noChangeArrowheads="1"/>
+          </p:cNvPicPr>
+          <p:nvPr/>
+        </p:nvPicPr>
+        <p:blipFill>
+          <a:blip r:embed="rId7">
+            <a:extLst>
+              <a:ext uri="{28A0092B-C50C-407E-A947-70E740481C1C}">
+                <a14:useLocalDpi xmlns:a14="http://schemas.microsoft.com/office/drawing/2010/main" val="0"/>
+              </a:ext>
+            </a:extLst>
+          </a:blip>
+          <a:srcRect/>
+          <a:stretch>
+            <a:fillRect/>
+          </a:stretch>
+        </p:blipFill>
+        <p:spPr bwMode="auto">
+          <a:xfrm>
+            <a:off x="4011913" y="4011061"/>
+            <a:ext cx="952015" cy="952015"/>
+          </a:xfrm>
+          <a:prstGeom prst="rect">
+            <a:avLst/>
+          </a:prstGeom>
+          <a:noFill/>
+          <a:ln>
+            <a:solidFill>
+              <a:schemeClr val="tx1"/>
+            </a:solidFill>
+          </a:ln>
+          <a:extLst>
+            <a:ext uri="{909E8E84-426E-40DD-AFC4-6F175D3DCCD1}">
+              <a14:hiddenFill xmlns:a14="http://schemas.microsoft.com/office/drawing/2010/main">
+                <a:solidFill>
+                  <a:srgbClr val="FFFFFF"/>
+                </a:solidFill>
+              </a14:hiddenFill>
+            </a:ext>
+          </a:extLst>
+        </p:spPr>
+      </p:pic>
+      <p:pic>
+        <p:nvPicPr>
+          <p:cNvPr id="11" name="Picture 2">
+            <a:extLst>
+              <a:ext uri="{FF2B5EF4-FFF2-40B4-BE49-F238E27FC236}">
+                <a16:creationId xmlns:a16="http://schemas.microsoft.com/office/drawing/2014/main" id="{E1ABDDE3-9F61-9E8B-0B5F-0431237DC778}"/>
+              </a:ext>
+            </a:extLst>
+          </p:cNvPr>
+          <p:cNvPicPr>
+            <a:picLocks noChangeAspect="1" noChangeArrowheads="1"/>
+          </p:cNvPicPr>
+          <p:nvPr/>
+        </p:nvPicPr>
+        <p:blipFill>
+          <a:blip r:embed="rId7">
+            <a:extLst>
+              <a:ext uri="{28A0092B-C50C-407E-A947-70E740481C1C}">
+                <a14:useLocalDpi xmlns:a14="http://schemas.microsoft.com/office/drawing/2010/main" val="0"/>
+              </a:ext>
+            </a:extLst>
+          </a:blip>
+          <a:srcRect/>
+          <a:stretch>
+            <a:fillRect/>
+          </a:stretch>
+        </p:blipFill>
+        <p:spPr bwMode="auto">
+          <a:xfrm flipH="1">
+            <a:off x="6880249" y="4032076"/>
+            <a:ext cx="952015" cy="952015"/>
+          </a:xfrm>
+          <a:prstGeom prst="rect">
+            <a:avLst/>
+          </a:prstGeom>
+          <a:noFill/>
+          <a:ln>
+            <a:solidFill>
+              <a:schemeClr val="tx1"/>
+            </a:solidFill>
+          </a:ln>
+          <a:extLst>
+            <a:ext uri="{909E8E84-426E-40DD-AFC4-6F175D3DCCD1}">
+              <a14:hiddenFill xmlns:a14="http://schemas.microsoft.com/office/drawing/2010/main">
+                <a:solidFill>
+                  <a:srgbClr val="FFFFFF"/>
+                </a:solidFill>
+              </a14:hiddenFill>
+            </a:ext>
+          </a:extLst>
+        </p:spPr>
+      </p:pic>
+      <p:sp>
+        <p:nvSpPr>
+          <p:cNvPr id="12" name="CuadroTexto 11">
+            <a:extLst>
+              <a:ext uri="{FF2B5EF4-FFF2-40B4-BE49-F238E27FC236}">
+                <a16:creationId xmlns:a16="http://schemas.microsoft.com/office/drawing/2014/main" id="{7AE17B0B-7BE4-E053-561A-9DFF222B0EEB}"/>
+              </a:ext>
+            </a:extLst>
+          </p:cNvPr>
+          <p:cNvSpPr txBox="1"/>
+          <p:nvPr/>
+        </p:nvSpPr>
+        <p:spPr>
+          <a:xfrm>
+            <a:off x="4322980" y="4239671"/>
+            <a:ext cx="317716" cy="369332"/>
+          </a:xfrm>
+          <a:prstGeom prst="rect">
+            <a:avLst/>
+          </a:prstGeom>
+          <a:noFill/>
+        </p:spPr>
+        <p:txBody>
+          <a:bodyPr wrap="none" rtlCol="0">
+            <a:spAutoFit/>
+          </a:bodyPr>
+          <a:lstStyle/>
+          <a:p>
+            <a:r>
+              <a:rPr lang="es-ES" dirty="0">
+                <a:solidFill>
+                  <a:schemeClr val="accent2"/>
+                </a:solidFill>
+              </a:rPr>
+              <a:t>A</a:t>
+            </a:r>
+          </a:p>
+        </p:txBody>
+      </p:sp>
+      <p:sp>
+        <p:nvSpPr>
+          <p:cNvPr id="13" name="CuadroTexto 12">
+            <a:extLst>
+              <a:ext uri="{FF2B5EF4-FFF2-40B4-BE49-F238E27FC236}">
+                <a16:creationId xmlns:a16="http://schemas.microsoft.com/office/drawing/2014/main" id="{D91F782D-CB53-1B4E-E571-9DD631B9924F}"/>
+              </a:ext>
+            </a:extLst>
+          </p:cNvPr>
+          <p:cNvSpPr txBox="1"/>
+          <p:nvPr/>
+        </p:nvSpPr>
+        <p:spPr>
+          <a:xfrm>
+            <a:off x="7201406" y="4247103"/>
+            <a:ext cx="309700" cy="369332"/>
+          </a:xfrm>
+          <a:prstGeom prst="rect">
+            <a:avLst/>
+          </a:prstGeom>
+          <a:noFill/>
+        </p:spPr>
+        <p:txBody>
+          <a:bodyPr wrap="none" rtlCol="0">
+            <a:spAutoFit/>
+          </a:bodyPr>
+          <a:lstStyle/>
+          <a:p>
+            <a:r>
+              <a:rPr lang="es-ES" dirty="0">
+                <a:solidFill>
+                  <a:srgbClr val="00B050"/>
+                </a:solidFill>
+              </a:rPr>
+              <a:t>B</a:t>
+            </a:r>
+          </a:p>
+        </p:txBody>
+      </p:sp>
+      <p:pic>
+        <p:nvPicPr>
+          <p:cNvPr id="1030" name="Picture 6">
+            <a:extLst>
+              <a:ext uri="{FF2B5EF4-FFF2-40B4-BE49-F238E27FC236}">
+                <a16:creationId xmlns:a16="http://schemas.microsoft.com/office/drawing/2014/main" id="{89A11110-3DA6-B9FD-5543-D776DD6F0091}"/>
+              </a:ext>
+            </a:extLst>
+          </p:cNvPr>
+          <p:cNvPicPr>
+            <a:picLocks noChangeAspect="1" noChangeArrowheads="1"/>
+          </p:cNvPicPr>
+          <p:nvPr/>
+        </p:nvPicPr>
+        <p:blipFill>
+          <a:blip r:embed="rId8">
+            <a:extLst>
+              <a:ext uri="{28A0092B-C50C-407E-A947-70E740481C1C}">
+                <a14:useLocalDpi xmlns:a14="http://schemas.microsoft.com/office/drawing/2010/main" val="0"/>
+              </a:ext>
+            </a:extLst>
+          </a:blip>
+          <a:srcRect/>
+          <a:stretch>
+            <a:fillRect/>
+          </a:stretch>
+        </p:blipFill>
+        <p:spPr bwMode="auto">
+          <a:xfrm>
+            <a:off x="5499146" y="4793461"/>
+            <a:ext cx="765998" cy="765998"/>
+          </a:xfrm>
+          <a:prstGeom prst="rect">
+            <a:avLst/>
+          </a:prstGeom>
+          <a:noFill/>
+          <a:extLst>
+            <a:ext uri="{909E8E84-426E-40DD-AFC4-6F175D3DCCD1}">
+              <a14:hiddenFill xmlns:a14="http://schemas.microsoft.com/office/drawing/2010/main">
+                <a:solidFill>
+                  <a:srgbClr val="FFFFFF"/>
+                </a:solidFill>
+              </a14:hiddenFill>
+            </a:ext>
+          </a:extLst>
+        </p:spPr>
+      </p:pic>
+      <p:pic>
+        <p:nvPicPr>
+          <p:cNvPr id="1032" name="Picture 8" descr="Íconos de idea en SVG, PNG, AI para descargar">
+            <a:extLst>
+              <a:ext uri="{FF2B5EF4-FFF2-40B4-BE49-F238E27FC236}">
+                <a16:creationId xmlns:a16="http://schemas.microsoft.com/office/drawing/2014/main" id="{840FE588-3EB4-F033-EC47-8A2B5B4B5074}"/>
+              </a:ext>
+            </a:extLst>
+          </p:cNvPr>
+          <p:cNvPicPr>
+            <a:picLocks noChangeAspect="1" noChangeArrowheads="1"/>
+          </p:cNvPicPr>
+          <p:nvPr/>
+        </p:nvPicPr>
+        <p:blipFill>
+          <a:blip r:embed="rId9">
+            <a:extLst>
+              <a:ext uri="{28A0092B-C50C-407E-A947-70E740481C1C}">
+                <a14:useLocalDpi xmlns:a14="http://schemas.microsoft.com/office/drawing/2010/main" val="0"/>
+              </a:ext>
+            </a:extLst>
+          </a:blip>
+          <a:srcRect/>
+          <a:stretch>
+            <a:fillRect/>
+          </a:stretch>
+        </p:blipFill>
+        <p:spPr bwMode="auto">
+          <a:xfrm>
+            <a:off x="5659436" y="5326554"/>
+            <a:ext cx="465812" cy="465812"/>
+          </a:xfrm>
+          <a:prstGeom prst="rect">
+            <a:avLst/>
+          </a:prstGeom>
+          <a:noFill/>
+          <a:extLst>
+            <a:ext uri="{909E8E84-426E-40DD-AFC4-6F175D3DCCD1}">
+              <a14:hiddenFill xmlns:a14="http://schemas.microsoft.com/office/drawing/2010/main">
+                <a:solidFill>
+                  <a:srgbClr val="FFFFFF"/>
+                </a:solidFill>
+              </a14:hiddenFill>
+            </a:ext>
+          </a:extLst>
+        </p:spPr>
+      </p:pic>
+      <p:cxnSp>
+        <p:nvCxnSpPr>
+          <p:cNvPr id="16" name="Conector recto de flecha 15">
+            <a:extLst>
+              <a:ext uri="{FF2B5EF4-FFF2-40B4-BE49-F238E27FC236}">
+                <a16:creationId xmlns:a16="http://schemas.microsoft.com/office/drawing/2014/main" id="{B85165B1-6E53-E510-9433-10BF130AD451}"/>
+              </a:ext>
+            </a:extLst>
+          </p:cNvPr>
+          <p:cNvCxnSpPr>
+            <a:cxnSpLocks/>
+          </p:cNvCxnSpPr>
+          <p:nvPr/>
+        </p:nvCxnSpPr>
+        <p:spPr>
+          <a:xfrm flipH="1" flipV="1">
+            <a:off x="5043055" y="4659869"/>
+            <a:ext cx="512331" cy="303207"/>
+          </a:xfrm>
+          <a:prstGeom prst="straightConnector1">
+            <a:avLst/>
+          </a:prstGeom>
+          <a:ln>
+            <a:solidFill>
+              <a:srgbClr val="1691A2"/>
+            </a:solidFill>
+            <a:tailEnd type="triangle"/>
+          </a:ln>
+        </p:spPr>
+        <p:style>
+          <a:lnRef idx="1">
+            <a:schemeClr val="accent1"/>
+          </a:lnRef>
+          <a:fillRef idx="0">
+            <a:schemeClr val="accent1"/>
+          </a:fillRef>
+          <a:effectRef idx="0">
+            <a:schemeClr val="accent1"/>
+          </a:effectRef>
+          <a:fontRef idx="minor">
+            <a:schemeClr val="tx1"/>
+          </a:fontRef>
+        </p:style>
+      </p:cxnSp>
+      <p:cxnSp>
+        <p:nvCxnSpPr>
+          <p:cNvPr id="19" name="Conector recto de flecha 18">
+            <a:extLst>
+              <a:ext uri="{FF2B5EF4-FFF2-40B4-BE49-F238E27FC236}">
+                <a16:creationId xmlns:a16="http://schemas.microsoft.com/office/drawing/2014/main" id="{3797C98D-BC8D-EF7C-4599-6D98B843180A}"/>
+              </a:ext>
+            </a:extLst>
+          </p:cNvPr>
+          <p:cNvCxnSpPr>
+            <a:cxnSpLocks/>
+          </p:cNvCxnSpPr>
+          <p:nvPr/>
+        </p:nvCxnSpPr>
+        <p:spPr>
+          <a:xfrm flipV="1">
+            <a:off x="6170491" y="4672270"/>
+            <a:ext cx="666141" cy="290806"/>
+          </a:xfrm>
+          <a:prstGeom prst="straightConnector1">
+            <a:avLst/>
+          </a:prstGeom>
+          <a:ln>
+            <a:solidFill>
+              <a:srgbClr val="1691A2"/>
+            </a:solidFill>
+            <a:tailEnd type="triangle"/>
+          </a:ln>
+        </p:spPr>
+        <p:style>
+          <a:lnRef idx="1">
+            <a:schemeClr val="accent1"/>
+          </a:lnRef>
+          <a:fillRef idx="0">
+            <a:schemeClr val="accent1"/>
+          </a:fillRef>
+          <a:effectRef idx="0">
+            <a:schemeClr val="accent1"/>
+          </a:effectRef>
+          <a:fontRef idx="minor">
+            <a:schemeClr val="tx1"/>
+          </a:fontRef>
+        </p:style>
+      </p:cxnSp>
+      <p:pic>
+        <p:nvPicPr>
+          <p:cNvPr id="1034" name="Picture 10" descr="Fotomural Detalle de cuaderno de anillas">
+            <a:extLst>
+              <a:ext uri="{FF2B5EF4-FFF2-40B4-BE49-F238E27FC236}">
+                <a16:creationId xmlns:a16="http://schemas.microsoft.com/office/drawing/2014/main" id="{D12F6B81-52E0-EEE7-8119-756804992531}"/>
+              </a:ext>
+            </a:extLst>
+          </p:cNvPr>
+          <p:cNvPicPr>
+            <a:picLocks noChangeAspect="1" noChangeArrowheads="1"/>
+          </p:cNvPicPr>
+          <p:nvPr/>
+        </p:nvPicPr>
+        <p:blipFill rotWithShape="1">
+          <a:blip r:embed="rId10">
+            <a:extLst>
+              <a:ext uri="{28A0092B-C50C-407E-A947-70E740481C1C}">
+                <a14:useLocalDpi xmlns:a14="http://schemas.microsoft.com/office/drawing/2010/main" val="0"/>
+              </a:ext>
+            </a:extLst>
+          </a:blip>
+          <a:srcRect l="34388" r="53992"/>
+          <a:stretch/>
+        </p:blipFill>
+        <p:spPr bwMode="auto">
+          <a:xfrm rot="5400000">
+            <a:off x="5711412" y="1620212"/>
+            <a:ext cx="508877" cy="4208130"/>
+          </a:xfrm>
+          <a:prstGeom prst="rect">
+            <a:avLst/>
+          </a:prstGeom>
+          <a:noFill/>
+          <a:extLst>
+            <a:ext uri="{909E8E84-426E-40DD-AFC4-6F175D3DCCD1}">
+              <a14:hiddenFill xmlns:a14="http://schemas.microsoft.com/office/drawing/2010/main">
+                <a:solidFill>
+                  <a:srgbClr val="FFFFFF"/>
+                </a:solidFill>
+              </a14:hiddenFill>
+            </a:ext>
+          </a:extLst>
+        </p:spPr>
+      </p:pic>
+      <p:sp>
+        <p:nvSpPr>
+          <p:cNvPr id="1029" name="Rectángulo 1028">
+            <a:extLst>
+              <a:ext uri="{FF2B5EF4-FFF2-40B4-BE49-F238E27FC236}">
+                <a16:creationId xmlns:a16="http://schemas.microsoft.com/office/drawing/2014/main" id="{2534450E-C888-9554-42BD-BD83105EFBED}"/>
+              </a:ext>
+            </a:extLst>
+          </p:cNvPr>
+          <p:cNvSpPr/>
+          <p:nvPr/>
+        </p:nvSpPr>
+        <p:spPr>
+          <a:xfrm>
+            <a:off x="3115061" y="5509493"/>
+            <a:ext cx="1927994" cy="476007"/>
+          </a:xfrm>
+          <a:prstGeom prst="rect">
+            <a:avLst/>
+          </a:prstGeom>
+          <a:solidFill>
+            <a:schemeClr val="accent2">
+              <a:lumMod val="40000"/>
+              <a:lumOff val="60000"/>
+            </a:schemeClr>
+          </a:solidFill>
+          <a:ln>
+            <a:noFill/>
+          </a:ln>
+        </p:spPr>
+        <p:style>
+          <a:lnRef idx="2">
+            <a:schemeClr val="accent1">
+              <a:shade val="15000"/>
+            </a:schemeClr>
+          </a:lnRef>
+          <a:fillRef idx="1">
+            <a:schemeClr val="accent1"/>
+          </a:fillRef>
+          <a:effectRef idx="0">
+            <a:schemeClr val="accent1"/>
+          </a:effectRef>
+          <a:fontRef idx="minor">
+            <a:schemeClr val="lt1"/>
+          </a:fontRef>
+        </p:style>
+        <p:txBody>
+          <a:bodyPr rtlCol="0" anchor="ctr"/>
+          <a:lstStyle/>
+          <a:p>
+            <a:pPr algn="ctr"/>
+            <a:endParaRPr lang="es-ES"/>
+          </a:p>
+        </p:txBody>
+      </p:sp>
+      <p:sp>
+        <p:nvSpPr>
+          <p:cNvPr id="1025" name="CuadroTexto 1024">
+            <a:extLst>
+              <a:ext uri="{FF2B5EF4-FFF2-40B4-BE49-F238E27FC236}">
+                <a16:creationId xmlns:a16="http://schemas.microsoft.com/office/drawing/2014/main" id="{521FF92C-FD1A-DCE2-99AC-D477F21B9337}"/>
+              </a:ext>
+            </a:extLst>
+          </p:cNvPr>
+          <p:cNvSpPr txBox="1"/>
+          <p:nvPr/>
+        </p:nvSpPr>
+        <p:spPr>
+          <a:xfrm>
+            <a:off x="3239837" y="5567269"/>
+            <a:ext cx="1747017" cy="369332"/>
+          </a:xfrm>
+          <a:prstGeom prst="rect">
+            <a:avLst/>
+          </a:prstGeom>
+          <a:noFill/>
+        </p:spPr>
+        <p:txBody>
+          <a:bodyPr wrap="none" rtlCol="0">
+            <a:spAutoFit/>
+          </a:bodyPr>
+          <a:lstStyle/>
+          <a:p>
+            <a:r>
+              <a:rPr lang="es-ES" dirty="0"/>
+              <a:t>Estado de ánimo</a:t>
+            </a:r>
+          </a:p>
+        </p:txBody>
+      </p:sp>
+      <p:sp>
+        <p:nvSpPr>
+          <p:cNvPr id="1031" name="Rectángulo 1030">
+            <a:extLst>
+              <a:ext uri="{FF2B5EF4-FFF2-40B4-BE49-F238E27FC236}">
+                <a16:creationId xmlns:a16="http://schemas.microsoft.com/office/drawing/2014/main" id="{EC0F885C-D1A2-B8C9-C4F6-1D3AE4DC80F8}"/>
+              </a:ext>
+            </a:extLst>
+          </p:cNvPr>
+          <p:cNvSpPr/>
+          <p:nvPr/>
+        </p:nvSpPr>
+        <p:spPr>
+          <a:xfrm>
+            <a:off x="6800362" y="5509493"/>
+            <a:ext cx="2478897" cy="476007"/>
+          </a:xfrm>
+          <a:prstGeom prst="rect">
+            <a:avLst/>
+          </a:prstGeom>
+          <a:solidFill>
+            <a:schemeClr val="accent2">
+              <a:lumMod val="40000"/>
+              <a:lumOff val="60000"/>
+            </a:schemeClr>
+          </a:solidFill>
+          <a:ln>
+            <a:noFill/>
+          </a:ln>
+        </p:spPr>
+        <p:style>
+          <a:lnRef idx="2">
+            <a:schemeClr val="accent1">
+              <a:shade val="15000"/>
+            </a:schemeClr>
+          </a:lnRef>
+          <a:fillRef idx="1">
+            <a:schemeClr val="accent1"/>
+          </a:fillRef>
+          <a:effectRef idx="0">
+            <a:schemeClr val="accent1"/>
+          </a:effectRef>
+          <a:fontRef idx="minor">
+            <a:schemeClr val="lt1"/>
+          </a:fontRef>
+        </p:style>
+        <p:txBody>
+          <a:bodyPr rtlCol="0" anchor="ctr"/>
+          <a:lstStyle/>
+          <a:p>
+            <a:pPr algn="ctr"/>
+            <a:endParaRPr lang="es-ES"/>
+          </a:p>
+        </p:txBody>
+      </p:sp>
+      <p:sp>
+        <p:nvSpPr>
+          <p:cNvPr id="1027" name="CuadroTexto 1026">
+            <a:extLst>
+              <a:ext uri="{FF2B5EF4-FFF2-40B4-BE49-F238E27FC236}">
+                <a16:creationId xmlns:a16="http://schemas.microsoft.com/office/drawing/2014/main" id="{C6389FF5-5F1B-1581-467C-BB553C689FF0}"/>
+              </a:ext>
+            </a:extLst>
+          </p:cNvPr>
+          <p:cNvSpPr txBox="1"/>
+          <p:nvPr/>
+        </p:nvSpPr>
+        <p:spPr>
+          <a:xfrm>
+            <a:off x="6897454" y="5564801"/>
+            <a:ext cx="2381806" cy="369332"/>
+          </a:xfrm>
+          <a:prstGeom prst="rect">
+            <a:avLst/>
+          </a:prstGeom>
+          <a:noFill/>
+        </p:spPr>
+        <p:txBody>
+          <a:bodyPr wrap="none" rtlCol="0">
+            <a:spAutoFit/>
+          </a:bodyPr>
+          <a:lstStyle/>
+          <a:p>
+            <a:r>
+              <a:rPr lang="es-ES" dirty="0"/>
+              <a:t>Rasgos de Personalidad</a:t>
+            </a:r>
+          </a:p>
+        </p:txBody>
+      </p:sp>
     </p:spTree>
     <p:extLst>
       <p:ext uri="{BB962C8B-B14F-4D97-AF65-F5344CB8AC3E}">
@@ -7715,6 +10541,1350 @@
   <p:clrMapOvr>
     <a:masterClrMapping/>
   </p:clrMapOvr>
+  <p:timing>
+    <p:tnLst>
+      <p:par>
+        <p:cTn id="1" dur="indefinite" restart="never" nodeType="tmRoot">
+          <p:childTnLst>
+            <p:seq concurrent="1" nextAc="seek">
+              <p:cTn id="2" dur="indefinite" nodeType="mainSeq">
+                <p:childTnLst>
+                  <p:par>
+                    <p:cTn id="3" fill="hold">
+                      <p:stCondLst>
+                        <p:cond delay="indefinite"/>
+                      </p:stCondLst>
+                      <p:childTnLst>
+                        <p:par>
+                          <p:cTn id="4" fill="hold">
+                            <p:stCondLst>
+                              <p:cond delay="0"/>
+                            </p:stCondLst>
+                            <p:childTnLst>
+                              <p:par>
+                                <p:cTn id="5" presetID="53" presetClass="entr" presetSubtype="16" fill="hold" grpId="0" nodeType="clickEffect">
+                                  <p:stCondLst>
+                                    <p:cond delay="0"/>
+                                  </p:stCondLst>
+                                  <p:childTnLst>
+                                    <p:set>
+                                      <p:cBhvr>
+                                        <p:cTn id="6" dur="1" fill="hold">
+                                          <p:stCondLst>
+                                            <p:cond delay="0"/>
+                                          </p:stCondLst>
+                                        </p:cTn>
+                                        <p:tgtEl>
+                                          <p:spTgt spid="14"/>
+                                        </p:tgtEl>
+                                        <p:attrNameLst>
+                                          <p:attrName>style.visibility</p:attrName>
+                                        </p:attrNameLst>
+                                      </p:cBhvr>
+                                      <p:to>
+                                        <p:strVal val="visible"/>
+                                      </p:to>
+                                    </p:set>
+                                    <p:anim calcmode="lin" valueType="num">
+                                      <p:cBhvr>
+                                        <p:cTn id="7" dur="500" fill="hold"/>
+                                        <p:tgtEl>
+                                          <p:spTgt spid="14"/>
+                                        </p:tgtEl>
+                                        <p:attrNameLst>
+                                          <p:attrName>ppt_w</p:attrName>
+                                        </p:attrNameLst>
+                                      </p:cBhvr>
+                                      <p:tavLst>
+                                        <p:tav tm="0">
+                                          <p:val>
+                                            <p:fltVal val="0"/>
+                                          </p:val>
+                                        </p:tav>
+                                        <p:tav tm="100000">
+                                          <p:val>
+                                            <p:strVal val="#ppt_w"/>
+                                          </p:val>
+                                        </p:tav>
+                                      </p:tavLst>
+                                    </p:anim>
+                                    <p:anim calcmode="lin" valueType="num">
+                                      <p:cBhvr>
+                                        <p:cTn id="8" dur="500" fill="hold"/>
+                                        <p:tgtEl>
+                                          <p:spTgt spid="14"/>
+                                        </p:tgtEl>
+                                        <p:attrNameLst>
+                                          <p:attrName>ppt_h</p:attrName>
+                                        </p:attrNameLst>
+                                      </p:cBhvr>
+                                      <p:tavLst>
+                                        <p:tav tm="0">
+                                          <p:val>
+                                            <p:fltVal val="0"/>
+                                          </p:val>
+                                        </p:tav>
+                                        <p:tav tm="100000">
+                                          <p:val>
+                                            <p:strVal val="#ppt_h"/>
+                                          </p:val>
+                                        </p:tav>
+                                      </p:tavLst>
+                                    </p:anim>
+                                    <p:animEffect transition="in" filter="fade">
+                                      <p:cBhvr>
+                                        <p:cTn id="9" dur="500"/>
+                                        <p:tgtEl>
+                                          <p:spTgt spid="14"/>
+                                        </p:tgtEl>
+                                      </p:cBhvr>
+                                    </p:animEffect>
+                                  </p:childTnLst>
+                                </p:cTn>
+                              </p:par>
+                              <p:par>
+                                <p:cTn id="10" presetID="53" presetClass="entr" presetSubtype="16" fill="hold" nodeType="withEffect">
+                                  <p:stCondLst>
+                                    <p:cond delay="0"/>
+                                  </p:stCondLst>
+                                  <p:childTnLst>
+                                    <p:set>
+                                      <p:cBhvr>
+                                        <p:cTn id="11" dur="1" fill="hold">
+                                          <p:stCondLst>
+                                            <p:cond delay="0"/>
+                                          </p:stCondLst>
+                                        </p:cTn>
+                                        <p:tgtEl>
+                                          <p:spTgt spid="1034"/>
+                                        </p:tgtEl>
+                                        <p:attrNameLst>
+                                          <p:attrName>style.visibility</p:attrName>
+                                        </p:attrNameLst>
+                                      </p:cBhvr>
+                                      <p:to>
+                                        <p:strVal val="visible"/>
+                                      </p:to>
+                                    </p:set>
+                                    <p:anim calcmode="lin" valueType="num">
+                                      <p:cBhvr>
+                                        <p:cTn id="12" dur="500" fill="hold"/>
+                                        <p:tgtEl>
+                                          <p:spTgt spid="1034"/>
+                                        </p:tgtEl>
+                                        <p:attrNameLst>
+                                          <p:attrName>ppt_w</p:attrName>
+                                        </p:attrNameLst>
+                                      </p:cBhvr>
+                                      <p:tavLst>
+                                        <p:tav tm="0">
+                                          <p:val>
+                                            <p:fltVal val="0"/>
+                                          </p:val>
+                                        </p:tav>
+                                        <p:tav tm="100000">
+                                          <p:val>
+                                            <p:strVal val="#ppt_w"/>
+                                          </p:val>
+                                        </p:tav>
+                                      </p:tavLst>
+                                    </p:anim>
+                                    <p:anim calcmode="lin" valueType="num">
+                                      <p:cBhvr>
+                                        <p:cTn id="13" dur="500" fill="hold"/>
+                                        <p:tgtEl>
+                                          <p:spTgt spid="1034"/>
+                                        </p:tgtEl>
+                                        <p:attrNameLst>
+                                          <p:attrName>ppt_h</p:attrName>
+                                        </p:attrNameLst>
+                                      </p:cBhvr>
+                                      <p:tavLst>
+                                        <p:tav tm="0">
+                                          <p:val>
+                                            <p:fltVal val="0"/>
+                                          </p:val>
+                                        </p:tav>
+                                        <p:tav tm="100000">
+                                          <p:val>
+                                            <p:strVal val="#ppt_h"/>
+                                          </p:val>
+                                        </p:tav>
+                                      </p:tavLst>
+                                    </p:anim>
+                                    <p:animEffect transition="in" filter="fade">
+                                      <p:cBhvr>
+                                        <p:cTn id="14" dur="500"/>
+                                        <p:tgtEl>
+                                          <p:spTgt spid="1034"/>
+                                        </p:tgtEl>
+                                      </p:cBhvr>
+                                    </p:animEffect>
+                                  </p:childTnLst>
+                                </p:cTn>
+                              </p:par>
+                              <p:par>
+                                <p:cTn id="15" presetID="53" presetClass="entr" presetSubtype="16" fill="hold" nodeType="withEffect">
+                                  <p:stCondLst>
+                                    <p:cond delay="0"/>
+                                  </p:stCondLst>
+                                  <p:childTnLst>
+                                    <p:set>
+                                      <p:cBhvr>
+                                        <p:cTn id="16" dur="1" fill="hold">
+                                          <p:stCondLst>
+                                            <p:cond delay="0"/>
+                                          </p:stCondLst>
+                                        </p:cTn>
+                                        <p:tgtEl>
+                                          <p:spTgt spid="9"/>
+                                        </p:tgtEl>
+                                        <p:attrNameLst>
+                                          <p:attrName>style.visibility</p:attrName>
+                                        </p:attrNameLst>
+                                      </p:cBhvr>
+                                      <p:to>
+                                        <p:strVal val="visible"/>
+                                      </p:to>
+                                    </p:set>
+                                    <p:anim calcmode="lin" valueType="num">
+                                      <p:cBhvr>
+                                        <p:cTn id="17" dur="500" fill="hold"/>
+                                        <p:tgtEl>
+                                          <p:spTgt spid="9"/>
+                                        </p:tgtEl>
+                                        <p:attrNameLst>
+                                          <p:attrName>ppt_w</p:attrName>
+                                        </p:attrNameLst>
+                                      </p:cBhvr>
+                                      <p:tavLst>
+                                        <p:tav tm="0">
+                                          <p:val>
+                                            <p:fltVal val="0"/>
+                                          </p:val>
+                                        </p:tav>
+                                        <p:tav tm="100000">
+                                          <p:val>
+                                            <p:strVal val="#ppt_w"/>
+                                          </p:val>
+                                        </p:tav>
+                                      </p:tavLst>
+                                    </p:anim>
+                                    <p:anim calcmode="lin" valueType="num">
+                                      <p:cBhvr>
+                                        <p:cTn id="18" dur="500" fill="hold"/>
+                                        <p:tgtEl>
+                                          <p:spTgt spid="9"/>
+                                        </p:tgtEl>
+                                        <p:attrNameLst>
+                                          <p:attrName>ppt_h</p:attrName>
+                                        </p:attrNameLst>
+                                      </p:cBhvr>
+                                      <p:tavLst>
+                                        <p:tav tm="0">
+                                          <p:val>
+                                            <p:fltVal val="0"/>
+                                          </p:val>
+                                        </p:tav>
+                                        <p:tav tm="100000">
+                                          <p:val>
+                                            <p:strVal val="#ppt_h"/>
+                                          </p:val>
+                                        </p:tav>
+                                      </p:tavLst>
+                                    </p:anim>
+                                    <p:animEffect transition="in" filter="fade">
+                                      <p:cBhvr>
+                                        <p:cTn id="19" dur="500"/>
+                                        <p:tgtEl>
+                                          <p:spTgt spid="9"/>
+                                        </p:tgtEl>
+                                      </p:cBhvr>
+                                    </p:animEffect>
+                                  </p:childTnLst>
+                                </p:cTn>
+                              </p:par>
+                            </p:childTnLst>
+                          </p:cTn>
+                        </p:par>
+                      </p:childTnLst>
+                    </p:cTn>
+                  </p:par>
+                  <p:par>
+                    <p:cTn id="20" fill="hold">
+                      <p:stCondLst>
+                        <p:cond delay="indefinite"/>
+                      </p:stCondLst>
+                      <p:childTnLst>
+                        <p:par>
+                          <p:cTn id="21" fill="hold">
+                            <p:stCondLst>
+                              <p:cond delay="0"/>
+                            </p:stCondLst>
+                            <p:childTnLst>
+                              <p:par>
+                                <p:cTn id="22" presetID="53" presetClass="entr" presetSubtype="16" fill="hold" nodeType="clickEffect">
+                                  <p:stCondLst>
+                                    <p:cond delay="0"/>
+                                  </p:stCondLst>
+                                  <p:childTnLst>
+                                    <p:set>
+                                      <p:cBhvr>
+                                        <p:cTn id="23" dur="1" fill="hold">
+                                          <p:stCondLst>
+                                            <p:cond delay="0"/>
+                                          </p:stCondLst>
+                                        </p:cTn>
+                                        <p:tgtEl>
+                                          <p:spTgt spid="1032"/>
+                                        </p:tgtEl>
+                                        <p:attrNameLst>
+                                          <p:attrName>style.visibility</p:attrName>
+                                        </p:attrNameLst>
+                                      </p:cBhvr>
+                                      <p:to>
+                                        <p:strVal val="visible"/>
+                                      </p:to>
+                                    </p:set>
+                                    <p:anim calcmode="lin" valueType="num">
+                                      <p:cBhvr>
+                                        <p:cTn id="24" dur="500" fill="hold"/>
+                                        <p:tgtEl>
+                                          <p:spTgt spid="1032"/>
+                                        </p:tgtEl>
+                                        <p:attrNameLst>
+                                          <p:attrName>ppt_w</p:attrName>
+                                        </p:attrNameLst>
+                                      </p:cBhvr>
+                                      <p:tavLst>
+                                        <p:tav tm="0">
+                                          <p:val>
+                                            <p:fltVal val="0"/>
+                                          </p:val>
+                                        </p:tav>
+                                        <p:tav tm="100000">
+                                          <p:val>
+                                            <p:strVal val="#ppt_w"/>
+                                          </p:val>
+                                        </p:tav>
+                                      </p:tavLst>
+                                    </p:anim>
+                                    <p:anim calcmode="lin" valueType="num">
+                                      <p:cBhvr>
+                                        <p:cTn id="25" dur="500" fill="hold"/>
+                                        <p:tgtEl>
+                                          <p:spTgt spid="1032"/>
+                                        </p:tgtEl>
+                                        <p:attrNameLst>
+                                          <p:attrName>ppt_h</p:attrName>
+                                        </p:attrNameLst>
+                                      </p:cBhvr>
+                                      <p:tavLst>
+                                        <p:tav tm="0">
+                                          <p:val>
+                                            <p:fltVal val="0"/>
+                                          </p:val>
+                                        </p:tav>
+                                        <p:tav tm="100000">
+                                          <p:val>
+                                            <p:strVal val="#ppt_h"/>
+                                          </p:val>
+                                        </p:tav>
+                                      </p:tavLst>
+                                    </p:anim>
+                                    <p:animEffect transition="in" filter="fade">
+                                      <p:cBhvr>
+                                        <p:cTn id="26" dur="500"/>
+                                        <p:tgtEl>
+                                          <p:spTgt spid="1032"/>
+                                        </p:tgtEl>
+                                      </p:cBhvr>
+                                    </p:animEffect>
+                                  </p:childTnLst>
+                                </p:cTn>
+                              </p:par>
+                            </p:childTnLst>
+                          </p:cTn>
+                        </p:par>
+                      </p:childTnLst>
+                    </p:cTn>
+                  </p:par>
+                  <p:par>
+                    <p:cTn id="27" fill="hold">
+                      <p:stCondLst>
+                        <p:cond delay="indefinite"/>
+                      </p:stCondLst>
+                      <p:childTnLst>
+                        <p:par>
+                          <p:cTn id="28" fill="hold">
+                            <p:stCondLst>
+                              <p:cond delay="0"/>
+                            </p:stCondLst>
+                            <p:childTnLst>
+                              <p:par>
+                                <p:cTn id="29" presetID="53" presetClass="entr" presetSubtype="16" fill="hold" nodeType="clickEffect">
+                                  <p:stCondLst>
+                                    <p:cond delay="0"/>
+                                  </p:stCondLst>
+                                  <p:childTnLst>
+                                    <p:set>
+                                      <p:cBhvr>
+                                        <p:cTn id="30" dur="1" fill="hold">
+                                          <p:stCondLst>
+                                            <p:cond delay="0"/>
+                                          </p:stCondLst>
+                                        </p:cTn>
+                                        <p:tgtEl>
+                                          <p:spTgt spid="1030"/>
+                                        </p:tgtEl>
+                                        <p:attrNameLst>
+                                          <p:attrName>style.visibility</p:attrName>
+                                        </p:attrNameLst>
+                                      </p:cBhvr>
+                                      <p:to>
+                                        <p:strVal val="visible"/>
+                                      </p:to>
+                                    </p:set>
+                                    <p:anim calcmode="lin" valueType="num">
+                                      <p:cBhvr>
+                                        <p:cTn id="31" dur="500" fill="hold"/>
+                                        <p:tgtEl>
+                                          <p:spTgt spid="1030"/>
+                                        </p:tgtEl>
+                                        <p:attrNameLst>
+                                          <p:attrName>ppt_w</p:attrName>
+                                        </p:attrNameLst>
+                                      </p:cBhvr>
+                                      <p:tavLst>
+                                        <p:tav tm="0">
+                                          <p:val>
+                                            <p:fltVal val="0"/>
+                                          </p:val>
+                                        </p:tav>
+                                        <p:tav tm="100000">
+                                          <p:val>
+                                            <p:strVal val="#ppt_w"/>
+                                          </p:val>
+                                        </p:tav>
+                                      </p:tavLst>
+                                    </p:anim>
+                                    <p:anim calcmode="lin" valueType="num">
+                                      <p:cBhvr>
+                                        <p:cTn id="32" dur="500" fill="hold"/>
+                                        <p:tgtEl>
+                                          <p:spTgt spid="1030"/>
+                                        </p:tgtEl>
+                                        <p:attrNameLst>
+                                          <p:attrName>ppt_h</p:attrName>
+                                        </p:attrNameLst>
+                                      </p:cBhvr>
+                                      <p:tavLst>
+                                        <p:tav tm="0">
+                                          <p:val>
+                                            <p:fltVal val="0"/>
+                                          </p:val>
+                                        </p:tav>
+                                        <p:tav tm="100000">
+                                          <p:val>
+                                            <p:strVal val="#ppt_h"/>
+                                          </p:val>
+                                        </p:tav>
+                                      </p:tavLst>
+                                    </p:anim>
+                                    <p:animEffect transition="in" filter="fade">
+                                      <p:cBhvr>
+                                        <p:cTn id="33" dur="500"/>
+                                        <p:tgtEl>
+                                          <p:spTgt spid="1030"/>
+                                        </p:tgtEl>
+                                      </p:cBhvr>
+                                    </p:animEffect>
+                                  </p:childTnLst>
+                                </p:cTn>
+                              </p:par>
+                            </p:childTnLst>
+                          </p:cTn>
+                        </p:par>
+                      </p:childTnLst>
+                    </p:cTn>
+                  </p:par>
+                  <p:par>
+                    <p:cTn id="34" fill="hold">
+                      <p:stCondLst>
+                        <p:cond delay="indefinite"/>
+                      </p:stCondLst>
+                      <p:childTnLst>
+                        <p:par>
+                          <p:cTn id="35" fill="hold">
+                            <p:stCondLst>
+                              <p:cond delay="0"/>
+                            </p:stCondLst>
+                            <p:childTnLst>
+                              <p:par>
+                                <p:cTn id="36" presetID="53" presetClass="entr" presetSubtype="16" fill="hold" nodeType="clickEffect">
+                                  <p:stCondLst>
+                                    <p:cond delay="0"/>
+                                  </p:stCondLst>
+                                  <p:childTnLst>
+                                    <p:set>
+                                      <p:cBhvr>
+                                        <p:cTn id="37" dur="1" fill="hold">
+                                          <p:stCondLst>
+                                            <p:cond delay="0"/>
+                                          </p:stCondLst>
+                                        </p:cTn>
+                                        <p:tgtEl>
+                                          <p:spTgt spid="16"/>
+                                        </p:tgtEl>
+                                        <p:attrNameLst>
+                                          <p:attrName>style.visibility</p:attrName>
+                                        </p:attrNameLst>
+                                      </p:cBhvr>
+                                      <p:to>
+                                        <p:strVal val="visible"/>
+                                      </p:to>
+                                    </p:set>
+                                    <p:anim calcmode="lin" valueType="num">
+                                      <p:cBhvr>
+                                        <p:cTn id="38" dur="500" fill="hold"/>
+                                        <p:tgtEl>
+                                          <p:spTgt spid="16"/>
+                                        </p:tgtEl>
+                                        <p:attrNameLst>
+                                          <p:attrName>ppt_w</p:attrName>
+                                        </p:attrNameLst>
+                                      </p:cBhvr>
+                                      <p:tavLst>
+                                        <p:tav tm="0">
+                                          <p:val>
+                                            <p:fltVal val="0"/>
+                                          </p:val>
+                                        </p:tav>
+                                        <p:tav tm="100000">
+                                          <p:val>
+                                            <p:strVal val="#ppt_w"/>
+                                          </p:val>
+                                        </p:tav>
+                                      </p:tavLst>
+                                    </p:anim>
+                                    <p:anim calcmode="lin" valueType="num">
+                                      <p:cBhvr>
+                                        <p:cTn id="39" dur="500" fill="hold"/>
+                                        <p:tgtEl>
+                                          <p:spTgt spid="16"/>
+                                        </p:tgtEl>
+                                        <p:attrNameLst>
+                                          <p:attrName>ppt_h</p:attrName>
+                                        </p:attrNameLst>
+                                      </p:cBhvr>
+                                      <p:tavLst>
+                                        <p:tav tm="0">
+                                          <p:val>
+                                            <p:fltVal val="0"/>
+                                          </p:val>
+                                        </p:tav>
+                                        <p:tav tm="100000">
+                                          <p:val>
+                                            <p:strVal val="#ppt_h"/>
+                                          </p:val>
+                                        </p:tav>
+                                      </p:tavLst>
+                                    </p:anim>
+                                    <p:animEffect transition="in" filter="fade">
+                                      <p:cBhvr>
+                                        <p:cTn id="40" dur="500"/>
+                                        <p:tgtEl>
+                                          <p:spTgt spid="16"/>
+                                        </p:tgtEl>
+                                      </p:cBhvr>
+                                    </p:animEffect>
+                                  </p:childTnLst>
+                                </p:cTn>
+                              </p:par>
+                              <p:par>
+                                <p:cTn id="41" presetID="53" presetClass="entr" presetSubtype="16" fill="hold" nodeType="withEffect">
+                                  <p:stCondLst>
+                                    <p:cond delay="0"/>
+                                  </p:stCondLst>
+                                  <p:childTnLst>
+                                    <p:set>
+                                      <p:cBhvr>
+                                        <p:cTn id="42" dur="1" fill="hold">
+                                          <p:stCondLst>
+                                            <p:cond delay="0"/>
+                                          </p:stCondLst>
+                                        </p:cTn>
+                                        <p:tgtEl>
+                                          <p:spTgt spid="19"/>
+                                        </p:tgtEl>
+                                        <p:attrNameLst>
+                                          <p:attrName>style.visibility</p:attrName>
+                                        </p:attrNameLst>
+                                      </p:cBhvr>
+                                      <p:to>
+                                        <p:strVal val="visible"/>
+                                      </p:to>
+                                    </p:set>
+                                    <p:anim calcmode="lin" valueType="num">
+                                      <p:cBhvr>
+                                        <p:cTn id="43" dur="500" fill="hold"/>
+                                        <p:tgtEl>
+                                          <p:spTgt spid="19"/>
+                                        </p:tgtEl>
+                                        <p:attrNameLst>
+                                          <p:attrName>ppt_w</p:attrName>
+                                        </p:attrNameLst>
+                                      </p:cBhvr>
+                                      <p:tavLst>
+                                        <p:tav tm="0">
+                                          <p:val>
+                                            <p:fltVal val="0"/>
+                                          </p:val>
+                                        </p:tav>
+                                        <p:tav tm="100000">
+                                          <p:val>
+                                            <p:strVal val="#ppt_w"/>
+                                          </p:val>
+                                        </p:tav>
+                                      </p:tavLst>
+                                    </p:anim>
+                                    <p:anim calcmode="lin" valueType="num">
+                                      <p:cBhvr>
+                                        <p:cTn id="44" dur="500" fill="hold"/>
+                                        <p:tgtEl>
+                                          <p:spTgt spid="19"/>
+                                        </p:tgtEl>
+                                        <p:attrNameLst>
+                                          <p:attrName>ppt_h</p:attrName>
+                                        </p:attrNameLst>
+                                      </p:cBhvr>
+                                      <p:tavLst>
+                                        <p:tav tm="0">
+                                          <p:val>
+                                            <p:fltVal val="0"/>
+                                          </p:val>
+                                        </p:tav>
+                                        <p:tav tm="100000">
+                                          <p:val>
+                                            <p:strVal val="#ppt_h"/>
+                                          </p:val>
+                                        </p:tav>
+                                      </p:tavLst>
+                                    </p:anim>
+                                    <p:animEffect transition="in" filter="fade">
+                                      <p:cBhvr>
+                                        <p:cTn id="45" dur="500"/>
+                                        <p:tgtEl>
+                                          <p:spTgt spid="19"/>
+                                        </p:tgtEl>
+                                      </p:cBhvr>
+                                    </p:animEffect>
+                                  </p:childTnLst>
+                                </p:cTn>
+                              </p:par>
+                              <p:par>
+                                <p:cTn id="46" presetID="53" presetClass="entr" presetSubtype="16" fill="hold" nodeType="withEffect">
+                                  <p:stCondLst>
+                                    <p:cond delay="0"/>
+                                  </p:stCondLst>
+                                  <p:childTnLst>
+                                    <p:set>
+                                      <p:cBhvr>
+                                        <p:cTn id="47" dur="1" fill="hold">
+                                          <p:stCondLst>
+                                            <p:cond delay="0"/>
+                                          </p:stCondLst>
+                                        </p:cTn>
+                                        <p:tgtEl>
+                                          <p:spTgt spid="1026"/>
+                                        </p:tgtEl>
+                                        <p:attrNameLst>
+                                          <p:attrName>style.visibility</p:attrName>
+                                        </p:attrNameLst>
+                                      </p:cBhvr>
+                                      <p:to>
+                                        <p:strVal val="visible"/>
+                                      </p:to>
+                                    </p:set>
+                                    <p:anim calcmode="lin" valueType="num">
+                                      <p:cBhvr>
+                                        <p:cTn id="48" dur="500" fill="hold"/>
+                                        <p:tgtEl>
+                                          <p:spTgt spid="1026"/>
+                                        </p:tgtEl>
+                                        <p:attrNameLst>
+                                          <p:attrName>ppt_w</p:attrName>
+                                        </p:attrNameLst>
+                                      </p:cBhvr>
+                                      <p:tavLst>
+                                        <p:tav tm="0">
+                                          <p:val>
+                                            <p:fltVal val="0"/>
+                                          </p:val>
+                                        </p:tav>
+                                        <p:tav tm="100000">
+                                          <p:val>
+                                            <p:strVal val="#ppt_w"/>
+                                          </p:val>
+                                        </p:tav>
+                                      </p:tavLst>
+                                    </p:anim>
+                                    <p:anim calcmode="lin" valueType="num">
+                                      <p:cBhvr>
+                                        <p:cTn id="49" dur="500" fill="hold"/>
+                                        <p:tgtEl>
+                                          <p:spTgt spid="1026"/>
+                                        </p:tgtEl>
+                                        <p:attrNameLst>
+                                          <p:attrName>ppt_h</p:attrName>
+                                        </p:attrNameLst>
+                                      </p:cBhvr>
+                                      <p:tavLst>
+                                        <p:tav tm="0">
+                                          <p:val>
+                                            <p:fltVal val="0"/>
+                                          </p:val>
+                                        </p:tav>
+                                        <p:tav tm="100000">
+                                          <p:val>
+                                            <p:strVal val="#ppt_h"/>
+                                          </p:val>
+                                        </p:tav>
+                                      </p:tavLst>
+                                    </p:anim>
+                                    <p:animEffect transition="in" filter="fade">
+                                      <p:cBhvr>
+                                        <p:cTn id="50" dur="500"/>
+                                        <p:tgtEl>
+                                          <p:spTgt spid="1026"/>
+                                        </p:tgtEl>
+                                      </p:cBhvr>
+                                    </p:animEffect>
+                                  </p:childTnLst>
+                                </p:cTn>
+                              </p:par>
+                              <p:par>
+                                <p:cTn id="51" presetID="53" presetClass="entr" presetSubtype="16" fill="hold" grpId="0" nodeType="withEffect">
+                                  <p:stCondLst>
+                                    <p:cond delay="0"/>
+                                  </p:stCondLst>
+                                  <p:childTnLst>
+                                    <p:set>
+                                      <p:cBhvr>
+                                        <p:cTn id="52" dur="1" fill="hold">
+                                          <p:stCondLst>
+                                            <p:cond delay="0"/>
+                                          </p:stCondLst>
+                                        </p:cTn>
+                                        <p:tgtEl>
+                                          <p:spTgt spid="12"/>
+                                        </p:tgtEl>
+                                        <p:attrNameLst>
+                                          <p:attrName>style.visibility</p:attrName>
+                                        </p:attrNameLst>
+                                      </p:cBhvr>
+                                      <p:to>
+                                        <p:strVal val="visible"/>
+                                      </p:to>
+                                    </p:set>
+                                    <p:anim calcmode="lin" valueType="num">
+                                      <p:cBhvr>
+                                        <p:cTn id="53" dur="500" fill="hold"/>
+                                        <p:tgtEl>
+                                          <p:spTgt spid="12"/>
+                                        </p:tgtEl>
+                                        <p:attrNameLst>
+                                          <p:attrName>ppt_w</p:attrName>
+                                        </p:attrNameLst>
+                                      </p:cBhvr>
+                                      <p:tavLst>
+                                        <p:tav tm="0">
+                                          <p:val>
+                                            <p:fltVal val="0"/>
+                                          </p:val>
+                                        </p:tav>
+                                        <p:tav tm="100000">
+                                          <p:val>
+                                            <p:strVal val="#ppt_w"/>
+                                          </p:val>
+                                        </p:tav>
+                                      </p:tavLst>
+                                    </p:anim>
+                                    <p:anim calcmode="lin" valueType="num">
+                                      <p:cBhvr>
+                                        <p:cTn id="54" dur="500" fill="hold"/>
+                                        <p:tgtEl>
+                                          <p:spTgt spid="12"/>
+                                        </p:tgtEl>
+                                        <p:attrNameLst>
+                                          <p:attrName>ppt_h</p:attrName>
+                                        </p:attrNameLst>
+                                      </p:cBhvr>
+                                      <p:tavLst>
+                                        <p:tav tm="0">
+                                          <p:val>
+                                            <p:fltVal val="0"/>
+                                          </p:val>
+                                        </p:tav>
+                                        <p:tav tm="100000">
+                                          <p:val>
+                                            <p:strVal val="#ppt_h"/>
+                                          </p:val>
+                                        </p:tav>
+                                      </p:tavLst>
+                                    </p:anim>
+                                    <p:animEffect transition="in" filter="fade">
+                                      <p:cBhvr>
+                                        <p:cTn id="55" dur="500"/>
+                                        <p:tgtEl>
+                                          <p:spTgt spid="12"/>
+                                        </p:tgtEl>
+                                      </p:cBhvr>
+                                    </p:animEffect>
+                                  </p:childTnLst>
+                                </p:cTn>
+                              </p:par>
+                              <p:par>
+                                <p:cTn id="56" presetID="53" presetClass="entr" presetSubtype="16" fill="hold" nodeType="withEffect">
+                                  <p:stCondLst>
+                                    <p:cond delay="0"/>
+                                  </p:stCondLst>
+                                  <p:childTnLst>
+                                    <p:set>
+                                      <p:cBhvr>
+                                        <p:cTn id="57" dur="1" fill="hold">
+                                          <p:stCondLst>
+                                            <p:cond delay="0"/>
+                                          </p:stCondLst>
+                                        </p:cTn>
+                                        <p:tgtEl>
+                                          <p:spTgt spid="11"/>
+                                        </p:tgtEl>
+                                        <p:attrNameLst>
+                                          <p:attrName>style.visibility</p:attrName>
+                                        </p:attrNameLst>
+                                      </p:cBhvr>
+                                      <p:to>
+                                        <p:strVal val="visible"/>
+                                      </p:to>
+                                    </p:set>
+                                    <p:anim calcmode="lin" valueType="num">
+                                      <p:cBhvr>
+                                        <p:cTn id="58" dur="500" fill="hold"/>
+                                        <p:tgtEl>
+                                          <p:spTgt spid="11"/>
+                                        </p:tgtEl>
+                                        <p:attrNameLst>
+                                          <p:attrName>ppt_w</p:attrName>
+                                        </p:attrNameLst>
+                                      </p:cBhvr>
+                                      <p:tavLst>
+                                        <p:tav tm="0">
+                                          <p:val>
+                                            <p:fltVal val="0"/>
+                                          </p:val>
+                                        </p:tav>
+                                        <p:tav tm="100000">
+                                          <p:val>
+                                            <p:strVal val="#ppt_w"/>
+                                          </p:val>
+                                        </p:tav>
+                                      </p:tavLst>
+                                    </p:anim>
+                                    <p:anim calcmode="lin" valueType="num">
+                                      <p:cBhvr>
+                                        <p:cTn id="59" dur="500" fill="hold"/>
+                                        <p:tgtEl>
+                                          <p:spTgt spid="11"/>
+                                        </p:tgtEl>
+                                        <p:attrNameLst>
+                                          <p:attrName>ppt_h</p:attrName>
+                                        </p:attrNameLst>
+                                      </p:cBhvr>
+                                      <p:tavLst>
+                                        <p:tav tm="0">
+                                          <p:val>
+                                            <p:fltVal val="0"/>
+                                          </p:val>
+                                        </p:tav>
+                                        <p:tav tm="100000">
+                                          <p:val>
+                                            <p:strVal val="#ppt_h"/>
+                                          </p:val>
+                                        </p:tav>
+                                      </p:tavLst>
+                                    </p:anim>
+                                    <p:animEffect transition="in" filter="fade">
+                                      <p:cBhvr>
+                                        <p:cTn id="60" dur="500"/>
+                                        <p:tgtEl>
+                                          <p:spTgt spid="11"/>
+                                        </p:tgtEl>
+                                      </p:cBhvr>
+                                    </p:animEffect>
+                                  </p:childTnLst>
+                                </p:cTn>
+                              </p:par>
+                              <p:par>
+                                <p:cTn id="61" presetID="53" presetClass="entr" presetSubtype="16" fill="hold" grpId="0" nodeType="withEffect">
+                                  <p:stCondLst>
+                                    <p:cond delay="0"/>
+                                  </p:stCondLst>
+                                  <p:childTnLst>
+                                    <p:set>
+                                      <p:cBhvr>
+                                        <p:cTn id="62" dur="1" fill="hold">
+                                          <p:stCondLst>
+                                            <p:cond delay="0"/>
+                                          </p:stCondLst>
+                                        </p:cTn>
+                                        <p:tgtEl>
+                                          <p:spTgt spid="13"/>
+                                        </p:tgtEl>
+                                        <p:attrNameLst>
+                                          <p:attrName>style.visibility</p:attrName>
+                                        </p:attrNameLst>
+                                      </p:cBhvr>
+                                      <p:to>
+                                        <p:strVal val="visible"/>
+                                      </p:to>
+                                    </p:set>
+                                    <p:anim calcmode="lin" valueType="num">
+                                      <p:cBhvr>
+                                        <p:cTn id="63" dur="500" fill="hold"/>
+                                        <p:tgtEl>
+                                          <p:spTgt spid="13"/>
+                                        </p:tgtEl>
+                                        <p:attrNameLst>
+                                          <p:attrName>ppt_w</p:attrName>
+                                        </p:attrNameLst>
+                                      </p:cBhvr>
+                                      <p:tavLst>
+                                        <p:tav tm="0">
+                                          <p:val>
+                                            <p:fltVal val="0"/>
+                                          </p:val>
+                                        </p:tav>
+                                        <p:tav tm="100000">
+                                          <p:val>
+                                            <p:strVal val="#ppt_w"/>
+                                          </p:val>
+                                        </p:tav>
+                                      </p:tavLst>
+                                    </p:anim>
+                                    <p:anim calcmode="lin" valueType="num">
+                                      <p:cBhvr>
+                                        <p:cTn id="64" dur="500" fill="hold"/>
+                                        <p:tgtEl>
+                                          <p:spTgt spid="13"/>
+                                        </p:tgtEl>
+                                        <p:attrNameLst>
+                                          <p:attrName>ppt_h</p:attrName>
+                                        </p:attrNameLst>
+                                      </p:cBhvr>
+                                      <p:tavLst>
+                                        <p:tav tm="0">
+                                          <p:val>
+                                            <p:fltVal val="0"/>
+                                          </p:val>
+                                        </p:tav>
+                                        <p:tav tm="100000">
+                                          <p:val>
+                                            <p:strVal val="#ppt_h"/>
+                                          </p:val>
+                                        </p:tav>
+                                      </p:tavLst>
+                                    </p:anim>
+                                    <p:animEffect transition="in" filter="fade">
+                                      <p:cBhvr>
+                                        <p:cTn id="65" dur="500"/>
+                                        <p:tgtEl>
+                                          <p:spTgt spid="13"/>
+                                        </p:tgtEl>
+                                      </p:cBhvr>
+                                    </p:animEffect>
+                                  </p:childTnLst>
+                                </p:cTn>
+                              </p:par>
+                            </p:childTnLst>
+                          </p:cTn>
+                        </p:par>
+                      </p:childTnLst>
+                    </p:cTn>
+                  </p:par>
+                  <p:par>
+                    <p:cTn id="66" fill="hold">
+                      <p:stCondLst>
+                        <p:cond delay="indefinite"/>
+                      </p:stCondLst>
+                      <p:childTnLst>
+                        <p:par>
+                          <p:cTn id="67" fill="hold">
+                            <p:stCondLst>
+                              <p:cond delay="0"/>
+                            </p:stCondLst>
+                            <p:childTnLst>
+                              <p:par>
+                                <p:cTn id="68" presetID="53" presetClass="entr" presetSubtype="16" fill="hold" grpId="0" nodeType="clickEffect">
+                                  <p:stCondLst>
+                                    <p:cond delay="0"/>
+                                  </p:stCondLst>
+                                  <p:childTnLst>
+                                    <p:set>
+                                      <p:cBhvr>
+                                        <p:cTn id="69" dur="1" fill="hold">
+                                          <p:stCondLst>
+                                            <p:cond delay="0"/>
+                                          </p:stCondLst>
+                                        </p:cTn>
+                                        <p:tgtEl>
+                                          <p:spTgt spid="1029"/>
+                                        </p:tgtEl>
+                                        <p:attrNameLst>
+                                          <p:attrName>style.visibility</p:attrName>
+                                        </p:attrNameLst>
+                                      </p:cBhvr>
+                                      <p:to>
+                                        <p:strVal val="visible"/>
+                                      </p:to>
+                                    </p:set>
+                                    <p:anim calcmode="lin" valueType="num">
+                                      <p:cBhvr>
+                                        <p:cTn id="70" dur="500" fill="hold"/>
+                                        <p:tgtEl>
+                                          <p:spTgt spid="1029"/>
+                                        </p:tgtEl>
+                                        <p:attrNameLst>
+                                          <p:attrName>ppt_w</p:attrName>
+                                        </p:attrNameLst>
+                                      </p:cBhvr>
+                                      <p:tavLst>
+                                        <p:tav tm="0">
+                                          <p:val>
+                                            <p:fltVal val="0"/>
+                                          </p:val>
+                                        </p:tav>
+                                        <p:tav tm="100000">
+                                          <p:val>
+                                            <p:strVal val="#ppt_w"/>
+                                          </p:val>
+                                        </p:tav>
+                                      </p:tavLst>
+                                    </p:anim>
+                                    <p:anim calcmode="lin" valueType="num">
+                                      <p:cBhvr>
+                                        <p:cTn id="71" dur="500" fill="hold"/>
+                                        <p:tgtEl>
+                                          <p:spTgt spid="1029"/>
+                                        </p:tgtEl>
+                                        <p:attrNameLst>
+                                          <p:attrName>ppt_h</p:attrName>
+                                        </p:attrNameLst>
+                                      </p:cBhvr>
+                                      <p:tavLst>
+                                        <p:tav tm="0">
+                                          <p:val>
+                                            <p:fltVal val="0"/>
+                                          </p:val>
+                                        </p:tav>
+                                        <p:tav tm="100000">
+                                          <p:val>
+                                            <p:strVal val="#ppt_h"/>
+                                          </p:val>
+                                        </p:tav>
+                                      </p:tavLst>
+                                    </p:anim>
+                                    <p:animEffect transition="in" filter="fade">
+                                      <p:cBhvr>
+                                        <p:cTn id="72" dur="500"/>
+                                        <p:tgtEl>
+                                          <p:spTgt spid="1029"/>
+                                        </p:tgtEl>
+                                      </p:cBhvr>
+                                    </p:animEffect>
+                                  </p:childTnLst>
+                                </p:cTn>
+                              </p:par>
+                              <p:par>
+                                <p:cTn id="73" presetID="53" presetClass="entr" presetSubtype="16" fill="hold" grpId="0" nodeType="withEffect">
+                                  <p:stCondLst>
+                                    <p:cond delay="0"/>
+                                  </p:stCondLst>
+                                  <p:childTnLst>
+                                    <p:set>
+                                      <p:cBhvr>
+                                        <p:cTn id="74" dur="1" fill="hold">
+                                          <p:stCondLst>
+                                            <p:cond delay="0"/>
+                                          </p:stCondLst>
+                                        </p:cTn>
+                                        <p:tgtEl>
+                                          <p:spTgt spid="1025"/>
+                                        </p:tgtEl>
+                                        <p:attrNameLst>
+                                          <p:attrName>style.visibility</p:attrName>
+                                        </p:attrNameLst>
+                                      </p:cBhvr>
+                                      <p:to>
+                                        <p:strVal val="visible"/>
+                                      </p:to>
+                                    </p:set>
+                                    <p:anim calcmode="lin" valueType="num">
+                                      <p:cBhvr>
+                                        <p:cTn id="75" dur="500" fill="hold"/>
+                                        <p:tgtEl>
+                                          <p:spTgt spid="1025"/>
+                                        </p:tgtEl>
+                                        <p:attrNameLst>
+                                          <p:attrName>ppt_w</p:attrName>
+                                        </p:attrNameLst>
+                                      </p:cBhvr>
+                                      <p:tavLst>
+                                        <p:tav tm="0">
+                                          <p:val>
+                                            <p:fltVal val="0"/>
+                                          </p:val>
+                                        </p:tav>
+                                        <p:tav tm="100000">
+                                          <p:val>
+                                            <p:strVal val="#ppt_w"/>
+                                          </p:val>
+                                        </p:tav>
+                                      </p:tavLst>
+                                    </p:anim>
+                                    <p:anim calcmode="lin" valueType="num">
+                                      <p:cBhvr>
+                                        <p:cTn id="76" dur="500" fill="hold"/>
+                                        <p:tgtEl>
+                                          <p:spTgt spid="1025"/>
+                                        </p:tgtEl>
+                                        <p:attrNameLst>
+                                          <p:attrName>ppt_h</p:attrName>
+                                        </p:attrNameLst>
+                                      </p:cBhvr>
+                                      <p:tavLst>
+                                        <p:tav tm="0">
+                                          <p:val>
+                                            <p:fltVal val="0"/>
+                                          </p:val>
+                                        </p:tav>
+                                        <p:tav tm="100000">
+                                          <p:val>
+                                            <p:strVal val="#ppt_h"/>
+                                          </p:val>
+                                        </p:tav>
+                                      </p:tavLst>
+                                    </p:anim>
+                                    <p:animEffect transition="in" filter="fade">
+                                      <p:cBhvr>
+                                        <p:cTn id="77" dur="500"/>
+                                        <p:tgtEl>
+                                          <p:spTgt spid="1025"/>
+                                        </p:tgtEl>
+                                      </p:cBhvr>
+                                    </p:animEffect>
+                                  </p:childTnLst>
+                                </p:cTn>
+                              </p:par>
+                              <p:par>
+                                <p:cTn id="78" presetID="53" presetClass="entr" presetSubtype="16" fill="hold" grpId="0" nodeType="withEffect">
+                                  <p:stCondLst>
+                                    <p:cond delay="0"/>
+                                  </p:stCondLst>
+                                  <p:childTnLst>
+                                    <p:set>
+                                      <p:cBhvr>
+                                        <p:cTn id="79" dur="1" fill="hold">
+                                          <p:stCondLst>
+                                            <p:cond delay="0"/>
+                                          </p:stCondLst>
+                                        </p:cTn>
+                                        <p:tgtEl>
+                                          <p:spTgt spid="1027"/>
+                                        </p:tgtEl>
+                                        <p:attrNameLst>
+                                          <p:attrName>style.visibility</p:attrName>
+                                        </p:attrNameLst>
+                                      </p:cBhvr>
+                                      <p:to>
+                                        <p:strVal val="visible"/>
+                                      </p:to>
+                                    </p:set>
+                                    <p:anim calcmode="lin" valueType="num">
+                                      <p:cBhvr>
+                                        <p:cTn id="80" dur="500" fill="hold"/>
+                                        <p:tgtEl>
+                                          <p:spTgt spid="1027"/>
+                                        </p:tgtEl>
+                                        <p:attrNameLst>
+                                          <p:attrName>ppt_w</p:attrName>
+                                        </p:attrNameLst>
+                                      </p:cBhvr>
+                                      <p:tavLst>
+                                        <p:tav tm="0">
+                                          <p:val>
+                                            <p:fltVal val="0"/>
+                                          </p:val>
+                                        </p:tav>
+                                        <p:tav tm="100000">
+                                          <p:val>
+                                            <p:strVal val="#ppt_w"/>
+                                          </p:val>
+                                        </p:tav>
+                                      </p:tavLst>
+                                    </p:anim>
+                                    <p:anim calcmode="lin" valueType="num">
+                                      <p:cBhvr>
+                                        <p:cTn id="81" dur="500" fill="hold"/>
+                                        <p:tgtEl>
+                                          <p:spTgt spid="1027"/>
+                                        </p:tgtEl>
+                                        <p:attrNameLst>
+                                          <p:attrName>ppt_h</p:attrName>
+                                        </p:attrNameLst>
+                                      </p:cBhvr>
+                                      <p:tavLst>
+                                        <p:tav tm="0">
+                                          <p:val>
+                                            <p:fltVal val="0"/>
+                                          </p:val>
+                                        </p:tav>
+                                        <p:tav tm="100000">
+                                          <p:val>
+                                            <p:strVal val="#ppt_h"/>
+                                          </p:val>
+                                        </p:tav>
+                                      </p:tavLst>
+                                    </p:anim>
+                                    <p:animEffect transition="in" filter="fade">
+                                      <p:cBhvr>
+                                        <p:cTn id="82" dur="500"/>
+                                        <p:tgtEl>
+                                          <p:spTgt spid="1027"/>
+                                        </p:tgtEl>
+                                      </p:cBhvr>
+                                    </p:animEffect>
+                                  </p:childTnLst>
+                                </p:cTn>
+                              </p:par>
+                              <p:par>
+                                <p:cTn id="83" presetID="53" presetClass="entr" presetSubtype="16" fill="hold" grpId="0" nodeType="withEffect">
+                                  <p:stCondLst>
+                                    <p:cond delay="0"/>
+                                  </p:stCondLst>
+                                  <p:childTnLst>
+                                    <p:set>
+                                      <p:cBhvr>
+                                        <p:cTn id="84" dur="1" fill="hold">
+                                          <p:stCondLst>
+                                            <p:cond delay="0"/>
+                                          </p:stCondLst>
+                                        </p:cTn>
+                                        <p:tgtEl>
+                                          <p:spTgt spid="1031"/>
+                                        </p:tgtEl>
+                                        <p:attrNameLst>
+                                          <p:attrName>style.visibility</p:attrName>
+                                        </p:attrNameLst>
+                                      </p:cBhvr>
+                                      <p:to>
+                                        <p:strVal val="visible"/>
+                                      </p:to>
+                                    </p:set>
+                                    <p:anim calcmode="lin" valueType="num">
+                                      <p:cBhvr>
+                                        <p:cTn id="85" dur="500" fill="hold"/>
+                                        <p:tgtEl>
+                                          <p:spTgt spid="1031"/>
+                                        </p:tgtEl>
+                                        <p:attrNameLst>
+                                          <p:attrName>ppt_w</p:attrName>
+                                        </p:attrNameLst>
+                                      </p:cBhvr>
+                                      <p:tavLst>
+                                        <p:tav tm="0">
+                                          <p:val>
+                                            <p:fltVal val="0"/>
+                                          </p:val>
+                                        </p:tav>
+                                        <p:tav tm="100000">
+                                          <p:val>
+                                            <p:strVal val="#ppt_w"/>
+                                          </p:val>
+                                        </p:tav>
+                                      </p:tavLst>
+                                    </p:anim>
+                                    <p:anim calcmode="lin" valueType="num">
+                                      <p:cBhvr>
+                                        <p:cTn id="86" dur="500" fill="hold"/>
+                                        <p:tgtEl>
+                                          <p:spTgt spid="1031"/>
+                                        </p:tgtEl>
+                                        <p:attrNameLst>
+                                          <p:attrName>ppt_h</p:attrName>
+                                        </p:attrNameLst>
+                                      </p:cBhvr>
+                                      <p:tavLst>
+                                        <p:tav tm="0">
+                                          <p:val>
+                                            <p:fltVal val="0"/>
+                                          </p:val>
+                                        </p:tav>
+                                        <p:tav tm="100000">
+                                          <p:val>
+                                            <p:strVal val="#ppt_h"/>
+                                          </p:val>
+                                        </p:tav>
+                                      </p:tavLst>
+                                    </p:anim>
+                                    <p:animEffect transition="in" filter="fade">
+                                      <p:cBhvr>
+                                        <p:cTn id="87" dur="500"/>
+                                        <p:tgtEl>
+                                          <p:spTgt spid="1031"/>
+                                        </p:tgtEl>
+                                      </p:cBhvr>
+                                    </p:animEffect>
+                                  </p:childTnLst>
+                                </p:cTn>
+                              </p:par>
+                            </p:childTnLst>
+                          </p:cTn>
+                        </p:par>
+                      </p:childTnLst>
+                    </p:cTn>
+                  </p:par>
+                </p:childTnLst>
+              </p:cTn>
+              <p:prevCondLst>
+                <p:cond evt="onPrev" delay="0">
+                  <p:tgtEl>
+                    <p:sldTgt/>
+                  </p:tgtEl>
+                </p:cond>
+              </p:prevCondLst>
+              <p:nextCondLst>
+                <p:cond evt="onNext" delay="0">
+                  <p:tgtEl>
+                    <p:sldTgt/>
+                  </p:tgtEl>
+                </p:cond>
+              </p:nextCondLst>
+            </p:seq>
+          </p:childTnLst>
+        </p:cTn>
+      </p:par>
+    </p:tnLst>
+    <p:bldLst>
+      <p:bldP spid="14" grpId="0" animBg="1"/>
+      <p:bldP spid="12" grpId="0"/>
+      <p:bldP spid="13" grpId="0"/>
+      <p:bldP spid="1029" grpId="0" animBg="1"/>
+      <p:bldP spid="1025" grpId="0"/>
+      <p:bldP spid="1031" grpId="0" animBg="1"/>
+      <p:bldP spid="1027" grpId="0"/>
+    </p:bldLst>
+  </p:timing>
 </p:sld>
 </file>
 
@@ -7805,6 +11975,112 @@
       </p:sp>
       <p:sp>
         <p:nvSpPr>
+          <p:cNvPr id="7" name="Elipse 6">
+            <a:extLst>
+              <a:ext uri="{FF2B5EF4-FFF2-40B4-BE49-F238E27FC236}">
+                <a16:creationId xmlns:a16="http://schemas.microsoft.com/office/drawing/2014/main" id="{0401771B-F6BB-26B6-51B3-F817990EE07B}"/>
+              </a:ext>
+            </a:extLst>
+          </p:cNvPr>
+          <p:cNvSpPr/>
+          <p:nvPr/>
+        </p:nvSpPr>
+        <p:spPr>
+          <a:xfrm>
+            <a:off x="5164139" y="4450634"/>
+            <a:ext cx="2203631" cy="2078182"/>
+          </a:xfrm>
+          <a:prstGeom prst="ellipse">
+            <a:avLst/>
+          </a:prstGeom>
+          <a:solidFill>
+            <a:schemeClr val="bg1"/>
+          </a:solidFill>
+          <a:ln>
+            <a:solidFill>
+              <a:srgbClr val="1691A2"/>
+            </a:solidFill>
+          </a:ln>
+        </p:spPr>
+        <p:style>
+          <a:lnRef idx="2">
+            <a:schemeClr val="accent1">
+              <a:shade val="15000"/>
+            </a:schemeClr>
+          </a:lnRef>
+          <a:fillRef idx="1">
+            <a:schemeClr val="accent1"/>
+          </a:fillRef>
+          <a:effectRef idx="0">
+            <a:schemeClr val="accent1"/>
+          </a:effectRef>
+          <a:fontRef idx="minor">
+            <a:schemeClr val="lt1"/>
+          </a:fontRef>
+        </p:style>
+        <p:txBody>
+          <a:bodyPr rtlCol="0" anchor="ctr"/>
+          <a:lstStyle/>
+          <a:p>
+            <a:pPr algn="ctr"/>
+            <a:endParaRPr lang="es-ES"/>
+          </a:p>
+        </p:txBody>
+      </p:sp>
+      <p:sp>
+        <p:nvSpPr>
+          <p:cNvPr id="4" name="Rectángulo 3">
+            <a:extLst>
+              <a:ext uri="{FF2B5EF4-FFF2-40B4-BE49-F238E27FC236}">
+                <a16:creationId xmlns:a16="http://schemas.microsoft.com/office/drawing/2014/main" id="{4110BB5D-CB9B-1985-359E-20865F03DE1D}"/>
+              </a:ext>
+            </a:extLst>
+          </p:cNvPr>
+          <p:cNvSpPr/>
+          <p:nvPr/>
+        </p:nvSpPr>
+        <p:spPr>
+          <a:xfrm>
+            <a:off x="-79899" y="933005"/>
+            <a:ext cx="4835281" cy="1325563"/>
+          </a:xfrm>
+          <a:prstGeom prst="rect">
+            <a:avLst/>
+          </a:prstGeom>
+          <a:solidFill>
+            <a:srgbClr val="1691A2"/>
+          </a:solidFill>
+          <a:ln>
+            <a:noFill/>
+          </a:ln>
+        </p:spPr>
+        <p:style>
+          <a:lnRef idx="2">
+            <a:schemeClr val="accent1">
+              <a:shade val="15000"/>
+            </a:schemeClr>
+          </a:lnRef>
+          <a:fillRef idx="1">
+            <a:schemeClr val="accent1"/>
+          </a:fillRef>
+          <a:effectRef idx="0">
+            <a:schemeClr val="accent1"/>
+          </a:effectRef>
+          <a:fontRef idx="minor">
+            <a:schemeClr val="lt1"/>
+          </a:fontRef>
+        </p:style>
+        <p:txBody>
+          <a:bodyPr rtlCol="0" anchor="ctr"/>
+          <a:lstStyle/>
+          <a:p>
+            <a:pPr algn="ctr"/>
+            <a:endParaRPr lang="es-ES"/>
+          </a:p>
+        </p:txBody>
+      </p:sp>
+      <p:sp>
+        <p:nvSpPr>
           <p:cNvPr id="2" name="Title 1">
             <a:extLst>
               <a:ext uri="{FF2B5EF4-FFF2-40B4-BE49-F238E27FC236}">
@@ -7832,7 +12108,12 @@
           <a:lstStyle/>
           <a:p>
             <a:r>
-              <a:rPr lang="es-ES" sz="6600" dirty="0"/>
+              <a:rPr lang="es-ES" sz="6600" dirty="0">
+                <a:solidFill>
+                  <a:schemeClr val="bg1"/>
+                </a:solidFill>
+                <a:latin typeface="Bahnschrift" panose="020B0502040204020203" pitchFamily="34" charset="0"/>
+              </a:rPr>
               <a:t>LIWC</a:t>
             </a:r>
           </a:p>
@@ -8200,7 +12481,7 @@
         <p:spPr>
           <a:xfrm>
             <a:off x="640080" y="2706624"/>
-            <a:ext cx="6894576" cy="3483864"/>
+            <a:ext cx="6894576" cy="3822192"/>
           </a:xfrm>
         </p:spPr>
         <p:txBody>
@@ -8211,6 +12492,130 @@
           <a:p>
             <a:pPr algn="just"/>
             <a:r>
+              <a:rPr lang="es-ES" sz="1400" b="0" i="0" u="none" strike="noStrike" dirty="0">
+                <a:solidFill>
+                  <a:srgbClr val="000000"/>
+                </a:solidFill>
+                <a:effectLst/>
+                <a:latin typeface="Times New Roman" panose="02020603050405020304" pitchFamily="18" charset="0"/>
+              </a:rPr>
+              <a:t>(</a:t>
+            </a:r>
+            <a:r>
+              <a:rPr lang="es-ES" sz="1400" b="0" i="0" u="none" strike="noStrike" dirty="0" err="1">
+                <a:solidFill>
+                  <a:srgbClr val="000000"/>
+                </a:solidFill>
+                <a:effectLst/>
+                <a:latin typeface="Times New Roman" panose="02020603050405020304" pitchFamily="18" charset="0"/>
+              </a:rPr>
+              <a:t>Linguistic</a:t>
+            </a:r>
+            <a:r>
+              <a:rPr lang="es-ES" sz="1400" b="0" i="0" u="none" strike="noStrike" dirty="0">
+                <a:solidFill>
+                  <a:srgbClr val="000000"/>
+                </a:solidFill>
+                <a:effectLst/>
+                <a:latin typeface="Times New Roman" panose="02020603050405020304" pitchFamily="18" charset="0"/>
+              </a:rPr>
+              <a:t> </a:t>
+            </a:r>
+            <a:r>
+              <a:rPr lang="es-ES" sz="1400" b="0" i="0" u="none" strike="noStrike" dirty="0" err="1">
+                <a:solidFill>
+                  <a:srgbClr val="000000"/>
+                </a:solidFill>
+                <a:effectLst/>
+                <a:latin typeface="Times New Roman" panose="02020603050405020304" pitchFamily="18" charset="0"/>
+              </a:rPr>
+              <a:t>Inquiry</a:t>
+            </a:r>
+            <a:r>
+              <a:rPr lang="es-ES" sz="1400" b="0" i="0" u="none" strike="noStrike" dirty="0">
+                <a:solidFill>
+                  <a:srgbClr val="000000"/>
+                </a:solidFill>
+                <a:effectLst/>
+                <a:latin typeface="Times New Roman" panose="02020603050405020304" pitchFamily="18" charset="0"/>
+              </a:rPr>
+              <a:t> and Word </a:t>
+            </a:r>
+            <a:r>
+              <a:rPr lang="es-ES" sz="1400" b="0" i="0" u="none" strike="noStrike" dirty="0" err="1">
+                <a:solidFill>
+                  <a:srgbClr val="000000"/>
+                </a:solidFill>
+                <a:effectLst/>
+                <a:latin typeface="Times New Roman" panose="02020603050405020304" pitchFamily="18" charset="0"/>
+              </a:rPr>
+              <a:t>Count</a:t>
+            </a:r>
+            <a:r>
+              <a:rPr lang="es-ES" sz="1400" b="0" i="0" u="none" strike="noStrike" dirty="0">
+                <a:solidFill>
+                  <a:srgbClr val="000000"/>
+                </a:solidFill>
+                <a:effectLst/>
+                <a:latin typeface="Times New Roman" panose="02020603050405020304" pitchFamily="18" charset="0"/>
+              </a:rPr>
+              <a:t>). </a:t>
+            </a:r>
+          </a:p>
+          <a:p>
+            <a:pPr algn="just"/>
+            <a:r>
+              <a:rPr lang="es-ES" sz="1400" b="0" i="0" u="none" strike="noStrike" dirty="0">
+                <a:solidFill>
+                  <a:srgbClr val="000000"/>
+                </a:solidFill>
+                <a:effectLst/>
+                <a:latin typeface="Times New Roman" panose="02020603050405020304" pitchFamily="18" charset="0"/>
+              </a:rPr>
+              <a:t>LIWC es un programa de análisis de texto diseñado para contar palabras en categorías psicológicamente significativas. </a:t>
+            </a:r>
+          </a:p>
+          <a:p>
+            <a:pPr algn="just"/>
+            <a:r>
+              <a:rPr lang="es-ES" sz="1400" b="0" i="0" u="none" strike="noStrike" dirty="0">
+                <a:solidFill>
+                  <a:srgbClr val="000000"/>
+                </a:solidFill>
+                <a:effectLst/>
+                <a:latin typeface="Times New Roman" panose="02020603050405020304" pitchFamily="18" charset="0"/>
+              </a:rPr>
+              <a:t>Los resultados empíricos demuestran su capacidad para detectar el significado en diversos entornos experimentales: </a:t>
+            </a:r>
+          </a:p>
+          <a:p>
+            <a:pPr marL="0" indent="0" algn="just">
+              <a:buNone/>
+            </a:pPr>
+            <a:r>
+              <a:rPr lang="es-ES" sz="1800" dirty="0">
+                <a:solidFill>
+                  <a:srgbClr val="000000"/>
+                </a:solidFill>
+                <a:latin typeface="Times New Roman" panose="02020603050405020304" pitchFamily="18" charset="0"/>
+              </a:rPr>
+              <a:t>	</a:t>
+            </a:r>
+          </a:p>
+          <a:p>
+            <a:pPr marL="0" indent="0" algn="just">
+              <a:buNone/>
+            </a:pPr>
+            <a:r>
+              <a:rPr lang="es-ES" sz="1800" dirty="0">
+                <a:solidFill>
+                  <a:srgbClr val="000000"/>
+                </a:solidFill>
+                <a:latin typeface="Times New Roman" panose="02020603050405020304" pitchFamily="18" charset="0"/>
+              </a:rPr>
+              <a:t>	El </a:t>
+            </a:r>
+            <a:r>
               <a:rPr lang="es-ES" sz="1800" b="0" i="0" u="none" strike="noStrike" dirty="0">
                 <a:solidFill>
                   <a:srgbClr val="000000"/>
@@ -8218,17 +12623,21 @@
                 <a:effectLst/>
                 <a:latin typeface="Times New Roman" panose="02020603050405020304" pitchFamily="18" charset="0"/>
               </a:rPr>
-              <a:t>(</a:t>
-            </a:r>
-            <a:r>
-              <a:rPr lang="es-ES" sz="1800" b="0" i="0" u="none" strike="noStrike" dirty="0" err="1">
+              <a:t>enfoque atencional </a:t>
+            </a:r>
+          </a:p>
+          <a:p>
+            <a:pPr marL="0" indent="0" algn="just">
+              <a:buNone/>
+            </a:pPr>
+            <a:r>
+              <a:rPr lang="es-ES" sz="1800" dirty="0">
                 <a:solidFill>
                   <a:srgbClr val="000000"/>
                 </a:solidFill>
-                <a:effectLst/>
                 <a:latin typeface="Times New Roman" panose="02020603050405020304" pitchFamily="18" charset="0"/>
               </a:rPr>
-              <a:t>Linguistic</a:t>
+              <a:t>	L</a:t>
             </a:r>
             <a:r>
               <a:rPr lang="es-ES" sz="1800" b="0" i="0" u="none" strike="noStrike" dirty="0">
@@ -8238,18 +12647,22 @@
                 <a:effectLst/>
                 <a:latin typeface="Times New Roman" panose="02020603050405020304" pitchFamily="18" charset="0"/>
               </a:rPr>
-              <a:t> </a:t>
-            </a:r>
-            <a:r>
-              <a:rPr lang="es-ES" sz="1800" b="0" i="0" u="none" strike="noStrike" dirty="0" err="1">
+              <a:t>a emocionalidad</a:t>
+            </a:r>
+            <a:r>
+              <a:rPr lang="es-ES" sz="1800" dirty="0">
                 <a:solidFill>
                   <a:srgbClr val="000000"/>
                 </a:solidFill>
-                <a:effectLst/>
                 <a:latin typeface="Times New Roman" panose="02020603050405020304" pitchFamily="18" charset="0"/>
               </a:rPr>
-              <a:t>Inquiry</a:t>
-            </a:r>
+              <a:t> </a:t>
+            </a:r>
+          </a:p>
+          <a:p>
+            <a:pPr marL="0" indent="0" algn="just">
+              <a:buNone/>
+            </a:pPr>
             <a:r>
               <a:rPr lang="es-ES" sz="1800" b="0" i="0" u="none" strike="noStrike" dirty="0">
                 <a:solidFill>
@@ -8258,17 +12671,21 @@
                 <a:effectLst/>
                 <a:latin typeface="Times New Roman" panose="02020603050405020304" pitchFamily="18" charset="0"/>
               </a:rPr>
-              <a:t> and Word </a:t>
-            </a:r>
-            <a:r>
-              <a:rPr lang="es-ES" sz="1800" b="0" i="0" u="none" strike="noStrike" dirty="0" err="1">
+              <a:t>	Las relaciones sociales</a:t>
+            </a:r>
+          </a:p>
+          <a:p>
+            <a:pPr marL="0" indent="0" algn="just">
+              <a:buNone/>
+            </a:pPr>
+            <a:r>
+              <a:rPr lang="es-ES" sz="1800" dirty="0">
                 <a:solidFill>
                   <a:srgbClr val="000000"/>
                 </a:solidFill>
-                <a:effectLst/>
                 <a:latin typeface="Times New Roman" panose="02020603050405020304" pitchFamily="18" charset="0"/>
               </a:rPr>
-              <a:t>Count</a:t>
+              <a:t>	L</a:t>
             </a:r>
             <a:r>
               <a:rPr lang="es-ES" sz="1800" b="0" i="0" u="none" strike="noStrike" dirty="0">
@@ -8278,11 +12695,19 @@
                 <a:effectLst/>
                 <a:latin typeface="Times New Roman" panose="02020603050405020304" pitchFamily="18" charset="0"/>
               </a:rPr>
-              <a:t>). </a:t>
-            </a:r>
-          </a:p>
-          <a:p>
-            <a:pPr algn="just"/>
+              <a:t>os estilos de pensamiento </a:t>
+            </a:r>
+            <a:endParaRPr lang="es-ES" sz="1800" dirty="0">
+              <a:solidFill>
+                <a:srgbClr val="000000"/>
+              </a:solidFill>
+              <a:latin typeface="Times New Roman" panose="02020603050405020304" pitchFamily="18" charset="0"/>
+            </a:endParaRPr>
+          </a:p>
+          <a:p>
+            <a:pPr marL="0" indent="0" algn="just">
+              <a:buNone/>
+            </a:pPr>
             <a:r>
               <a:rPr lang="es-ES" sz="1800" b="0" i="0" u="none" strike="noStrike" dirty="0">
                 <a:solidFill>
@@ -8291,11 +12716,18 @@
                 <a:effectLst/>
                 <a:latin typeface="Times New Roman" panose="02020603050405020304" pitchFamily="18" charset="0"/>
               </a:rPr>
-              <a:t>LIWC es un programa de análisis de texto diseñado para contar palabras en categorías psicológicamente significativas. </a:t>
-            </a:r>
-          </a:p>
-          <a:p>
-            <a:pPr algn="just"/>
+              <a:t>	</a:t>
+            </a:r>
+            <a:r>
+              <a:rPr lang="es-ES" sz="1800" b="0" i="0" u="sng" strike="noStrike" dirty="0">
+                <a:solidFill>
+                  <a:srgbClr val="000000"/>
+                </a:solidFill>
+                <a:effectLst/>
+                <a:latin typeface="Times New Roman" panose="02020603050405020304" pitchFamily="18" charset="0"/>
+              </a:rPr>
+              <a:t>Las</a:t>
+            </a:r>
             <a:r>
               <a:rPr lang="es-ES" sz="1800" b="0" i="0" u="none" strike="noStrike" dirty="0">
                 <a:solidFill>
@@ -8304,7 +12736,7 @@
                 <a:effectLst/>
                 <a:latin typeface="Times New Roman" panose="02020603050405020304" pitchFamily="18" charset="0"/>
               </a:rPr>
-              <a:t>Los resultados empíricos demuestran su capacidad para detectar el significado en diversos entornos experimentales, mostrando el enfoque atencional, la emocionalidad, las relaciones sociales, los estilos de pensamiento y las diferencias individuales </a:t>
+              <a:t> diferencias individuales </a:t>
             </a:r>
             <a:endParaRPr lang="es-ES" sz="2200" dirty="0"/>
           </a:p>
@@ -8689,6 +13121,266 @@
             </a:pathLst>
           </a:custGeom>
           <a:noFill/>
+          <a:extLst>
+            <a:ext uri="{909E8E84-426E-40DD-AFC4-6F175D3DCCD1}">
+              <a14:hiddenFill xmlns:a14="http://schemas.microsoft.com/office/drawing/2010/main">
+                <a:solidFill>
+                  <a:srgbClr val="FFFFFF"/>
+                </a:solidFill>
+              </a14:hiddenFill>
+            </a:ext>
+          </a:extLst>
+        </p:spPr>
+      </p:pic>
+      <p:pic>
+        <p:nvPicPr>
+          <p:cNvPr id="2050" name="Picture 2">
+            <a:extLst>
+              <a:ext uri="{FF2B5EF4-FFF2-40B4-BE49-F238E27FC236}">
+                <a16:creationId xmlns:a16="http://schemas.microsoft.com/office/drawing/2014/main" id="{8C53DBC4-3BF1-F7DB-457F-F1DCC58CC643}"/>
+              </a:ext>
+            </a:extLst>
+          </p:cNvPr>
+          <p:cNvPicPr>
+            <a:picLocks noChangeAspect="1" noChangeArrowheads="1"/>
+          </p:cNvPicPr>
+          <p:nvPr/>
+        </p:nvPicPr>
+        <p:blipFill>
+          <a:blip r:embed="rId4">
+            <a:extLst>
+              <a:ext uri="{28A0092B-C50C-407E-A947-70E740481C1C}">
+                <a14:useLocalDpi xmlns:a14="http://schemas.microsoft.com/office/drawing/2010/main" val="0"/>
+              </a:ext>
+            </a:extLst>
+          </a:blip>
+          <a:srcRect/>
+          <a:stretch>
+            <a:fillRect/>
+          </a:stretch>
+        </p:blipFill>
+        <p:spPr bwMode="auto">
+          <a:xfrm>
+            <a:off x="5002541" y="4381169"/>
+            <a:ext cx="674912" cy="674912"/>
+          </a:xfrm>
+          <a:prstGeom prst="rect">
+            <a:avLst/>
+          </a:prstGeom>
+          <a:noFill/>
+          <a:ln>
+            <a:solidFill>
+              <a:schemeClr val="tx1"/>
+            </a:solidFill>
+          </a:ln>
+          <a:extLst>
+            <a:ext uri="{909E8E84-426E-40DD-AFC4-6F175D3DCCD1}">
+              <a14:hiddenFill xmlns:a14="http://schemas.microsoft.com/office/drawing/2010/main">
+                <a:solidFill>
+                  <a:srgbClr val="FFFFFF"/>
+                </a:solidFill>
+              </a14:hiddenFill>
+            </a:ext>
+          </a:extLst>
+        </p:spPr>
+      </p:pic>
+      <p:pic>
+        <p:nvPicPr>
+          <p:cNvPr id="2052" name="Picture 4">
+            <a:extLst>
+              <a:ext uri="{FF2B5EF4-FFF2-40B4-BE49-F238E27FC236}">
+                <a16:creationId xmlns:a16="http://schemas.microsoft.com/office/drawing/2014/main" id="{9114267C-1719-26F6-8914-AD1CABA620F6}"/>
+              </a:ext>
+            </a:extLst>
+          </p:cNvPr>
+          <p:cNvPicPr>
+            <a:picLocks noChangeAspect="1" noChangeArrowheads="1"/>
+          </p:cNvPicPr>
+          <p:nvPr/>
+        </p:nvPicPr>
+        <p:blipFill>
+          <a:blip r:embed="rId5">
+            <a:extLst>
+              <a:ext uri="{28A0092B-C50C-407E-A947-70E740481C1C}">
+                <a14:useLocalDpi xmlns:a14="http://schemas.microsoft.com/office/drawing/2010/main" val="0"/>
+              </a:ext>
+            </a:extLst>
+          </a:blip>
+          <a:srcRect/>
+          <a:stretch>
+            <a:fillRect/>
+          </a:stretch>
+        </p:blipFill>
+        <p:spPr bwMode="auto">
+          <a:xfrm>
+            <a:off x="5878905" y="5056081"/>
+            <a:ext cx="711200" cy="711200"/>
+          </a:xfrm>
+          <a:prstGeom prst="rect">
+            <a:avLst/>
+          </a:prstGeom>
+          <a:noFill/>
+          <a:ln>
+            <a:solidFill>
+              <a:schemeClr val="tx1"/>
+            </a:solidFill>
+          </a:ln>
+          <a:extLst>
+            <a:ext uri="{909E8E84-426E-40DD-AFC4-6F175D3DCCD1}">
+              <a14:hiddenFill xmlns:a14="http://schemas.microsoft.com/office/drawing/2010/main">
+                <a:solidFill>
+                  <a:srgbClr val="FFFFFF"/>
+                </a:solidFill>
+              </a14:hiddenFill>
+            </a:ext>
+          </a:extLst>
+        </p:spPr>
+      </p:pic>
+      <p:pic>
+        <p:nvPicPr>
+          <p:cNvPr id="2054" name="Picture 6">
+            <a:extLst>
+              <a:ext uri="{FF2B5EF4-FFF2-40B4-BE49-F238E27FC236}">
+                <a16:creationId xmlns:a16="http://schemas.microsoft.com/office/drawing/2014/main" id="{2C12B74C-16B0-98E2-1358-07D98A100485}"/>
+              </a:ext>
+            </a:extLst>
+          </p:cNvPr>
+          <p:cNvPicPr>
+            <a:picLocks noChangeAspect="1" noChangeArrowheads="1"/>
+          </p:cNvPicPr>
+          <p:nvPr/>
+        </p:nvPicPr>
+        <p:blipFill>
+          <a:blip r:embed="rId6">
+            <a:extLst>
+              <a:ext uri="{28A0092B-C50C-407E-A947-70E740481C1C}">
+                <a14:useLocalDpi xmlns:a14="http://schemas.microsoft.com/office/drawing/2010/main" val="0"/>
+              </a:ext>
+            </a:extLst>
+          </a:blip>
+          <a:srcRect/>
+          <a:stretch>
+            <a:fillRect/>
+          </a:stretch>
+        </p:blipFill>
+        <p:spPr bwMode="auto">
+          <a:xfrm>
+            <a:off x="5025303" y="5667634"/>
+            <a:ext cx="665018" cy="665018"/>
+          </a:xfrm>
+          <a:prstGeom prst="rect">
+            <a:avLst/>
+          </a:prstGeom>
+          <a:noFill/>
+          <a:ln>
+            <a:solidFill>
+              <a:schemeClr val="tx1"/>
+            </a:solidFill>
+          </a:ln>
+          <a:extLst>
+            <a:ext uri="{909E8E84-426E-40DD-AFC4-6F175D3DCCD1}">
+              <a14:hiddenFill xmlns:a14="http://schemas.microsoft.com/office/drawing/2010/main">
+                <a:solidFill>
+                  <a:srgbClr val="FFFFFF"/>
+                </a:solidFill>
+              </a14:hiddenFill>
+            </a:ext>
+          </a:extLst>
+        </p:spPr>
+      </p:pic>
+      <p:pic>
+        <p:nvPicPr>
+          <p:cNvPr id="6" name="Picture 6">
+            <a:extLst>
+              <a:ext uri="{FF2B5EF4-FFF2-40B4-BE49-F238E27FC236}">
+                <a16:creationId xmlns:a16="http://schemas.microsoft.com/office/drawing/2014/main" id="{6C25E050-CDB2-1783-CC7F-641184F1A33F}"/>
+              </a:ext>
+            </a:extLst>
+          </p:cNvPr>
+          <p:cNvPicPr>
+            <a:picLocks noChangeAspect="1" noChangeArrowheads="1"/>
+          </p:cNvPicPr>
+          <p:nvPr/>
+        </p:nvPicPr>
+        <p:blipFill>
+          <a:blip r:embed="rId7">
+            <a:extLst>
+              <a:ext uri="{28A0092B-C50C-407E-A947-70E740481C1C}">
+                <a14:useLocalDpi xmlns:a14="http://schemas.microsoft.com/office/drawing/2010/main" val="0"/>
+              </a:ext>
+            </a:extLst>
+          </a:blip>
+          <a:srcRect/>
+          <a:stretch>
+            <a:fillRect/>
+          </a:stretch>
+        </p:blipFill>
+        <p:spPr bwMode="auto">
+          <a:xfrm>
+            <a:off x="6789856" y="4381169"/>
+            <a:ext cx="765998" cy="765998"/>
+          </a:xfrm>
+          <a:prstGeom prst="rect">
+            <a:avLst/>
+          </a:prstGeom>
+          <a:noFill/>
+          <a:ln>
+            <a:solidFill>
+              <a:schemeClr val="tx1"/>
+            </a:solidFill>
+          </a:ln>
+          <a:extLst>
+            <a:ext uri="{909E8E84-426E-40DD-AFC4-6F175D3DCCD1}">
+              <a14:hiddenFill xmlns:a14="http://schemas.microsoft.com/office/drawing/2010/main">
+                <a:solidFill>
+                  <a:srgbClr val="FFFFFF"/>
+                </a:solidFill>
+              </a14:hiddenFill>
+            </a:ext>
+          </a:extLst>
+        </p:spPr>
+      </p:pic>
+      <p:pic>
+        <p:nvPicPr>
+          <p:cNvPr id="2056" name="Picture 8">
+            <a:extLst>
+              <a:ext uri="{FF2B5EF4-FFF2-40B4-BE49-F238E27FC236}">
+                <a16:creationId xmlns:a16="http://schemas.microsoft.com/office/drawing/2014/main" id="{89F36FEF-9064-82E4-C626-7FEC1920DC9B}"/>
+              </a:ext>
+            </a:extLst>
+          </p:cNvPr>
+          <p:cNvPicPr>
+            <a:picLocks noChangeAspect="1" noChangeArrowheads="1"/>
+          </p:cNvPicPr>
+          <p:nvPr/>
+        </p:nvPicPr>
+        <p:blipFill>
+          <a:blip r:embed="rId8">
+            <a:extLst>
+              <a:ext uri="{28A0092B-C50C-407E-A947-70E740481C1C}">
+                <a14:useLocalDpi xmlns:a14="http://schemas.microsoft.com/office/drawing/2010/main" val="0"/>
+              </a:ext>
+            </a:extLst>
+          </a:blip>
+          <a:srcRect/>
+          <a:stretch>
+            <a:fillRect/>
+          </a:stretch>
+        </p:blipFill>
+        <p:spPr bwMode="auto">
+          <a:xfrm>
+            <a:off x="6789856" y="5617144"/>
+            <a:ext cx="765998" cy="765998"/>
+          </a:xfrm>
+          <a:prstGeom prst="rect">
+            <a:avLst/>
+          </a:prstGeom>
+          <a:noFill/>
+          <a:ln>
+            <a:solidFill>
+              <a:schemeClr val="tx1"/>
+            </a:solidFill>
+          </a:ln>
           <a:extLst>
             <a:ext uri="{909E8E84-426E-40DD-AFC4-6F175D3DCCD1}">
               <a14:hiddenFill xmlns:a14="http://schemas.microsoft.com/office/drawing/2010/main">
@@ -8732,10 +13424,62 @@
       </p:grpSpPr>
       <p:sp>
         <p:nvSpPr>
-          <p:cNvPr id="2" name="Title 1">
-            <a:extLst>
-              <a:ext uri="{FF2B5EF4-FFF2-40B4-BE49-F238E27FC236}">
-                <a16:creationId xmlns:a16="http://schemas.microsoft.com/office/drawing/2014/main" id="{1873D5D2-663B-BBE8-7124-6DF2636FE8C9}"/>
+          <p:cNvPr id="4" name="Rectángulo 3">
+            <a:extLst>
+              <a:ext uri="{FF2B5EF4-FFF2-40B4-BE49-F238E27FC236}">
+                <a16:creationId xmlns:a16="http://schemas.microsoft.com/office/drawing/2014/main" id="{1221E91D-801F-850A-2104-F135279F8E1F}"/>
+              </a:ext>
+            </a:extLst>
+          </p:cNvPr>
+          <p:cNvSpPr/>
+          <p:nvPr/>
+        </p:nvSpPr>
+        <p:spPr>
+          <a:xfrm>
+            <a:off x="-71021" y="294101"/>
+            <a:ext cx="5832629" cy="1325563"/>
+          </a:xfrm>
+          <a:prstGeom prst="rect">
+            <a:avLst/>
+          </a:prstGeom>
+          <a:solidFill>
+            <a:srgbClr val="1691A2"/>
+          </a:solidFill>
+          <a:ln>
+            <a:noFill/>
+          </a:ln>
+        </p:spPr>
+        <p:style>
+          <a:lnRef idx="2">
+            <a:schemeClr val="accent1">
+              <a:shade val="15000"/>
+            </a:schemeClr>
+          </a:lnRef>
+          <a:fillRef idx="1">
+            <a:schemeClr val="accent1"/>
+          </a:fillRef>
+          <a:effectRef idx="0">
+            <a:schemeClr val="accent1"/>
+          </a:effectRef>
+          <a:fontRef idx="minor">
+            <a:schemeClr val="lt1"/>
+          </a:fontRef>
+        </p:style>
+        <p:txBody>
+          <a:bodyPr rtlCol="0" anchor="ctr"/>
+          <a:lstStyle/>
+          <a:p>
+            <a:pPr algn="ctr"/>
+            <a:endParaRPr lang="es-ES"/>
+          </a:p>
+        </p:txBody>
+      </p:sp>
+      <p:sp>
+        <p:nvSpPr>
+          <p:cNvPr id="2" name="Título 1">
+            <a:extLst>
+              <a:ext uri="{FF2B5EF4-FFF2-40B4-BE49-F238E27FC236}">
+                <a16:creationId xmlns:a16="http://schemas.microsoft.com/office/drawing/2014/main" id="{DDDBB738-3B55-E36D-5F94-8191B3099A44}"/>
               </a:ext>
             </a:extLst>
           </p:cNvPr>
@@ -8752,18 +13496,23 @@
           <a:lstStyle/>
           <a:p>
             <a:r>
-              <a:rPr lang="es-ES" dirty="0"/>
-              <a:t>Fase de Desarrollo</a:t>
+              <a:rPr lang="es-ES" dirty="0">
+                <a:solidFill>
+                  <a:schemeClr val="bg1"/>
+                </a:solidFill>
+                <a:latin typeface="Bahnschrift" panose="020B0502040204020203" pitchFamily="34" charset="0"/>
+              </a:rPr>
+              <a:t>TRABAJO PREVIO:</a:t>
             </a:r>
           </a:p>
         </p:txBody>
       </p:sp>
       <p:sp>
         <p:nvSpPr>
-          <p:cNvPr id="3" name="Content Placeholder 2">
-            <a:extLst>
-              <a:ext uri="{FF2B5EF4-FFF2-40B4-BE49-F238E27FC236}">
-                <a16:creationId xmlns:a16="http://schemas.microsoft.com/office/drawing/2014/main" id="{E56D2B91-ABB4-6C60-C4A4-7DCB1C271E2A}"/>
+          <p:cNvPr id="3" name="Marcador de contenido 2">
+            <a:extLst>
+              <a:ext uri="{FF2B5EF4-FFF2-40B4-BE49-F238E27FC236}">
+                <a16:creationId xmlns:a16="http://schemas.microsoft.com/office/drawing/2014/main" id="{B9BC071E-8C6C-3FD2-7741-FAAD240B7808}"/>
               </a:ext>
             </a:extLst>
           </p:cNvPr>
@@ -8779,14 +13528,116 @@
           <a:bodyPr/>
           <a:lstStyle/>
           <a:p>
+            <a:pPr marL="0" indent="0">
+              <a:buNone/>
+            </a:pPr>
+            <a:r>
+              <a:rPr lang="es-ES" dirty="0"/>
+              <a:t>LA IMPULSIVIDAD Y SU DETECCIÓN MEDIANTE EL LENGUAJE NATURAL</a:t>
+            </a:r>
+          </a:p>
+        </p:txBody>
+      </p:sp>
+      <p:pic>
+        <p:nvPicPr>
+          <p:cNvPr id="5" name="Imagen 4">
+            <a:extLst>
+              <a:ext uri="{FF2B5EF4-FFF2-40B4-BE49-F238E27FC236}">
+                <a16:creationId xmlns:a16="http://schemas.microsoft.com/office/drawing/2014/main" id="{73D49A40-9B90-D9E1-26FC-BE9B20D5826A}"/>
+              </a:ext>
+            </a:extLst>
+          </p:cNvPr>
+          <p:cNvPicPr>
+            <a:picLocks noChangeAspect="1"/>
+          </p:cNvPicPr>
+          <p:nvPr/>
+        </p:nvPicPr>
+        <p:blipFill>
+          <a:blip r:embed="rId2"/>
+          <a:stretch>
+            <a:fillRect/>
+          </a:stretch>
+        </p:blipFill>
+        <p:spPr>
+          <a:xfrm>
+            <a:off x="7173759" y="3501917"/>
+            <a:ext cx="4447249" cy="2898884"/>
+          </a:xfrm>
+          <a:prstGeom prst="rect">
+            <a:avLst/>
+          </a:prstGeom>
+        </p:spPr>
+      </p:pic>
+      <p:sp>
+        <p:nvSpPr>
+          <p:cNvPr id="6" name="CuadroTexto 5">
+            <a:extLst>
+              <a:ext uri="{FF2B5EF4-FFF2-40B4-BE49-F238E27FC236}">
+                <a16:creationId xmlns:a16="http://schemas.microsoft.com/office/drawing/2014/main" id="{27E06E34-4786-882F-3FF8-F17617D0283F}"/>
+              </a:ext>
+            </a:extLst>
+          </p:cNvPr>
+          <p:cNvSpPr txBox="1"/>
+          <p:nvPr/>
+        </p:nvSpPr>
+        <p:spPr>
+          <a:xfrm>
+            <a:off x="1316060" y="2645546"/>
+            <a:ext cx="5848268" cy="1754326"/>
+          </a:xfrm>
+          <a:prstGeom prst="rect">
+            <a:avLst/>
+          </a:prstGeom>
+          <a:noFill/>
+        </p:spPr>
+        <p:txBody>
+          <a:bodyPr wrap="none" rtlCol="0">
+            <a:spAutoFit/>
+          </a:bodyPr>
+          <a:lstStyle/>
+          <a:p>
+            <a:r>
+              <a:rPr lang="es-ES" dirty="0"/>
+              <a:t>La Herramienta LIWC puede ser empleada para la detección </a:t>
+            </a:r>
+          </a:p>
+          <a:p>
+            <a:r>
+              <a:rPr lang="es-ES" dirty="0"/>
+              <a:t>y análisis del comportamiento IMPULSIVO</a:t>
+            </a:r>
+          </a:p>
+          <a:p>
             <a:endParaRPr lang="es-ES" dirty="0"/>
+          </a:p>
+          <a:p>
+            <a:pPr marL="285750" indent="-285750">
+              <a:buFont typeface="Arial" panose="020B0604020202020204" pitchFamily="34" charset="0"/>
+              <a:buChar char="•"/>
+            </a:pPr>
+            <a:r>
+              <a:rPr lang="es-ES" dirty="0"/>
+              <a:t>El uso del Tiempo Presente, conjunciones </a:t>
+            </a:r>
+          </a:p>
+          <a:p>
+            <a:r>
+              <a:rPr lang="es-ES" dirty="0"/>
+              <a:t>y palabras malsonantes es significativo a la hora </a:t>
+            </a:r>
+          </a:p>
+          <a:p>
+            <a:r>
+              <a:rPr lang="es-ES" dirty="0"/>
+              <a:t>de detectar la impulsividad</a:t>
+            </a:r>
           </a:p>
         </p:txBody>
       </p:sp>
     </p:spTree>
     <p:extLst>
       <p:ext uri="{BB962C8B-B14F-4D97-AF65-F5344CB8AC3E}">
-        <p14:creationId xmlns:p14="http://schemas.microsoft.com/office/powerpoint/2010/main" val="3330236163"/>
+        <p14:creationId xmlns:p14="http://schemas.microsoft.com/office/powerpoint/2010/main" val="1107397356"/>
       </p:ext>
     </p:extLst>
   </p:cSld>
@@ -8797,6 +13648,1293 @@
 </file>
 
 <file path=ppt/slides/slide7.xml><?xml version="1.0" encoding="utf-8"?>
+<p:sld xmlns:a="http://schemas.openxmlformats.org/drawingml/2006/main" xmlns:r="http://schemas.openxmlformats.org/officeDocument/2006/relationships" xmlns:p="http://schemas.openxmlformats.org/presentationml/2006/main">
+  <p:cSld>
+    <p:spTree>
+      <p:nvGrpSpPr>
+        <p:cNvPr id="1" name=""/>
+        <p:cNvGrpSpPr/>
+        <p:nvPr/>
+      </p:nvGrpSpPr>
+      <p:grpSpPr>
+        <a:xfrm>
+          <a:off x="0" y="0"/>
+          <a:ext cx="0" cy="0"/>
+          <a:chOff x="0" y="0"/>
+          <a:chExt cx="0" cy="0"/>
+        </a:xfrm>
+      </p:grpSpPr>
+      <p:sp>
+        <p:nvSpPr>
+          <p:cNvPr id="4" name="Rectángulo 3">
+            <a:extLst>
+              <a:ext uri="{FF2B5EF4-FFF2-40B4-BE49-F238E27FC236}">
+                <a16:creationId xmlns:a16="http://schemas.microsoft.com/office/drawing/2014/main" id="{70EA2171-EE43-FBCF-4B9E-ED0BC48BD1D1}"/>
+              </a:ext>
+            </a:extLst>
+          </p:cNvPr>
+          <p:cNvSpPr/>
+          <p:nvPr/>
+        </p:nvSpPr>
+        <p:spPr>
+          <a:xfrm>
+            <a:off x="-71020" y="294101"/>
+            <a:ext cx="8824404" cy="1325563"/>
+          </a:xfrm>
+          <a:prstGeom prst="rect">
+            <a:avLst/>
+          </a:prstGeom>
+          <a:solidFill>
+            <a:srgbClr val="1691A2"/>
+          </a:solidFill>
+          <a:ln>
+            <a:noFill/>
+          </a:ln>
+        </p:spPr>
+        <p:style>
+          <a:lnRef idx="2">
+            <a:schemeClr val="accent1">
+              <a:shade val="15000"/>
+            </a:schemeClr>
+          </a:lnRef>
+          <a:fillRef idx="1">
+            <a:schemeClr val="accent1"/>
+          </a:fillRef>
+          <a:effectRef idx="0">
+            <a:schemeClr val="accent1"/>
+          </a:effectRef>
+          <a:fontRef idx="minor">
+            <a:schemeClr val="lt1"/>
+          </a:fontRef>
+        </p:style>
+        <p:txBody>
+          <a:bodyPr rtlCol="0" anchor="ctr"/>
+          <a:lstStyle/>
+          <a:p>
+            <a:pPr algn="ctr"/>
+            <a:endParaRPr lang="es-ES"/>
+          </a:p>
+        </p:txBody>
+      </p:sp>
+      <p:sp>
+        <p:nvSpPr>
+          <p:cNvPr id="2" name="Título 1">
+            <a:extLst>
+              <a:ext uri="{FF2B5EF4-FFF2-40B4-BE49-F238E27FC236}">
+                <a16:creationId xmlns:a16="http://schemas.microsoft.com/office/drawing/2014/main" id="{699A0494-46CA-3317-C08D-C033A652AD65}"/>
+              </a:ext>
+            </a:extLst>
+          </p:cNvPr>
+          <p:cNvSpPr>
+            <a:spLocks noGrp="1"/>
+          </p:cNvSpPr>
+          <p:nvPr>
+            <p:ph type="title"/>
+          </p:nvPr>
+        </p:nvSpPr>
+        <p:spPr/>
+        <p:txBody>
+          <a:bodyPr/>
+          <a:lstStyle/>
+          <a:p>
+            <a:r>
+              <a:rPr lang="es-ES" dirty="0">
+                <a:solidFill>
+                  <a:schemeClr val="bg1"/>
+                </a:solidFill>
+                <a:latin typeface="Bahnschrift" panose="020B0502040204020203" pitchFamily="34" charset="0"/>
+              </a:rPr>
+              <a:t>ANÁLISIS PREVIO Y FASE DE DESARROLLO</a:t>
+            </a:r>
+          </a:p>
+        </p:txBody>
+      </p:sp>
+      <p:sp>
+        <p:nvSpPr>
+          <p:cNvPr id="3" name="Marcador de contenido 2">
+            <a:extLst>
+              <a:ext uri="{FF2B5EF4-FFF2-40B4-BE49-F238E27FC236}">
+                <a16:creationId xmlns:a16="http://schemas.microsoft.com/office/drawing/2014/main" id="{48C1EB8F-D5F2-AB2A-5BDB-5F503222F021}"/>
+              </a:ext>
+            </a:extLst>
+          </p:cNvPr>
+          <p:cNvSpPr>
+            <a:spLocks noGrp="1"/>
+          </p:cNvSpPr>
+          <p:nvPr>
+            <p:ph idx="1"/>
+          </p:nvPr>
+        </p:nvSpPr>
+        <p:spPr>
+          <a:xfrm>
+            <a:off x="580749" y="2020125"/>
+            <a:ext cx="10515600" cy="4268565"/>
+          </a:xfrm>
+        </p:spPr>
+        <p:txBody>
+          <a:bodyPr/>
+          <a:lstStyle/>
+          <a:p>
+            <a:pPr marL="0" indent="0">
+              <a:buNone/>
+            </a:pPr>
+            <a:r>
+              <a:rPr lang="es-ES" dirty="0"/>
+              <a:t>FUNCIONALIDADES A DESARROLLAR:</a:t>
+            </a:r>
+          </a:p>
+          <a:p>
+            <a:pPr marL="0" indent="0">
+              <a:buNone/>
+            </a:pPr>
+            <a:endParaRPr lang="es-ES" sz="2000" dirty="0"/>
+          </a:p>
+          <a:p>
+            <a:pPr lvl="2"/>
+            <a:r>
+              <a:rPr lang="es-ES" sz="1600" dirty="0"/>
+              <a:t>Realización de análisis morfológico simple</a:t>
+            </a:r>
+          </a:p>
+          <a:p>
+            <a:pPr lvl="2"/>
+            <a:r>
+              <a:rPr lang="es-ES" sz="1600" dirty="0"/>
+              <a:t>Conteo de palabras totales (TW)</a:t>
+            </a:r>
+          </a:p>
+          <a:p>
+            <a:pPr lvl="2"/>
+            <a:r>
+              <a:rPr lang="es-ES" sz="1600" dirty="0"/>
+              <a:t>Conteo de palabras por oración (NS)</a:t>
+            </a:r>
+          </a:p>
+          <a:p>
+            <a:pPr lvl="2"/>
+            <a:r>
+              <a:rPr lang="es-ES" sz="1600" dirty="0"/>
+              <a:t>Calculo de la media de palabras por oración (AVG W/S)</a:t>
+            </a:r>
+          </a:p>
+          <a:p>
+            <a:pPr lvl="2"/>
+            <a:r>
+              <a:rPr lang="es-ES" sz="1600" dirty="0"/>
+              <a:t>Conteo de palabras malsonantes (PM)</a:t>
+            </a:r>
+          </a:p>
+          <a:p>
+            <a:pPr lvl="2"/>
+            <a:r>
+              <a:rPr lang="es-ES" sz="1600" dirty="0"/>
+              <a:t>Conteo de palabras grandes (PG)</a:t>
+            </a:r>
+          </a:p>
+          <a:p>
+            <a:pPr lvl="2"/>
+            <a:r>
+              <a:rPr lang="es-ES" sz="1600" dirty="0"/>
+              <a:t>Transcripción de Audio a texto</a:t>
+            </a:r>
+          </a:p>
+          <a:p>
+            <a:pPr lvl="2"/>
+            <a:r>
+              <a:rPr lang="es-ES" sz="1600" dirty="0"/>
+              <a:t>Generación de una Interfaz Gráfica de Usuario</a:t>
+            </a:r>
+          </a:p>
+          <a:p>
+            <a:pPr lvl="2"/>
+            <a:r>
+              <a:rPr lang="es-ES" sz="1600" dirty="0"/>
+              <a:t>Permitir la Visualización de datos tanto en Tabla como en Grafico</a:t>
+            </a:r>
+          </a:p>
+          <a:p>
+            <a:endParaRPr lang="es-ES" dirty="0"/>
+          </a:p>
+        </p:txBody>
+      </p:sp>
+      <p:pic>
+        <p:nvPicPr>
+          <p:cNvPr id="3074" name="Picture 2">
+            <a:extLst>
+              <a:ext uri="{FF2B5EF4-FFF2-40B4-BE49-F238E27FC236}">
+                <a16:creationId xmlns:a16="http://schemas.microsoft.com/office/drawing/2014/main" id="{D6DD2F7C-CDE9-0408-ABD9-2E9FD1BA021F}"/>
+              </a:ext>
+            </a:extLst>
+          </p:cNvPr>
+          <p:cNvPicPr>
+            <a:picLocks noChangeAspect="1" noChangeArrowheads="1"/>
+          </p:cNvPicPr>
+          <p:nvPr/>
+        </p:nvPicPr>
+        <p:blipFill>
+          <a:blip r:embed="rId2">
+            <a:extLst>
+              <a:ext uri="{28A0092B-C50C-407E-A947-70E740481C1C}">
+                <a14:useLocalDpi xmlns:a14="http://schemas.microsoft.com/office/drawing/2010/main" val="0"/>
+              </a:ext>
+            </a:extLst>
+          </a:blip>
+          <a:srcRect/>
+          <a:stretch>
+            <a:fillRect/>
+          </a:stretch>
+        </p:blipFill>
+        <p:spPr bwMode="auto">
+          <a:xfrm>
+            <a:off x="8386895" y="2202772"/>
+            <a:ext cx="3496498" cy="3469252"/>
+          </a:xfrm>
+          <a:prstGeom prst="rect">
+            <a:avLst/>
+          </a:prstGeom>
+          <a:noFill/>
+          <a:extLst>
+            <a:ext uri="{909E8E84-426E-40DD-AFC4-6F175D3DCCD1}">
+              <a14:hiddenFill xmlns:a14="http://schemas.microsoft.com/office/drawing/2010/main">
+                <a:solidFill>
+                  <a:srgbClr val="FFFFFF"/>
+                </a:solidFill>
+              </a14:hiddenFill>
+            </a:ext>
+          </a:extLst>
+        </p:spPr>
+      </p:pic>
+      <p:pic>
+        <p:nvPicPr>
+          <p:cNvPr id="3076" name="Picture 4" descr="Python icon - Free download on Iconfinder">
+            <a:extLst>
+              <a:ext uri="{FF2B5EF4-FFF2-40B4-BE49-F238E27FC236}">
+                <a16:creationId xmlns:a16="http://schemas.microsoft.com/office/drawing/2014/main" id="{297DF9CE-2722-1ACE-F753-F3638B97BDF2}"/>
+              </a:ext>
+            </a:extLst>
+          </p:cNvPr>
+          <p:cNvPicPr>
+            <a:picLocks noChangeAspect="1" noChangeArrowheads="1"/>
+          </p:cNvPicPr>
+          <p:nvPr/>
+        </p:nvPicPr>
+        <p:blipFill>
+          <a:blip r:embed="rId3">
+            <a:extLst>
+              <a:ext uri="{28A0092B-C50C-407E-A947-70E740481C1C}">
+                <a14:useLocalDpi xmlns:a14="http://schemas.microsoft.com/office/drawing/2010/main" val="0"/>
+              </a:ext>
+            </a:extLst>
+          </a:blip>
+          <a:srcRect/>
+          <a:stretch>
+            <a:fillRect/>
+          </a:stretch>
+        </p:blipFill>
+        <p:spPr bwMode="auto">
+          <a:xfrm>
+            <a:off x="11005939" y="222006"/>
+            <a:ext cx="877454" cy="877454"/>
+          </a:xfrm>
+          <a:prstGeom prst="rect">
+            <a:avLst/>
+          </a:prstGeom>
+          <a:noFill/>
+          <a:extLst>
+            <a:ext uri="{909E8E84-426E-40DD-AFC4-6F175D3DCCD1}">
+              <a14:hiddenFill xmlns:a14="http://schemas.microsoft.com/office/drawing/2010/main">
+                <a:solidFill>
+                  <a:srgbClr val="FFFFFF"/>
+                </a:solidFill>
+              </a14:hiddenFill>
+            </a:ext>
+          </a:extLst>
+        </p:spPr>
+      </p:pic>
+    </p:spTree>
+    <p:extLst>
+      <p:ext uri="{BB962C8B-B14F-4D97-AF65-F5344CB8AC3E}">
+        <p14:creationId xmlns:p14="http://schemas.microsoft.com/office/powerpoint/2010/main" val="3199888295"/>
+      </p:ext>
+    </p:extLst>
+  </p:cSld>
+  <p:clrMapOvr>
+    <a:masterClrMapping/>
+  </p:clrMapOvr>
+</p:sld>
+</file>
+
+<file path=ppt/slides/slide8.xml><?xml version="1.0" encoding="utf-8"?>
+<p:sld xmlns:a="http://schemas.openxmlformats.org/drawingml/2006/main" xmlns:r="http://schemas.openxmlformats.org/officeDocument/2006/relationships" xmlns:p="http://schemas.openxmlformats.org/presentationml/2006/main">
+  <p:cSld>
+    <p:spTree>
+      <p:nvGrpSpPr>
+        <p:cNvPr id="1" name=""/>
+        <p:cNvGrpSpPr/>
+        <p:nvPr/>
+      </p:nvGrpSpPr>
+      <p:grpSpPr>
+        <a:xfrm>
+          <a:off x="0" y="0"/>
+          <a:ext cx="0" cy="0"/>
+          <a:chOff x="0" y="0"/>
+          <a:chExt cx="0" cy="0"/>
+        </a:xfrm>
+      </p:grpSpPr>
+      <p:sp>
+        <p:nvSpPr>
+          <p:cNvPr id="4" name="Rectángulo 3">
+            <a:extLst>
+              <a:ext uri="{FF2B5EF4-FFF2-40B4-BE49-F238E27FC236}">
+                <a16:creationId xmlns:a16="http://schemas.microsoft.com/office/drawing/2014/main" id="{9ADEB91B-C857-4A8E-D410-FE51A5096C53}"/>
+              </a:ext>
+            </a:extLst>
+          </p:cNvPr>
+          <p:cNvSpPr/>
+          <p:nvPr/>
+        </p:nvSpPr>
+        <p:spPr>
+          <a:xfrm>
+            <a:off x="-71020" y="294101"/>
+            <a:ext cx="8824404" cy="1325563"/>
+          </a:xfrm>
+          <a:prstGeom prst="rect">
+            <a:avLst/>
+          </a:prstGeom>
+          <a:solidFill>
+            <a:srgbClr val="1691A2"/>
+          </a:solidFill>
+          <a:ln>
+            <a:noFill/>
+          </a:ln>
+        </p:spPr>
+        <p:style>
+          <a:lnRef idx="2">
+            <a:schemeClr val="accent1">
+              <a:shade val="15000"/>
+            </a:schemeClr>
+          </a:lnRef>
+          <a:fillRef idx="1">
+            <a:schemeClr val="accent1"/>
+          </a:fillRef>
+          <a:effectRef idx="0">
+            <a:schemeClr val="accent1"/>
+          </a:effectRef>
+          <a:fontRef idx="minor">
+            <a:schemeClr val="lt1"/>
+          </a:fontRef>
+        </p:style>
+        <p:txBody>
+          <a:bodyPr rtlCol="0" anchor="ctr"/>
+          <a:lstStyle/>
+          <a:p>
+            <a:pPr algn="ctr"/>
+            <a:endParaRPr lang="es-ES"/>
+          </a:p>
+        </p:txBody>
+      </p:sp>
+      <p:sp>
+        <p:nvSpPr>
+          <p:cNvPr id="2" name="Title 1">
+            <a:extLst>
+              <a:ext uri="{FF2B5EF4-FFF2-40B4-BE49-F238E27FC236}">
+                <a16:creationId xmlns:a16="http://schemas.microsoft.com/office/drawing/2014/main" id="{29796657-AACF-C68A-ADE7-B5093A26554D}"/>
+              </a:ext>
+            </a:extLst>
+          </p:cNvPr>
+          <p:cNvSpPr>
+            <a:spLocks noGrp="1"/>
+          </p:cNvSpPr>
+          <p:nvPr>
+            <p:ph type="title"/>
+          </p:nvPr>
+        </p:nvSpPr>
+        <p:spPr/>
+        <p:txBody>
+          <a:bodyPr/>
+          <a:lstStyle/>
+          <a:p>
+            <a:r>
+              <a:rPr lang="es-ES" dirty="0">
+                <a:solidFill>
+                  <a:schemeClr val="bg1"/>
+                </a:solidFill>
+                <a:latin typeface="Bahnschrift" panose="020B0502040204020203" pitchFamily="34" charset="0"/>
+              </a:rPr>
+              <a:t>BIBLIOTECAS</a:t>
+            </a:r>
+          </a:p>
+        </p:txBody>
+      </p:sp>
+      <p:pic>
+        <p:nvPicPr>
+          <p:cNvPr id="2052" name="Picture 4" descr="Conoces Estas Librerías De Python Para Análisis De Datos?">
+            <a:extLst>
+              <a:ext uri="{FF2B5EF4-FFF2-40B4-BE49-F238E27FC236}">
+                <a16:creationId xmlns:a16="http://schemas.microsoft.com/office/drawing/2014/main" id="{5EBEE5FB-3E5C-99A5-F755-77930285F588}"/>
+              </a:ext>
+            </a:extLst>
+          </p:cNvPr>
+          <p:cNvPicPr>
+            <a:picLocks noChangeAspect="1" noChangeArrowheads="1"/>
+          </p:cNvPicPr>
+          <p:nvPr/>
+        </p:nvPicPr>
+        <p:blipFill>
+          <a:blip r:embed="rId2">
+            <a:extLst>
+              <a:ext uri="{28A0092B-C50C-407E-A947-70E740481C1C}">
+                <a14:useLocalDpi xmlns:a14="http://schemas.microsoft.com/office/drawing/2010/main" val="0"/>
+              </a:ext>
+            </a:extLst>
+          </a:blip>
+          <a:srcRect/>
+          <a:stretch>
+            <a:fillRect/>
+          </a:stretch>
+        </p:blipFill>
+        <p:spPr bwMode="auto">
+          <a:xfrm>
+            <a:off x="7516427" y="3696441"/>
+            <a:ext cx="4439281" cy="2943625"/>
+          </a:xfrm>
+          <a:prstGeom prst="rect">
+            <a:avLst/>
+          </a:prstGeom>
+          <a:noFill/>
+          <a:extLst>
+            <a:ext uri="{909E8E84-426E-40DD-AFC4-6F175D3DCCD1}">
+              <a14:hiddenFill xmlns:a14="http://schemas.microsoft.com/office/drawing/2010/main">
+                <a:solidFill>
+                  <a:srgbClr val="FFFFFF"/>
+                </a:solidFill>
+              </a14:hiddenFill>
+            </a:ext>
+          </a:extLst>
+        </p:spPr>
+      </p:pic>
+      <p:sp>
+        <p:nvSpPr>
+          <p:cNvPr id="19" name="Rectangle: Rounded Corners 18">
+            <a:extLst>
+              <a:ext uri="{FF2B5EF4-FFF2-40B4-BE49-F238E27FC236}">
+                <a16:creationId xmlns:a16="http://schemas.microsoft.com/office/drawing/2014/main" id="{A0B4E0C9-A749-BF89-F24C-EE9097E0EEEC}"/>
+              </a:ext>
+            </a:extLst>
+          </p:cNvPr>
+          <p:cNvSpPr/>
+          <p:nvPr/>
+        </p:nvSpPr>
+        <p:spPr>
+          <a:xfrm>
+            <a:off x="572449" y="2672896"/>
+            <a:ext cx="1428989" cy="534763"/>
+          </a:xfrm>
+          <a:prstGeom prst="roundRect">
+            <a:avLst/>
+          </a:prstGeom>
+          <a:solidFill>
+            <a:schemeClr val="accent2"/>
+          </a:solidFill>
+          <a:ln>
+            <a:noFill/>
+          </a:ln>
+        </p:spPr>
+        <p:style>
+          <a:lnRef idx="2">
+            <a:schemeClr val="accent1">
+              <a:shade val="50000"/>
+            </a:schemeClr>
+          </a:lnRef>
+          <a:fillRef idx="1">
+            <a:schemeClr val="accent1"/>
+          </a:fillRef>
+          <a:effectRef idx="0">
+            <a:schemeClr val="accent1"/>
+          </a:effectRef>
+          <a:fontRef idx="minor">
+            <a:schemeClr val="lt1"/>
+          </a:fontRef>
+        </p:style>
+        <p:txBody>
+          <a:bodyPr rtlCol="0" anchor="ctr"/>
+          <a:lstStyle/>
+          <a:p>
+            <a:pPr algn="ctr" defTabSz="868680">
+              <a:spcAft>
+                <a:spcPts val="600"/>
+              </a:spcAft>
+            </a:pPr>
+            <a:r>
+              <a:rPr lang="es-ES" sz="1710" kern="1200" dirty="0" err="1">
+                <a:solidFill>
+                  <a:schemeClr val="lt1"/>
+                </a:solidFill>
+                <a:latin typeface="+mn-lt"/>
+                <a:ea typeface="+mn-ea"/>
+                <a:cs typeface="+mn-cs"/>
+              </a:rPr>
+              <a:t>SpaCy</a:t>
+            </a:r>
+            <a:endParaRPr lang="es-ES" dirty="0"/>
+          </a:p>
+        </p:txBody>
+      </p:sp>
+      <p:sp>
+        <p:nvSpPr>
+          <p:cNvPr id="20" name="Rectangle: Rounded Corners 19">
+            <a:extLst>
+              <a:ext uri="{FF2B5EF4-FFF2-40B4-BE49-F238E27FC236}">
+                <a16:creationId xmlns:a16="http://schemas.microsoft.com/office/drawing/2014/main" id="{C7644F07-8EB0-04A3-2028-15F6A6F3203D}"/>
+              </a:ext>
+            </a:extLst>
+          </p:cNvPr>
+          <p:cNvSpPr/>
+          <p:nvPr/>
+        </p:nvSpPr>
+        <p:spPr>
+          <a:xfrm>
+            <a:off x="572449" y="3381722"/>
+            <a:ext cx="1428989" cy="534763"/>
+          </a:xfrm>
+          <a:prstGeom prst="roundRect">
+            <a:avLst/>
+          </a:prstGeom>
+          <a:solidFill>
+            <a:schemeClr val="accent2"/>
+          </a:solidFill>
+          <a:ln>
+            <a:noFill/>
+          </a:ln>
+        </p:spPr>
+        <p:style>
+          <a:lnRef idx="2">
+            <a:schemeClr val="accent1">
+              <a:shade val="50000"/>
+            </a:schemeClr>
+          </a:lnRef>
+          <a:fillRef idx="1">
+            <a:schemeClr val="accent1"/>
+          </a:fillRef>
+          <a:effectRef idx="0">
+            <a:schemeClr val="accent1"/>
+          </a:effectRef>
+          <a:fontRef idx="minor">
+            <a:schemeClr val="lt1"/>
+          </a:fontRef>
+        </p:style>
+        <p:txBody>
+          <a:bodyPr rtlCol="0" anchor="ctr"/>
+          <a:lstStyle/>
+          <a:p>
+            <a:pPr algn="ctr" defTabSz="868680">
+              <a:spcAft>
+                <a:spcPts val="600"/>
+              </a:spcAft>
+            </a:pPr>
+            <a:r>
+              <a:rPr lang="es-ES" sz="1600" i="0" u="none" strike="noStrike" dirty="0" err="1">
+                <a:solidFill>
+                  <a:schemeClr val="bg1"/>
+                </a:solidFill>
+                <a:effectLst/>
+              </a:rPr>
+              <a:t>Tkinter</a:t>
+            </a:r>
+            <a:endParaRPr lang="es-ES" dirty="0">
+              <a:solidFill>
+                <a:schemeClr val="bg1"/>
+              </a:solidFill>
+            </a:endParaRPr>
+          </a:p>
+        </p:txBody>
+      </p:sp>
+      <p:sp>
+        <p:nvSpPr>
+          <p:cNvPr id="21" name="Rectangle: Rounded Corners 20">
+            <a:extLst>
+              <a:ext uri="{FF2B5EF4-FFF2-40B4-BE49-F238E27FC236}">
+                <a16:creationId xmlns:a16="http://schemas.microsoft.com/office/drawing/2014/main" id="{AD54FA2C-EE80-12E0-82D6-A9D3B47A64DF}"/>
+              </a:ext>
+            </a:extLst>
+          </p:cNvPr>
+          <p:cNvSpPr/>
+          <p:nvPr/>
+        </p:nvSpPr>
+        <p:spPr>
+          <a:xfrm>
+            <a:off x="3987300" y="2639714"/>
+            <a:ext cx="1428989" cy="534763"/>
+          </a:xfrm>
+          <a:prstGeom prst="roundRect">
+            <a:avLst/>
+          </a:prstGeom>
+          <a:solidFill>
+            <a:schemeClr val="accent2"/>
+          </a:solidFill>
+          <a:ln>
+            <a:noFill/>
+          </a:ln>
+        </p:spPr>
+        <p:style>
+          <a:lnRef idx="2">
+            <a:schemeClr val="accent1">
+              <a:shade val="50000"/>
+            </a:schemeClr>
+          </a:lnRef>
+          <a:fillRef idx="1">
+            <a:schemeClr val="accent1"/>
+          </a:fillRef>
+          <a:effectRef idx="0">
+            <a:schemeClr val="accent1"/>
+          </a:effectRef>
+          <a:fontRef idx="minor">
+            <a:schemeClr val="lt1"/>
+          </a:fontRef>
+        </p:style>
+        <p:txBody>
+          <a:bodyPr rtlCol="0" anchor="ctr"/>
+          <a:lstStyle/>
+          <a:p>
+            <a:pPr algn="ctr" defTabSz="868680">
+              <a:spcAft>
+                <a:spcPts val="600"/>
+              </a:spcAft>
+            </a:pPr>
+            <a:r>
+              <a:rPr lang="es-ES" sz="1600" dirty="0" err="1"/>
+              <a:t>openpyxl</a:t>
+            </a:r>
+            <a:endParaRPr lang="es-ES" dirty="0"/>
+          </a:p>
+        </p:txBody>
+      </p:sp>
+      <p:sp>
+        <p:nvSpPr>
+          <p:cNvPr id="22" name="Rectangle: Rounded Corners 21">
+            <a:extLst>
+              <a:ext uri="{FF2B5EF4-FFF2-40B4-BE49-F238E27FC236}">
+                <a16:creationId xmlns:a16="http://schemas.microsoft.com/office/drawing/2014/main" id="{48A271C0-687A-ED87-8906-F75C34B39022}"/>
+              </a:ext>
+            </a:extLst>
+          </p:cNvPr>
+          <p:cNvSpPr/>
+          <p:nvPr/>
+        </p:nvSpPr>
+        <p:spPr>
+          <a:xfrm>
+            <a:off x="3990392" y="3381722"/>
+            <a:ext cx="1428989" cy="534763"/>
+          </a:xfrm>
+          <a:prstGeom prst="roundRect">
+            <a:avLst/>
+          </a:prstGeom>
+          <a:solidFill>
+            <a:schemeClr val="accent2"/>
+          </a:solidFill>
+          <a:ln>
+            <a:noFill/>
+          </a:ln>
+        </p:spPr>
+        <p:style>
+          <a:lnRef idx="2">
+            <a:schemeClr val="accent1">
+              <a:shade val="50000"/>
+            </a:schemeClr>
+          </a:lnRef>
+          <a:fillRef idx="1">
+            <a:schemeClr val="accent1"/>
+          </a:fillRef>
+          <a:effectRef idx="0">
+            <a:schemeClr val="accent1"/>
+          </a:effectRef>
+          <a:fontRef idx="minor">
+            <a:schemeClr val="lt1"/>
+          </a:fontRef>
+        </p:style>
+        <p:txBody>
+          <a:bodyPr rtlCol="0" anchor="ctr"/>
+          <a:lstStyle/>
+          <a:p>
+            <a:pPr algn="ctr" defTabSz="868680">
+              <a:spcAft>
+                <a:spcPts val="600"/>
+              </a:spcAft>
+            </a:pPr>
+            <a:r>
+              <a:rPr lang="es-ES" sz="1600" dirty="0"/>
+              <a:t>PyPDF2</a:t>
+            </a:r>
+            <a:endParaRPr lang="es-ES" dirty="0"/>
+          </a:p>
+        </p:txBody>
+      </p:sp>
+      <p:sp>
+        <p:nvSpPr>
+          <p:cNvPr id="23" name="Rectangle: Rounded Corners 22">
+            <a:extLst>
+              <a:ext uri="{FF2B5EF4-FFF2-40B4-BE49-F238E27FC236}">
+                <a16:creationId xmlns:a16="http://schemas.microsoft.com/office/drawing/2014/main" id="{A0466D27-9915-DD45-DAD0-2D926DCB98C0}"/>
+              </a:ext>
+            </a:extLst>
+          </p:cNvPr>
+          <p:cNvSpPr/>
+          <p:nvPr/>
+        </p:nvSpPr>
+        <p:spPr>
+          <a:xfrm>
+            <a:off x="3997561" y="4123730"/>
+            <a:ext cx="1428989" cy="534763"/>
+          </a:xfrm>
+          <a:prstGeom prst="roundRect">
+            <a:avLst/>
+          </a:prstGeom>
+          <a:solidFill>
+            <a:schemeClr val="accent2"/>
+          </a:solidFill>
+          <a:ln>
+            <a:noFill/>
+          </a:ln>
+        </p:spPr>
+        <p:style>
+          <a:lnRef idx="2">
+            <a:schemeClr val="accent1">
+              <a:shade val="50000"/>
+            </a:schemeClr>
+          </a:lnRef>
+          <a:fillRef idx="1">
+            <a:schemeClr val="accent1"/>
+          </a:fillRef>
+          <a:effectRef idx="0">
+            <a:schemeClr val="accent1"/>
+          </a:effectRef>
+          <a:fontRef idx="minor">
+            <a:schemeClr val="lt1"/>
+          </a:fontRef>
+        </p:style>
+        <p:txBody>
+          <a:bodyPr rtlCol="0" anchor="ctr"/>
+          <a:lstStyle/>
+          <a:p>
+            <a:pPr algn="ctr" defTabSz="868680">
+              <a:spcAft>
+                <a:spcPts val="600"/>
+              </a:spcAft>
+            </a:pPr>
+            <a:r>
+              <a:rPr lang="es-ES" sz="1600" dirty="0" err="1"/>
+              <a:t>python</a:t>
+            </a:r>
+            <a:r>
+              <a:rPr lang="es-ES" sz="1600" dirty="0"/>
+              <a:t>-docx</a:t>
+            </a:r>
+            <a:endParaRPr lang="es-ES" dirty="0"/>
+          </a:p>
+        </p:txBody>
+      </p:sp>
+      <p:sp>
+        <p:nvSpPr>
+          <p:cNvPr id="24" name="Rectangle: Rounded Corners 23">
+            <a:extLst>
+              <a:ext uri="{FF2B5EF4-FFF2-40B4-BE49-F238E27FC236}">
+                <a16:creationId xmlns:a16="http://schemas.microsoft.com/office/drawing/2014/main" id="{37148047-FDB7-97F3-85DF-C7F90D4358FE}"/>
+              </a:ext>
+            </a:extLst>
+          </p:cNvPr>
+          <p:cNvSpPr/>
+          <p:nvPr/>
+        </p:nvSpPr>
+        <p:spPr>
+          <a:xfrm>
+            <a:off x="572448" y="4090548"/>
+            <a:ext cx="1428989" cy="534763"/>
+          </a:xfrm>
+          <a:prstGeom prst="roundRect">
+            <a:avLst/>
+          </a:prstGeom>
+          <a:solidFill>
+            <a:schemeClr val="accent2"/>
+          </a:solidFill>
+          <a:ln>
+            <a:noFill/>
+          </a:ln>
+        </p:spPr>
+        <p:style>
+          <a:lnRef idx="2">
+            <a:schemeClr val="accent1">
+              <a:shade val="50000"/>
+            </a:schemeClr>
+          </a:lnRef>
+          <a:fillRef idx="1">
+            <a:schemeClr val="accent1"/>
+          </a:fillRef>
+          <a:effectRef idx="0">
+            <a:schemeClr val="accent1"/>
+          </a:effectRef>
+          <a:fontRef idx="minor">
+            <a:schemeClr val="lt1"/>
+          </a:fontRef>
+        </p:style>
+        <p:txBody>
+          <a:bodyPr rtlCol="0" anchor="ctr"/>
+          <a:lstStyle/>
+          <a:p>
+            <a:pPr algn="ctr" defTabSz="868680">
+              <a:spcAft>
+                <a:spcPts val="600"/>
+              </a:spcAft>
+            </a:pPr>
+            <a:r>
+              <a:rPr lang="es-ES" sz="1600" dirty="0" err="1"/>
+              <a:t>matplotlib</a:t>
+            </a:r>
+            <a:endParaRPr lang="es-ES" dirty="0"/>
+          </a:p>
+        </p:txBody>
+      </p:sp>
+      <p:sp>
+        <p:nvSpPr>
+          <p:cNvPr id="25" name="Rectangle: Rounded Corners 24">
+            <a:extLst>
+              <a:ext uri="{FF2B5EF4-FFF2-40B4-BE49-F238E27FC236}">
+                <a16:creationId xmlns:a16="http://schemas.microsoft.com/office/drawing/2014/main" id="{E54EEB45-F41E-2E01-0118-BDABA3B9BB0C}"/>
+              </a:ext>
+            </a:extLst>
+          </p:cNvPr>
+          <p:cNvSpPr/>
+          <p:nvPr/>
+        </p:nvSpPr>
+        <p:spPr>
+          <a:xfrm>
+            <a:off x="572448" y="4799374"/>
+            <a:ext cx="1938452" cy="534763"/>
+          </a:xfrm>
+          <a:prstGeom prst="roundRect">
+            <a:avLst/>
+          </a:prstGeom>
+          <a:solidFill>
+            <a:schemeClr val="accent2"/>
+          </a:solidFill>
+          <a:ln>
+            <a:noFill/>
+          </a:ln>
+        </p:spPr>
+        <p:style>
+          <a:lnRef idx="2">
+            <a:schemeClr val="accent1">
+              <a:shade val="50000"/>
+            </a:schemeClr>
+          </a:lnRef>
+          <a:fillRef idx="1">
+            <a:schemeClr val="accent1"/>
+          </a:fillRef>
+          <a:effectRef idx="0">
+            <a:schemeClr val="accent1"/>
+          </a:effectRef>
+          <a:fontRef idx="minor">
+            <a:schemeClr val="lt1"/>
+          </a:fontRef>
+        </p:style>
+        <p:txBody>
+          <a:bodyPr rtlCol="0" anchor="ctr"/>
+          <a:lstStyle/>
+          <a:p>
+            <a:pPr algn="ctr" defTabSz="868680">
+              <a:spcAft>
+                <a:spcPts val="600"/>
+              </a:spcAft>
+            </a:pPr>
+            <a:r>
+              <a:rPr lang="es-ES" sz="1600" i="0" u="none" strike="noStrike" dirty="0" err="1">
+                <a:solidFill>
+                  <a:schemeClr val="bg1"/>
+                </a:solidFill>
+                <a:effectLst/>
+              </a:rPr>
+              <a:t>SpeechRecognition</a:t>
+            </a:r>
+            <a:endParaRPr lang="es-ES" dirty="0">
+              <a:solidFill>
+                <a:schemeClr val="bg1"/>
+              </a:solidFill>
+            </a:endParaRPr>
+          </a:p>
+        </p:txBody>
+      </p:sp>
+      <p:pic>
+        <p:nvPicPr>
+          <p:cNvPr id="26" name="Picture 4" descr="Translation free vector icons designed by Freepik | Free icons, Language  icon, Vector icon design">
+            <a:extLst>
+              <a:ext uri="{FF2B5EF4-FFF2-40B4-BE49-F238E27FC236}">
+                <a16:creationId xmlns:a16="http://schemas.microsoft.com/office/drawing/2014/main" id="{CF2EA1B2-0261-9F07-7A74-CB4E85471922}"/>
+              </a:ext>
+            </a:extLst>
+          </p:cNvPr>
+          <p:cNvPicPr>
+            <a:picLocks noChangeAspect="1" noChangeArrowheads="1"/>
+          </p:cNvPicPr>
+          <p:nvPr/>
+        </p:nvPicPr>
+        <p:blipFill>
+          <a:blip r:embed="rId3">
+            <a:extLst>
+              <a:ext uri="{28A0092B-C50C-407E-A947-70E740481C1C}">
+                <a14:useLocalDpi xmlns:a14="http://schemas.microsoft.com/office/drawing/2010/main" val="0"/>
+              </a:ext>
+            </a:extLst>
+          </a:blip>
+          <a:srcRect/>
+          <a:stretch>
+            <a:fillRect/>
+          </a:stretch>
+        </p:blipFill>
+        <p:spPr bwMode="auto">
+          <a:xfrm>
+            <a:off x="2083267" y="2716015"/>
+            <a:ext cx="458462" cy="458462"/>
+          </a:xfrm>
+          <a:prstGeom prst="rect">
+            <a:avLst/>
+          </a:prstGeom>
+          <a:noFill/>
+          <a:extLst>
+            <a:ext uri="{909E8E84-426E-40DD-AFC4-6F175D3DCCD1}">
+              <a14:hiddenFill xmlns:a14="http://schemas.microsoft.com/office/drawing/2010/main">
+                <a:solidFill>
+                  <a:srgbClr val="FFFFFF"/>
+                </a:solidFill>
+              </a14:hiddenFill>
+            </a:ext>
+          </a:extLst>
+        </p:spPr>
+      </p:pic>
+      <p:pic>
+        <p:nvPicPr>
+          <p:cNvPr id="27" name="Picture 26">
+            <a:extLst>
+              <a:ext uri="{FF2B5EF4-FFF2-40B4-BE49-F238E27FC236}">
+                <a16:creationId xmlns:a16="http://schemas.microsoft.com/office/drawing/2014/main" id="{55398B0E-28B6-F4BB-9EEB-FCBD32692814}"/>
+              </a:ext>
+            </a:extLst>
+          </p:cNvPr>
+          <p:cNvPicPr>
+            <a:picLocks noChangeAspect="1"/>
+          </p:cNvPicPr>
+          <p:nvPr/>
+        </p:nvPicPr>
+        <p:blipFill>
+          <a:blip r:embed="rId4"/>
+          <a:stretch>
+            <a:fillRect/>
+          </a:stretch>
+        </p:blipFill>
+        <p:spPr>
+          <a:xfrm>
+            <a:off x="2091311" y="3429491"/>
+            <a:ext cx="663985" cy="422043"/>
+          </a:xfrm>
+          <a:prstGeom prst="rect">
+            <a:avLst/>
+          </a:prstGeom>
+        </p:spPr>
+      </p:pic>
+      <p:pic>
+        <p:nvPicPr>
+          <p:cNvPr id="28" name="Picture 6" descr="Microsoft excel icon | Set de iconos, Fondo de pantalla de aplicaciones,  Iconos para aplicaciones">
+            <a:extLst>
+              <a:ext uri="{FF2B5EF4-FFF2-40B4-BE49-F238E27FC236}">
+                <a16:creationId xmlns:a16="http://schemas.microsoft.com/office/drawing/2014/main" id="{D7D9EB80-B72B-9383-5904-F96328CB011D}"/>
+              </a:ext>
+            </a:extLst>
+          </p:cNvPr>
+          <p:cNvPicPr>
+            <a:picLocks noChangeAspect="1" noChangeArrowheads="1"/>
+          </p:cNvPicPr>
+          <p:nvPr/>
+        </p:nvPicPr>
+        <p:blipFill>
+          <a:blip r:embed="rId5">
+            <a:extLst>
+              <a:ext uri="{28A0092B-C50C-407E-A947-70E740481C1C}">
+                <a14:useLocalDpi xmlns:a14="http://schemas.microsoft.com/office/drawing/2010/main" val="0"/>
+              </a:ext>
+            </a:extLst>
+          </a:blip>
+          <a:srcRect/>
+          <a:stretch>
+            <a:fillRect/>
+          </a:stretch>
+        </p:blipFill>
+        <p:spPr bwMode="auto">
+          <a:xfrm>
+            <a:off x="5486932" y="2664785"/>
+            <a:ext cx="484619" cy="484619"/>
+          </a:xfrm>
+          <a:prstGeom prst="rect">
+            <a:avLst/>
+          </a:prstGeom>
+          <a:noFill/>
+          <a:extLst>
+            <a:ext uri="{909E8E84-426E-40DD-AFC4-6F175D3DCCD1}">
+              <a14:hiddenFill xmlns:a14="http://schemas.microsoft.com/office/drawing/2010/main">
+                <a:solidFill>
+                  <a:srgbClr val="FFFFFF"/>
+                </a:solidFill>
+              </a14:hiddenFill>
+            </a:ext>
+          </a:extLst>
+        </p:spPr>
+      </p:pic>
+      <p:pic>
+        <p:nvPicPr>
+          <p:cNvPr id="29" name="Picture 8" descr="pdf Vector Icons free download in SVG, PNG Format">
+            <a:extLst>
+              <a:ext uri="{FF2B5EF4-FFF2-40B4-BE49-F238E27FC236}">
+                <a16:creationId xmlns:a16="http://schemas.microsoft.com/office/drawing/2014/main" id="{A3689A95-AC47-E412-1447-805E554906C3}"/>
+              </a:ext>
+            </a:extLst>
+          </p:cNvPr>
+          <p:cNvPicPr>
+            <a:picLocks noChangeAspect="1" noChangeArrowheads="1"/>
+          </p:cNvPicPr>
+          <p:nvPr/>
+        </p:nvPicPr>
+        <p:blipFill>
+          <a:blip r:embed="rId6">
+            <a:extLst>
+              <a:ext uri="{28A0092B-C50C-407E-A947-70E740481C1C}">
+                <a14:useLocalDpi xmlns:a14="http://schemas.microsoft.com/office/drawing/2010/main" val="0"/>
+              </a:ext>
+            </a:extLst>
+          </a:blip>
+          <a:srcRect/>
+          <a:stretch>
+            <a:fillRect/>
+          </a:stretch>
+        </p:blipFill>
+        <p:spPr bwMode="auto">
+          <a:xfrm>
+            <a:off x="5436788" y="3373130"/>
+            <a:ext cx="534763" cy="534763"/>
+          </a:xfrm>
+          <a:prstGeom prst="rect">
+            <a:avLst/>
+          </a:prstGeom>
+          <a:noFill/>
+          <a:extLst>
+            <a:ext uri="{909E8E84-426E-40DD-AFC4-6F175D3DCCD1}">
+              <a14:hiddenFill xmlns:a14="http://schemas.microsoft.com/office/drawing/2010/main">
+                <a:solidFill>
+                  <a:srgbClr val="FFFFFF"/>
+                </a:solidFill>
+              </a14:hiddenFill>
+            </a:ext>
+          </a:extLst>
+        </p:spPr>
+      </p:pic>
+      <p:pic>
+        <p:nvPicPr>
+          <p:cNvPr id="30" name="Picture 10" descr="Beige Word Icon for iPhone Apps">
+            <a:extLst>
+              <a:ext uri="{FF2B5EF4-FFF2-40B4-BE49-F238E27FC236}">
+                <a16:creationId xmlns:a16="http://schemas.microsoft.com/office/drawing/2014/main" id="{834C02A4-30C3-4D49-ED01-4B878587F0AC}"/>
+              </a:ext>
+            </a:extLst>
+          </p:cNvPr>
+          <p:cNvPicPr>
+            <a:picLocks noChangeAspect="1" noChangeArrowheads="1"/>
+          </p:cNvPicPr>
+          <p:nvPr/>
+        </p:nvPicPr>
+        <p:blipFill>
+          <a:blip r:embed="rId7">
+            <a:extLst>
+              <a:ext uri="{28A0092B-C50C-407E-A947-70E740481C1C}">
+                <a14:useLocalDpi xmlns:a14="http://schemas.microsoft.com/office/drawing/2010/main" val="0"/>
+              </a:ext>
+            </a:extLst>
+          </a:blip>
+          <a:srcRect/>
+          <a:stretch>
+            <a:fillRect/>
+          </a:stretch>
+        </p:blipFill>
+        <p:spPr bwMode="auto">
+          <a:xfrm>
+            <a:off x="5513054" y="4131619"/>
+            <a:ext cx="534763" cy="534763"/>
+          </a:xfrm>
+          <a:prstGeom prst="rect">
+            <a:avLst/>
+          </a:prstGeom>
+          <a:noFill/>
+          <a:extLst>
+            <a:ext uri="{909E8E84-426E-40DD-AFC4-6F175D3DCCD1}">
+              <a14:hiddenFill xmlns:a14="http://schemas.microsoft.com/office/drawing/2010/main">
+                <a:solidFill>
+                  <a:srgbClr val="FFFFFF"/>
+                </a:solidFill>
+              </a14:hiddenFill>
+            </a:ext>
+          </a:extLst>
+        </p:spPr>
+      </p:pic>
+      <p:pic>
+        <p:nvPicPr>
+          <p:cNvPr id="31" name="Picture 12" descr="Graph, low, analysis, chart, finance, growth, marketing icon - Download on  Iconfinder">
+            <a:extLst>
+              <a:ext uri="{FF2B5EF4-FFF2-40B4-BE49-F238E27FC236}">
+                <a16:creationId xmlns:a16="http://schemas.microsoft.com/office/drawing/2014/main" id="{9CE5F8C6-EA5A-D930-5A4E-24B26490F665}"/>
+              </a:ext>
+            </a:extLst>
+          </p:cNvPr>
+          <p:cNvPicPr>
+            <a:picLocks noChangeAspect="1" noChangeArrowheads="1"/>
+          </p:cNvPicPr>
+          <p:nvPr/>
+        </p:nvPicPr>
+        <p:blipFill>
+          <a:blip r:embed="rId8">
+            <a:extLst>
+              <a:ext uri="{28A0092B-C50C-407E-A947-70E740481C1C}">
+                <a14:useLocalDpi xmlns:a14="http://schemas.microsoft.com/office/drawing/2010/main" val="0"/>
+              </a:ext>
+            </a:extLst>
+          </a:blip>
+          <a:srcRect/>
+          <a:stretch>
+            <a:fillRect/>
+          </a:stretch>
+        </p:blipFill>
+        <p:spPr bwMode="auto">
+          <a:xfrm>
+            <a:off x="2108783" y="4142727"/>
+            <a:ext cx="432946" cy="432946"/>
+          </a:xfrm>
+          <a:prstGeom prst="rect">
+            <a:avLst/>
+          </a:prstGeom>
+          <a:noFill/>
+          <a:extLst>
+            <a:ext uri="{909E8E84-426E-40DD-AFC4-6F175D3DCCD1}">
+              <a14:hiddenFill xmlns:a14="http://schemas.microsoft.com/office/drawing/2010/main">
+                <a:solidFill>
+                  <a:srgbClr val="FFFFFF"/>
+                </a:solidFill>
+              </a14:hiddenFill>
+            </a:ext>
+          </a:extLst>
+        </p:spPr>
+      </p:pic>
+      <p:pic>
+        <p:nvPicPr>
+          <p:cNvPr id="32" name="Picture 14" descr="Pinterest">
+            <a:extLst>
+              <a:ext uri="{FF2B5EF4-FFF2-40B4-BE49-F238E27FC236}">
+                <a16:creationId xmlns:a16="http://schemas.microsoft.com/office/drawing/2014/main" id="{9833B2CE-7339-D106-733F-6B5B3E195D88}"/>
+              </a:ext>
+            </a:extLst>
+          </p:cNvPr>
+          <p:cNvPicPr>
+            <a:picLocks noChangeAspect="1" noChangeArrowheads="1"/>
+          </p:cNvPicPr>
+          <p:nvPr/>
+        </p:nvPicPr>
+        <p:blipFill>
+          <a:blip r:embed="rId9">
+            <a:extLst>
+              <a:ext uri="{28A0092B-C50C-407E-A947-70E740481C1C}">
+                <a14:useLocalDpi xmlns:a14="http://schemas.microsoft.com/office/drawing/2010/main" val="0"/>
+              </a:ext>
+            </a:extLst>
+          </a:blip>
+          <a:srcRect/>
+          <a:stretch>
+            <a:fillRect/>
+          </a:stretch>
+        </p:blipFill>
+        <p:spPr bwMode="auto">
+          <a:xfrm>
+            <a:off x="2637454" y="4833544"/>
+            <a:ext cx="457041" cy="457041"/>
+          </a:xfrm>
+          <a:prstGeom prst="rect">
+            <a:avLst/>
+          </a:prstGeom>
+          <a:noFill/>
+          <a:extLst>
+            <a:ext uri="{909E8E84-426E-40DD-AFC4-6F175D3DCCD1}">
+              <a14:hiddenFill xmlns:a14="http://schemas.microsoft.com/office/drawing/2010/main">
+                <a:solidFill>
+                  <a:srgbClr val="FFFFFF"/>
+                </a:solidFill>
+              </a14:hiddenFill>
+            </a:ext>
+          </a:extLst>
+        </p:spPr>
+      </p:pic>
+      <p:pic>
+        <p:nvPicPr>
+          <p:cNvPr id="33" name="Picture 2" descr="Bandera de españa en estilo grunge | Vector Premium">
+            <a:extLst>
+              <a:ext uri="{FF2B5EF4-FFF2-40B4-BE49-F238E27FC236}">
+                <a16:creationId xmlns:a16="http://schemas.microsoft.com/office/drawing/2014/main" id="{78130426-FA58-D85E-1AC8-3DDB4D6095D7}"/>
+              </a:ext>
+            </a:extLst>
+          </p:cNvPr>
+          <p:cNvPicPr>
+            <a:picLocks noChangeAspect="1" noChangeArrowheads="1"/>
+          </p:cNvPicPr>
+          <p:nvPr/>
+        </p:nvPicPr>
+        <p:blipFill>
+          <a:blip r:embed="rId10">
+            <a:extLst>
+              <a:ext uri="{28A0092B-C50C-407E-A947-70E740481C1C}">
+                <a14:useLocalDpi xmlns:a14="http://schemas.microsoft.com/office/drawing/2010/main" val="0"/>
+              </a:ext>
+            </a:extLst>
+          </a:blip>
+          <a:srcRect/>
+          <a:stretch>
+            <a:fillRect/>
+          </a:stretch>
+        </p:blipFill>
+        <p:spPr bwMode="auto">
+          <a:xfrm>
+            <a:off x="2374980" y="2673744"/>
+            <a:ext cx="262474" cy="184906"/>
+          </a:xfrm>
+          <a:prstGeom prst="rect">
+            <a:avLst/>
+          </a:prstGeom>
+          <a:noFill/>
+          <a:extLst>
+            <a:ext uri="{909E8E84-426E-40DD-AFC4-6F175D3DCCD1}">
+              <a14:hiddenFill xmlns:a14="http://schemas.microsoft.com/office/drawing/2010/main">
+                <a:solidFill>
+                  <a:srgbClr val="FFFFFF"/>
+                </a:solidFill>
+              </a14:hiddenFill>
+            </a:ext>
+          </a:extLst>
+        </p:spPr>
+      </p:pic>
+    </p:spTree>
+    <p:extLst>
+      <p:ext uri="{BB962C8B-B14F-4D97-AF65-F5344CB8AC3E}">
+        <p14:creationId xmlns:p14="http://schemas.microsoft.com/office/powerpoint/2010/main" val="260497872"/>
+      </p:ext>
+    </p:extLst>
+  </p:cSld>
+  <p:clrMapOvr>
+    <a:masterClrMapping/>
+  </p:clrMapOvr>
+</p:sld>
+</file>
+
+<file path=ppt/slides/slide9.xml><?xml version="1.0" encoding="utf-8"?>
 <p:sld xmlns:a="http://schemas.openxmlformats.org/drawingml/2006/main" xmlns:r="http://schemas.openxmlformats.org/officeDocument/2006/relationships" xmlns:p="http://schemas.openxmlformats.org/presentationml/2006/main">
   <p:cSld>
     <p:bg>
@@ -10592,1076 +16730,6 @@
     <p:extLst>
       <p:ext uri="{BB962C8B-B14F-4D97-AF65-F5344CB8AC3E}">
         <p14:creationId xmlns:p14="http://schemas.microsoft.com/office/powerpoint/2010/main" val="996176950"/>
-      </p:ext>
-    </p:extLst>
-  </p:cSld>
-  <p:clrMapOvr>
-    <a:masterClrMapping/>
-  </p:clrMapOvr>
-</p:sld>
-</file>
-
-<file path=ppt/slides/slide8.xml><?xml version="1.0" encoding="utf-8"?>
-<p:sld xmlns:a="http://schemas.openxmlformats.org/drawingml/2006/main" xmlns:r="http://schemas.openxmlformats.org/officeDocument/2006/relationships" xmlns:p="http://schemas.openxmlformats.org/presentationml/2006/main">
-  <p:cSld>
-    <p:spTree>
-      <p:nvGrpSpPr>
-        <p:cNvPr id="1" name=""/>
-        <p:cNvGrpSpPr/>
-        <p:nvPr/>
-      </p:nvGrpSpPr>
-      <p:grpSpPr>
-        <a:xfrm>
-          <a:off x="0" y="0"/>
-          <a:ext cx="0" cy="0"/>
-          <a:chOff x="0" y="0"/>
-          <a:chExt cx="0" cy="0"/>
-        </a:xfrm>
-      </p:grpSpPr>
-      <p:sp>
-        <p:nvSpPr>
-          <p:cNvPr id="2" name="Title 1">
-            <a:extLst>
-              <a:ext uri="{FF2B5EF4-FFF2-40B4-BE49-F238E27FC236}">
-                <a16:creationId xmlns:a16="http://schemas.microsoft.com/office/drawing/2014/main" id="{0D3464D9-FCD2-8036-0326-25781CA0B809}"/>
-              </a:ext>
-            </a:extLst>
-          </p:cNvPr>
-          <p:cNvSpPr>
-            <a:spLocks noGrp="1"/>
-          </p:cNvSpPr>
-          <p:nvPr>
-            <p:ph type="title"/>
-          </p:nvPr>
-        </p:nvSpPr>
-        <p:spPr/>
-        <p:txBody>
-          <a:bodyPr/>
-          <a:lstStyle/>
-          <a:p>
-            <a:r>
-              <a:rPr lang="es-ES" dirty="0"/>
-              <a:t>Guía de usuario</a:t>
-            </a:r>
-          </a:p>
-        </p:txBody>
-      </p:sp>
-      <p:sp>
-        <p:nvSpPr>
-          <p:cNvPr id="3" name="Content Placeholder 2">
-            <a:extLst>
-              <a:ext uri="{FF2B5EF4-FFF2-40B4-BE49-F238E27FC236}">
-                <a16:creationId xmlns:a16="http://schemas.microsoft.com/office/drawing/2014/main" id="{F35865B3-44E2-AB93-4EE8-C4AA8DFE35A4}"/>
-              </a:ext>
-            </a:extLst>
-          </p:cNvPr>
-          <p:cNvSpPr>
-            <a:spLocks noGrp="1"/>
-          </p:cNvSpPr>
-          <p:nvPr>
-            <p:ph idx="1"/>
-          </p:nvPr>
-        </p:nvSpPr>
-        <p:spPr/>
-        <p:txBody>
-          <a:bodyPr/>
-          <a:lstStyle/>
-          <a:p>
-            <a:r>
-              <a:rPr lang="es-ES" dirty="0"/>
-              <a:t>Diseño de la app</a:t>
-            </a:r>
-          </a:p>
-        </p:txBody>
-      </p:sp>
-      <p:pic>
-        <p:nvPicPr>
-          <p:cNvPr id="1026" name="Picture 2">
-            <a:extLst>
-              <a:ext uri="{FF2B5EF4-FFF2-40B4-BE49-F238E27FC236}">
-                <a16:creationId xmlns:a16="http://schemas.microsoft.com/office/drawing/2014/main" id="{82B94BE7-4AF4-A6A3-4DF1-8BDDF3EE1044}"/>
-              </a:ext>
-            </a:extLst>
-          </p:cNvPr>
-          <p:cNvPicPr>
-            <a:picLocks noChangeAspect="1" noChangeArrowheads="1"/>
-          </p:cNvPicPr>
-          <p:nvPr/>
-        </p:nvPicPr>
-        <p:blipFill>
-          <a:blip r:embed="rId3">
-            <a:extLst>
-              <a:ext uri="{28A0092B-C50C-407E-A947-70E740481C1C}">
-                <a14:useLocalDpi xmlns:a14="http://schemas.microsoft.com/office/drawing/2010/main" val="0"/>
-              </a:ext>
-            </a:extLst>
-          </a:blip>
-          <a:srcRect/>
-          <a:stretch>
-            <a:fillRect/>
-          </a:stretch>
-        </p:blipFill>
-        <p:spPr bwMode="auto">
-          <a:xfrm>
-            <a:off x="5282445" y="175975"/>
-            <a:ext cx="2893368" cy="1999054"/>
-          </a:xfrm>
-          <a:prstGeom prst="rect">
-            <a:avLst/>
-          </a:prstGeom>
-          <a:noFill/>
-          <a:extLst>
-            <a:ext uri="{909E8E84-426E-40DD-AFC4-6F175D3DCCD1}">
-              <a14:hiddenFill xmlns:a14="http://schemas.microsoft.com/office/drawing/2010/main">
-                <a:solidFill>
-                  <a:srgbClr val="FFFFFF"/>
-                </a:solidFill>
-              </a14:hiddenFill>
-            </a:ext>
-          </a:extLst>
-        </p:spPr>
-      </p:pic>
-      <p:pic>
-        <p:nvPicPr>
-          <p:cNvPr id="1028" name="Picture 4">
-            <a:extLst>
-              <a:ext uri="{FF2B5EF4-FFF2-40B4-BE49-F238E27FC236}">
-                <a16:creationId xmlns:a16="http://schemas.microsoft.com/office/drawing/2014/main" id="{99DD9E3F-28B8-8671-C73C-0469E21411F0}"/>
-              </a:ext>
-            </a:extLst>
-          </p:cNvPr>
-          <p:cNvPicPr>
-            <a:picLocks noChangeAspect="1" noChangeArrowheads="1"/>
-          </p:cNvPicPr>
-          <p:nvPr/>
-        </p:nvPicPr>
-        <p:blipFill>
-          <a:blip r:embed="rId4">
-            <a:extLst>
-              <a:ext uri="{28A0092B-C50C-407E-A947-70E740481C1C}">
-                <a14:useLocalDpi xmlns:a14="http://schemas.microsoft.com/office/drawing/2010/main" val="0"/>
-              </a:ext>
-            </a:extLst>
-          </a:blip>
-          <a:srcRect/>
-          <a:stretch>
-            <a:fillRect/>
-          </a:stretch>
-        </p:blipFill>
-        <p:spPr bwMode="auto">
-          <a:xfrm>
-            <a:off x="8320272" y="175975"/>
-            <a:ext cx="3265087" cy="1996093"/>
-          </a:xfrm>
-          <a:prstGeom prst="rect">
-            <a:avLst/>
-          </a:prstGeom>
-          <a:noFill/>
-          <a:extLst>
-            <a:ext uri="{909E8E84-426E-40DD-AFC4-6F175D3DCCD1}">
-              <a14:hiddenFill xmlns:a14="http://schemas.microsoft.com/office/drawing/2010/main">
-                <a:solidFill>
-                  <a:srgbClr val="FFFFFF"/>
-                </a:solidFill>
-              </a14:hiddenFill>
-            </a:ext>
-          </a:extLst>
-        </p:spPr>
-      </p:pic>
-      <p:sp>
-        <p:nvSpPr>
-          <p:cNvPr id="6" name="Rectangle 5">
-            <a:extLst>
-              <a:ext uri="{FF2B5EF4-FFF2-40B4-BE49-F238E27FC236}">
-                <a16:creationId xmlns:a16="http://schemas.microsoft.com/office/drawing/2014/main" id="{C8DBE96A-D504-D274-8895-959D3BE9FDD3}"/>
-              </a:ext>
-            </a:extLst>
-          </p:cNvPr>
-          <p:cNvSpPr/>
-          <p:nvPr/>
-        </p:nvSpPr>
-        <p:spPr>
-          <a:xfrm>
-            <a:off x="0" y="2370338"/>
-            <a:ext cx="12192000" cy="4487662"/>
-          </a:xfrm>
-          <a:prstGeom prst="rect">
-            <a:avLst/>
-          </a:prstGeom>
-          <a:solidFill>
-            <a:srgbClr val="1691A2"/>
-          </a:solidFill>
-          <a:ln>
-            <a:solidFill>
-              <a:srgbClr val="1691A2"/>
-            </a:solidFill>
-          </a:ln>
-        </p:spPr>
-        <p:style>
-          <a:lnRef idx="2">
-            <a:schemeClr val="accent1">
-              <a:shade val="50000"/>
-            </a:schemeClr>
-          </a:lnRef>
-          <a:fillRef idx="1">
-            <a:schemeClr val="accent1"/>
-          </a:fillRef>
-          <a:effectRef idx="0">
-            <a:schemeClr val="accent1"/>
-          </a:effectRef>
-          <a:fontRef idx="minor">
-            <a:schemeClr val="lt1"/>
-          </a:fontRef>
-        </p:style>
-        <p:txBody>
-          <a:bodyPr rtlCol="0" anchor="ctr"/>
-          <a:lstStyle/>
-          <a:p>
-            <a:pPr algn="ctr"/>
-            <a:endParaRPr lang="es-ES" dirty="0"/>
-          </a:p>
-        </p:txBody>
-      </p:sp>
-      <p:pic>
-        <p:nvPicPr>
-          <p:cNvPr id="1030" name="Picture 6">
-            <a:extLst>
-              <a:ext uri="{FF2B5EF4-FFF2-40B4-BE49-F238E27FC236}">
-                <a16:creationId xmlns:a16="http://schemas.microsoft.com/office/drawing/2014/main" id="{58B0F2AC-2607-6FAF-55F6-F0892A50D732}"/>
-              </a:ext>
-            </a:extLst>
-          </p:cNvPr>
-          <p:cNvPicPr>
-            <a:picLocks noChangeAspect="1" noChangeArrowheads="1"/>
-          </p:cNvPicPr>
-          <p:nvPr/>
-        </p:nvPicPr>
-        <p:blipFill>
-          <a:blip r:embed="rId5">
-            <a:extLst>
-              <a:ext uri="{28A0092B-C50C-407E-A947-70E740481C1C}">
-                <a14:useLocalDpi xmlns:a14="http://schemas.microsoft.com/office/drawing/2010/main" val="0"/>
-              </a:ext>
-            </a:extLst>
-          </a:blip>
-          <a:srcRect/>
-          <a:stretch>
-            <a:fillRect/>
-          </a:stretch>
-        </p:blipFill>
-        <p:spPr bwMode="auto">
-          <a:xfrm>
-            <a:off x="2644164" y="2761224"/>
-            <a:ext cx="6903671" cy="3756257"/>
-          </a:xfrm>
-          <a:prstGeom prst="rect">
-            <a:avLst/>
-          </a:prstGeom>
-          <a:noFill/>
-          <a:extLst>
-            <a:ext uri="{909E8E84-426E-40DD-AFC4-6F175D3DCCD1}">
-              <a14:hiddenFill xmlns:a14="http://schemas.microsoft.com/office/drawing/2010/main">
-                <a:solidFill>
-                  <a:srgbClr val="FFFFFF"/>
-                </a:solidFill>
-              </a14:hiddenFill>
-            </a:ext>
-          </a:extLst>
-        </p:spPr>
-      </p:pic>
-      <p:sp>
-        <p:nvSpPr>
-          <p:cNvPr id="7" name="Rectangle 6">
-            <a:extLst>
-              <a:ext uri="{FF2B5EF4-FFF2-40B4-BE49-F238E27FC236}">
-                <a16:creationId xmlns:a16="http://schemas.microsoft.com/office/drawing/2014/main" id="{AFAE38F4-452E-4D97-3AFC-325A6C0FA24A}"/>
-              </a:ext>
-            </a:extLst>
-          </p:cNvPr>
-          <p:cNvSpPr/>
-          <p:nvPr/>
-        </p:nvSpPr>
-        <p:spPr>
-          <a:xfrm>
-            <a:off x="2920753" y="3284739"/>
-            <a:ext cx="1207362" cy="1438181"/>
-          </a:xfrm>
-          <a:prstGeom prst="rect">
-            <a:avLst/>
-          </a:prstGeom>
-          <a:noFill/>
-          <a:ln w="19050">
-            <a:solidFill>
-              <a:srgbClr val="FF0000"/>
-            </a:solidFill>
-            <a:prstDash val="sysDash"/>
-          </a:ln>
-        </p:spPr>
-        <p:style>
-          <a:lnRef idx="2">
-            <a:schemeClr val="accent1">
-              <a:shade val="50000"/>
-            </a:schemeClr>
-          </a:lnRef>
-          <a:fillRef idx="1">
-            <a:schemeClr val="accent1"/>
-          </a:fillRef>
-          <a:effectRef idx="0">
-            <a:schemeClr val="accent1"/>
-          </a:effectRef>
-          <a:fontRef idx="minor">
-            <a:schemeClr val="lt1"/>
-          </a:fontRef>
-        </p:style>
-        <p:txBody>
-          <a:bodyPr rtlCol="0" anchor="ctr"/>
-          <a:lstStyle/>
-          <a:p>
-            <a:pPr algn="ctr"/>
-            <a:endParaRPr lang="es-ES"/>
-          </a:p>
-        </p:txBody>
-      </p:sp>
-      <p:sp>
-        <p:nvSpPr>
-          <p:cNvPr id="8" name="Rectangle 7">
-            <a:extLst>
-              <a:ext uri="{FF2B5EF4-FFF2-40B4-BE49-F238E27FC236}">
-                <a16:creationId xmlns:a16="http://schemas.microsoft.com/office/drawing/2014/main" id="{9F1431C2-7A57-2CC8-F620-23516143AA57}"/>
-              </a:ext>
-            </a:extLst>
-          </p:cNvPr>
-          <p:cNvSpPr/>
-          <p:nvPr/>
-        </p:nvSpPr>
-        <p:spPr>
-          <a:xfrm>
-            <a:off x="2644164" y="2944220"/>
-            <a:ext cx="684962" cy="233986"/>
-          </a:xfrm>
-          <a:prstGeom prst="rect">
-            <a:avLst/>
-          </a:prstGeom>
-          <a:noFill/>
-          <a:ln w="19050">
-            <a:solidFill>
-              <a:srgbClr val="FF0000"/>
-            </a:solidFill>
-            <a:prstDash val="sysDash"/>
-          </a:ln>
-        </p:spPr>
-        <p:style>
-          <a:lnRef idx="2">
-            <a:schemeClr val="accent1">
-              <a:shade val="50000"/>
-            </a:schemeClr>
-          </a:lnRef>
-          <a:fillRef idx="1">
-            <a:schemeClr val="accent1"/>
-          </a:fillRef>
-          <a:effectRef idx="0">
-            <a:schemeClr val="accent1"/>
-          </a:effectRef>
-          <a:fontRef idx="minor">
-            <a:schemeClr val="lt1"/>
-          </a:fontRef>
-        </p:style>
-        <p:txBody>
-          <a:bodyPr rtlCol="0" anchor="ctr"/>
-          <a:lstStyle/>
-          <a:p>
-            <a:pPr algn="ctr"/>
-            <a:endParaRPr lang="es-ES"/>
-          </a:p>
-        </p:txBody>
-      </p:sp>
-      <p:sp>
-        <p:nvSpPr>
-          <p:cNvPr id="9" name="Rectangle 8">
-            <a:extLst>
-              <a:ext uri="{FF2B5EF4-FFF2-40B4-BE49-F238E27FC236}">
-                <a16:creationId xmlns:a16="http://schemas.microsoft.com/office/drawing/2014/main" id="{CF02AEB3-367B-1862-945D-29C32195D977}"/>
-              </a:ext>
-            </a:extLst>
-          </p:cNvPr>
-          <p:cNvSpPr/>
-          <p:nvPr/>
-        </p:nvSpPr>
-        <p:spPr>
-          <a:xfrm>
-            <a:off x="4296835" y="3201171"/>
-            <a:ext cx="5250999" cy="3291704"/>
-          </a:xfrm>
-          <a:prstGeom prst="rect">
-            <a:avLst/>
-          </a:prstGeom>
-          <a:noFill/>
-          <a:ln w="19050">
-            <a:solidFill>
-              <a:srgbClr val="FF0000"/>
-            </a:solidFill>
-            <a:prstDash val="sysDash"/>
-          </a:ln>
-        </p:spPr>
-        <p:style>
-          <a:lnRef idx="2">
-            <a:schemeClr val="accent1">
-              <a:shade val="50000"/>
-            </a:schemeClr>
-          </a:lnRef>
-          <a:fillRef idx="1">
-            <a:schemeClr val="accent1"/>
-          </a:fillRef>
-          <a:effectRef idx="0">
-            <a:schemeClr val="accent1"/>
-          </a:effectRef>
-          <a:fontRef idx="minor">
-            <a:schemeClr val="lt1"/>
-          </a:fontRef>
-        </p:style>
-        <p:txBody>
-          <a:bodyPr rtlCol="0" anchor="ctr"/>
-          <a:lstStyle/>
-          <a:p>
-            <a:pPr algn="ctr"/>
-            <a:endParaRPr lang="es-ES"/>
-          </a:p>
-        </p:txBody>
-      </p:sp>
-      <p:cxnSp>
-        <p:nvCxnSpPr>
-          <p:cNvPr id="11" name="Straight Connector 10">
-            <a:extLst>
-              <a:ext uri="{FF2B5EF4-FFF2-40B4-BE49-F238E27FC236}">
-                <a16:creationId xmlns:a16="http://schemas.microsoft.com/office/drawing/2014/main" id="{1F5B9DF1-31EA-F059-B7B7-690C41714F01}"/>
-              </a:ext>
-            </a:extLst>
-          </p:cNvPr>
-          <p:cNvCxnSpPr>
-            <a:cxnSpLocks/>
-          </p:cNvCxnSpPr>
-          <p:nvPr/>
-        </p:nvCxnSpPr>
-        <p:spPr>
-          <a:xfrm flipV="1">
-            <a:off x="7814803" y="2957667"/>
-            <a:ext cx="2436518" cy="534130"/>
-          </a:xfrm>
-          <a:prstGeom prst="line">
-            <a:avLst/>
-          </a:prstGeom>
-          <a:ln w="19050">
-            <a:solidFill>
-              <a:srgbClr val="FF0000"/>
-            </a:solidFill>
-            <a:prstDash val="sysDot"/>
-          </a:ln>
-        </p:spPr>
-        <p:style>
-          <a:lnRef idx="1">
-            <a:schemeClr val="accent1"/>
-          </a:lnRef>
-          <a:fillRef idx="0">
-            <a:schemeClr val="accent1"/>
-          </a:fillRef>
-          <a:effectRef idx="0">
-            <a:schemeClr val="accent1"/>
-          </a:effectRef>
-          <a:fontRef idx="minor">
-            <a:schemeClr val="tx1"/>
-          </a:fontRef>
-        </p:style>
-      </p:cxnSp>
-      <p:cxnSp>
-        <p:nvCxnSpPr>
-          <p:cNvPr id="13" name="Straight Connector 12">
-            <a:extLst>
-              <a:ext uri="{FF2B5EF4-FFF2-40B4-BE49-F238E27FC236}">
-                <a16:creationId xmlns:a16="http://schemas.microsoft.com/office/drawing/2014/main" id="{0CA88DC5-5670-AA81-65C7-FDF93C3AB46E}"/>
-              </a:ext>
-            </a:extLst>
-          </p:cNvPr>
-          <p:cNvCxnSpPr>
-            <a:cxnSpLocks/>
-          </p:cNvCxnSpPr>
-          <p:nvPr/>
-        </p:nvCxnSpPr>
-        <p:spPr>
-          <a:xfrm>
-            <a:off x="9232559" y="3882683"/>
-            <a:ext cx="591865" cy="153827"/>
-          </a:xfrm>
-          <a:prstGeom prst="line">
-            <a:avLst/>
-          </a:prstGeom>
-          <a:ln w="19050">
-            <a:solidFill>
-              <a:srgbClr val="FF0000"/>
-            </a:solidFill>
-            <a:prstDash val="sysDot"/>
-          </a:ln>
-        </p:spPr>
-        <p:style>
-          <a:lnRef idx="1">
-            <a:schemeClr val="accent1"/>
-          </a:lnRef>
-          <a:fillRef idx="0">
-            <a:schemeClr val="accent1"/>
-          </a:fillRef>
-          <a:effectRef idx="0">
-            <a:schemeClr val="accent1"/>
-          </a:effectRef>
-          <a:fontRef idx="minor">
-            <a:schemeClr val="tx1"/>
-          </a:fontRef>
-        </p:style>
-      </p:cxnSp>
-      <p:cxnSp>
-        <p:nvCxnSpPr>
-          <p:cNvPr id="16" name="Straight Connector 15">
-            <a:extLst>
-              <a:ext uri="{FF2B5EF4-FFF2-40B4-BE49-F238E27FC236}">
-                <a16:creationId xmlns:a16="http://schemas.microsoft.com/office/drawing/2014/main" id="{52624062-27F3-A9A5-F415-F65E8968860C}"/>
-              </a:ext>
-            </a:extLst>
-          </p:cNvPr>
-          <p:cNvCxnSpPr>
-            <a:cxnSpLocks/>
-          </p:cNvCxnSpPr>
-          <p:nvPr/>
-        </p:nvCxnSpPr>
-        <p:spPr>
-          <a:xfrm flipV="1">
-            <a:off x="8544518" y="5116606"/>
-            <a:ext cx="1480264" cy="189224"/>
-          </a:xfrm>
-          <a:prstGeom prst="line">
-            <a:avLst/>
-          </a:prstGeom>
-          <a:ln w="19050">
-            <a:solidFill>
-              <a:srgbClr val="FF0000"/>
-            </a:solidFill>
-            <a:prstDash val="sysDot"/>
-          </a:ln>
-        </p:spPr>
-        <p:style>
-          <a:lnRef idx="1">
-            <a:schemeClr val="accent1"/>
-          </a:lnRef>
-          <a:fillRef idx="0">
-            <a:schemeClr val="accent1"/>
-          </a:fillRef>
-          <a:effectRef idx="0">
-            <a:schemeClr val="accent1"/>
-          </a:effectRef>
-          <a:fontRef idx="minor">
-            <a:schemeClr val="tx1"/>
-          </a:fontRef>
-        </p:style>
-      </p:cxnSp>
-      <p:cxnSp>
-        <p:nvCxnSpPr>
-          <p:cNvPr id="18" name="Straight Connector 17">
-            <a:extLst>
-              <a:ext uri="{FF2B5EF4-FFF2-40B4-BE49-F238E27FC236}">
-                <a16:creationId xmlns:a16="http://schemas.microsoft.com/office/drawing/2014/main" id="{BB210E7F-D4DA-2906-1E5F-5F4E0D0381D6}"/>
-              </a:ext>
-            </a:extLst>
-          </p:cNvPr>
-          <p:cNvCxnSpPr>
-            <a:cxnSpLocks/>
-          </p:cNvCxnSpPr>
-          <p:nvPr/>
-        </p:nvCxnSpPr>
-        <p:spPr>
-          <a:xfrm flipV="1">
-            <a:off x="9389653" y="6279411"/>
-            <a:ext cx="563162" cy="55508"/>
-          </a:xfrm>
-          <a:prstGeom prst="line">
-            <a:avLst/>
-          </a:prstGeom>
-          <a:ln w="19050">
-            <a:solidFill>
-              <a:srgbClr val="FF0000"/>
-            </a:solidFill>
-            <a:prstDash val="sysDot"/>
-          </a:ln>
-        </p:spPr>
-        <p:style>
-          <a:lnRef idx="1">
-            <a:schemeClr val="accent1"/>
-          </a:lnRef>
-          <a:fillRef idx="0">
-            <a:schemeClr val="accent1"/>
-          </a:fillRef>
-          <a:effectRef idx="0">
-            <a:schemeClr val="accent1"/>
-          </a:effectRef>
-          <a:fontRef idx="minor">
-            <a:schemeClr val="tx1"/>
-          </a:fontRef>
-        </p:style>
-      </p:cxnSp>
-      <p:cxnSp>
-        <p:nvCxnSpPr>
-          <p:cNvPr id="20" name="Straight Connector 19">
-            <a:extLst>
-              <a:ext uri="{FF2B5EF4-FFF2-40B4-BE49-F238E27FC236}">
-                <a16:creationId xmlns:a16="http://schemas.microsoft.com/office/drawing/2014/main" id="{E236D409-6854-3448-4955-D0A46D6F944A}"/>
-              </a:ext>
-            </a:extLst>
-          </p:cNvPr>
-          <p:cNvCxnSpPr>
-            <a:cxnSpLocks/>
-          </p:cNvCxnSpPr>
-          <p:nvPr/>
-        </p:nvCxnSpPr>
-        <p:spPr>
-          <a:xfrm flipV="1">
-            <a:off x="2167217" y="4597179"/>
-            <a:ext cx="780141" cy="943009"/>
-          </a:xfrm>
-          <a:prstGeom prst="line">
-            <a:avLst/>
-          </a:prstGeom>
-          <a:ln w="19050">
-            <a:solidFill>
-              <a:srgbClr val="FF0000"/>
-            </a:solidFill>
-            <a:prstDash val="sysDot"/>
-          </a:ln>
-        </p:spPr>
-        <p:style>
-          <a:lnRef idx="1">
-            <a:schemeClr val="accent1"/>
-          </a:lnRef>
-          <a:fillRef idx="0">
-            <a:schemeClr val="accent1"/>
-          </a:fillRef>
-          <a:effectRef idx="0">
-            <a:schemeClr val="accent1"/>
-          </a:effectRef>
-          <a:fontRef idx="minor">
-            <a:schemeClr val="tx1"/>
-          </a:fontRef>
-        </p:style>
-      </p:cxnSp>
-      <p:cxnSp>
-        <p:nvCxnSpPr>
-          <p:cNvPr id="22" name="Straight Connector 21">
-            <a:extLst>
-              <a:ext uri="{FF2B5EF4-FFF2-40B4-BE49-F238E27FC236}">
-                <a16:creationId xmlns:a16="http://schemas.microsoft.com/office/drawing/2014/main" id="{BF53EC40-4619-C6BC-D2BD-1035B90A9382}"/>
-              </a:ext>
-            </a:extLst>
-          </p:cNvPr>
-          <p:cNvCxnSpPr>
-            <a:cxnSpLocks/>
-            <a:stCxn id="23" idx="3"/>
-          </p:cNvCxnSpPr>
-          <p:nvPr/>
-        </p:nvCxnSpPr>
-        <p:spPr>
-          <a:xfrm flipV="1">
-            <a:off x="2158118" y="3074660"/>
-            <a:ext cx="492135" cy="123111"/>
-          </a:xfrm>
-          <a:prstGeom prst="line">
-            <a:avLst/>
-          </a:prstGeom>
-          <a:ln w="19050">
-            <a:solidFill>
-              <a:srgbClr val="FF0000"/>
-            </a:solidFill>
-            <a:prstDash val="sysDot"/>
-          </a:ln>
-        </p:spPr>
-        <p:style>
-          <a:lnRef idx="1">
-            <a:schemeClr val="accent1"/>
-          </a:lnRef>
-          <a:fillRef idx="0">
-            <a:schemeClr val="accent1"/>
-          </a:fillRef>
-          <a:effectRef idx="0">
-            <a:schemeClr val="accent1"/>
-          </a:effectRef>
-          <a:fontRef idx="minor">
-            <a:schemeClr val="tx1"/>
-          </a:fontRef>
-        </p:style>
-      </p:cxnSp>
-      <p:sp>
-        <p:nvSpPr>
-          <p:cNvPr id="23" name="TextBox 22">
-            <a:extLst>
-              <a:ext uri="{FF2B5EF4-FFF2-40B4-BE49-F238E27FC236}">
-                <a16:creationId xmlns:a16="http://schemas.microsoft.com/office/drawing/2014/main" id="{EDA52AE0-4BB0-84A9-6E58-63BF1A68C4C4}"/>
-              </a:ext>
-            </a:extLst>
-          </p:cNvPr>
-          <p:cNvSpPr txBox="1"/>
-          <p:nvPr/>
-        </p:nvSpPr>
-        <p:spPr>
-          <a:xfrm>
-            <a:off x="1516596" y="3074660"/>
-            <a:ext cx="641522" cy="246221"/>
-          </a:xfrm>
-          <a:prstGeom prst="rect">
-            <a:avLst/>
-          </a:prstGeom>
-          <a:noFill/>
-        </p:spPr>
-        <p:txBody>
-          <a:bodyPr wrap="none" rtlCol="0">
-            <a:spAutoFit/>
-          </a:bodyPr>
-          <a:lstStyle/>
-          <a:p>
-            <a:r>
-              <a:rPr lang="es-ES" sz="1000" dirty="0">
-                <a:solidFill>
-                  <a:srgbClr val="FF0000"/>
-                </a:solidFill>
-              </a:rPr>
-              <a:t>Logotipo</a:t>
-            </a:r>
-          </a:p>
-        </p:txBody>
-      </p:sp>
-      <p:sp>
-        <p:nvSpPr>
-          <p:cNvPr id="24" name="TextBox 23">
-            <a:extLst>
-              <a:ext uri="{FF2B5EF4-FFF2-40B4-BE49-F238E27FC236}">
-                <a16:creationId xmlns:a16="http://schemas.microsoft.com/office/drawing/2014/main" id="{694B64F4-B2DE-9D14-1D7A-AD918B5E4B83}"/>
-              </a:ext>
-            </a:extLst>
-          </p:cNvPr>
-          <p:cNvSpPr txBox="1"/>
-          <p:nvPr/>
-        </p:nvSpPr>
-        <p:spPr>
-          <a:xfrm>
-            <a:off x="1521440" y="5511375"/>
-            <a:ext cx="986436" cy="400110"/>
-          </a:xfrm>
-          <a:prstGeom prst="rect">
-            <a:avLst/>
-          </a:prstGeom>
-          <a:noFill/>
-        </p:spPr>
-        <p:txBody>
-          <a:bodyPr wrap="square" rtlCol="0">
-            <a:spAutoFit/>
-          </a:bodyPr>
-          <a:lstStyle/>
-          <a:p>
-            <a:pPr algn="ctr"/>
-            <a:r>
-              <a:rPr lang="es-ES" sz="1000" dirty="0">
-                <a:solidFill>
-                  <a:srgbClr val="FF0000"/>
-                </a:solidFill>
-              </a:rPr>
-              <a:t>Botones de</a:t>
-            </a:r>
-          </a:p>
-          <a:p>
-            <a:pPr algn="ctr"/>
-            <a:r>
-              <a:rPr lang="es-ES" sz="1000" dirty="0">
-                <a:solidFill>
-                  <a:srgbClr val="FF0000"/>
-                </a:solidFill>
-              </a:rPr>
-              <a:t>funcionalidad</a:t>
-            </a:r>
-          </a:p>
-        </p:txBody>
-      </p:sp>
-      <p:sp>
-        <p:nvSpPr>
-          <p:cNvPr id="25" name="TextBox 24">
-            <a:extLst>
-              <a:ext uri="{FF2B5EF4-FFF2-40B4-BE49-F238E27FC236}">
-                <a16:creationId xmlns:a16="http://schemas.microsoft.com/office/drawing/2014/main" id="{BCD87479-2302-05D4-AE11-408C1C32DE3B}"/>
-              </a:ext>
-            </a:extLst>
-          </p:cNvPr>
-          <p:cNvSpPr txBox="1"/>
-          <p:nvPr/>
-        </p:nvSpPr>
-        <p:spPr>
-          <a:xfrm>
-            <a:off x="10251321" y="2828439"/>
-            <a:ext cx="633507" cy="246221"/>
-          </a:xfrm>
-          <a:prstGeom prst="rect">
-            <a:avLst/>
-          </a:prstGeom>
-          <a:noFill/>
-        </p:spPr>
-        <p:txBody>
-          <a:bodyPr wrap="none" rtlCol="0">
-            <a:spAutoFit/>
-          </a:bodyPr>
-          <a:lstStyle/>
-          <a:p>
-            <a:r>
-              <a:rPr lang="es-ES" sz="1000" dirty="0">
-                <a:solidFill>
-                  <a:srgbClr val="FF0000"/>
-                </a:solidFill>
-              </a:rPr>
-              <a:t>Text Box</a:t>
-            </a:r>
-          </a:p>
-        </p:txBody>
-      </p:sp>
-      <p:sp>
-        <p:nvSpPr>
-          <p:cNvPr id="26" name="TextBox 25">
-            <a:extLst>
-              <a:ext uri="{FF2B5EF4-FFF2-40B4-BE49-F238E27FC236}">
-                <a16:creationId xmlns:a16="http://schemas.microsoft.com/office/drawing/2014/main" id="{39AD820D-9CF5-975E-C88F-5FF86C4FB47D}"/>
-              </a:ext>
-            </a:extLst>
-          </p:cNvPr>
-          <p:cNvSpPr txBox="1"/>
-          <p:nvPr/>
-        </p:nvSpPr>
-        <p:spPr>
-          <a:xfrm>
-            <a:off x="9744512" y="3999252"/>
-            <a:ext cx="1301959" cy="400110"/>
-          </a:xfrm>
-          <a:prstGeom prst="rect">
-            <a:avLst/>
-          </a:prstGeom>
-          <a:noFill/>
-        </p:spPr>
-        <p:txBody>
-          <a:bodyPr wrap="none" rtlCol="0">
-            <a:spAutoFit/>
-          </a:bodyPr>
-          <a:lstStyle/>
-          <a:p>
-            <a:pPr algn="ctr"/>
-            <a:r>
-              <a:rPr lang="es-ES" sz="1000" dirty="0">
-                <a:solidFill>
-                  <a:srgbClr val="FF0000"/>
-                </a:solidFill>
-              </a:rPr>
-              <a:t>Botones de ejecución</a:t>
-            </a:r>
-          </a:p>
-          <a:p>
-            <a:pPr algn="ctr"/>
-            <a:r>
-              <a:rPr lang="es-ES" sz="1000" dirty="0">
-                <a:solidFill>
-                  <a:srgbClr val="FF0000"/>
-                </a:solidFill>
-              </a:rPr>
-              <a:t>Y borrado</a:t>
-            </a:r>
-          </a:p>
-        </p:txBody>
-      </p:sp>
-      <p:sp>
-        <p:nvSpPr>
-          <p:cNvPr id="28" name="TextBox 27">
-            <a:extLst>
-              <a:ext uri="{FF2B5EF4-FFF2-40B4-BE49-F238E27FC236}">
-                <a16:creationId xmlns:a16="http://schemas.microsoft.com/office/drawing/2014/main" id="{AB043088-662C-8451-11A7-041396DFBA85}"/>
-              </a:ext>
-            </a:extLst>
-          </p:cNvPr>
-          <p:cNvSpPr txBox="1"/>
-          <p:nvPr/>
-        </p:nvSpPr>
-        <p:spPr>
-          <a:xfrm>
-            <a:off x="10067817" y="4888052"/>
-            <a:ext cx="752130" cy="400110"/>
-          </a:xfrm>
-          <a:prstGeom prst="rect">
-            <a:avLst/>
-          </a:prstGeom>
-          <a:noFill/>
-        </p:spPr>
-        <p:txBody>
-          <a:bodyPr wrap="none" rtlCol="0">
-            <a:spAutoFit/>
-          </a:bodyPr>
-          <a:lstStyle/>
-          <a:p>
-            <a:pPr algn="ctr"/>
-            <a:r>
-              <a:rPr lang="es-ES" sz="1000" dirty="0">
-                <a:solidFill>
-                  <a:srgbClr val="FF0000"/>
-                </a:solidFill>
-              </a:rPr>
-              <a:t>Caja de</a:t>
-            </a:r>
-          </a:p>
-          <a:p>
-            <a:pPr algn="ctr"/>
-            <a:r>
-              <a:rPr lang="es-ES" sz="1000" dirty="0">
-                <a:solidFill>
-                  <a:srgbClr val="FF0000"/>
-                </a:solidFill>
-              </a:rPr>
-              <a:t>Resultados</a:t>
-            </a:r>
-          </a:p>
-        </p:txBody>
-      </p:sp>
-      <p:sp>
-        <p:nvSpPr>
-          <p:cNvPr id="29" name="TextBox 28">
-            <a:extLst>
-              <a:ext uri="{FF2B5EF4-FFF2-40B4-BE49-F238E27FC236}">
-                <a16:creationId xmlns:a16="http://schemas.microsoft.com/office/drawing/2014/main" id="{2AE26305-E7EE-A462-49F0-5F2119FB9686}"/>
-              </a:ext>
-            </a:extLst>
-          </p:cNvPr>
-          <p:cNvSpPr txBox="1"/>
-          <p:nvPr/>
-        </p:nvSpPr>
-        <p:spPr>
-          <a:xfrm>
-            <a:off x="9909596" y="5968148"/>
-            <a:ext cx="1156086" cy="400110"/>
-          </a:xfrm>
-          <a:prstGeom prst="rect">
-            <a:avLst/>
-          </a:prstGeom>
-          <a:noFill/>
-        </p:spPr>
-        <p:txBody>
-          <a:bodyPr wrap="none" rtlCol="0">
-            <a:spAutoFit/>
-          </a:bodyPr>
-          <a:lstStyle/>
-          <a:p>
-            <a:pPr algn="ctr"/>
-            <a:r>
-              <a:rPr lang="es-ES" sz="1000" dirty="0">
-                <a:solidFill>
-                  <a:srgbClr val="FF0000"/>
-                </a:solidFill>
-              </a:rPr>
-              <a:t>Botón de</a:t>
-            </a:r>
-          </a:p>
-          <a:p>
-            <a:pPr algn="ctr"/>
-            <a:r>
-              <a:rPr lang="es-ES" sz="1000" dirty="0">
-                <a:solidFill>
-                  <a:srgbClr val="FF0000"/>
-                </a:solidFill>
-              </a:rPr>
-              <a:t>Guardado en Excel</a:t>
-            </a:r>
-          </a:p>
-        </p:txBody>
-      </p:sp>
-    </p:spTree>
-    <p:extLst>
-      <p:ext uri="{BB962C8B-B14F-4D97-AF65-F5344CB8AC3E}">
-        <p14:creationId xmlns:p14="http://schemas.microsoft.com/office/powerpoint/2010/main" val="2978876714"/>
-      </p:ext>
-    </p:extLst>
-  </p:cSld>
-  <p:clrMapOvr>
-    <a:masterClrMapping/>
-  </p:clrMapOvr>
-</p:sld>
-</file>
-
-<file path=ppt/slides/slide9.xml><?xml version="1.0" encoding="utf-8"?>
-<p:sld xmlns:a="http://schemas.openxmlformats.org/drawingml/2006/main" xmlns:r="http://schemas.openxmlformats.org/officeDocument/2006/relationships" xmlns:p="http://schemas.openxmlformats.org/presentationml/2006/main">
-  <p:cSld>
-    <p:spTree>
-      <p:nvGrpSpPr>
-        <p:cNvPr id="1" name=""/>
-        <p:cNvGrpSpPr/>
-        <p:nvPr/>
-      </p:nvGrpSpPr>
-      <p:grpSpPr>
-        <a:xfrm>
-          <a:off x="0" y="0"/>
-          <a:ext cx="0" cy="0"/>
-          <a:chOff x="0" y="0"/>
-          <a:chExt cx="0" cy="0"/>
-        </a:xfrm>
-      </p:grpSpPr>
-      <p:sp>
-        <p:nvSpPr>
-          <p:cNvPr id="2" name="Title 1">
-            <a:extLst>
-              <a:ext uri="{FF2B5EF4-FFF2-40B4-BE49-F238E27FC236}">
-                <a16:creationId xmlns:a16="http://schemas.microsoft.com/office/drawing/2014/main" id="{D7C643A9-A482-0DE3-8C58-7434985114FC}"/>
-              </a:ext>
-            </a:extLst>
-          </p:cNvPr>
-          <p:cNvSpPr>
-            <a:spLocks noGrp="1"/>
-          </p:cNvSpPr>
-          <p:nvPr>
-            <p:ph type="title"/>
-          </p:nvPr>
-        </p:nvSpPr>
-        <p:spPr/>
-        <p:txBody>
-          <a:bodyPr/>
-          <a:lstStyle/>
-          <a:p>
-            <a:r>
-              <a:rPr lang="es-ES" dirty="0"/>
-              <a:t>Conclusiones y desarrollos futuros</a:t>
-            </a:r>
-          </a:p>
-        </p:txBody>
-      </p:sp>
-      <p:sp>
-        <p:nvSpPr>
-          <p:cNvPr id="3" name="Content Placeholder 2">
-            <a:extLst>
-              <a:ext uri="{FF2B5EF4-FFF2-40B4-BE49-F238E27FC236}">
-                <a16:creationId xmlns:a16="http://schemas.microsoft.com/office/drawing/2014/main" id="{B3CB392A-F9F2-1581-67B4-5181C2451B01}"/>
-              </a:ext>
-            </a:extLst>
-          </p:cNvPr>
-          <p:cNvSpPr>
-            <a:spLocks noGrp="1"/>
-          </p:cNvSpPr>
-          <p:nvPr>
-            <p:ph idx="1"/>
-          </p:nvPr>
-        </p:nvSpPr>
-        <p:spPr/>
-        <p:txBody>
-          <a:bodyPr/>
-          <a:lstStyle/>
-          <a:p>
-            <a:endParaRPr lang="es-ES"/>
-          </a:p>
-        </p:txBody>
-      </p:sp>
-    </p:spTree>
-    <p:extLst>
-      <p:ext uri="{BB962C8B-B14F-4D97-AF65-F5344CB8AC3E}">
-        <p14:creationId xmlns:p14="http://schemas.microsoft.com/office/powerpoint/2010/main" val="248316401"/>
       </p:ext>
     </p:extLst>
   </p:cSld>
